--- a/Project letrature/IMAGE_STEGNOGRAPHY_USING_PYTHON.pptx
+++ b/Project letrature/IMAGE_STEGNOGRAPHY_USING_PYTHON.pptx
@@ -10505,26 +10505,43 @@
           </a:p>
         </p:txBody>
       </p:sp>
-      <p:pic>
-        <p:nvPicPr>
-          <p:cNvPr id="4" name="Content Placeholder 3"/>
-          <p:cNvPicPr>
-            <a:picLocks noGrp="1" noChangeAspect="1"/>
-          </p:cNvPicPr>
+      <p:sp>
+        <p:nvSpPr>
+          <p:cNvPr id="3" name="Content Placeholder 2"/>
+          <p:cNvSpPr>
+            <a:spLocks noGrp="1"/>
+          </p:cNvSpPr>
           <p:nvPr>
             <p:ph idx="1"/>
           </p:nvPr>
+        </p:nvSpPr>
+        <p:spPr/>
+        <p:txBody>
+          <a:bodyPr/>
+          <a:lstStyle/>
+          <a:p>
+            <a:endParaRPr lang="en-IN"/>
+          </a:p>
+        </p:txBody>
+      </p:sp>
+      <p:pic>
+        <p:nvPicPr>
+          <p:cNvPr id="6" name="Picture 5"/>
+          <p:cNvPicPr>
+            <a:picLocks noChangeAspect="1"/>
+          </p:cNvPicPr>
+          <p:nvPr/>
         </p:nvPicPr>
         <p:blipFill>
-          <a:blip r:embed="rId2" cstate="print"/>
+          <a:blip r:embed="rId2"/>
           <a:stretch>
             <a:fillRect/>
           </a:stretch>
         </p:blipFill>
         <p:spPr>
           <a:xfrm>
-            <a:off x="2526500" y="1366886"/>
-            <a:ext cx="9044535" cy="5023998"/>
+            <a:off x="2299398" y="1264555"/>
+            <a:ext cx="9455827" cy="5221994"/>
           </a:xfrm>
           <a:prstGeom prst="roundRect">
             <a:avLst>

--- a/Project letrature/IMAGE_STEGNOGRAPHY_USING_PYTHON.pptx
+++ b/Project letrature/IMAGE_STEGNOGRAPHY_USING_PYTHON.pptx
@@ -5,7 +5,7 @@
     <p:sldMasterId id="2147483810" r:id="rId1"/>
   </p:sldMasterIdLst>
   <p:notesMasterIdLst>
-    <p:notesMasterId r:id="rId29"/>
+    <p:notesMasterId r:id="rId32"/>
   </p:notesMasterIdLst>
   <p:sldIdLst>
     <p:sldId id="256" r:id="rId2"/>
@@ -16,25 +16,28 @@
     <p:sldId id="283" r:id="rId7"/>
     <p:sldId id="284" r:id="rId8"/>
     <p:sldId id="275" r:id="rId9"/>
-    <p:sldId id="276" r:id="rId10"/>
-    <p:sldId id="277" r:id="rId11"/>
-    <p:sldId id="278" r:id="rId12"/>
-    <p:sldId id="279" r:id="rId13"/>
-    <p:sldId id="280" r:id="rId14"/>
-    <p:sldId id="281" r:id="rId15"/>
-    <p:sldId id="263" r:id="rId16"/>
-    <p:sldId id="264" r:id="rId17"/>
-    <p:sldId id="265" r:id="rId18"/>
-    <p:sldId id="266" r:id="rId19"/>
-    <p:sldId id="267" r:id="rId20"/>
-    <p:sldId id="270" r:id="rId21"/>
-    <p:sldId id="272" r:id="rId22"/>
-    <p:sldId id="268" r:id="rId23"/>
-    <p:sldId id="269" r:id="rId24"/>
-    <p:sldId id="282" r:id="rId25"/>
-    <p:sldId id="260" r:id="rId26"/>
-    <p:sldId id="274" r:id="rId27"/>
-    <p:sldId id="261" r:id="rId28"/>
+    <p:sldId id="285" r:id="rId10"/>
+    <p:sldId id="286" r:id="rId11"/>
+    <p:sldId id="276" r:id="rId12"/>
+    <p:sldId id="277" r:id="rId13"/>
+    <p:sldId id="278" r:id="rId14"/>
+    <p:sldId id="279" r:id="rId15"/>
+    <p:sldId id="280" r:id="rId16"/>
+    <p:sldId id="281" r:id="rId17"/>
+    <p:sldId id="263" r:id="rId18"/>
+    <p:sldId id="287" r:id="rId19"/>
+    <p:sldId id="264" r:id="rId20"/>
+    <p:sldId id="265" r:id="rId21"/>
+    <p:sldId id="266" r:id="rId22"/>
+    <p:sldId id="267" r:id="rId23"/>
+    <p:sldId id="270" r:id="rId24"/>
+    <p:sldId id="272" r:id="rId25"/>
+    <p:sldId id="268" r:id="rId26"/>
+    <p:sldId id="269" r:id="rId27"/>
+    <p:sldId id="282" r:id="rId28"/>
+    <p:sldId id="260" r:id="rId29"/>
+    <p:sldId id="274" r:id="rId30"/>
+    <p:sldId id="261" r:id="rId31"/>
   </p:sldIdLst>
   <p:sldSz cx="12192000" cy="6858000"/>
   <p:notesSz cx="6858000" cy="9144000"/>
@@ -146,6 +149,8 @@
             <p14:sldId id="283"/>
             <p14:sldId id="284"/>
             <p14:sldId id="275"/>
+            <p14:sldId id="285"/>
+            <p14:sldId id="286"/>
             <p14:sldId id="276"/>
             <p14:sldId id="277"/>
             <p14:sldId id="278"/>
@@ -153,6 +158,7 @@
             <p14:sldId id="280"/>
             <p14:sldId id="281"/>
             <p14:sldId id="263"/>
+            <p14:sldId id="287"/>
             <p14:sldId id="264"/>
             <p14:sldId id="265"/>
             <p14:sldId id="266"/>
@@ -8292,2222 +8298,7 @@
       </p:grpSpPr>
       <p:sp>
         <p:nvSpPr>
-          <p:cNvPr id="2" name="object 3"/>
-          <p:cNvSpPr txBox="1"/>
-          <p:nvPr/>
-        </p:nvSpPr>
-        <p:spPr>
-          <a:xfrm>
-            <a:off x="1792224" y="564697"/>
-            <a:ext cx="8321040" cy="538609"/>
-          </a:xfrm>
-          <a:prstGeom prst="rect">
-            <a:avLst/>
-          </a:prstGeom>
-        </p:spPr>
-        <p:txBody>
-          <a:bodyPr vert="horz" wrap="square" lIns="0" tIns="0" rIns="0" bIns="0" rtlCol="0">
-            <a:spAutoFit/>
-          </a:bodyPr>
-          <a:lstStyle/>
-          <a:p>
-            <a:pPr marL="0" marR="0">
-              <a:lnSpc>
-                <a:spcPts val="4167"/>
-              </a:lnSpc>
-              <a:spcBef>
-                <a:spcPts val="0"/>
-              </a:spcBef>
-              <a:spcAft>
-                <a:spcPts val="0"/>
-              </a:spcAft>
-            </a:pPr>
-            <a:r>
-              <a:rPr sz="3600" dirty="0">
-                <a:latin typeface="Algerian" pitchFamily="82" charset="0"/>
-                <a:cs typeface="Calibri"/>
-              </a:rPr>
-              <a:t>Least Significant Bit</a:t>
-            </a:r>
-            <a:r>
-              <a:rPr sz="3600" spc="12" dirty="0">
-                <a:latin typeface="Algerian" pitchFamily="82" charset="0"/>
-                <a:cs typeface="Calibri"/>
-              </a:rPr>
-              <a:t> </a:t>
-            </a:r>
-            <a:r>
-              <a:rPr sz="3600" dirty="0">
-                <a:latin typeface="Algerian" pitchFamily="82" charset="0"/>
-                <a:cs typeface="Calibri"/>
-              </a:rPr>
-              <a:t>Substitution</a:t>
-            </a:r>
-          </a:p>
-        </p:txBody>
-      </p:sp>
-      <p:sp>
-        <p:nvSpPr>
-          <p:cNvPr id="3" name="object 4"/>
-          <p:cNvSpPr txBox="1"/>
-          <p:nvPr/>
-        </p:nvSpPr>
-        <p:spPr>
-          <a:xfrm>
-            <a:off x="2834639" y="1721693"/>
-            <a:ext cx="5241672" cy="629147"/>
-          </a:xfrm>
-          <a:prstGeom prst="rect">
-            <a:avLst/>
-          </a:prstGeom>
-        </p:spPr>
-        <p:txBody>
-          <a:bodyPr vert="horz" wrap="square" lIns="0" tIns="0" rIns="0" bIns="0" rtlCol="0">
-            <a:spAutoFit/>
-          </a:bodyPr>
-          <a:lstStyle/>
-          <a:p>
-            <a:pPr marL="0" marR="0">
-              <a:lnSpc>
-                <a:spcPts val="2292"/>
-              </a:lnSpc>
-              <a:spcBef>
-                <a:spcPts val="0"/>
-              </a:spcBef>
-              <a:spcAft>
-                <a:spcPts val="0"/>
-              </a:spcAft>
-            </a:pPr>
-            <a:r>
-              <a:rPr sz="2200" dirty="0">
-                <a:latin typeface="Constantia"/>
-                <a:cs typeface="Constantia"/>
-              </a:rPr>
-              <a:t>Suppose we have the following binary</a:t>
-            </a:r>
-          </a:p>
-          <a:p>
-            <a:pPr marL="0" marR="0">
-              <a:lnSpc>
-                <a:spcPts val="2292"/>
-              </a:lnSpc>
-              <a:spcBef>
-                <a:spcPts val="347"/>
-              </a:spcBef>
-              <a:spcAft>
-                <a:spcPts val="0"/>
-              </a:spcAft>
-            </a:pPr>
-            <a:r>
-              <a:rPr sz="2200" dirty="0">
-                <a:latin typeface="Constantia"/>
-                <a:cs typeface="Constantia"/>
-              </a:rPr>
-              <a:t>representation for the Cover Image.</a:t>
-            </a:r>
-          </a:p>
-        </p:txBody>
-      </p:sp>
-      <p:sp>
-        <p:nvSpPr>
-          <p:cNvPr id="4" name="object 11"/>
-          <p:cNvSpPr txBox="1"/>
-          <p:nvPr/>
-        </p:nvSpPr>
-        <p:spPr>
-          <a:xfrm>
-            <a:off x="4761229" y="2795016"/>
-            <a:ext cx="2572536" cy="256480"/>
-          </a:xfrm>
-          <a:prstGeom prst="rect">
-            <a:avLst/>
-          </a:prstGeom>
-        </p:spPr>
-        <p:txBody>
-          <a:bodyPr vert="horz" wrap="square" lIns="0" tIns="0" rIns="0" bIns="0" rtlCol="0">
-            <a:spAutoFit/>
-          </a:bodyPr>
-          <a:lstStyle/>
-          <a:p>
-            <a:pPr marL="0" marR="0">
-              <a:lnSpc>
-                <a:spcPts val="1979"/>
-              </a:lnSpc>
-              <a:spcBef>
-                <a:spcPts val="0"/>
-              </a:spcBef>
-              <a:spcAft>
-                <a:spcPts val="0"/>
-              </a:spcAft>
-            </a:pPr>
-            <a:r>
-              <a:rPr sz="1900" dirty="0">
-                <a:solidFill>
-                  <a:schemeClr val="accent1"/>
-                </a:solidFill>
-                <a:latin typeface="JBNKLH+ArialMT"/>
-                <a:cs typeface="JBNKLH+ArialMT"/>
-              </a:rPr>
-              <a:t>10010101 00001101</a:t>
-            </a:r>
-          </a:p>
-        </p:txBody>
-      </p:sp>
-      <p:sp>
-        <p:nvSpPr>
-          <p:cNvPr id="5" name="object 14"/>
-          <p:cNvSpPr txBox="1"/>
-          <p:nvPr/>
-        </p:nvSpPr>
-        <p:spPr>
-          <a:xfrm>
-            <a:off x="4761229" y="3145537"/>
-            <a:ext cx="2572536" cy="256480"/>
-          </a:xfrm>
-          <a:prstGeom prst="rect">
-            <a:avLst/>
-          </a:prstGeom>
-        </p:spPr>
-        <p:txBody>
-          <a:bodyPr vert="horz" wrap="square" lIns="0" tIns="0" rIns="0" bIns="0" rtlCol="0">
-            <a:spAutoFit/>
-          </a:bodyPr>
-          <a:lstStyle/>
-          <a:p>
-            <a:pPr marL="0" marR="0">
-              <a:lnSpc>
-                <a:spcPts val="1979"/>
-              </a:lnSpc>
-              <a:spcBef>
-                <a:spcPts val="0"/>
-              </a:spcBef>
-              <a:spcAft>
-                <a:spcPts val="0"/>
-              </a:spcAft>
-            </a:pPr>
-            <a:r>
-              <a:rPr sz="1900" dirty="0">
-                <a:solidFill>
-                  <a:schemeClr val="accent1"/>
-                </a:solidFill>
-                <a:latin typeface="JBNKLH+ArialMT"/>
-                <a:cs typeface="JBNKLH+ArialMT"/>
-              </a:rPr>
-              <a:t>10010110 00001111</a:t>
-            </a:r>
-          </a:p>
-        </p:txBody>
-      </p:sp>
-      <p:sp>
-        <p:nvSpPr>
-          <p:cNvPr id="6" name="object 16"/>
-          <p:cNvSpPr txBox="1"/>
-          <p:nvPr/>
-        </p:nvSpPr>
-        <p:spPr>
-          <a:xfrm>
-            <a:off x="2834639" y="3860373"/>
-            <a:ext cx="6802635" cy="629147"/>
-          </a:xfrm>
-          <a:prstGeom prst="rect">
-            <a:avLst/>
-          </a:prstGeom>
-        </p:spPr>
-        <p:txBody>
-          <a:bodyPr vert="horz" wrap="square" lIns="0" tIns="0" rIns="0" bIns="0" rtlCol="0">
-            <a:spAutoFit/>
-          </a:bodyPr>
-          <a:lstStyle/>
-          <a:p>
-            <a:pPr marL="0" marR="0">
-              <a:lnSpc>
-                <a:spcPts val="2292"/>
-              </a:lnSpc>
-              <a:spcBef>
-                <a:spcPts val="0"/>
-              </a:spcBef>
-              <a:spcAft>
-                <a:spcPts val="0"/>
-              </a:spcAft>
-            </a:pPr>
-            <a:r>
-              <a:rPr sz="2200" dirty="0">
-                <a:latin typeface="Constantia"/>
-                <a:cs typeface="Constantia"/>
-              </a:rPr>
-              <a:t>Suppose we want to "hide" the following 4 bits </a:t>
-            </a:r>
-            <a:r>
-              <a:rPr sz="2200" spc="-10" dirty="0">
-                <a:latin typeface="Constantia"/>
-                <a:cs typeface="Constantia"/>
-              </a:rPr>
-              <a:t>of</a:t>
-            </a:r>
-          </a:p>
-          <a:p>
-            <a:pPr marL="0" marR="0">
-              <a:lnSpc>
-                <a:spcPts val="2292"/>
-              </a:lnSpc>
-              <a:spcBef>
-                <a:spcPts val="347"/>
-              </a:spcBef>
-              <a:spcAft>
-                <a:spcPts val="0"/>
-              </a:spcAft>
-            </a:pPr>
-            <a:r>
-              <a:rPr sz="2200" dirty="0">
-                <a:latin typeface="Constantia"/>
-                <a:cs typeface="Constantia"/>
-              </a:rPr>
-              <a:t>data: </a:t>
-            </a:r>
-            <a:r>
-              <a:rPr sz="1900" b="1" dirty="0">
-                <a:solidFill>
-                  <a:schemeClr val="accent1"/>
-                </a:solidFill>
-                <a:latin typeface="UOQLKK+Arial-BoldMT"/>
-                <a:cs typeface="UOQLKK+Arial-BoldMT"/>
-              </a:rPr>
-              <a:t>1011</a:t>
-            </a:r>
-            <a:r>
-              <a:rPr sz="2200" dirty="0">
-                <a:latin typeface="Constantia"/>
-                <a:cs typeface="Constantia"/>
-              </a:rPr>
-              <a:t>,</a:t>
-            </a:r>
-          </a:p>
-        </p:txBody>
-      </p:sp>
-      <p:sp>
-        <p:nvSpPr>
-          <p:cNvPr id="7" name="object 21"/>
-          <p:cNvSpPr txBox="1"/>
-          <p:nvPr/>
-        </p:nvSpPr>
-        <p:spPr>
-          <a:xfrm>
-            <a:off x="2834639" y="4600783"/>
-            <a:ext cx="4760745" cy="1013098"/>
-          </a:xfrm>
-          <a:prstGeom prst="rect">
-            <a:avLst/>
-          </a:prstGeom>
-        </p:spPr>
-        <p:txBody>
-          <a:bodyPr vert="horz" wrap="square" lIns="0" tIns="0" rIns="0" bIns="0" rtlCol="0">
-            <a:spAutoFit/>
-          </a:bodyPr>
-          <a:lstStyle/>
-          <a:p>
-            <a:pPr marL="0" marR="0">
-              <a:lnSpc>
-                <a:spcPts val="2292"/>
-              </a:lnSpc>
-              <a:spcBef>
-                <a:spcPts val="0"/>
-              </a:spcBef>
-              <a:spcAft>
-                <a:spcPts val="0"/>
-              </a:spcAft>
-            </a:pPr>
-            <a:r>
-              <a:rPr sz="2200" spc="-10" dirty="0">
-                <a:latin typeface="Constantia"/>
-                <a:cs typeface="Constantia"/>
-              </a:rPr>
-              <a:t>we</a:t>
-            </a:r>
-            <a:r>
-              <a:rPr sz="2200" spc="12" dirty="0">
-                <a:latin typeface="Constantia"/>
-                <a:cs typeface="Constantia"/>
-              </a:rPr>
-              <a:t> </a:t>
-            </a:r>
-            <a:r>
-              <a:rPr sz="2200" dirty="0">
-                <a:latin typeface="Constantia"/>
-                <a:cs typeface="Constantia"/>
-              </a:rPr>
-              <a:t>get the following,</a:t>
-            </a:r>
-          </a:p>
-          <a:p>
-            <a:pPr marL="1926589" marR="0">
-              <a:lnSpc>
-                <a:spcPts val="1979"/>
-              </a:lnSpc>
-              <a:spcBef>
-                <a:spcPts val="830"/>
-              </a:spcBef>
-              <a:spcAft>
-                <a:spcPts val="0"/>
-              </a:spcAft>
-            </a:pPr>
-            <a:r>
-              <a:rPr sz="1900" dirty="0">
-                <a:solidFill>
-                  <a:schemeClr val="accent1"/>
-                </a:solidFill>
-                <a:latin typeface="JBNKLH+ArialMT"/>
-                <a:cs typeface="JBNKLH+ArialMT"/>
-              </a:rPr>
-              <a:t>1001010</a:t>
-            </a:r>
-            <a:r>
-              <a:rPr sz="1900" b="1" dirty="0">
-                <a:solidFill>
-                  <a:schemeClr val="accent1"/>
-                </a:solidFill>
-                <a:latin typeface="UOQLKK+Arial-BoldMT"/>
-                <a:cs typeface="UOQLKK+Arial-BoldMT"/>
-              </a:rPr>
-              <a:t>1 </a:t>
-            </a:r>
-            <a:r>
-              <a:rPr sz="1900" dirty="0">
-                <a:solidFill>
-                  <a:schemeClr val="accent1"/>
-                </a:solidFill>
-                <a:latin typeface="JBNKLH+ArialMT"/>
-                <a:cs typeface="JBNKLH+ArialMT"/>
-              </a:rPr>
-              <a:t>0000110</a:t>
-            </a:r>
-            <a:r>
-              <a:rPr sz="1900" b="1" dirty="0">
-                <a:solidFill>
-                  <a:schemeClr val="accent1"/>
-                </a:solidFill>
-                <a:latin typeface="UOQLKK+Arial-BoldMT"/>
-                <a:cs typeface="UOQLKK+Arial-BoldMT"/>
-              </a:rPr>
-              <a:t>1</a:t>
-            </a:r>
-          </a:p>
-          <a:p>
-            <a:pPr marL="1926589" marR="0">
-              <a:lnSpc>
-                <a:spcPts val="1979"/>
-              </a:lnSpc>
-              <a:spcBef>
-                <a:spcPts val="770"/>
-              </a:spcBef>
-              <a:spcAft>
-                <a:spcPts val="0"/>
-              </a:spcAft>
-            </a:pPr>
-            <a:r>
-              <a:rPr sz="1900" dirty="0">
-                <a:solidFill>
-                  <a:schemeClr val="accent1"/>
-                </a:solidFill>
-                <a:latin typeface="JBNKLH+ArialMT"/>
-                <a:cs typeface="JBNKLH+ArialMT"/>
-              </a:rPr>
-              <a:t>1001011</a:t>
-            </a:r>
-            <a:r>
-              <a:rPr sz="1900" b="1" dirty="0">
-                <a:solidFill>
-                  <a:schemeClr val="accent1"/>
-                </a:solidFill>
-                <a:latin typeface="UOQLKK+Arial-BoldMT"/>
-                <a:cs typeface="UOQLKK+Arial-BoldMT"/>
-              </a:rPr>
-              <a:t>0 </a:t>
-            </a:r>
-            <a:r>
-              <a:rPr sz="1900" dirty="0">
-                <a:solidFill>
-                  <a:schemeClr val="accent1"/>
-                </a:solidFill>
-                <a:latin typeface="JBNKLH+ArialMT"/>
-                <a:cs typeface="JBNKLH+ArialMT"/>
-              </a:rPr>
-              <a:t>0000111</a:t>
-            </a:r>
-            <a:r>
-              <a:rPr sz="1900" b="1" dirty="0">
-                <a:solidFill>
-                  <a:schemeClr val="accent1"/>
-                </a:solidFill>
-                <a:latin typeface="UOQLKK+Arial-BoldMT"/>
-                <a:cs typeface="UOQLKK+Arial-BoldMT"/>
-              </a:rPr>
-              <a:t>1</a:t>
-            </a:r>
-          </a:p>
-        </p:txBody>
-      </p:sp>
-      <p:sp>
-        <p:nvSpPr>
-          <p:cNvPr id="8" name="object 25"/>
-          <p:cNvSpPr txBox="1"/>
-          <p:nvPr/>
-        </p:nvSpPr>
-        <p:spPr>
-          <a:xfrm>
-            <a:off x="170179" y="5180151"/>
-            <a:ext cx="246265" cy="337651"/>
-          </a:xfrm>
-          <a:prstGeom prst="rect">
-            <a:avLst/>
-          </a:prstGeom>
-        </p:spPr>
-        <p:txBody>
-          <a:bodyPr vert="horz" wrap="square" lIns="0" tIns="0" rIns="0" bIns="0" rtlCol="0">
-            <a:spAutoFit/>
-          </a:bodyPr>
-          <a:lstStyle/>
-          <a:p>
-            <a:pPr marL="0" marR="0">
-              <a:lnSpc>
-                <a:spcPts val="1083"/>
-              </a:lnSpc>
-              <a:spcBef>
-                <a:spcPts val="0"/>
-              </a:spcBef>
-              <a:spcAft>
-                <a:spcPts val="0"/>
-              </a:spcAft>
-            </a:pPr>
-            <a:r>
-              <a:rPr sz="1050" dirty="0">
-                <a:solidFill>
-                  <a:srgbClr val="0BD0D9"/>
-                </a:solidFill>
-                <a:latin typeface="JBNKLH+ArialMT"/>
-                <a:cs typeface="JBNKLH+ArialMT"/>
-              </a:rPr>
-              <a:t>•</a:t>
-            </a:r>
-          </a:p>
-        </p:txBody>
-      </p:sp>
-      <p:sp>
-        <p:nvSpPr>
-          <p:cNvPr id="9" name="object 27"/>
-          <p:cNvSpPr txBox="1"/>
-          <p:nvPr/>
-        </p:nvSpPr>
-        <p:spPr>
-          <a:xfrm>
-            <a:off x="810259" y="5389976"/>
-            <a:ext cx="222325" cy="304044"/>
-          </a:xfrm>
-          <a:prstGeom prst="rect">
-            <a:avLst/>
-          </a:prstGeom>
-        </p:spPr>
-        <p:txBody>
-          <a:bodyPr vert="horz" wrap="square" lIns="0" tIns="0" rIns="0" bIns="0" rtlCol="0">
-            <a:spAutoFit/>
-          </a:bodyPr>
-          <a:lstStyle/>
-          <a:p>
-            <a:pPr marL="0" marR="0">
-              <a:lnSpc>
-                <a:spcPts val="969"/>
-              </a:lnSpc>
-              <a:spcBef>
-                <a:spcPts val="0"/>
-              </a:spcBef>
-              <a:spcAft>
-                <a:spcPts val="0"/>
-              </a:spcAft>
-            </a:pPr>
-            <a:r>
-              <a:rPr sz="950" dirty="0">
-                <a:solidFill>
-                  <a:srgbClr val="0F6FC6"/>
-                </a:solidFill>
-                <a:latin typeface="JBNKLH+ArialMT"/>
-                <a:cs typeface="JBNKLH+ArialMT"/>
-              </a:rPr>
-              <a:t>•</a:t>
-            </a:r>
-          </a:p>
-        </p:txBody>
-      </p:sp>
-      <p:sp>
-        <p:nvSpPr>
-          <p:cNvPr id="10" name="object 28"/>
-          <p:cNvSpPr txBox="1"/>
-          <p:nvPr/>
-        </p:nvSpPr>
-        <p:spPr>
-          <a:xfrm>
-            <a:off x="2834639" y="5832683"/>
-            <a:ext cx="6949890" cy="629147"/>
-          </a:xfrm>
-          <a:prstGeom prst="rect">
-            <a:avLst/>
-          </a:prstGeom>
-        </p:spPr>
-        <p:txBody>
-          <a:bodyPr vert="horz" wrap="square" lIns="0" tIns="0" rIns="0" bIns="0" rtlCol="0">
-            <a:spAutoFit/>
-          </a:bodyPr>
-          <a:lstStyle/>
-          <a:p>
-            <a:pPr marL="0" marR="0">
-              <a:lnSpc>
-                <a:spcPts val="2292"/>
-              </a:lnSpc>
-              <a:spcBef>
-                <a:spcPts val="0"/>
-              </a:spcBef>
-              <a:spcAft>
-                <a:spcPts val="0"/>
-              </a:spcAft>
-            </a:pPr>
-            <a:r>
-              <a:rPr sz="2200" dirty="0">
-                <a:latin typeface="Constantia"/>
-                <a:cs typeface="Constantia"/>
-              </a:rPr>
-              <a:t>Where the each data</a:t>
-            </a:r>
-            <a:r>
-              <a:rPr sz="2200" spc="-10" dirty="0">
-                <a:latin typeface="Constantia"/>
-                <a:cs typeface="Constantia"/>
-              </a:rPr>
-              <a:t> </a:t>
-            </a:r>
-            <a:r>
-              <a:rPr sz="2200" dirty="0">
-                <a:latin typeface="Constantia"/>
-                <a:cs typeface="Constantia"/>
-              </a:rPr>
-              <a:t>bits are accommodated in</a:t>
-            </a:r>
-          </a:p>
-          <a:p>
-            <a:pPr marL="0" marR="0">
-              <a:lnSpc>
-                <a:spcPts val="2292"/>
-              </a:lnSpc>
-              <a:spcBef>
-                <a:spcPts val="347"/>
-              </a:spcBef>
-              <a:spcAft>
-                <a:spcPts val="0"/>
-              </a:spcAft>
-            </a:pPr>
-            <a:r>
-              <a:rPr sz="2200" dirty="0">
-                <a:latin typeface="Constantia"/>
-                <a:cs typeface="Constantia"/>
-              </a:rPr>
-              <a:t>the least significant</a:t>
-            </a:r>
-            <a:r>
-              <a:rPr sz="2200" spc="10" dirty="0">
-                <a:latin typeface="Constantia"/>
-                <a:cs typeface="Constantia"/>
-              </a:rPr>
-              <a:t> </a:t>
-            </a:r>
-            <a:r>
-              <a:rPr sz="2200" dirty="0">
-                <a:latin typeface="Constantia"/>
-                <a:cs typeface="Constantia"/>
-              </a:rPr>
-              <a:t>bits of each byte of the image.</a:t>
-            </a:r>
-          </a:p>
-        </p:txBody>
-      </p:sp>
-    </p:spTree>
-  </p:cSld>
-  <p:clrMapOvr>
-    <a:masterClrMapping/>
-  </p:clrMapOvr>
-</p:sld>
-</file>
-
-<file path=ppt/slides/slide11.xml><?xml version="1.0" encoding="utf-8"?>
-<p:sld xmlns:a="http://schemas.openxmlformats.org/drawingml/2006/main" xmlns:r="http://schemas.openxmlformats.org/officeDocument/2006/relationships" xmlns:p="http://schemas.openxmlformats.org/presentationml/2006/main">
-  <p:cSld>
-    <p:spTree>
-      <p:nvGrpSpPr>
-        <p:cNvPr id="1" name=""/>
-        <p:cNvGrpSpPr/>
-        <p:nvPr/>
-      </p:nvGrpSpPr>
-      <p:grpSpPr>
-        <a:xfrm>
-          <a:off x="0" y="0"/>
-          <a:ext cx="0" cy="0"/>
-          <a:chOff x="0" y="0"/>
-          <a:chExt cx="0" cy="0"/>
-        </a:xfrm>
-      </p:grpSpPr>
-      <p:sp>
-        <p:nvSpPr>
-          <p:cNvPr id="2" name="Rectangle 1"/>
-          <p:cNvSpPr/>
-          <p:nvPr/>
-        </p:nvSpPr>
-        <p:spPr>
-          <a:xfrm>
-            <a:off x="2112248" y="562353"/>
-            <a:ext cx="8366329" cy="630942"/>
-          </a:xfrm>
-          <a:prstGeom prst="rect">
-            <a:avLst/>
-          </a:prstGeom>
-        </p:spPr>
-        <p:txBody>
-          <a:bodyPr wrap="none">
-            <a:spAutoFit/>
-          </a:bodyPr>
-          <a:lstStyle/>
-          <a:p>
-            <a:pPr>
-              <a:lnSpc>
-                <a:spcPts val="4167"/>
-              </a:lnSpc>
-            </a:pPr>
-            <a:r>
-              <a:rPr lang="en-US" sz="3600" dirty="0" smtClean="0">
-                <a:latin typeface="Algerian" pitchFamily="82" charset="0"/>
-                <a:cs typeface="Calibri"/>
-              </a:rPr>
-              <a:t>Least Significant Bit</a:t>
-            </a:r>
-            <a:r>
-              <a:rPr lang="en-US" sz="3600" spc="12" dirty="0" smtClean="0">
-                <a:latin typeface="Algerian" pitchFamily="82" charset="0"/>
-                <a:cs typeface="Calibri"/>
-              </a:rPr>
-              <a:t> </a:t>
-            </a:r>
-            <a:r>
-              <a:rPr lang="en-US" sz="3600" dirty="0" smtClean="0">
-                <a:latin typeface="Algerian" pitchFamily="82" charset="0"/>
-                <a:cs typeface="Calibri"/>
-              </a:rPr>
-              <a:t>Substitution</a:t>
-            </a:r>
-            <a:endParaRPr lang="en-US" sz="3600" dirty="0">
-              <a:latin typeface="Algerian" pitchFamily="82" charset="0"/>
-              <a:cs typeface="Calibri"/>
-            </a:endParaRPr>
-          </a:p>
-        </p:txBody>
-      </p:sp>
-      <p:sp>
-        <p:nvSpPr>
-          <p:cNvPr id="3" name="Rectangle 2"/>
-          <p:cNvSpPr/>
-          <p:nvPr/>
-        </p:nvSpPr>
-        <p:spPr>
-          <a:xfrm>
-            <a:off x="3011424" y="1671448"/>
-            <a:ext cx="6096000" cy="1581715"/>
-          </a:xfrm>
-          <a:prstGeom prst="rect">
-            <a:avLst/>
-          </a:prstGeom>
-        </p:spPr>
-        <p:txBody>
-          <a:bodyPr>
-            <a:spAutoFit/>
-          </a:bodyPr>
-          <a:lstStyle/>
-          <a:p>
-            <a:pPr algn="just">
-              <a:lnSpc>
-                <a:spcPts val="2917"/>
-              </a:lnSpc>
-            </a:pPr>
-            <a:r>
-              <a:rPr lang="en-US" sz="2800" dirty="0" smtClean="0">
-                <a:latin typeface="Constantia"/>
-                <a:cs typeface="Constantia"/>
-              </a:rPr>
-              <a:t>Least</a:t>
-            </a:r>
-            <a:r>
-              <a:rPr lang="en-US" sz="2800" spc="-11" dirty="0" smtClean="0">
-                <a:latin typeface="Constantia"/>
-                <a:cs typeface="Constantia"/>
-              </a:rPr>
-              <a:t> </a:t>
-            </a:r>
-            <a:r>
-              <a:rPr lang="en-US" sz="2800" dirty="0" smtClean="0">
-                <a:latin typeface="Constantia"/>
-                <a:cs typeface="Constantia"/>
-              </a:rPr>
-              <a:t>Significant</a:t>
-            </a:r>
-            <a:r>
-              <a:rPr lang="en-US" sz="2800" spc="-12" dirty="0" smtClean="0">
-                <a:latin typeface="Constantia"/>
-                <a:cs typeface="Constantia"/>
-              </a:rPr>
-              <a:t> </a:t>
-            </a:r>
-            <a:r>
-              <a:rPr lang="en-US" sz="2800" dirty="0" smtClean="0">
-                <a:latin typeface="Constantia"/>
-                <a:cs typeface="Constantia"/>
-              </a:rPr>
-              <a:t>Bit</a:t>
-            </a:r>
-            <a:r>
-              <a:rPr lang="en-US" sz="2800" spc="-10" dirty="0" smtClean="0">
-                <a:latin typeface="Constantia"/>
-                <a:cs typeface="Constantia"/>
-              </a:rPr>
-              <a:t> </a:t>
-            </a:r>
-            <a:r>
-              <a:rPr lang="en-US" sz="2800" dirty="0" smtClean="0">
-                <a:latin typeface="Constantia"/>
-                <a:cs typeface="Constantia"/>
-              </a:rPr>
-              <a:t>Substitution results</a:t>
-            </a:r>
-            <a:r>
-              <a:rPr lang="en-US" sz="2800" spc="-14" dirty="0" smtClean="0">
-                <a:latin typeface="Constantia"/>
-                <a:cs typeface="Constantia"/>
-              </a:rPr>
-              <a:t> </a:t>
-            </a:r>
-            <a:r>
-              <a:rPr lang="en-US" sz="2800" dirty="0" smtClean="0">
-                <a:latin typeface="Constantia"/>
-                <a:cs typeface="Constantia"/>
-              </a:rPr>
-              <a:t>in a very</a:t>
-            </a:r>
-            <a:r>
-              <a:rPr lang="en-US" sz="2800" spc="-10" dirty="0" smtClean="0">
-                <a:latin typeface="Constantia"/>
-                <a:cs typeface="Constantia"/>
-              </a:rPr>
-              <a:t> </a:t>
-            </a:r>
-            <a:r>
-              <a:rPr lang="en-US" sz="2800" dirty="0" smtClean="0">
-                <a:latin typeface="Constantia"/>
-                <a:cs typeface="Constantia"/>
-              </a:rPr>
-              <a:t>minor</a:t>
-            </a:r>
-            <a:r>
-              <a:rPr lang="en-US" sz="2800" spc="-15" dirty="0" smtClean="0">
-                <a:latin typeface="Constantia"/>
-                <a:cs typeface="Constantia"/>
-              </a:rPr>
-              <a:t> </a:t>
-            </a:r>
-            <a:r>
-              <a:rPr lang="en-US" sz="2800" dirty="0" smtClean="0">
-                <a:latin typeface="Constantia"/>
-                <a:cs typeface="Constantia"/>
-              </a:rPr>
-              <a:t>distortion of the image which</a:t>
-            </a:r>
-            <a:r>
-              <a:rPr lang="en-US" sz="2800" spc="-15" dirty="0" smtClean="0">
-                <a:latin typeface="Constantia"/>
-                <a:cs typeface="Constantia"/>
-              </a:rPr>
-              <a:t> </a:t>
-            </a:r>
-            <a:r>
-              <a:rPr lang="en-US" sz="2800" dirty="0" smtClean="0">
-                <a:latin typeface="Constantia"/>
-                <a:cs typeface="Constantia"/>
-              </a:rPr>
-              <a:t>is</a:t>
-            </a:r>
-            <a:r>
-              <a:rPr lang="en-US" sz="2800" spc="-20" dirty="0" smtClean="0">
-                <a:latin typeface="Constantia"/>
-                <a:cs typeface="Constantia"/>
-              </a:rPr>
-              <a:t> </a:t>
-            </a:r>
-            <a:r>
-              <a:rPr lang="en-US" sz="2800" dirty="0" smtClean="0">
-                <a:latin typeface="Constantia"/>
-                <a:cs typeface="Constantia"/>
-              </a:rPr>
-              <a:t>very much negligible for the human</a:t>
-            </a:r>
-            <a:r>
-              <a:rPr lang="en-US" sz="2800" spc="-12" dirty="0" smtClean="0">
-                <a:latin typeface="Constantia"/>
-                <a:cs typeface="Constantia"/>
-              </a:rPr>
-              <a:t> </a:t>
-            </a:r>
-            <a:r>
-              <a:rPr lang="en-US" sz="2800" dirty="0" smtClean="0">
-                <a:latin typeface="Constantia"/>
-                <a:cs typeface="Constantia"/>
-              </a:rPr>
-              <a:t>eyes.</a:t>
-            </a:r>
-            <a:endParaRPr lang="en-US" sz="2800" dirty="0">
-              <a:latin typeface="Constantia"/>
-              <a:cs typeface="Constantia"/>
-            </a:endParaRPr>
-          </a:p>
-        </p:txBody>
-      </p:sp>
-      <p:pic>
-        <p:nvPicPr>
-          <p:cNvPr id="1028" name="Picture 4" descr="C:\Users\himes\notebooks\cover_raw.png"/>
-          <p:cNvPicPr>
-            <a:picLocks noChangeAspect="1" noChangeArrowheads="1"/>
-          </p:cNvPicPr>
-          <p:nvPr/>
-        </p:nvPicPr>
-        <p:blipFill>
-          <a:blip r:embed="rId2" cstate="print"/>
-          <a:srcRect/>
-          <a:stretch>
-            <a:fillRect/>
-          </a:stretch>
-        </p:blipFill>
-        <p:spPr bwMode="auto">
-          <a:xfrm>
-            <a:off x="2377440" y="3611880"/>
-            <a:ext cx="3048000" cy="2286000"/>
-          </a:xfrm>
-          <a:prstGeom prst="rect">
-            <a:avLst/>
-          </a:prstGeom>
-          <a:noFill/>
-        </p:spPr>
-      </p:pic>
-      <p:pic>
-        <p:nvPicPr>
-          <p:cNvPr id="1029" name="Picture 5" descr="C:\Users\himes\notebooks\cover_raw_stegano_LSB.png"/>
-          <p:cNvPicPr>
-            <a:picLocks noChangeAspect="1" noChangeArrowheads="1"/>
-          </p:cNvPicPr>
-          <p:nvPr/>
-        </p:nvPicPr>
-        <p:blipFill>
-          <a:blip r:embed="rId3" cstate="print"/>
-          <a:srcRect/>
-          <a:stretch>
-            <a:fillRect/>
-          </a:stretch>
-        </p:blipFill>
-        <p:spPr bwMode="auto">
-          <a:xfrm>
-            <a:off x="7095744" y="3547872"/>
-            <a:ext cx="3048000" cy="2286000"/>
-          </a:xfrm>
-          <a:prstGeom prst="rect">
-            <a:avLst/>
-          </a:prstGeom>
-          <a:noFill/>
-        </p:spPr>
-      </p:pic>
-      <p:sp>
-        <p:nvSpPr>
-          <p:cNvPr id="8" name="Rectangle 7"/>
-          <p:cNvSpPr/>
-          <p:nvPr/>
-        </p:nvSpPr>
-        <p:spPr>
-          <a:xfrm>
-            <a:off x="3272227" y="6187086"/>
-            <a:ext cx="1423018" cy="335989"/>
-          </a:xfrm>
-          <a:prstGeom prst="rect">
-            <a:avLst/>
-          </a:prstGeom>
-        </p:spPr>
-        <p:txBody>
-          <a:bodyPr wrap="none">
-            <a:spAutoFit/>
-          </a:bodyPr>
-          <a:lstStyle/>
-          <a:p>
-            <a:pPr>
-              <a:lnSpc>
-                <a:spcPts val="1875"/>
-              </a:lnSpc>
-            </a:pPr>
-            <a:r>
-              <a:rPr lang="en-US" dirty="0" smtClean="0">
-                <a:latin typeface="Constantia"/>
-                <a:cs typeface="Constantia"/>
-              </a:rPr>
-              <a:t>Cover</a:t>
-            </a:r>
-            <a:r>
-              <a:rPr lang="en-US" spc="17" dirty="0" smtClean="0">
-                <a:latin typeface="Constantia"/>
-                <a:cs typeface="Constantia"/>
-              </a:rPr>
-              <a:t> </a:t>
-            </a:r>
-            <a:r>
-              <a:rPr lang="en-US" dirty="0" smtClean="0">
-                <a:latin typeface="Constantia"/>
-                <a:cs typeface="Constantia"/>
-              </a:rPr>
-              <a:t>Image</a:t>
-            </a:r>
-            <a:endParaRPr lang="en-US" dirty="0">
-              <a:latin typeface="Constantia"/>
-              <a:cs typeface="Constantia"/>
-            </a:endParaRPr>
-          </a:p>
-        </p:txBody>
-      </p:sp>
-      <p:sp>
-        <p:nvSpPr>
-          <p:cNvPr id="9" name="Rectangle 8"/>
-          <p:cNvSpPr/>
-          <p:nvPr/>
-        </p:nvSpPr>
-        <p:spPr>
-          <a:xfrm>
-            <a:off x="8025009" y="6150510"/>
-            <a:ext cx="1390637" cy="335989"/>
-          </a:xfrm>
-          <a:prstGeom prst="rect">
-            <a:avLst/>
-          </a:prstGeom>
-        </p:spPr>
-        <p:txBody>
-          <a:bodyPr wrap="none">
-            <a:spAutoFit/>
-          </a:bodyPr>
-          <a:lstStyle/>
-          <a:p>
-            <a:pPr>
-              <a:lnSpc>
-                <a:spcPts val="1875"/>
-              </a:lnSpc>
-            </a:pPr>
-            <a:r>
-              <a:rPr lang="en-US" dirty="0" smtClean="0">
-                <a:latin typeface="Constantia"/>
-                <a:cs typeface="Constantia"/>
-              </a:rPr>
-              <a:t>Stego Image</a:t>
-            </a:r>
-            <a:endParaRPr lang="en-US" dirty="0">
-              <a:latin typeface="Constantia"/>
-              <a:cs typeface="Constantia"/>
-            </a:endParaRPr>
-          </a:p>
-        </p:txBody>
-      </p:sp>
-    </p:spTree>
-  </p:cSld>
-  <p:clrMapOvr>
-    <a:masterClrMapping/>
-  </p:clrMapOvr>
-</p:sld>
-</file>
-
-<file path=ppt/slides/slide12.xml><?xml version="1.0" encoding="utf-8"?>
-<p:sld xmlns:a="http://schemas.openxmlformats.org/drawingml/2006/main" xmlns:r="http://schemas.openxmlformats.org/officeDocument/2006/relationships" xmlns:p="http://schemas.openxmlformats.org/presentationml/2006/main">
-  <p:cSld>
-    <p:spTree>
-      <p:nvGrpSpPr>
-        <p:cNvPr id="1" name=""/>
-        <p:cNvGrpSpPr/>
-        <p:nvPr/>
-      </p:nvGrpSpPr>
-      <p:grpSpPr>
-        <a:xfrm>
-          <a:off x="0" y="0"/>
-          <a:ext cx="0" cy="0"/>
-          <a:chOff x="0" y="0"/>
-          <a:chExt cx="0" cy="0"/>
-        </a:xfrm>
-      </p:grpSpPr>
-      <p:sp>
-        <p:nvSpPr>
-          <p:cNvPr id="2" name="TextBox 1"/>
-          <p:cNvSpPr txBox="1"/>
-          <p:nvPr/>
-        </p:nvSpPr>
-        <p:spPr>
-          <a:xfrm>
-            <a:off x="1682496" y="566928"/>
-            <a:ext cx="10509504" cy="646331"/>
-          </a:xfrm>
-          <a:prstGeom prst="rect">
-            <a:avLst/>
-          </a:prstGeom>
-          <a:noFill/>
-        </p:spPr>
-        <p:txBody>
-          <a:bodyPr wrap="square" rtlCol="0">
-            <a:spAutoFit/>
-          </a:bodyPr>
-          <a:lstStyle/>
-          <a:p>
-            <a:pPr>
-              <a:buClr>
-                <a:schemeClr val="accent1"/>
-              </a:buClr>
-            </a:pPr>
-            <a:r>
-              <a:rPr lang="en-IN" sz="3600" dirty="0" smtClean="0">
-                <a:latin typeface="Algerian" pitchFamily="82" charset="0"/>
-              </a:rPr>
-              <a:t>BPCS(</a:t>
-            </a:r>
-            <a:r>
-              <a:rPr lang="en-US" sz="3600" b="1" dirty="0" smtClean="0">
-                <a:latin typeface="Algerian" pitchFamily="82" charset="0"/>
-              </a:rPr>
-              <a:t>Bit-Plane Complexity Segmentation</a:t>
-            </a:r>
-            <a:r>
-              <a:rPr lang="en-IN" sz="3600" b="1" dirty="0" smtClean="0">
-                <a:latin typeface="Algerian" pitchFamily="82" charset="0"/>
-              </a:rPr>
-              <a:t>)</a:t>
-            </a:r>
-            <a:endParaRPr lang="en-US" sz="3600" b="1" dirty="0">
-              <a:latin typeface="Algerian" pitchFamily="82" charset="0"/>
-            </a:endParaRPr>
-          </a:p>
-        </p:txBody>
-      </p:sp>
-      <p:sp>
-        <p:nvSpPr>
-          <p:cNvPr id="3" name="TextBox 2"/>
-          <p:cNvSpPr txBox="1"/>
-          <p:nvPr/>
-        </p:nvSpPr>
-        <p:spPr>
-          <a:xfrm>
-            <a:off x="1600200" y="1554480"/>
-            <a:ext cx="8503920" cy="3046988"/>
-          </a:xfrm>
-          <a:prstGeom prst="rect">
-            <a:avLst/>
-          </a:prstGeom>
-          <a:noFill/>
-        </p:spPr>
-        <p:txBody>
-          <a:bodyPr wrap="square" rtlCol="0">
-            <a:spAutoFit/>
-          </a:bodyPr>
-          <a:lstStyle/>
-          <a:p>
-            <a:pPr algn="just"/>
-            <a:r>
-              <a:rPr lang="en-IN" sz="3200" dirty="0" smtClean="0"/>
-              <a:t>In this type of Steganography, noisy regions in a cover image is located and replaced by the secret message. </a:t>
-            </a:r>
-          </a:p>
-          <a:p>
-            <a:pPr algn="just"/>
-            <a:r>
-              <a:rPr lang="en-IN" sz="3200" dirty="0" smtClean="0"/>
-              <a:t>	Noisy regions are found by simply locating the complex part of the cover image. </a:t>
-            </a:r>
-          </a:p>
-        </p:txBody>
-      </p:sp>
-    </p:spTree>
-  </p:cSld>
-  <p:clrMapOvr>
-    <a:masterClrMapping/>
-  </p:clrMapOvr>
-</p:sld>
-</file>
-
-<file path=ppt/slides/slide13.xml><?xml version="1.0" encoding="utf-8"?>
-<p:sld xmlns:a="http://schemas.openxmlformats.org/drawingml/2006/main" xmlns:r="http://schemas.openxmlformats.org/officeDocument/2006/relationships" xmlns:p="http://schemas.openxmlformats.org/presentationml/2006/main">
-  <p:cSld>
-    <p:spTree>
-      <p:nvGrpSpPr>
-        <p:cNvPr id="1" name=""/>
-        <p:cNvGrpSpPr/>
-        <p:nvPr/>
-      </p:nvGrpSpPr>
-      <p:grpSpPr>
-        <a:xfrm>
-          <a:off x="0" y="0"/>
-          <a:ext cx="0" cy="0"/>
-          <a:chOff x="0" y="0"/>
-          <a:chExt cx="0" cy="0"/>
-        </a:xfrm>
-      </p:grpSpPr>
-      <p:sp>
-        <p:nvSpPr>
-          <p:cNvPr id="2" name="Rectangle 1"/>
-          <p:cNvSpPr/>
-          <p:nvPr/>
-        </p:nvSpPr>
-        <p:spPr>
-          <a:xfrm>
-            <a:off x="1676751" y="293744"/>
-            <a:ext cx="10515249" cy="1200329"/>
-          </a:xfrm>
-          <a:prstGeom prst="rect">
-            <a:avLst/>
-          </a:prstGeom>
-        </p:spPr>
-        <p:txBody>
-          <a:bodyPr wrap="square">
-            <a:spAutoFit/>
-          </a:bodyPr>
-          <a:lstStyle/>
-          <a:p>
-            <a:pPr>
-              <a:buClr>
-                <a:schemeClr val="accent1"/>
-              </a:buClr>
-            </a:pPr>
-            <a:r>
-              <a:rPr lang="en-IN" sz="3600" dirty="0" smtClean="0">
-                <a:latin typeface="Algerian" pitchFamily="82" charset="0"/>
-              </a:rPr>
-              <a:t>BPCS(</a:t>
-            </a:r>
-            <a:r>
-              <a:rPr lang="en-US" sz="3600" b="1" dirty="0" smtClean="0">
-                <a:latin typeface="Algerian" pitchFamily="82" charset="0"/>
-              </a:rPr>
-              <a:t>Bit-Plane Complexity Segmentation</a:t>
-            </a:r>
-            <a:r>
-              <a:rPr lang="en-IN" sz="3600" b="1" dirty="0" smtClean="0">
-                <a:latin typeface="Algerian" pitchFamily="82" charset="0"/>
-              </a:rPr>
-              <a:t>) SUBTITUTION</a:t>
-            </a:r>
-            <a:endParaRPr lang="en-US" sz="3600" b="1" dirty="0">
-              <a:latin typeface="Algerian" pitchFamily="82" charset="0"/>
-            </a:endParaRPr>
-          </a:p>
-        </p:txBody>
-      </p:sp>
-      <p:sp>
-        <p:nvSpPr>
-          <p:cNvPr id="3" name="object 4"/>
-          <p:cNvSpPr txBox="1"/>
-          <p:nvPr/>
-        </p:nvSpPr>
-        <p:spPr>
-          <a:xfrm>
-            <a:off x="2779775" y="1584533"/>
-            <a:ext cx="5241672" cy="629147"/>
-          </a:xfrm>
-          <a:prstGeom prst="rect">
-            <a:avLst/>
-          </a:prstGeom>
-        </p:spPr>
-        <p:txBody>
-          <a:bodyPr vert="horz" wrap="square" lIns="0" tIns="0" rIns="0" bIns="0" rtlCol="0">
-            <a:spAutoFit/>
-          </a:bodyPr>
-          <a:lstStyle/>
-          <a:p>
-            <a:pPr marL="0" marR="0">
-              <a:lnSpc>
-                <a:spcPts val="2292"/>
-              </a:lnSpc>
-              <a:spcBef>
-                <a:spcPts val="0"/>
-              </a:spcBef>
-              <a:spcAft>
-                <a:spcPts val="0"/>
-              </a:spcAft>
-            </a:pPr>
-            <a:r>
-              <a:rPr sz="2200" dirty="0">
-                <a:latin typeface="Constantia"/>
-                <a:cs typeface="Constantia"/>
-              </a:rPr>
-              <a:t>Suppose we have the following </a:t>
-            </a:r>
-            <a:r>
-              <a:rPr lang="en-IN" sz="2200" dirty="0" smtClean="0">
-                <a:latin typeface="Constantia"/>
-                <a:cs typeface="Constantia"/>
-              </a:rPr>
-              <a:t>Bit-plane</a:t>
-            </a:r>
-            <a:endParaRPr sz="2200" dirty="0">
-              <a:latin typeface="Constantia"/>
-              <a:cs typeface="Constantia"/>
-            </a:endParaRPr>
-          </a:p>
-          <a:p>
-            <a:pPr marL="0" marR="0">
-              <a:lnSpc>
-                <a:spcPts val="2292"/>
-              </a:lnSpc>
-              <a:spcBef>
-                <a:spcPts val="347"/>
-              </a:spcBef>
-              <a:spcAft>
-                <a:spcPts val="0"/>
-              </a:spcAft>
-            </a:pPr>
-            <a:r>
-              <a:rPr sz="2200" dirty="0">
-                <a:latin typeface="Constantia"/>
-                <a:cs typeface="Constantia"/>
-              </a:rPr>
-              <a:t>representation for the Cover Image.</a:t>
-            </a:r>
-          </a:p>
-        </p:txBody>
-      </p:sp>
-      <p:sp>
-        <p:nvSpPr>
-          <p:cNvPr id="4" name="object 11"/>
-          <p:cNvSpPr txBox="1"/>
-          <p:nvPr/>
-        </p:nvSpPr>
-        <p:spPr>
-          <a:xfrm>
-            <a:off x="3700525" y="2255520"/>
-            <a:ext cx="2983740" cy="256480"/>
-          </a:xfrm>
-          <a:prstGeom prst="rect">
-            <a:avLst/>
-          </a:prstGeom>
-        </p:spPr>
-        <p:txBody>
-          <a:bodyPr vert="horz" wrap="square" lIns="0" tIns="0" rIns="0" bIns="0" rtlCol="0">
-            <a:spAutoFit/>
-          </a:bodyPr>
-          <a:lstStyle/>
-          <a:p>
-            <a:pPr marL="0" marR="0">
-              <a:lnSpc>
-                <a:spcPts val="1979"/>
-              </a:lnSpc>
-              <a:spcBef>
-                <a:spcPts val="0"/>
-              </a:spcBef>
-              <a:spcAft>
-                <a:spcPts val="0"/>
-              </a:spcAft>
-            </a:pPr>
-            <a:r>
-              <a:rPr sz="1900" dirty="0" smtClean="0">
-                <a:solidFill>
-                  <a:schemeClr val="accent1"/>
-                </a:solidFill>
-                <a:latin typeface="JBNKLH+ArialMT"/>
-                <a:cs typeface="JBNKLH+ArialMT"/>
-              </a:rPr>
-              <a:t>1</a:t>
-            </a:r>
-            <a:r>
-              <a:rPr lang="en-IN" sz="1900" dirty="0" smtClean="0">
-                <a:solidFill>
-                  <a:schemeClr val="accent1"/>
-                </a:solidFill>
-                <a:latin typeface="JBNKLH+ArialMT"/>
-                <a:cs typeface="JBNKLH+ArialMT"/>
-              </a:rPr>
-              <a:t>	</a:t>
-            </a:r>
-            <a:r>
-              <a:rPr sz="1900" dirty="0" smtClean="0">
-                <a:solidFill>
-                  <a:schemeClr val="accent1"/>
-                </a:solidFill>
-                <a:latin typeface="JBNKLH+ArialMT"/>
-                <a:cs typeface="JBNKLH+ArialMT"/>
-              </a:rPr>
-              <a:t>1</a:t>
-            </a:r>
-            <a:r>
-              <a:rPr lang="en-IN" sz="1900" dirty="0" smtClean="0">
-                <a:solidFill>
-                  <a:schemeClr val="accent1"/>
-                </a:solidFill>
-                <a:latin typeface="JBNKLH+ArialMT"/>
-                <a:cs typeface="JBNKLH+ArialMT"/>
-              </a:rPr>
-              <a:t>	0	1</a:t>
-            </a:r>
-            <a:endParaRPr sz="1900" dirty="0">
-              <a:solidFill>
-                <a:schemeClr val="accent1"/>
-              </a:solidFill>
-              <a:latin typeface="JBNKLH+ArialMT"/>
-              <a:cs typeface="JBNKLH+ArialMT"/>
-            </a:endParaRPr>
-          </a:p>
-        </p:txBody>
-      </p:sp>
-      <p:sp>
-        <p:nvSpPr>
-          <p:cNvPr id="5" name="object 14"/>
-          <p:cNvSpPr txBox="1"/>
-          <p:nvPr/>
-        </p:nvSpPr>
-        <p:spPr>
-          <a:xfrm>
-            <a:off x="3709669" y="2615185"/>
-            <a:ext cx="3047748" cy="256480"/>
-          </a:xfrm>
-          <a:prstGeom prst="rect">
-            <a:avLst/>
-          </a:prstGeom>
-        </p:spPr>
-        <p:txBody>
-          <a:bodyPr vert="horz" wrap="square" lIns="0" tIns="0" rIns="0" bIns="0" rtlCol="0">
-            <a:spAutoFit/>
-          </a:bodyPr>
-          <a:lstStyle/>
-          <a:p>
-            <a:pPr marL="0" marR="0">
-              <a:lnSpc>
-                <a:spcPts val="1979"/>
-              </a:lnSpc>
-              <a:spcBef>
-                <a:spcPts val="0"/>
-              </a:spcBef>
-              <a:spcAft>
-                <a:spcPts val="0"/>
-              </a:spcAft>
-            </a:pPr>
-            <a:r>
-              <a:rPr sz="1900" dirty="0" smtClean="0">
-                <a:solidFill>
-                  <a:schemeClr val="accent1"/>
-                </a:solidFill>
-                <a:latin typeface="JBNKLH+ArialMT"/>
-                <a:cs typeface="JBNKLH+ArialMT"/>
-              </a:rPr>
-              <a:t>0 </a:t>
-            </a:r>
-            <a:r>
-              <a:rPr lang="en-IN" sz="1900" dirty="0" smtClean="0">
-                <a:solidFill>
-                  <a:schemeClr val="accent1"/>
-                </a:solidFill>
-                <a:latin typeface="JBNKLH+ArialMT"/>
-                <a:cs typeface="JBNKLH+ArialMT"/>
-              </a:rPr>
-              <a:t>	</a:t>
-            </a:r>
-            <a:r>
-              <a:rPr sz="1900" dirty="0" smtClean="0">
-                <a:solidFill>
-                  <a:schemeClr val="accent1"/>
-                </a:solidFill>
-                <a:latin typeface="JBNKLH+ArialMT"/>
-                <a:cs typeface="JBNKLH+ArialMT"/>
-              </a:rPr>
-              <a:t>1</a:t>
-            </a:r>
-            <a:r>
-              <a:rPr lang="en-IN" sz="1900" dirty="0" smtClean="0">
-                <a:solidFill>
-                  <a:schemeClr val="accent1"/>
-                </a:solidFill>
-                <a:latin typeface="JBNKLH+ArialMT"/>
-                <a:cs typeface="JBNKLH+ArialMT"/>
-              </a:rPr>
-              <a:t>	0	1</a:t>
-            </a:r>
-            <a:endParaRPr sz="1900" dirty="0">
-              <a:solidFill>
-                <a:schemeClr val="accent1"/>
-              </a:solidFill>
-              <a:latin typeface="JBNKLH+ArialMT"/>
-              <a:cs typeface="JBNKLH+ArialMT"/>
-            </a:endParaRPr>
-          </a:p>
-        </p:txBody>
-      </p:sp>
-      <p:sp>
-        <p:nvSpPr>
-          <p:cNvPr id="6" name="object 16"/>
-          <p:cNvSpPr txBox="1"/>
-          <p:nvPr/>
-        </p:nvSpPr>
-        <p:spPr>
-          <a:xfrm>
-            <a:off x="2779775" y="2991693"/>
-            <a:ext cx="6802635" cy="629147"/>
-          </a:xfrm>
-          <a:prstGeom prst="rect">
-            <a:avLst/>
-          </a:prstGeom>
-        </p:spPr>
-        <p:txBody>
-          <a:bodyPr vert="horz" wrap="square" lIns="0" tIns="0" rIns="0" bIns="0" rtlCol="0">
-            <a:spAutoFit/>
-          </a:bodyPr>
-          <a:lstStyle/>
-          <a:p>
-            <a:pPr marL="0" marR="0">
-              <a:lnSpc>
-                <a:spcPts val="2292"/>
-              </a:lnSpc>
-              <a:spcBef>
-                <a:spcPts val="0"/>
-              </a:spcBef>
-              <a:spcAft>
-                <a:spcPts val="0"/>
-              </a:spcAft>
-            </a:pPr>
-            <a:r>
-              <a:rPr sz="2200" dirty="0">
-                <a:latin typeface="Constantia"/>
-                <a:cs typeface="Constantia"/>
-              </a:rPr>
-              <a:t>Suppose we want to "hide" the following </a:t>
-            </a:r>
-            <a:r>
-              <a:rPr lang="en-IN" sz="2200" dirty="0" smtClean="0">
-                <a:latin typeface="Constantia"/>
-                <a:cs typeface="Constantia"/>
-              </a:rPr>
-              <a:t>8</a:t>
-            </a:r>
-            <a:r>
-              <a:rPr sz="2200" dirty="0" smtClean="0">
-                <a:latin typeface="Constantia"/>
-                <a:cs typeface="Constantia"/>
-              </a:rPr>
-              <a:t> </a:t>
-            </a:r>
-            <a:r>
-              <a:rPr sz="2200" dirty="0">
-                <a:latin typeface="Constantia"/>
-                <a:cs typeface="Constantia"/>
-              </a:rPr>
-              <a:t>bits </a:t>
-            </a:r>
-            <a:r>
-              <a:rPr sz="2200" spc="-10" dirty="0">
-                <a:latin typeface="Constantia"/>
-                <a:cs typeface="Constantia"/>
-              </a:rPr>
-              <a:t>of</a:t>
-            </a:r>
-          </a:p>
-          <a:p>
-            <a:pPr marL="0" marR="0">
-              <a:lnSpc>
-                <a:spcPts val="2292"/>
-              </a:lnSpc>
-              <a:spcBef>
-                <a:spcPts val="347"/>
-              </a:spcBef>
-              <a:spcAft>
-                <a:spcPts val="0"/>
-              </a:spcAft>
-            </a:pPr>
-            <a:r>
-              <a:rPr sz="2200" dirty="0">
-                <a:latin typeface="Constantia"/>
-                <a:cs typeface="Constantia"/>
-              </a:rPr>
-              <a:t>data: </a:t>
-            </a:r>
-            <a:r>
-              <a:rPr sz="1900" b="1" dirty="0" smtClean="0">
-                <a:solidFill>
-                  <a:schemeClr val="accent1"/>
-                </a:solidFill>
-                <a:latin typeface="UOQLKK+Arial-BoldMT"/>
-                <a:cs typeface="UOQLKK+Arial-BoldMT"/>
-              </a:rPr>
-              <a:t>101</a:t>
-            </a:r>
-            <a:r>
-              <a:rPr lang="en-IN" sz="1900" b="1" dirty="0" smtClean="0">
-                <a:solidFill>
-                  <a:schemeClr val="accent1"/>
-                </a:solidFill>
-                <a:latin typeface="UOQLKK+Arial-BoldMT"/>
-                <a:cs typeface="UOQLKK+Arial-BoldMT"/>
-              </a:rPr>
-              <a:t>01010</a:t>
-            </a:r>
-            <a:r>
-              <a:rPr sz="2200" dirty="0" smtClean="0">
-                <a:latin typeface="Constantia"/>
-                <a:cs typeface="Constantia"/>
-              </a:rPr>
-              <a:t>,</a:t>
-            </a:r>
-            <a:endParaRPr sz="2200" dirty="0">
-              <a:latin typeface="Constantia"/>
-              <a:cs typeface="Constantia"/>
-            </a:endParaRPr>
-          </a:p>
-        </p:txBody>
-      </p:sp>
-      <p:sp>
-        <p:nvSpPr>
-          <p:cNvPr id="7" name="object 21"/>
-          <p:cNvSpPr txBox="1"/>
-          <p:nvPr/>
-        </p:nvSpPr>
-        <p:spPr>
-          <a:xfrm>
-            <a:off x="2761487" y="3576655"/>
-            <a:ext cx="4760745" cy="295722"/>
-          </a:xfrm>
-          <a:prstGeom prst="rect">
-            <a:avLst/>
-          </a:prstGeom>
-        </p:spPr>
-        <p:txBody>
-          <a:bodyPr vert="horz" wrap="square" lIns="0" tIns="0" rIns="0" bIns="0" rtlCol="0">
-            <a:spAutoFit/>
-          </a:bodyPr>
-          <a:lstStyle/>
-          <a:p>
-            <a:pPr marL="0" marR="0">
-              <a:lnSpc>
-                <a:spcPts val="2292"/>
-              </a:lnSpc>
-              <a:spcBef>
-                <a:spcPts val="0"/>
-              </a:spcBef>
-              <a:spcAft>
-                <a:spcPts val="0"/>
-              </a:spcAft>
-            </a:pPr>
-            <a:r>
-              <a:rPr sz="2200" spc="-10" dirty="0">
-                <a:latin typeface="Constantia"/>
-                <a:cs typeface="Constantia"/>
-              </a:rPr>
-              <a:t>we</a:t>
-            </a:r>
-            <a:r>
-              <a:rPr sz="2200" spc="12" dirty="0">
-                <a:latin typeface="Constantia"/>
-                <a:cs typeface="Constantia"/>
-              </a:rPr>
-              <a:t> </a:t>
-            </a:r>
-            <a:r>
-              <a:rPr sz="2200" dirty="0">
-                <a:latin typeface="Constantia"/>
-                <a:cs typeface="Constantia"/>
-              </a:rPr>
-              <a:t>get the following</a:t>
-            </a:r>
-            <a:r>
-              <a:rPr sz="2200" dirty="0" smtClean="0">
-                <a:latin typeface="Constantia"/>
-                <a:cs typeface="Constantia"/>
-              </a:rPr>
-              <a:t>,</a:t>
-            </a:r>
-            <a:endParaRPr lang="en-IN" sz="2200" dirty="0" smtClean="0">
-              <a:latin typeface="Constantia"/>
-              <a:cs typeface="Constantia"/>
-            </a:endParaRPr>
-          </a:p>
-        </p:txBody>
-      </p:sp>
-      <p:sp>
-        <p:nvSpPr>
-          <p:cNvPr id="8" name="object 28"/>
-          <p:cNvSpPr txBox="1"/>
-          <p:nvPr/>
-        </p:nvSpPr>
-        <p:spPr>
-          <a:xfrm>
-            <a:off x="2734055" y="4872563"/>
-            <a:ext cx="6949890" cy="885627"/>
-          </a:xfrm>
-          <a:prstGeom prst="rect">
-            <a:avLst/>
-          </a:prstGeom>
-        </p:spPr>
-        <p:txBody>
-          <a:bodyPr vert="horz" wrap="square" lIns="0" tIns="0" rIns="0" bIns="0" rtlCol="0">
-            <a:spAutoFit/>
-          </a:bodyPr>
-          <a:lstStyle/>
-          <a:p>
-            <a:pPr marL="0" marR="0">
-              <a:lnSpc>
-                <a:spcPts val="2292"/>
-              </a:lnSpc>
-              <a:spcBef>
-                <a:spcPts val="0"/>
-              </a:spcBef>
-              <a:spcAft>
-                <a:spcPts val="0"/>
-              </a:spcAft>
-            </a:pPr>
-            <a:r>
-              <a:rPr lang="en-IN" sz="2200" dirty="0" smtClean="0">
-                <a:latin typeface="Constantia"/>
-                <a:cs typeface="Constantia"/>
-              </a:rPr>
-              <a:t>Because the part of bit-plane image is complex and also the data is enough complex .hence, its completely replaced.</a:t>
-            </a:r>
-            <a:endParaRPr sz="2200" dirty="0">
-              <a:latin typeface="Constantia"/>
-              <a:cs typeface="Constantia"/>
-            </a:endParaRPr>
-          </a:p>
-        </p:txBody>
-      </p:sp>
-      <p:sp>
-        <p:nvSpPr>
-          <p:cNvPr id="15" name="object 11"/>
-          <p:cNvSpPr txBox="1"/>
-          <p:nvPr/>
-        </p:nvSpPr>
-        <p:spPr>
-          <a:xfrm>
-            <a:off x="3816349" y="3962400"/>
-            <a:ext cx="2983740" cy="256480"/>
-          </a:xfrm>
-          <a:prstGeom prst="rect">
-            <a:avLst/>
-          </a:prstGeom>
-        </p:spPr>
-        <p:txBody>
-          <a:bodyPr vert="horz" wrap="square" lIns="0" tIns="0" rIns="0" bIns="0" rtlCol="0">
-            <a:spAutoFit/>
-          </a:bodyPr>
-          <a:lstStyle/>
-          <a:p>
-            <a:pPr marL="0" marR="0">
-              <a:lnSpc>
-                <a:spcPts val="1979"/>
-              </a:lnSpc>
-              <a:spcBef>
-                <a:spcPts val="0"/>
-              </a:spcBef>
-              <a:spcAft>
-                <a:spcPts val="0"/>
-              </a:spcAft>
-            </a:pPr>
-            <a:r>
-              <a:rPr lang="en-IN" sz="1900" dirty="0" smtClean="0">
-                <a:solidFill>
-                  <a:schemeClr val="accent1"/>
-                </a:solidFill>
-                <a:latin typeface="JBNKLH+ArialMT"/>
-                <a:cs typeface="JBNKLH+ArialMT"/>
-              </a:rPr>
-              <a:t>1	0	1	0</a:t>
-            </a:r>
-            <a:endParaRPr sz="1900" dirty="0">
-              <a:solidFill>
-                <a:schemeClr val="accent1"/>
-              </a:solidFill>
-              <a:latin typeface="JBNKLH+ArialMT"/>
-              <a:cs typeface="JBNKLH+ArialMT"/>
-            </a:endParaRPr>
-          </a:p>
-        </p:txBody>
-      </p:sp>
-      <p:sp>
-        <p:nvSpPr>
-          <p:cNvPr id="16" name="object 14"/>
-          <p:cNvSpPr txBox="1"/>
-          <p:nvPr/>
-        </p:nvSpPr>
-        <p:spPr>
-          <a:xfrm>
-            <a:off x="3825493" y="4376929"/>
-            <a:ext cx="3047748" cy="256480"/>
-          </a:xfrm>
-          <a:prstGeom prst="rect">
-            <a:avLst/>
-          </a:prstGeom>
-        </p:spPr>
-        <p:txBody>
-          <a:bodyPr vert="horz" wrap="square" lIns="0" tIns="0" rIns="0" bIns="0" rtlCol="0">
-            <a:spAutoFit/>
-          </a:bodyPr>
-          <a:lstStyle/>
-          <a:p>
-            <a:pPr marL="0" marR="0">
-              <a:lnSpc>
-                <a:spcPts val="1979"/>
-              </a:lnSpc>
-              <a:spcBef>
-                <a:spcPts val="0"/>
-              </a:spcBef>
-              <a:spcAft>
-                <a:spcPts val="0"/>
-              </a:spcAft>
-            </a:pPr>
-            <a:r>
-              <a:rPr lang="en-IN" sz="1900" dirty="0" smtClean="0">
-                <a:solidFill>
-                  <a:schemeClr val="accent1"/>
-                </a:solidFill>
-                <a:latin typeface="JBNKLH+ArialMT"/>
-                <a:cs typeface="JBNKLH+ArialMT"/>
-              </a:rPr>
-              <a:t>1	0	1	0</a:t>
-            </a:r>
-            <a:endParaRPr sz="1900" dirty="0">
-              <a:solidFill>
-                <a:schemeClr val="accent1"/>
-              </a:solidFill>
-              <a:latin typeface="JBNKLH+ArialMT"/>
-              <a:cs typeface="JBNKLH+ArialMT"/>
-            </a:endParaRPr>
-          </a:p>
-        </p:txBody>
-      </p:sp>
-    </p:spTree>
-  </p:cSld>
-  <p:clrMapOvr>
-    <a:masterClrMapping/>
-  </p:clrMapOvr>
-</p:sld>
-</file>
-
-<file path=ppt/slides/slide14.xml><?xml version="1.0" encoding="utf-8"?>
-<p:sld xmlns:a="http://schemas.openxmlformats.org/drawingml/2006/main" xmlns:r="http://schemas.openxmlformats.org/officeDocument/2006/relationships" xmlns:p="http://schemas.openxmlformats.org/presentationml/2006/main">
-  <p:cSld>
-    <p:spTree>
-      <p:nvGrpSpPr>
-        <p:cNvPr id="1" name=""/>
-        <p:cNvGrpSpPr/>
-        <p:nvPr/>
-      </p:nvGrpSpPr>
-      <p:grpSpPr>
-        <a:xfrm>
-          <a:off x="0" y="0"/>
-          <a:ext cx="0" cy="0"/>
-          <a:chOff x="0" y="0"/>
-          <a:chExt cx="0" cy="0"/>
-        </a:xfrm>
-      </p:grpSpPr>
-      <p:sp>
-        <p:nvSpPr>
-          <p:cNvPr id="2" name="Rectangle 1"/>
-          <p:cNvSpPr/>
-          <p:nvPr/>
-        </p:nvSpPr>
-        <p:spPr>
-          <a:xfrm>
-            <a:off x="1673352" y="426643"/>
-            <a:ext cx="10399776" cy="1200329"/>
-          </a:xfrm>
-          <a:prstGeom prst="rect">
-            <a:avLst/>
-          </a:prstGeom>
-        </p:spPr>
-        <p:txBody>
-          <a:bodyPr wrap="square">
-            <a:spAutoFit/>
-          </a:bodyPr>
-          <a:lstStyle/>
-          <a:p>
-            <a:pPr>
-              <a:buClr>
-                <a:schemeClr val="accent1"/>
-              </a:buClr>
-            </a:pPr>
-            <a:r>
-              <a:rPr lang="en-IN" sz="3600" dirty="0" smtClean="0">
-                <a:latin typeface="Algerian" pitchFamily="82" charset="0"/>
-              </a:rPr>
-              <a:t>BPCS(</a:t>
-            </a:r>
-            <a:r>
-              <a:rPr lang="en-US" sz="3600" b="1" dirty="0" smtClean="0">
-                <a:latin typeface="Algerian" pitchFamily="82" charset="0"/>
-              </a:rPr>
-              <a:t>Bit-Plane Complexity Segmentation</a:t>
-            </a:r>
-            <a:r>
-              <a:rPr lang="en-IN" sz="3600" b="1" dirty="0" smtClean="0">
-                <a:latin typeface="Algerian" pitchFamily="82" charset="0"/>
-              </a:rPr>
-              <a:t>) SUBTITUTION</a:t>
-            </a:r>
-            <a:endParaRPr lang="en-US" sz="3600" b="1" dirty="0">
-              <a:latin typeface="Algerian" pitchFamily="82" charset="0"/>
-            </a:endParaRPr>
-          </a:p>
-        </p:txBody>
-      </p:sp>
-      <p:sp>
-        <p:nvSpPr>
-          <p:cNvPr id="3" name="Rectangle 2"/>
-          <p:cNvSpPr/>
-          <p:nvPr/>
-        </p:nvSpPr>
-        <p:spPr>
-          <a:xfrm>
-            <a:off x="2002536" y="1810005"/>
-            <a:ext cx="8110728" cy="1967205"/>
-          </a:xfrm>
-          <a:prstGeom prst="rect">
-            <a:avLst/>
-          </a:prstGeom>
-        </p:spPr>
-        <p:txBody>
-          <a:bodyPr wrap="square">
-            <a:spAutoFit/>
-          </a:bodyPr>
-          <a:lstStyle/>
-          <a:p>
-            <a:pPr algn="just">
-              <a:lnSpc>
-                <a:spcPts val="2917"/>
-              </a:lnSpc>
-            </a:pPr>
-            <a:r>
-              <a:rPr lang="en-US" sz="3200" b="1" dirty="0" smtClean="0">
-                <a:latin typeface="Arial Narrow" pitchFamily="34" charset="0"/>
-              </a:rPr>
-              <a:t>Bit-Plane Complexity Segmentation</a:t>
-            </a:r>
-            <a:r>
-              <a:rPr lang="en-US" sz="3200" spc="-10" dirty="0" smtClean="0">
-                <a:latin typeface="Constantia"/>
-                <a:cs typeface="Constantia"/>
-              </a:rPr>
-              <a:t> </a:t>
-            </a:r>
-            <a:r>
-              <a:rPr lang="en-US" sz="3200" dirty="0" smtClean="0">
-                <a:latin typeface="Constantia"/>
-                <a:cs typeface="Constantia"/>
-              </a:rPr>
-              <a:t>Substitution results</a:t>
-            </a:r>
-            <a:r>
-              <a:rPr lang="en-US" sz="3200" spc="-14" dirty="0" smtClean="0">
-                <a:latin typeface="Constantia"/>
-                <a:cs typeface="Constantia"/>
-              </a:rPr>
-              <a:t> </a:t>
-            </a:r>
-            <a:r>
-              <a:rPr lang="en-US" sz="3200" dirty="0" smtClean="0">
-                <a:latin typeface="Constantia"/>
-                <a:cs typeface="Constantia"/>
-              </a:rPr>
-              <a:t>in a very</a:t>
-            </a:r>
-            <a:r>
-              <a:rPr lang="en-US" sz="3200" spc="-10" dirty="0" smtClean="0">
-                <a:latin typeface="Constantia"/>
-                <a:cs typeface="Constantia"/>
-              </a:rPr>
-              <a:t> </a:t>
-            </a:r>
-            <a:r>
-              <a:rPr lang="en-US" sz="3200" dirty="0" smtClean="0">
-                <a:latin typeface="Constantia"/>
-                <a:cs typeface="Constantia"/>
-              </a:rPr>
-              <a:t>minor</a:t>
-            </a:r>
-            <a:r>
-              <a:rPr lang="en-US" sz="3200" spc="-15" dirty="0" smtClean="0">
-                <a:latin typeface="Constantia"/>
-                <a:cs typeface="Constantia"/>
-              </a:rPr>
-              <a:t> </a:t>
-            </a:r>
-            <a:r>
-              <a:rPr lang="en-US" sz="3200" dirty="0" smtClean="0">
-                <a:latin typeface="Constantia"/>
-                <a:cs typeface="Constantia"/>
-              </a:rPr>
-              <a:t>distortion of the image which</a:t>
-            </a:r>
-            <a:r>
-              <a:rPr lang="en-US" sz="3200" spc="-15" dirty="0" smtClean="0">
-                <a:latin typeface="Constantia"/>
-                <a:cs typeface="Constantia"/>
-              </a:rPr>
-              <a:t> </a:t>
-            </a:r>
-            <a:r>
-              <a:rPr lang="en-US" sz="3200" dirty="0" smtClean="0">
-                <a:latin typeface="Constantia"/>
-                <a:cs typeface="Constantia"/>
-              </a:rPr>
-              <a:t>is</a:t>
-            </a:r>
-            <a:r>
-              <a:rPr lang="en-US" sz="3200" spc="-20" dirty="0" smtClean="0">
-                <a:latin typeface="Constantia"/>
-                <a:cs typeface="Constantia"/>
-              </a:rPr>
-              <a:t> </a:t>
-            </a:r>
-            <a:r>
-              <a:rPr lang="en-US" sz="3200" dirty="0" smtClean="0">
-                <a:latin typeface="Constantia"/>
-                <a:cs typeface="Constantia"/>
-              </a:rPr>
-              <a:t>very much negligible for the human</a:t>
-            </a:r>
-            <a:r>
-              <a:rPr lang="en-US" sz="3200" spc="-12" dirty="0" smtClean="0">
-                <a:latin typeface="Constantia"/>
-                <a:cs typeface="Constantia"/>
-              </a:rPr>
-              <a:t> </a:t>
-            </a:r>
-            <a:r>
-              <a:rPr lang="en-US" sz="3200" dirty="0" smtClean="0">
-                <a:latin typeface="Constantia"/>
-                <a:cs typeface="Constantia"/>
-              </a:rPr>
-              <a:t>eyes but more visible than LSB and also more capacity efficient.</a:t>
-            </a:r>
-            <a:endParaRPr lang="en-US" sz="3200" dirty="0">
-              <a:latin typeface="Constantia"/>
-              <a:cs typeface="Constantia"/>
-            </a:endParaRPr>
-          </a:p>
-        </p:txBody>
-      </p:sp>
-      <p:pic>
-        <p:nvPicPr>
-          <p:cNvPr id="4098" name="Picture 2" descr="C:\Users\himes\notebooks\cover_raw.png"/>
-          <p:cNvPicPr>
-            <a:picLocks noChangeAspect="1" noChangeArrowheads="1"/>
-          </p:cNvPicPr>
-          <p:nvPr/>
-        </p:nvPicPr>
-        <p:blipFill>
-          <a:blip r:embed="rId2" cstate="print"/>
-          <a:srcRect/>
-          <a:stretch>
-            <a:fillRect/>
-          </a:stretch>
-        </p:blipFill>
-        <p:spPr bwMode="auto">
-          <a:xfrm>
-            <a:off x="2112264" y="3995928"/>
-            <a:ext cx="3048000" cy="2286000"/>
-          </a:xfrm>
-          <a:prstGeom prst="rect">
-            <a:avLst/>
-          </a:prstGeom>
-          <a:noFill/>
-        </p:spPr>
-      </p:pic>
-      <p:pic>
-        <p:nvPicPr>
-          <p:cNvPr id="4099" name="Picture 3" descr="C:\Users\himes\notebooks\cover_raw_stegano_BPCS.png"/>
-          <p:cNvPicPr>
-            <a:picLocks noChangeAspect="1" noChangeArrowheads="1"/>
-          </p:cNvPicPr>
-          <p:nvPr/>
-        </p:nvPicPr>
-        <p:blipFill>
-          <a:blip r:embed="rId3" cstate="print"/>
-          <a:srcRect/>
-          <a:stretch>
-            <a:fillRect/>
-          </a:stretch>
-        </p:blipFill>
-        <p:spPr bwMode="auto">
-          <a:xfrm>
-            <a:off x="7644384" y="3968496"/>
-            <a:ext cx="3048000" cy="2286000"/>
-          </a:xfrm>
-          <a:prstGeom prst="rect">
-            <a:avLst/>
-          </a:prstGeom>
-          <a:noFill/>
-        </p:spPr>
-      </p:pic>
-      <p:sp>
-        <p:nvSpPr>
-          <p:cNvPr id="6" name="Rectangle 5"/>
-          <p:cNvSpPr/>
-          <p:nvPr/>
-        </p:nvSpPr>
-        <p:spPr>
-          <a:xfrm>
-            <a:off x="2952187" y="6397398"/>
-            <a:ext cx="1423018" cy="335989"/>
-          </a:xfrm>
-          <a:prstGeom prst="rect">
-            <a:avLst/>
-          </a:prstGeom>
-        </p:spPr>
-        <p:txBody>
-          <a:bodyPr wrap="none">
-            <a:spAutoFit/>
-          </a:bodyPr>
-          <a:lstStyle/>
-          <a:p>
-            <a:pPr>
-              <a:lnSpc>
-                <a:spcPts val="1875"/>
-              </a:lnSpc>
-            </a:pPr>
-            <a:r>
-              <a:rPr lang="en-US" dirty="0" smtClean="0">
-                <a:latin typeface="Constantia"/>
-                <a:cs typeface="Constantia"/>
-              </a:rPr>
-              <a:t>Cover</a:t>
-            </a:r>
-            <a:r>
-              <a:rPr lang="en-US" spc="17" dirty="0" smtClean="0">
-                <a:latin typeface="Constantia"/>
-                <a:cs typeface="Constantia"/>
-              </a:rPr>
-              <a:t> </a:t>
-            </a:r>
-            <a:r>
-              <a:rPr lang="en-US" dirty="0" smtClean="0">
-                <a:latin typeface="Constantia"/>
-                <a:cs typeface="Constantia"/>
-              </a:rPr>
-              <a:t>Image</a:t>
-            </a:r>
-            <a:endParaRPr lang="en-US" dirty="0">
-              <a:latin typeface="Constantia"/>
-              <a:cs typeface="Constantia"/>
-            </a:endParaRPr>
-          </a:p>
-        </p:txBody>
-      </p:sp>
-      <p:sp>
-        <p:nvSpPr>
-          <p:cNvPr id="7" name="Rectangle 6"/>
-          <p:cNvSpPr/>
-          <p:nvPr/>
-        </p:nvSpPr>
-        <p:spPr>
-          <a:xfrm>
-            <a:off x="8502595" y="6360822"/>
-            <a:ext cx="1643720" cy="335989"/>
-          </a:xfrm>
-          <a:prstGeom prst="rect">
-            <a:avLst/>
-          </a:prstGeom>
-        </p:spPr>
-        <p:txBody>
-          <a:bodyPr wrap="none">
-            <a:spAutoFit/>
-          </a:bodyPr>
-          <a:lstStyle/>
-          <a:p>
-            <a:pPr>
-              <a:lnSpc>
-                <a:spcPts val="1875"/>
-              </a:lnSpc>
-            </a:pPr>
-            <a:r>
-              <a:rPr lang="en-US" dirty="0" smtClean="0">
-                <a:latin typeface="Constantia"/>
-                <a:cs typeface="Constantia"/>
-              </a:rPr>
-              <a:t>Stegano</a:t>
-            </a:r>
-            <a:r>
-              <a:rPr lang="en-US" spc="17" dirty="0" smtClean="0">
-                <a:latin typeface="Constantia"/>
-                <a:cs typeface="Constantia"/>
-              </a:rPr>
-              <a:t> </a:t>
-            </a:r>
-            <a:r>
-              <a:rPr lang="en-US" dirty="0" smtClean="0">
-                <a:latin typeface="Constantia"/>
-                <a:cs typeface="Constantia"/>
-              </a:rPr>
-              <a:t>Image</a:t>
-            </a:r>
-            <a:endParaRPr lang="en-US" dirty="0">
-              <a:latin typeface="Constantia"/>
-              <a:cs typeface="Constantia"/>
-            </a:endParaRPr>
-          </a:p>
-        </p:txBody>
-      </p:sp>
-    </p:spTree>
-  </p:cSld>
-  <p:clrMapOvr>
-    <a:masterClrMapping/>
-  </p:clrMapOvr>
-</p:sld>
-</file>
-
-<file path=ppt/slides/slide15.xml><?xml version="1.0" encoding="utf-8"?>
-<p:sld xmlns:a="http://schemas.openxmlformats.org/drawingml/2006/main" xmlns:r="http://schemas.openxmlformats.org/officeDocument/2006/relationships" xmlns:p="http://schemas.openxmlformats.org/presentationml/2006/main">
-  <p:cSld>
-    <p:spTree>
-      <p:nvGrpSpPr>
-        <p:cNvPr id="1" name=""/>
-        <p:cNvGrpSpPr/>
-        <p:nvPr/>
-      </p:nvGrpSpPr>
-      <p:grpSpPr>
-        <a:xfrm>
-          <a:off x="0" y="0"/>
-          <a:ext cx="0" cy="0"/>
-          <a:chOff x="0" y="0"/>
-          <a:chExt cx="0" cy="0"/>
-        </a:xfrm>
-      </p:grpSpPr>
-      <p:sp>
-        <p:nvSpPr>
-          <p:cNvPr id="2" name="Title 1"/>
-          <p:cNvSpPr>
-            <a:spLocks noGrp="1"/>
-          </p:cNvSpPr>
-          <p:nvPr>
-            <p:ph type="title"/>
-          </p:nvPr>
-        </p:nvSpPr>
-        <p:spPr/>
-        <p:txBody>
-          <a:bodyPr/>
-          <a:lstStyle/>
-          <a:p>
-            <a:pPr algn="ctr"/>
-            <a:r>
-              <a:rPr lang="en-IN" dirty="0" smtClean="0">
-                <a:latin typeface="Algerian" pitchFamily="82" charset="0"/>
-              </a:rPr>
-              <a:t>Module</a:t>
-            </a:r>
-            <a:endParaRPr lang="en-US" dirty="0">
-              <a:latin typeface="Algerian" pitchFamily="82" charset="0"/>
-            </a:endParaRPr>
-          </a:p>
-        </p:txBody>
-      </p:sp>
-      <p:sp>
-        <p:nvSpPr>
-          <p:cNvPr id="3" name="Content Placeholder 2"/>
+          <p:cNvPr id="4" name="Title 1"/>
           <p:cNvSpPr>
             <a:spLocks noGrp="1"/>
           </p:cNvSpPr>
@@ -10515,33 +8306,58 @@
             <p:ph idx="1"/>
           </p:nvPr>
         </p:nvSpPr>
-        <p:spPr/>
+        <p:spPr>
+          <a:xfrm>
+            <a:off x="1658938" y="706438"/>
+            <a:ext cx="10096500" cy="5665787"/>
+          </a:xfrm>
+        </p:spPr>
         <p:txBody>
           <a:bodyPr/>
           <a:lstStyle/>
           <a:p>
-            <a:endParaRPr lang="en-IN"/>
+            <a:pPr marL="0" indent="0" algn="ctr">
+              <a:buNone/>
+            </a:pPr>
+            <a:r>
+              <a:rPr lang="en-US" sz="2400" dirty="0">
+                <a:latin typeface="Algerian" panose="04020705040A02060702" pitchFamily="82" charset="0"/>
+              </a:rPr>
+              <a:t>DECODER</a:t>
+            </a:r>
+            <a:endParaRPr lang="en-IN" sz="2400" dirty="0">
+              <a:latin typeface="Algerian" panose="04020705040A02060702" pitchFamily="82" charset="0"/>
+            </a:endParaRPr>
+          </a:p>
+          <a:p>
+            <a:endParaRPr lang="en-IN" dirty="0"/>
           </a:p>
         </p:txBody>
       </p:sp>
       <p:pic>
         <p:nvPicPr>
-          <p:cNvPr id="6" name="Picture 5"/>
+          <p:cNvPr id="5" name="Picture 4"/>
           <p:cNvPicPr>
             <a:picLocks noChangeAspect="1"/>
           </p:cNvPicPr>
           <p:nvPr/>
         </p:nvPicPr>
         <p:blipFill>
-          <a:blip r:embed="rId2"/>
+          <a:blip r:embed="rId2">
+            <a:extLst>
+              <a:ext uri="{28A0092B-C50C-407E-A947-70E740481C1C}">
+                <a14:useLocalDpi xmlns:a14="http://schemas.microsoft.com/office/drawing/2010/main" val="0"/>
+              </a:ext>
+            </a:extLst>
+          </a:blip>
           <a:stretch>
             <a:fillRect/>
           </a:stretch>
         </p:blipFill>
         <p:spPr>
           <a:xfrm>
-            <a:off x="2299398" y="1264555"/>
-            <a:ext cx="9455827" cy="5221994"/>
+            <a:off x="2295135" y="1563488"/>
+            <a:ext cx="8824105" cy="4808737"/>
           </a:xfrm>
           <a:prstGeom prst="roundRect">
             <a:avLst>
@@ -10575,17 +8391,2149 @@
         </p:spPr>
       </p:pic>
     </p:spTree>
+    <p:extLst>
+      <p:ext uri="{BB962C8B-B14F-4D97-AF65-F5344CB8AC3E}">
+        <p14:creationId xmlns:p14="http://schemas.microsoft.com/office/powerpoint/2010/main" val="110383111"/>
+      </p:ext>
+    </p:extLst>
   </p:cSld>
   <p:clrMapOvr>
     <a:masterClrMapping/>
   </p:clrMapOvr>
-  <p:timing>
-    <p:tnLst>
-      <p:par>
-        <p:cTn id="1" dur="indefinite" restart="never" nodeType="tmRoot"/>
-      </p:par>
-    </p:tnLst>
-  </p:timing>
+</p:sld>
+</file>
+
+<file path=ppt/slides/slide11.xml><?xml version="1.0" encoding="utf-8"?>
+<p:sld xmlns:a="http://schemas.openxmlformats.org/drawingml/2006/main" xmlns:r="http://schemas.openxmlformats.org/officeDocument/2006/relationships" xmlns:p="http://schemas.openxmlformats.org/presentationml/2006/main">
+  <p:cSld>
+    <p:spTree>
+      <p:nvGrpSpPr>
+        <p:cNvPr id="1" name=""/>
+        <p:cNvGrpSpPr/>
+        <p:nvPr/>
+      </p:nvGrpSpPr>
+      <p:grpSpPr>
+        <a:xfrm>
+          <a:off x="0" y="0"/>
+          <a:ext cx="0" cy="0"/>
+          <a:chOff x="0" y="0"/>
+          <a:chExt cx="0" cy="0"/>
+        </a:xfrm>
+      </p:grpSpPr>
+      <p:sp>
+        <p:nvSpPr>
+          <p:cNvPr id="2" name="TextBox 1"/>
+          <p:cNvSpPr txBox="1"/>
+          <p:nvPr/>
+        </p:nvSpPr>
+        <p:spPr>
+          <a:xfrm>
+            <a:off x="2916936" y="640080"/>
+            <a:ext cx="6519672" cy="646331"/>
+          </a:xfrm>
+          <a:prstGeom prst="rect">
+            <a:avLst/>
+          </a:prstGeom>
+          <a:noFill/>
+        </p:spPr>
+        <p:txBody>
+          <a:bodyPr wrap="square" rtlCol="0">
+            <a:spAutoFit/>
+          </a:bodyPr>
+          <a:lstStyle/>
+          <a:p>
+            <a:r>
+              <a:rPr lang="en-IN" sz="3600" dirty="0" smtClean="0">
+                <a:latin typeface="Algerian" pitchFamily="82" charset="0"/>
+              </a:rPr>
+              <a:t>LSB(Least Significant Bit)</a:t>
+            </a:r>
+            <a:endParaRPr lang="en-US" sz="3600" dirty="0">
+              <a:latin typeface="Algerian" pitchFamily="82" charset="0"/>
+            </a:endParaRPr>
+          </a:p>
+        </p:txBody>
+      </p:sp>
+      <p:sp>
+        <p:nvSpPr>
+          <p:cNvPr id="27" name="Rectangle 26"/>
+          <p:cNvSpPr/>
+          <p:nvPr/>
+        </p:nvSpPr>
+        <p:spPr>
+          <a:xfrm>
+            <a:off x="2076791" y="1838945"/>
+            <a:ext cx="8246785" cy="3630353"/>
+          </a:xfrm>
+          <a:prstGeom prst="rect">
+            <a:avLst/>
+          </a:prstGeom>
+        </p:spPr>
+        <p:txBody>
+          <a:bodyPr wrap="square">
+            <a:spAutoFit/>
+          </a:bodyPr>
+          <a:lstStyle/>
+          <a:p>
+            <a:pPr algn="just">
+              <a:lnSpc>
+                <a:spcPts val="3438"/>
+              </a:lnSpc>
+            </a:pPr>
+            <a:r>
+              <a:rPr lang="en-US" sz="3200" dirty="0" smtClean="0">
+                <a:latin typeface="Constantia"/>
+                <a:cs typeface="Constantia"/>
+              </a:rPr>
+              <a:t>A common approach of hiding data within an</a:t>
+            </a:r>
+            <a:r>
+              <a:rPr lang="en-US" sz="3200" spc="-12" dirty="0" smtClean="0">
+                <a:latin typeface="Constantia"/>
+                <a:cs typeface="Constantia"/>
+              </a:rPr>
+              <a:t> </a:t>
+            </a:r>
+            <a:r>
+              <a:rPr lang="en-US" sz="3200" dirty="0" smtClean="0">
+                <a:latin typeface="Constantia"/>
+                <a:cs typeface="Constantia"/>
+              </a:rPr>
+              <a:t>image</a:t>
+            </a:r>
+            <a:r>
+              <a:rPr lang="en-US" sz="3200" spc="10" dirty="0" smtClean="0">
+                <a:latin typeface="Constantia"/>
+                <a:cs typeface="Constantia"/>
+              </a:rPr>
+              <a:t> </a:t>
+            </a:r>
+            <a:r>
+              <a:rPr lang="en-US" sz="3200" dirty="0" smtClean="0">
+                <a:latin typeface="Constantia"/>
+                <a:cs typeface="Constantia"/>
+              </a:rPr>
+              <a:t>file is </a:t>
+            </a:r>
+            <a:r>
+              <a:rPr lang="en-US" sz="3200" dirty="0" smtClean="0">
+                <a:solidFill>
+                  <a:schemeClr val="accent1"/>
+                </a:solidFill>
+                <a:latin typeface="Constantia"/>
+                <a:cs typeface="Constantia"/>
+              </a:rPr>
+              <a:t>Least Significant Bit (LSB) </a:t>
+            </a:r>
+            <a:r>
+              <a:rPr lang="en-US" sz="3200" dirty="0" smtClean="0">
+                <a:latin typeface="Constantia"/>
+                <a:cs typeface="Constantia"/>
+              </a:rPr>
+              <a:t>Substitution.</a:t>
+            </a:r>
+          </a:p>
+          <a:p>
+            <a:pPr algn="just">
+              <a:lnSpc>
+                <a:spcPts val="3438"/>
+              </a:lnSpc>
+            </a:pPr>
+            <a:r>
+              <a:rPr lang="en-US" sz="3200" spc="-12" dirty="0" smtClean="0">
+                <a:latin typeface="Constantia"/>
+                <a:cs typeface="Constantia"/>
+              </a:rPr>
+              <a:t>	In</a:t>
+            </a:r>
+            <a:r>
+              <a:rPr lang="en-US" sz="3200" spc="12" dirty="0" smtClean="0">
+                <a:latin typeface="Constantia"/>
+                <a:cs typeface="Constantia"/>
+              </a:rPr>
+              <a:t> </a:t>
+            </a:r>
+            <a:r>
+              <a:rPr lang="en-US" sz="3200" dirty="0" smtClean="0">
+                <a:latin typeface="Constantia"/>
+                <a:cs typeface="Constantia"/>
+              </a:rPr>
+              <a:t>this method, we</a:t>
+            </a:r>
+            <a:r>
+              <a:rPr lang="en-US" sz="3200" spc="15" dirty="0" smtClean="0">
+                <a:latin typeface="Constantia"/>
+                <a:cs typeface="Constantia"/>
+              </a:rPr>
+              <a:t> </a:t>
+            </a:r>
+            <a:r>
+              <a:rPr lang="en-US" sz="3200" dirty="0" smtClean="0">
+                <a:latin typeface="Constantia"/>
+                <a:cs typeface="Constantia"/>
+              </a:rPr>
+              <a:t>can take the </a:t>
+            </a:r>
+            <a:r>
+              <a:rPr lang="en-US" sz="3200" b="1" dirty="0" smtClean="0">
+                <a:solidFill>
+                  <a:schemeClr val="accent1"/>
+                </a:solidFill>
+                <a:latin typeface="Constantia"/>
+                <a:cs typeface="Constantia"/>
+              </a:rPr>
+              <a:t>binary</a:t>
+            </a:r>
+            <a:r>
+              <a:rPr lang="en-US" sz="3200" b="1" spc="10" dirty="0" smtClean="0">
+                <a:solidFill>
+                  <a:schemeClr val="accent1"/>
+                </a:solidFill>
+                <a:latin typeface="Constantia"/>
+                <a:cs typeface="Constantia"/>
+              </a:rPr>
+              <a:t> </a:t>
+            </a:r>
+            <a:r>
+              <a:rPr lang="en-US" sz="3200" b="1" dirty="0" smtClean="0">
+                <a:solidFill>
+                  <a:schemeClr val="accent1"/>
+                </a:solidFill>
+                <a:latin typeface="Constantia"/>
+                <a:cs typeface="Constantia"/>
+              </a:rPr>
+              <a:t>representation</a:t>
+            </a:r>
+            <a:r>
+              <a:rPr lang="en-US" sz="3200" b="1" spc="56" dirty="0" smtClean="0">
+                <a:solidFill>
+                  <a:schemeClr val="accent1"/>
+                </a:solidFill>
+                <a:latin typeface="Constantia"/>
+                <a:cs typeface="Constantia"/>
+              </a:rPr>
+              <a:t> </a:t>
+            </a:r>
+            <a:r>
+              <a:rPr lang="en-US" sz="3200" dirty="0" smtClean="0">
+                <a:latin typeface="Constantia"/>
+                <a:cs typeface="Constantia"/>
+              </a:rPr>
+              <a:t>of the hidden</a:t>
+            </a:r>
+            <a:r>
+              <a:rPr lang="en-US" sz="3200" spc="-10" dirty="0" smtClean="0">
+                <a:latin typeface="Constantia"/>
+                <a:cs typeface="Constantia"/>
+              </a:rPr>
+              <a:t> </a:t>
+            </a:r>
+            <a:r>
+              <a:rPr lang="en-US" sz="3200" dirty="0" smtClean="0">
+                <a:latin typeface="Constantia"/>
+                <a:cs typeface="Constantia"/>
+              </a:rPr>
+              <a:t>data and</a:t>
+            </a:r>
+            <a:r>
+              <a:rPr lang="en-US" sz="3200" spc="10" dirty="0" smtClean="0">
+                <a:latin typeface="Constantia"/>
+                <a:cs typeface="Constantia"/>
+              </a:rPr>
+              <a:t> </a:t>
+            </a:r>
+            <a:r>
+              <a:rPr lang="en-US" sz="3200" b="1" dirty="0" smtClean="0">
+                <a:latin typeface="Constantia"/>
+                <a:cs typeface="Constantia"/>
+              </a:rPr>
+              <a:t>overwrite the LSB</a:t>
+            </a:r>
+            <a:r>
+              <a:rPr lang="en-US" sz="3200" b="1" spc="46" dirty="0" smtClean="0">
+                <a:latin typeface="Constantia"/>
+                <a:cs typeface="Constantia"/>
+              </a:rPr>
+              <a:t> </a:t>
+            </a:r>
+            <a:r>
+              <a:rPr lang="en-US" sz="3200" dirty="0" smtClean="0">
+                <a:latin typeface="Constantia"/>
+                <a:cs typeface="Constantia"/>
+              </a:rPr>
+              <a:t>of </a:t>
+            </a:r>
+            <a:r>
+              <a:rPr lang="en-US" sz="3200" dirty="0" smtClean="0">
+                <a:solidFill>
+                  <a:schemeClr val="accent1"/>
+                </a:solidFill>
+                <a:latin typeface="Constantia"/>
+                <a:cs typeface="Constantia"/>
+              </a:rPr>
+              <a:t>each</a:t>
+            </a:r>
+            <a:r>
+              <a:rPr lang="en-US" sz="3200" spc="-11" dirty="0" smtClean="0">
+                <a:solidFill>
+                  <a:schemeClr val="accent1"/>
+                </a:solidFill>
+                <a:latin typeface="Constantia"/>
+                <a:cs typeface="Constantia"/>
+              </a:rPr>
+              <a:t> </a:t>
+            </a:r>
+            <a:r>
+              <a:rPr lang="en-US" sz="3200" dirty="0" smtClean="0">
+                <a:solidFill>
+                  <a:schemeClr val="accent1"/>
+                </a:solidFill>
+                <a:latin typeface="Constantia"/>
+                <a:cs typeface="Constantia"/>
+              </a:rPr>
+              <a:t>byte </a:t>
+            </a:r>
+            <a:r>
+              <a:rPr lang="en-US" sz="3200" dirty="0" smtClean="0">
+                <a:latin typeface="Constantia"/>
+                <a:cs typeface="Constantia"/>
+              </a:rPr>
+              <a:t>within the cover  image.</a:t>
+            </a:r>
+          </a:p>
+          <a:p>
+            <a:pPr>
+              <a:lnSpc>
+                <a:spcPts val="3438"/>
+              </a:lnSpc>
+            </a:pPr>
+            <a:endParaRPr lang="en-US" sz="2800" dirty="0">
+              <a:latin typeface="Constantia"/>
+              <a:cs typeface="Constantia"/>
+            </a:endParaRPr>
+          </a:p>
+        </p:txBody>
+      </p:sp>
+    </p:spTree>
+  </p:cSld>
+  <p:clrMapOvr>
+    <a:masterClrMapping/>
+  </p:clrMapOvr>
+</p:sld>
+</file>
+
+<file path=ppt/slides/slide12.xml><?xml version="1.0" encoding="utf-8"?>
+<p:sld xmlns:a="http://schemas.openxmlformats.org/drawingml/2006/main" xmlns:r="http://schemas.openxmlformats.org/officeDocument/2006/relationships" xmlns:p="http://schemas.openxmlformats.org/presentationml/2006/main">
+  <p:cSld>
+    <p:spTree>
+      <p:nvGrpSpPr>
+        <p:cNvPr id="1" name=""/>
+        <p:cNvGrpSpPr/>
+        <p:nvPr/>
+      </p:nvGrpSpPr>
+      <p:grpSpPr>
+        <a:xfrm>
+          <a:off x="0" y="0"/>
+          <a:ext cx="0" cy="0"/>
+          <a:chOff x="0" y="0"/>
+          <a:chExt cx="0" cy="0"/>
+        </a:xfrm>
+      </p:grpSpPr>
+      <p:sp>
+        <p:nvSpPr>
+          <p:cNvPr id="2" name="object 3"/>
+          <p:cNvSpPr txBox="1"/>
+          <p:nvPr/>
+        </p:nvSpPr>
+        <p:spPr>
+          <a:xfrm>
+            <a:off x="1792224" y="564697"/>
+            <a:ext cx="8321040" cy="538609"/>
+          </a:xfrm>
+          <a:prstGeom prst="rect">
+            <a:avLst/>
+          </a:prstGeom>
+        </p:spPr>
+        <p:txBody>
+          <a:bodyPr vert="horz" wrap="square" lIns="0" tIns="0" rIns="0" bIns="0" rtlCol="0">
+            <a:spAutoFit/>
+          </a:bodyPr>
+          <a:lstStyle/>
+          <a:p>
+            <a:pPr marL="0" marR="0">
+              <a:lnSpc>
+                <a:spcPts val="4167"/>
+              </a:lnSpc>
+              <a:spcBef>
+                <a:spcPts val="0"/>
+              </a:spcBef>
+              <a:spcAft>
+                <a:spcPts val="0"/>
+              </a:spcAft>
+            </a:pPr>
+            <a:r>
+              <a:rPr sz="3600" dirty="0">
+                <a:latin typeface="Algerian" pitchFamily="82" charset="0"/>
+                <a:cs typeface="Calibri"/>
+              </a:rPr>
+              <a:t>Least Significant Bit</a:t>
+            </a:r>
+            <a:r>
+              <a:rPr sz="3600" spc="12" dirty="0">
+                <a:latin typeface="Algerian" pitchFamily="82" charset="0"/>
+                <a:cs typeface="Calibri"/>
+              </a:rPr>
+              <a:t> </a:t>
+            </a:r>
+            <a:r>
+              <a:rPr sz="3600" dirty="0">
+                <a:latin typeface="Algerian" pitchFamily="82" charset="0"/>
+                <a:cs typeface="Calibri"/>
+              </a:rPr>
+              <a:t>Substitution</a:t>
+            </a:r>
+          </a:p>
+        </p:txBody>
+      </p:sp>
+      <p:sp>
+        <p:nvSpPr>
+          <p:cNvPr id="3" name="object 4"/>
+          <p:cNvSpPr txBox="1"/>
+          <p:nvPr/>
+        </p:nvSpPr>
+        <p:spPr>
+          <a:xfrm>
+            <a:off x="2834639" y="1721693"/>
+            <a:ext cx="5241672" cy="629147"/>
+          </a:xfrm>
+          <a:prstGeom prst="rect">
+            <a:avLst/>
+          </a:prstGeom>
+        </p:spPr>
+        <p:txBody>
+          <a:bodyPr vert="horz" wrap="square" lIns="0" tIns="0" rIns="0" bIns="0" rtlCol="0">
+            <a:spAutoFit/>
+          </a:bodyPr>
+          <a:lstStyle/>
+          <a:p>
+            <a:pPr marL="0" marR="0">
+              <a:lnSpc>
+                <a:spcPts val="2292"/>
+              </a:lnSpc>
+              <a:spcBef>
+                <a:spcPts val="0"/>
+              </a:spcBef>
+              <a:spcAft>
+                <a:spcPts val="0"/>
+              </a:spcAft>
+            </a:pPr>
+            <a:r>
+              <a:rPr sz="2200" dirty="0">
+                <a:latin typeface="Constantia"/>
+                <a:cs typeface="Constantia"/>
+              </a:rPr>
+              <a:t>Suppose we have the following binary</a:t>
+            </a:r>
+          </a:p>
+          <a:p>
+            <a:pPr marL="0" marR="0">
+              <a:lnSpc>
+                <a:spcPts val="2292"/>
+              </a:lnSpc>
+              <a:spcBef>
+                <a:spcPts val="347"/>
+              </a:spcBef>
+              <a:spcAft>
+                <a:spcPts val="0"/>
+              </a:spcAft>
+            </a:pPr>
+            <a:r>
+              <a:rPr sz="2200" dirty="0">
+                <a:latin typeface="Constantia"/>
+                <a:cs typeface="Constantia"/>
+              </a:rPr>
+              <a:t>representation for the Cover Image.</a:t>
+            </a:r>
+          </a:p>
+        </p:txBody>
+      </p:sp>
+      <p:sp>
+        <p:nvSpPr>
+          <p:cNvPr id="4" name="object 11"/>
+          <p:cNvSpPr txBox="1"/>
+          <p:nvPr/>
+        </p:nvSpPr>
+        <p:spPr>
+          <a:xfrm>
+            <a:off x="4761229" y="2795016"/>
+            <a:ext cx="2572536" cy="256480"/>
+          </a:xfrm>
+          <a:prstGeom prst="rect">
+            <a:avLst/>
+          </a:prstGeom>
+        </p:spPr>
+        <p:txBody>
+          <a:bodyPr vert="horz" wrap="square" lIns="0" tIns="0" rIns="0" bIns="0" rtlCol="0">
+            <a:spAutoFit/>
+          </a:bodyPr>
+          <a:lstStyle/>
+          <a:p>
+            <a:pPr marL="0" marR="0">
+              <a:lnSpc>
+                <a:spcPts val="1979"/>
+              </a:lnSpc>
+              <a:spcBef>
+                <a:spcPts val="0"/>
+              </a:spcBef>
+              <a:spcAft>
+                <a:spcPts val="0"/>
+              </a:spcAft>
+            </a:pPr>
+            <a:r>
+              <a:rPr sz="1900" dirty="0">
+                <a:solidFill>
+                  <a:schemeClr val="accent1"/>
+                </a:solidFill>
+                <a:latin typeface="JBNKLH+ArialMT"/>
+                <a:cs typeface="JBNKLH+ArialMT"/>
+              </a:rPr>
+              <a:t>10010101 00001101</a:t>
+            </a:r>
+          </a:p>
+        </p:txBody>
+      </p:sp>
+      <p:sp>
+        <p:nvSpPr>
+          <p:cNvPr id="5" name="object 14"/>
+          <p:cNvSpPr txBox="1"/>
+          <p:nvPr/>
+        </p:nvSpPr>
+        <p:spPr>
+          <a:xfrm>
+            <a:off x="4761229" y="3145537"/>
+            <a:ext cx="2572536" cy="256480"/>
+          </a:xfrm>
+          <a:prstGeom prst="rect">
+            <a:avLst/>
+          </a:prstGeom>
+        </p:spPr>
+        <p:txBody>
+          <a:bodyPr vert="horz" wrap="square" lIns="0" tIns="0" rIns="0" bIns="0" rtlCol="0">
+            <a:spAutoFit/>
+          </a:bodyPr>
+          <a:lstStyle/>
+          <a:p>
+            <a:pPr marL="0" marR="0">
+              <a:lnSpc>
+                <a:spcPts val="1979"/>
+              </a:lnSpc>
+              <a:spcBef>
+                <a:spcPts val="0"/>
+              </a:spcBef>
+              <a:spcAft>
+                <a:spcPts val="0"/>
+              </a:spcAft>
+            </a:pPr>
+            <a:r>
+              <a:rPr sz="1900" dirty="0">
+                <a:solidFill>
+                  <a:schemeClr val="accent1"/>
+                </a:solidFill>
+                <a:latin typeface="JBNKLH+ArialMT"/>
+                <a:cs typeface="JBNKLH+ArialMT"/>
+              </a:rPr>
+              <a:t>10010110 00001111</a:t>
+            </a:r>
+          </a:p>
+        </p:txBody>
+      </p:sp>
+      <p:sp>
+        <p:nvSpPr>
+          <p:cNvPr id="6" name="object 16"/>
+          <p:cNvSpPr txBox="1"/>
+          <p:nvPr/>
+        </p:nvSpPr>
+        <p:spPr>
+          <a:xfrm>
+            <a:off x="2834639" y="3860373"/>
+            <a:ext cx="6802635" cy="629147"/>
+          </a:xfrm>
+          <a:prstGeom prst="rect">
+            <a:avLst/>
+          </a:prstGeom>
+        </p:spPr>
+        <p:txBody>
+          <a:bodyPr vert="horz" wrap="square" lIns="0" tIns="0" rIns="0" bIns="0" rtlCol="0">
+            <a:spAutoFit/>
+          </a:bodyPr>
+          <a:lstStyle/>
+          <a:p>
+            <a:pPr marL="0" marR="0">
+              <a:lnSpc>
+                <a:spcPts val="2292"/>
+              </a:lnSpc>
+              <a:spcBef>
+                <a:spcPts val="0"/>
+              </a:spcBef>
+              <a:spcAft>
+                <a:spcPts val="0"/>
+              </a:spcAft>
+            </a:pPr>
+            <a:r>
+              <a:rPr sz="2200" dirty="0">
+                <a:latin typeface="Constantia"/>
+                <a:cs typeface="Constantia"/>
+              </a:rPr>
+              <a:t>Suppose we want to "hide" the following 4 bits </a:t>
+            </a:r>
+            <a:r>
+              <a:rPr sz="2200" spc="-10" dirty="0">
+                <a:latin typeface="Constantia"/>
+                <a:cs typeface="Constantia"/>
+              </a:rPr>
+              <a:t>of</a:t>
+            </a:r>
+          </a:p>
+          <a:p>
+            <a:pPr marL="0" marR="0">
+              <a:lnSpc>
+                <a:spcPts val="2292"/>
+              </a:lnSpc>
+              <a:spcBef>
+                <a:spcPts val="347"/>
+              </a:spcBef>
+              <a:spcAft>
+                <a:spcPts val="0"/>
+              </a:spcAft>
+            </a:pPr>
+            <a:r>
+              <a:rPr sz="2200" dirty="0">
+                <a:latin typeface="Constantia"/>
+                <a:cs typeface="Constantia"/>
+              </a:rPr>
+              <a:t>data: </a:t>
+            </a:r>
+            <a:r>
+              <a:rPr sz="1900" b="1" dirty="0">
+                <a:solidFill>
+                  <a:schemeClr val="accent1"/>
+                </a:solidFill>
+                <a:latin typeface="UOQLKK+Arial-BoldMT"/>
+                <a:cs typeface="UOQLKK+Arial-BoldMT"/>
+              </a:rPr>
+              <a:t>1011</a:t>
+            </a:r>
+            <a:r>
+              <a:rPr sz="2200" dirty="0">
+                <a:latin typeface="Constantia"/>
+                <a:cs typeface="Constantia"/>
+              </a:rPr>
+              <a:t>,</a:t>
+            </a:r>
+          </a:p>
+        </p:txBody>
+      </p:sp>
+      <p:sp>
+        <p:nvSpPr>
+          <p:cNvPr id="7" name="object 21"/>
+          <p:cNvSpPr txBox="1"/>
+          <p:nvPr/>
+        </p:nvSpPr>
+        <p:spPr>
+          <a:xfrm>
+            <a:off x="2834639" y="4600783"/>
+            <a:ext cx="4760745" cy="1013098"/>
+          </a:xfrm>
+          <a:prstGeom prst="rect">
+            <a:avLst/>
+          </a:prstGeom>
+        </p:spPr>
+        <p:txBody>
+          <a:bodyPr vert="horz" wrap="square" lIns="0" tIns="0" rIns="0" bIns="0" rtlCol="0">
+            <a:spAutoFit/>
+          </a:bodyPr>
+          <a:lstStyle/>
+          <a:p>
+            <a:pPr marL="0" marR="0">
+              <a:lnSpc>
+                <a:spcPts val="2292"/>
+              </a:lnSpc>
+              <a:spcBef>
+                <a:spcPts val="0"/>
+              </a:spcBef>
+              <a:spcAft>
+                <a:spcPts val="0"/>
+              </a:spcAft>
+            </a:pPr>
+            <a:r>
+              <a:rPr sz="2200" spc="-10" dirty="0">
+                <a:latin typeface="Constantia"/>
+                <a:cs typeface="Constantia"/>
+              </a:rPr>
+              <a:t>we</a:t>
+            </a:r>
+            <a:r>
+              <a:rPr sz="2200" spc="12" dirty="0">
+                <a:latin typeface="Constantia"/>
+                <a:cs typeface="Constantia"/>
+              </a:rPr>
+              <a:t> </a:t>
+            </a:r>
+            <a:r>
+              <a:rPr sz="2200" dirty="0">
+                <a:latin typeface="Constantia"/>
+                <a:cs typeface="Constantia"/>
+              </a:rPr>
+              <a:t>get the following,</a:t>
+            </a:r>
+          </a:p>
+          <a:p>
+            <a:pPr marL="1926589" marR="0">
+              <a:lnSpc>
+                <a:spcPts val="1979"/>
+              </a:lnSpc>
+              <a:spcBef>
+                <a:spcPts val="830"/>
+              </a:spcBef>
+              <a:spcAft>
+                <a:spcPts val="0"/>
+              </a:spcAft>
+            </a:pPr>
+            <a:r>
+              <a:rPr sz="1900" dirty="0">
+                <a:solidFill>
+                  <a:schemeClr val="accent1"/>
+                </a:solidFill>
+                <a:latin typeface="JBNKLH+ArialMT"/>
+                <a:cs typeface="JBNKLH+ArialMT"/>
+              </a:rPr>
+              <a:t>1001010</a:t>
+            </a:r>
+            <a:r>
+              <a:rPr sz="1900" b="1" dirty="0">
+                <a:solidFill>
+                  <a:schemeClr val="accent1"/>
+                </a:solidFill>
+                <a:latin typeface="UOQLKK+Arial-BoldMT"/>
+                <a:cs typeface="UOQLKK+Arial-BoldMT"/>
+              </a:rPr>
+              <a:t>1 </a:t>
+            </a:r>
+            <a:r>
+              <a:rPr sz="1900" dirty="0">
+                <a:solidFill>
+                  <a:schemeClr val="accent1"/>
+                </a:solidFill>
+                <a:latin typeface="JBNKLH+ArialMT"/>
+                <a:cs typeface="JBNKLH+ArialMT"/>
+              </a:rPr>
+              <a:t>0000110</a:t>
+            </a:r>
+            <a:r>
+              <a:rPr sz="1900" b="1" dirty="0">
+                <a:solidFill>
+                  <a:schemeClr val="accent1"/>
+                </a:solidFill>
+                <a:latin typeface="UOQLKK+Arial-BoldMT"/>
+                <a:cs typeface="UOQLKK+Arial-BoldMT"/>
+              </a:rPr>
+              <a:t>1</a:t>
+            </a:r>
+          </a:p>
+          <a:p>
+            <a:pPr marL="1926589" marR="0">
+              <a:lnSpc>
+                <a:spcPts val="1979"/>
+              </a:lnSpc>
+              <a:spcBef>
+                <a:spcPts val="770"/>
+              </a:spcBef>
+              <a:spcAft>
+                <a:spcPts val="0"/>
+              </a:spcAft>
+            </a:pPr>
+            <a:r>
+              <a:rPr sz="1900" dirty="0">
+                <a:solidFill>
+                  <a:schemeClr val="accent1"/>
+                </a:solidFill>
+                <a:latin typeface="JBNKLH+ArialMT"/>
+                <a:cs typeface="JBNKLH+ArialMT"/>
+              </a:rPr>
+              <a:t>1001011</a:t>
+            </a:r>
+            <a:r>
+              <a:rPr sz="1900" b="1" dirty="0">
+                <a:solidFill>
+                  <a:schemeClr val="accent1"/>
+                </a:solidFill>
+                <a:latin typeface="UOQLKK+Arial-BoldMT"/>
+                <a:cs typeface="UOQLKK+Arial-BoldMT"/>
+              </a:rPr>
+              <a:t>0 </a:t>
+            </a:r>
+            <a:r>
+              <a:rPr sz="1900" dirty="0">
+                <a:solidFill>
+                  <a:schemeClr val="accent1"/>
+                </a:solidFill>
+                <a:latin typeface="JBNKLH+ArialMT"/>
+                <a:cs typeface="JBNKLH+ArialMT"/>
+              </a:rPr>
+              <a:t>0000111</a:t>
+            </a:r>
+            <a:r>
+              <a:rPr sz="1900" b="1" dirty="0">
+                <a:solidFill>
+                  <a:schemeClr val="accent1"/>
+                </a:solidFill>
+                <a:latin typeface="UOQLKK+Arial-BoldMT"/>
+                <a:cs typeface="UOQLKK+Arial-BoldMT"/>
+              </a:rPr>
+              <a:t>1</a:t>
+            </a:r>
+          </a:p>
+        </p:txBody>
+      </p:sp>
+      <p:sp>
+        <p:nvSpPr>
+          <p:cNvPr id="8" name="object 25"/>
+          <p:cNvSpPr txBox="1"/>
+          <p:nvPr/>
+        </p:nvSpPr>
+        <p:spPr>
+          <a:xfrm>
+            <a:off x="170179" y="5180151"/>
+            <a:ext cx="246265" cy="337651"/>
+          </a:xfrm>
+          <a:prstGeom prst="rect">
+            <a:avLst/>
+          </a:prstGeom>
+        </p:spPr>
+        <p:txBody>
+          <a:bodyPr vert="horz" wrap="square" lIns="0" tIns="0" rIns="0" bIns="0" rtlCol="0">
+            <a:spAutoFit/>
+          </a:bodyPr>
+          <a:lstStyle/>
+          <a:p>
+            <a:pPr marL="0" marR="0">
+              <a:lnSpc>
+                <a:spcPts val="1083"/>
+              </a:lnSpc>
+              <a:spcBef>
+                <a:spcPts val="0"/>
+              </a:spcBef>
+              <a:spcAft>
+                <a:spcPts val="0"/>
+              </a:spcAft>
+            </a:pPr>
+            <a:r>
+              <a:rPr sz="1050" dirty="0">
+                <a:solidFill>
+                  <a:srgbClr val="0BD0D9"/>
+                </a:solidFill>
+                <a:latin typeface="JBNKLH+ArialMT"/>
+                <a:cs typeface="JBNKLH+ArialMT"/>
+              </a:rPr>
+              <a:t>•</a:t>
+            </a:r>
+          </a:p>
+        </p:txBody>
+      </p:sp>
+      <p:sp>
+        <p:nvSpPr>
+          <p:cNvPr id="9" name="object 27"/>
+          <p:cNvSpPr txBox="1"/>
+          <p:nvPr/>
+        </p:nvSpPr>
+        <p:spPr>
+          <a:xfrm>
+            <a:off x="810259" y="5389976"/>
+            <a:ext cx="222325" cy="304044"/>
+          </a:xfrm>
+          <a:prstGeom prst="rect">
+            <a:avLst/>
+          </a:prstGeom>
+        </p:spPr>
+        <p:txBody>
+          <a:bodyPr vert="horz" wrap="square" lIns="0" tIns="0" rIns="0" bIns="0" rtlCol="0">
+            <a:spAutoFit/>
+          </a:bodyPr>
+          <a:lstStyle/>
+          <a:p>
+            <a:pPr marL="0" marR="0">
+              <a:lnSpc>
+                <a:spcPts val="969"/>
+              </a:lnSpc>
+              <a:spcBef>
+                <a:spcPts val="0"/>
+              </a:spcBef>
+              <a:spcAft>
+                <a:spcPts val="0"/>
+              </a:spcAft>
+            </a:pPr>
+            <a:r>
+              <a:rPr sz="950" dirty="0">
+                <a:solidFill>
+                  <a:srgbClr val="0F6FC6"/>
+                </a:solidFill>
+                <a:latin typeface="JBNKLH+ArialMT"/>
+                <a:cs typeface="JBNKLH+ArialMT"/>
+              </a:rPr>
+              <a:t>•</a:t>
+            </a:r>
+          </a:p>
+        </p:txBody>
+      </p:sp>
+      <p:sp>
+        <p:nvSpPr>
+          <p:cNvPr id="10" name="object 28"/>
+          <p:cNvSpPr txBox="1"/>
+          <p:nvPr/>
+        </p:nvSpPr>
+        <p:spPr>
+          <a:xfrm>
+            <a:off x="2834639" y="5832683"/>
+            <a:ext cx="6949890" cy="629147"/>
+          </a:xfrm>
+          <a:prstGeom prst="rect">
+            <a:avLst/>
+          </a:prstGeom>
+        </p:spPr>
+        <p:txBody>
+          <a:bodyPr vert="horz" wrap="square" lIns="0" tIns="0" rIns="0" bIns="0" rtlCol="0">
+            <a:spAutoFit/>
+          </a:bodyPr>
+          <a:lstStyle/>
+          <a:p>
+            <a:pPr marL="0" marR="0">
+              <a:lnSpc>
+                <a:spcPts val="2292"/>
+              </a:lnSpc>
+              <a:spcBef>
+                <a:spcPts val="0"/>
+              </a:spcBef>
+              <a:spcAft>
+                <a:spcPts val="0"/>
+              </a:spcAft>
+            </a:pPr>
+            <a:r>
+              <a:rPr sz="2200" dirty="0">
+                <a:latin typeface="Constantia"/>
+                <a:cs typeface="Constantia"/>
+              </a:rPr>
+              <a:t>Where the each data</a:t>
+            </a:r>
+            <a:r>
+              <a:rPr sz="2200" spc="-10" dirty="0">
+                <a:latin typeface="Constantia"/>
+                <a:cs typeface="Constantia"/>
+              </a:rPr>
+              <a:t> </a:t>
+            </a:r>
+            <a:r>
+              <a:rPr sz="2200" dirty="0">
+                <a:latin typeface="Constantia"/>
+                <a:cs typeface="Constantia"/>
+              </a:rPr>
+              <a:t>bits are accommodated in</a:t>
+            </a:r>
+          </a:p>
+          <a:p>
+            <a:pPr marL="0" marR="0">
+              <a:lnSpc>
+                <a:spcPts val="2292"/>
+              </a:lnSpc>
+              <a:spcBef>
+                <a:spcPts val="347"/>
+              </a:spcBef>
+              <a:spcAft>
+                <a:spcPts val="0"/>
+              </a:spcAft>
+            </a:pPr>
+            <a:r>
+              <a:rPr sz="2200" dirty="0">
+                <a:latin typeface="Constantia"/>
+                <a:cs typeface="Constantia"/>
+              </a:rPr>
+              <a:t>the least significant</a:t>
+            </a:r>
+            <a:r>
+              <a:rPr sz="2200" spc="10" dirty="0">
+                <a:latin typeface="Constantia"/>
+                <a:cs typeface="Constantia"/>
+              </a:rPr>
+              <a:t> </a:t>
+            </a:r>
+            <a:r>
+              <a:rPr sz="2200" dirty="0">
+                <a:latin typeface="Constantia"/>
+                <a:cs typeface="Constantia"/>
+              </a:rPr>
+              <a:t>bits of each byte of the image.</a:t>
+            </a:r>
+          </a:p>
+        </p:txBody>
+      </p:sp>
+    </p:spTree>
+  </p:cSld>
+  <p:clrMapOvr>
+    <a:masterClrMapping/>
+  </p:clrMapOvr>
+</p:sld>
+</file>
+
+<file path=ppt/slides/slide13.xml><?xml version="1.0" encoding="utf-8"?>
+<p:sld xmlns:a="http://schemas.openxmlformats.org/drawingml/2006/main" xmlns:r="http://schemas.openxmlformats.org/officeDocument/2006/relationships" xmlns:p="http://schemas.openxmlformats.org/presentationml/2006/main">
+  <p:cSld>
+    <p:spTree>
+      <p:nvGrpSpPr>
+        <p:cNvPr id="1" name=""/>
+        <p:cNvGrpSpPr/>
+        <p:nvPr/>
+      </p:nvGrpSpPr>
+      <p:grpSpPr>
+        <a:xfrm>
+          <a:off x="0" y="0"/>
+          <a:ext cx="0" cy="0"/>
+          <a:chOff x="0" y="0"/>
+          <a:chExt cx="0" cy="0"/>
+        </a:xfrm>
+      </p:grpSpPr>
+      <p:sp>
+        <p:nvSpPr>
+          <p:cNvPr id="2" name="Rectangle 1"/>
+          <p:cNvSpPr/>
+          <p:nvPr/>
+        </p:nvSpPr>
+        <p:spPr>
+          <a:xfrm>
+            <a:off x="2112248" y="562353"/>
+            <a:ext cx="8366329" cy="630942"/>
+          </a:xfrm>
+          <a:prstGeom prst="rect">
+            <a:avLst/>
+          </a:prstGeom>
+        </p:spPr>
+        <p:txBody>
+          <a:bodyPr wrap="none">
+            <a:spAutoFit/>
+          </a:bodyPr>
+          <a:lstStyle/>
+          <a:p>
+            <a:pPr>
+              <a:lnSpc>
+                <a:spcPts val="4167"/>
+              </a:lnSpc>
+            </a:pPr>
+            <a:r>
+              <a:rPr lang="en-US" sz="3600" dirty="0" smtClean="0">
+                <a:latin typeface="Algerian" pitchFamily="82" charset="0"/>
+                <a:cs typeface="Calibri"/>
+              </a:rPr>
+              <a:t>Least Significant Bit</a:t>
+            </a:r>
+            <a:r>
+              <a:rPr lang="en-US" sz="3600" spc="12" dirty="0" smtClean="0">
+                <a:latin typeface="Algerian" pitchFamily="82" charset="0"/>
+                <a:cs typeface="Calibri"/>
+              </a:rPr>
+              <a:t> </a:t>
+            </a:r>
+            <a:r>
+              <a:rPr lang="en-US" sz="3600" dirty="0" smtClean="0">
+                <a:latin typeface="Algerian" pitchFamily="82" charset="0"/>
+                <a:cs typeface="Calibri"/>
+              </a:rPr>
+              <a:t>Substitution</a:t>
+            </a:r>
+            <a:endParaRPr lang="en-US" sz="3600" dirty="0">
+              <a:latin typeface="Algerian" pitchFamily="82" charset="0"/>
+              <a:cs typeface="Calibri"/>
+            </a:endParaRPr>
+          </a:p>
+        </p:txBody>
+      </p:sp>
+      <p:sp>
+        <p:nvSpPr>
+          <p:cNvPr id="3" name="Rectangle 2"/>
+          <p:cNvSpPr/>
+          <p:nvPr/>
+        </p:nvSpPr>
+        <p:spPr>
+          <a:xfrm>
+            <a:off x="3011424" y="1671448"/>
+            <a:ext cx="6096000" cy="1581715"/>
+          </a:xfrm>
+          <a:prstGeom prst="rect">
+            <a:avLst/>
+          </a:prstGeom>
+        </p:spPr>
+        <p:txBody>
+          <a:bodyPr>
+            <a:spAutoFit/>
+          </a:bodyPr>
+          <a:lstStyle/>
+          <a:p>
+            <a:pPr algn="just">
+              <a:lnSpc>
+                <a:spcPts val="2917"/>
+              </a:lnSpc>
+            </a:pPr>
+            <a:r>
+              <a:rPr lang="en-US" sz="2800" dirty="0" smtClean="0">
+                <a:latin typeface="Constantia"/>
+                <a:cs typeface="Constantia"/>
+              </a:rPr>
+              <a:t>Least</a:t>
+            </a:r>
+            <a:r>
+              <a:rPr lang="en-US" sz="2800" spc="-11" dirty="0" smtClean="0">
+                <a:latin typeface="Constantia"/>
+                <a:cs typeface="Constantia"/>
+              </a:rPr>
+              <a:t> </a:t>
+            </a:r>
+            <a:r>
+              <a:rPr lang="en-US" sz="2800" dirty="0" smtClean="0">
+                <a:latin typeface="Constantia"/>
+                <a:cs typeface="Constantia"/>
+              </a:rPr>
+              <a:t>Significant</a:t>
+            </a:r>
+            <a:r>
+              <a:rPr lang="en-US" sz="2800" spc="-12" dirty="0" smtClean="0">
+                <a:latin typeface="Constantia"/>
+                <a:cs typeface="Constantia"/>
+              </a:rPr>
+              <a:t> </a:t>
+            </a:r>
+            <a:r>
+              <a:rPr lang="en-US" sz="2800" dirty="0" smtClean="0">
+                <a:latin typeface="Constantia"/>
+                <a:cs typeface="Constantia"/>
+              </a:rPr>
+              <a:t>Bit</a:t>
+            </a:r>
+            <a:r>
+              <a:rPr lang="en-US" sz="2800" spc="-10" dirty="0" smtClean="0">
+                <a:latin typeface="Constantia"/>
+                <a:cs typeface="Constantia"/>
+              </a:rPr>
+              <a:t> </a:t>
+            </a:r>
+            <a:r>
+              <a:rPr lang="en-US" sz="2800" dirty="0" smtClean="0">
+                <a:latin typeface="Constantia"/>
+                <a:cs typeface="Constantia"/>
+              </a:rPr>
+              <a:t>Substitution results</a:t>
+            </a:r>
+            <a:r>
+              <a:rPr lang="en-US" sz="2800" spc="-14" dirty="0" smtClean="0">
+                <a:latin typeface="Constantia"/>
+                <a:cs typeface="Constantia"/>
+              </a:rPr>
+              <a:t> </a:t>
+            </a:r>
+            <a:r>
+              <a:rPr lang="en-US" sz="2800" dirty="0" smtClean="0">
+                <a:latin typeface="Constantia"/>
+                <a:cs typeface="Constantia"/>
+              </a:rPr>
+              <a:t>in a very</a:t>
+            </a:r>
+            <a:r>
+              <a:rPr lang="en-US" sz="2800" spc="-10" dirty="0" smtClean="0">
+                <a:latin typeface="Constantia"/>
+                <a:cs typeface="Constantia"/>
+              </a:rPr>
+              <a:t> </a:t>
+            </a:r>
+            <a:r>
+              <a:rPr lang="en-US" sz="2800" dirty="0" smtClean="0">
+                <a:latin typeface="Constantia"/>
+                <a:cs typeface="Constantia"/>
+              </a:rPr>
+              <a:t>minor</a:t>
+            </a:r>
+            <a:r>
+              <a:rPr lang="en-US" sz="2800" spc="-15" dirty="0" smtClean="0">
+                <a:latin typeface="Constantia"/>
+                <a:cs typeface="Constantia"/>
+              </a:rPr>
+              <a:t> </a:t>
+            </a:r>
+            <a:r>
+              <a:rPr lang="en-US" sz="2800" dirty="0" smtClean="0">
+                <a:latin typeface="Constantia"/>
+                <a:cs typeface="Constantia"/>
+              </a:rPr>
+              <a:t>distortion of the image which</a:t>
+            </a:r>
+            <a:r>
+              <a:rPr lang="en-US" sz="2800" spc="-15" dirty="0" smtClean="0">
+                <a:latin typeface="Constantia"/>
+                <a:cs typeface="Constantia"/>
+              </a:rPr>
+              <a:t> </a:t>
+            </a:r>
+            <a:r>
+              <a:rPr lang="en-US" sz="2800" dirty="0" smtClean="0">
+                <a:latin typeface="Constantia"/>
+                <a:cs typeface="Constantia"/>
+              </a:rPr>
+              <a:t>is</a:t>
+            </a:r>
+            <a:r>
+              <a:rPr lang="en-US" sz="2800" spc="-20" dirty="0" smtClean="0">
+                <a:latin typeface="Constantia"/>
+                <a:cs typeface="Constantia"/>
+              </a:rPr>
+              <a:t> </a:t>
+            </a:r>
+            <a:r>
+              <a:rPr lang="en-US" sz="2800" dirty="0" smtClean="0">
+                <a:latin typeface="Constantia"/>
+                <a:cs typeface="Constantia"/>
+              </a:rPr>
+              <a:t>very much negligible for the human</a:t>
+            </a:r>
+            <a:r>
+              <a:rPr lang="en-US" sz="2800" spc="-12" dirty="0" smtClean="0">
+                <a:latin typeface="Constantia"/>
+                <a:cs typeface="Constantia"/>
+              </a:rPr>
+              <a:t> </a:t>
+            </a:r>
+            <a:r>
+              <a:rPr lang="en-US" sz="2800" dirty="0" smtClean="0">
+                <a:latin typeface="Constantia"/>
+                <a:cs typeface="Constantia"/>
+              </a:rPr>
+              <a:t>eyes.</a:t>
+            </a:r>
+            <a:endParaRPr lang="en-US" sz="2800" dirty="0">
+              <a:latin typeface="Constantia"/>
+              <a:cs typeface="Constantia"/>
+            </a:endParaRPr>
+          </a:p>
+        </p:txBody>
+      </p:sp>
+      <p:pic>
+        <p:nvPicPr>
+          <p:cNvPr id="1028" name="Picture 4" descr="C:\Users\himes\notebooks\cover_raw.png"/>
+          <p:cNvPicPr>
+            <a:picLocks noChangeAspect="1" noChangeArrowheads="1"/>
+          </p:cNvPicPr>
+          <p:nvPr/>
+        </p:nvPicPr>
+        <p:blipFill>
+          <a:blip r:embed="rId2" cstate="print"/>
+          <a:srcRect/>
+          <a:stretch>
+            <a:fillRect/>
+          </a:stretch>
+        </p:blipFill>
+        <p:spPr bwMode="auto">
+          <a:xfrm>
+            <a:off x="2377440" y="3611880"/>
+            <a:ext cx="3048000" cy="2286000"/>
+          </a:xfrm>
+          <a:prstGeom prst="rect">
+            <a:avLst/>
+          </a:prstGeom>
+          <a:noFill/>
+        </p:spPr>
+      </p:pic>
+      <p:pic>
+        <p:nvPicPr>
+          <p:cNvPr id="1029" name="Picture 5" descr="C:\Users\himes\notebooks\cover_raw_stegano_LSB.png"/>
+          <p:cNvPicPr>
+            <a:picLocks noChangeAspect="1" noChangeArrowheads="1"/>
+          </p:cNvPicPr>
+          <p:nvPr/>
+        </p:nvPicPr>
+        <p:blipFill>
+          <a:blip r:embed="rId3" cstate="print"/>
+          <a:srcRect/>
+          <a:stretch>
+            <a:fillRect/>
+          </a:stretch>
+        </p:blipFill>
+        <p:spPr bwMode="auto">
+          <a:xfrm>
+            <a:off x="7095744" y="3547872"/>
+            <a:ext cx="3048000" cy="2286000"/>
+          </a:xfrm>
+          <a:prstGeom prst="rect">
+            <a:avLst/>
+          </a:prstGeom>
+          <a:noFill/>
+        </p:spPr>
+      </p:pic>
+      <p:sp>
+        <p:nvSpPr>
+          <p:cNvPr id="8" name="Rectangle 7"/>
+          <p:cNvSpPr/>
+          <p:nvPr/>
+        </p:nvSpPr>
+        <p:spPr>
+          <a:xfrm>
+            <a:off x="3272227" y="6187086"/>
+            <a:ext cx="1423018" cy="335989"/>
+          </a:xfrm>
+          <a:prstGeom prst="rect">
+            <a:avLst/>
+          </a:prstGeom>
+        </p:spPr>
+        <p:txBody>
+          <a:bodyPr wrap="none">
+            <a:spAutoFit/>
+          </a:bodyPr>
+          <a:lstStyle/>
+          <a:p>
+            <a:pPr>
+              <a:lnSpc>
+                <a:spcPts val="1875"/>
+              </a:lnSpc>
+            </a:pPr>
+            <a:r>
+              <a:rPr lang="en-US" dirty="0" smtClean="0">
+                <a:latin typeface="Constantia"/>
+                <a:cs typeface="Constantia"/>
+              </a:rPr>
+              <a:t>Cover</a:t>
+            </a:r>
+            <a:r>
+              <a:rPr lang="en-US" spc="17" dirty="0" smtClean="0">
+                <a:latin typeface="Constantia"/>
+                <a:cs typeface="Constantia"/>
+              </a:rPr>
+              <a:t> </a:t>
+            </a:r>
+            <a:r>
+              <a:rPr lang="en-US" dirty="0" smtClean="0">
+                <a:latin typeface="Constantia"/>
+                <a:cs typeface="Constantia"/>
+              </a:rPr>
+              <a:t>Image</a:t>
+            </a:r>
+            <a:endParaRPr lang="en-US" dirty="0">
+              <a:latin typeface="Constantia"/>
+              <a:cs typeface="Constantia"/>
+            </a:endParaRPr>
+          </a:p>
+        </p:txBody>
+      </p:sp>
+      <p:sp>
+        <p:nvSpPr>
+          <p:cNvPr id="9" name="Rectangle 8"/>
+          <p:cNvSpPr/>
+          <p:nvPr/>
+        </p:nvSpPr>
+        <p:spPr>
+          <a:xfrm>
+            <a:off x="8025009" y="6150510"/>
+            <a:ext cx="1390637" cy="335989"/>
+          </a:xfrm>
+          <a:prstGeom prst="rect">
+            <a:avLst/>
+          </a:prstGeom>
+        </p:spPr>
+        <p:txBody>
+          <a:bodyPr wrap="none">
+            <a:spAutoFit/>
+          </a:bodyPr>
+          <a:lstStyle/>
+          <a:p>
+            <a:pPr>
+              <a:lnSpc>
+                <a:spcPts val="1875"/>
+              </a:lnSpc>
+            </a:pPr>
+            <a:r>
+              <a:rPr lang="en-US" dirty="0" smtClean="0">
+                <a:latin typeface="Constantia"/>
+                <a:cs typeface="Constantia"/>
+              </a:rPr>
+              <a:t>Stego Image</a:t>
+            </a:r>
+            <a:endParaRPr lang="en-US" dirty="0">
+              <a:latin typeface="Constantia"/>
+              <a:cs typeface="Constantia"/>
+            </a:endParaRPr>
+          </a:p>
+        </p:txBody>
+      </p:sp>
+    </p:spTree>
+  </p:cSld>
+  <p:clrMapOvr>
+    <a:masterClrMapping/>
+  </p:clrMapOvr>
+</p:sld>
+</file>
+
+<file path=ppt/slides/slide14.xml><?xml version="1.0" encoding="utf-8"?>
+<p:sld xmlns:a="http://schemas.openxmlformats.org/drawingml/2006/main" xmlns:r="http://schemas.openxmlformats.org/officeDocument/2006/relationships" xmlns:p="http://schemas.openxmlformats.org/presentationml/2006/main">
+  <p:cSld>
+    <p:spTree>
+      <p:nvGrpSpPr>
+        <p:cNvPr id="1" name=""/>
+        <p:cNvGrpSpPr/>
+        <p:nvPr/>
+      </p:nvGrpSpPr>
+      <p:grpSpPr>
+        <a:xfrm>
+          <a:off x="0" y="0"/>
+          <a:ext cx="0" cy="0"/>
+          <a:chOff x="0" y="0"/>
+          <a:chExt cx="0" cy="0"/>
+        </a:xfrm>
+      </p:grpSpPr>
+      <p:sp>
+        <p:nvSpPr>
+          <p:cNvPr id="2" name="TextBox 1"/>
+          <p:cNvSpPr txBox="1"/>
+          <p:nvPr/>
+        </p:nvSpPr>
+        <p:spPr>
+          <a:xfrm>
+            <a:off x="1682496" y="566928"/>
+            <a:ext cx="10509504" cy="646331"/>
+          </a:xfrm>
+          <a:prstGeom prst="rect">
+            <a:avLst/>
+          </a:prstGeom>
+          <a:noFill/>
+        </p:spPr>
+        <p:txBody>
+          <a:bodyPr wrap="square" rtlCol="0">
+            <a:spAutoFit/>
+          </a:bodyPr>
+          <a:lstStyle/>
+          <a:p>
+            <a:pPr>
+              <a:buClr>
+                <a:schemeClr val="accent1"/>
+              </a:buClr>
+            </a:pPr>
+            <a:r>
+              <a:rPr lang="en-IN" sz="3600" dirty="0" smtClean="0">
+                <a:latin typeface="Algerian" pitchFamily="82" charset="0"/>
+              </a:rPr>
+              <a:t>BPCS(</a:t>
+            </a:r>
+            <a:r>
+              <a:rPr lang="en-US" sz="3600" b="1" dirty="0" smtClean="0">
+                <a:latin typeface="Algerian" pitchFamily="82" charset="0"/>
+              </a:rPr>
+              <a:t>Bit-Plane Complexity Segmentation</a:t>
+            </a:r>
+            <a:r>
+              <a:rPr lang="en-IN" sz="3600" b="1" dirty="0" smtClean="0">
+                <a:latin typeface="Algerian" pitchFamily="82" charset="0"/>
+              </a:rPr>
+              <a:t>)</a:t>
+            </a:r>
+            <a:endParaRPr lang="en-US" sz="3600" b="1" dirty="0">
+              <a:latin typeface="Algerian" pitchFamily="82" charset="0"/>
+            </a:endParaRPr>
+          </a:p>
+        </p:txBody>
+      </p:sp>
+      <p:sp>
+        <p:nvSpPr>
+          <p:cNvPr id="3" name="TextBox 2"/>
+          <p:cNvSpPr txBox="1"/>
+          <p:nvPr/>
+        </p:nvSpPr>
+        <p:spPr>
+          <a:xfrm>
+            <a:off x="1600200" y="1554480"/>
+            <a:ext cx="8503920" cy="3046988"/>
+          </a:xfrm>
+          <a:prstGeom prst="rect">
+            <a:avLst/>
+          </a:prstGeom>
+          <a:noFill/>
+        </p:spPr>
+        <p:txBody>
+          <a:bodyPr wrap="square" rtlCol="0">
+            <a:spAutoFit/>
+          </a:bodyPr>
+          <a:lstStyle/>
+          <a:p>
+            <a:pPr algn="just"/>
+            <a:r>
+              <a:rPr lang="en-IN" sz="3200" dirty="0" smtClean="0"/>
+              <a:t>In this type of Steganography, noisy regions in a cover image is located and replaced by the secret message. </a:t>
+            </a:r>
+          </a:p>
+          <a:p>
+            <a:pPr algn="just"/>
+            <a:r>
+              <a:rPr lang="en-IN" sz="3200" dirty="0" smtClean="0"/>
+              <a:t>	Noisy regions are found by simply locating the complex part of the cover image. </a:t>
+            </a:r>
+          </a:p>
+        </p:txBody>
+      </p:sp>
+    </p:spTree>
+  </p:cSld>
+  <p:clrMapOvr>
+    <a:masterClrMapping/>
+  </p:clrMapOvr>
+</p:sld>
+</file>
+
+<file path=ppt/slides/slide15.xml><?xml version="1.0" encoding="utf-8"?>
+<p:sld xmlns:a="http://schemas.openxmlformats.org/drawingml/2006/main" xmlns:r="http://schemas.openxmlformats.org/officeDocument/2006/relationships" xmlns:p="http://schemas.openxmlformats.org/presentationml/2006/main">
+  <p:cSld>
+    <p:spTree>
+      <p:nvGrpSpPr>
+        <p:cNvPr id="1" name=""/>
+        <p:cNvGrpSpPr/>
+        <p:nvPr/>
+      </p:nvGrpSpPr>
+      <p:grpSpPr>
+        <a:xfrm>
+          <a:off x="0" y="0"/>
+          <a:ext cx="0" cy="0"/>
+          <a:chOff x="0" y="0"/>
+          <a:chExt cx="0" cy="0"/>
+        </a:xfrm>
+      </p:grpSpPr>
+      <p:sp>
+        <p:nvSpPr>
+          <p:cNvPr id="2" name="Rectangle 1"/>
+          <p:cNvSpPr/>
+          <p:nvPr/>
+        </p:nvSpPr>
+        <p:spPr>
+          <a:xfrm>
+            <a:off x="1676751" y="293744"/>
+            <a:ext cx="10515249" cy="1200329"/>
+          </a:xfrm>
+          <a:prstGeom prst="rect">
+            <a:avLst/>
+          </a:prstGeom>
+        </p:spPr>
+        <p:txBody>
+          <a:bodyPr wrap="square">
+            <a:spAutoFit/>
+          </a:bodyPr>
+          <a:lstStyle/>
+          <a:p>
+            <a:pPr>
+              <a:buClr>
+                <a:schemeClr val="accent1"/>
+              </a:buClr>
+            </a:pPr>
+            <a:r>
+              <a:rPr lang="en-IN" sz="3600" dirty="0" smtClean="0">
+                <a:latin typeface="Algerian" pitchFamily="82" charset="0"/>
+              </a:rPr>
+              <a:t>BPCS(</a:t>
+            </a:r>
+            <a:r>
+              <a:rPr lang="en-US" sz="3600" b="1" dirty="0" smtClean="0">
+                <a:latin typeface="Algerian" pitchFamily="82" charset="0"/>
+              </a:rPr>
+              <a:t>Bit-Plane Complexity Segmentation</a:t>
+            </a:r>
+            <a:r>
+              <a:rPr lang="en-IN" sz="3600" b="1" dirty="0" smtClean="0">
+                <a:latin typeface="Algerian" pitchFamily="82" charset="0"/>
+              </a:rPr>
+              <a:t>) SUBTITUTION</a:t>
+            </a:r>
+            <a:endParaRPr lang="en-US" sz="3600" b="1" dirty="0">
+              <a:latin typeface="Algerian" pitchFamily="82" charset="0"/>
+            </a:endParaRPr>
+          </a:p>
+        </p:txBody>
+      </p:sp>
+      <p:sp>
+        <p:nvSpPr>
+          <p:cNvPr id="3" name="object 4"/>
+          <p:cNvSpPr txBox="1"/>
+          <p:nvPr/>
+        </p:nvSpPr>
+        <p:spPr>
+          <a:xfrm>
+            <a:off x="2779775" y="1584533"/>
+            <a:ext cx="5241672" cy="629147"/>
+          </a:xfrm>
+          <a:prstGeom prst="rect">
+            <a:avLst/>
+          </a:prstGeom>
+        </p:spPr>
+        <p:txBody>
+          <a:bodyPr vert="horz" wrap="square" lIns="0" tIns="0" rIns="0" bIns="0" rtlCol="0">
+            <a:spAutoFit/>
+          </a:bodyPr>
+          <a:lstStyle/>
+          <a:p>
+            <a:pPr marL="0" marR="0">
+              <a:lnSpc>
+                <a:spcPts val="2292"/>
+              </a:lnSpc>
+              <a:spcBef>
+                <a:spcPts val="0"/>
+              </a:spcBef>
+              <a:spcAft>
+                <a:spcPts val="0"/>
+              </a:spcAft>
+            </a:pPr>
+            <a:r>
+              <a:rPr sz="2200" dirty="0">
+                <a:latin typeface="Constantia"/>
+                <a:cs typeface="Constantia"/>
+              </a:rPr>
+              <a:t>Suppose we have the following </a:t>
+            </a:r>
+            <a:r>
+              <a:rPr lang="en-IN" sz="2200" dirty="0" smtClean="0">
+                <a:latin typeface="Constantia"/>
+                <a:cs typeface="Constantia"/>
+              </a:rPr>
+              <a:t>Bit-plane</a:t>
+            </a:r>
+            <a:endParaRPr sz="2200" dirty="0">
+              <a:latin typeface="Constantia"/>
+              <a:cs typeface="Constantia"/>
+            </a:endParaRPr>
+          </a:p>
+          <a:p>
+            <a:pPr marL="0" marR="0">
+              <a:lnSpc>
+                <a:spcPts val="2292"/>
+              </a:lnSpc>
+              <a:spcBef>
+                <a:spcPts val="347"/>
+              </a:spcBef>
+              <a:spcAft>
+                <a:spcPts val="0"/>
+              </a:spcAft>
+            </a:pPr>
+            <a:r>
+              <a:rPr sz="2200" dirty="0">
+                <a:latin typeface="Constantia"/>
+                <a:cs typeface="Constantia"/>
+              </a:rPr>
+              <a:t>representation for the Cover Image.</a:t>
+            </a:r>
+          </a:p>
+        </p:txBody>
+      </p:sp>
+      <p:sp>
+        <p:nvSpPr>
+          <p:cNvPr id="4" name="object 11"/>
+          <p:cNvSpPr txBox="1"/>
+          <p:nvPr/>
+        </p:nvSpPr>
+        <p:spPr>
+          <a:xfrm>
+            <a:off x="3700525" y="2255520"/>
+            <a:ext cx="2983740" cy="256480"/>
+          </a:xfrm>
+          <a:prstGeom prst="rect">
+            <a:avLst/>
+          </a:prstGeom>
+        </p:spPr>
+        <p:txBody>
+          <a:bodyPr vert="horz" wrap="square" lIns="0" tIns="0" rIns="0" bIns="0" rtlCol="0">
+            <a:spAutoFit/>
+          </a:bodyPr>
+          <a:lstStyle/>
+          <a:p>
+            <a:pPr marL="0" marR="0">
+              <a:lnSpc>
+                <a:spcPts val="1979"/>
+              </a:lnSpc>
+              <a:spcBef>
+                <a:spcPts val="0"/>
+              </a:spcBef>
+              <a:spcAft>
+                <a:spcPts val="0"/>
+              </a:spcAft>
+            </a:pPr>
+            <a:r>
+              <a:rPr sz="1900" dirty="0" smtClean="0">
+                <a:solidFill>
+                  <a:schemeClr val="accent1"/>
+                </a:solidFill>
+                <a:latin typeface="JBNKLH+ArialMT"/>
+                <a:cs typeface="JBNKLH+ArialMT"/>
+              </a:rPr>
+              <a:t>1</a:t>
+            </a:r>
+            <a:r>
+              <a:rPr lang="en-IN" sz="1900" dirty="0" smtClean="0">
+                <a:solidFill>
+                  <a:schemeClr val="accent1"/>
+                </a:solidFill>
+                <a:latin typeface="JBNKLH+ArialMT"/>
+                <a:cs typeface="JBNKLH+ArialMT"/>
+              </a:rPr>
+              <a:t>	</a:t>
+            </a:r>
+            <a:r>
+              <a:rPr sz="1900" dirty="0" smtClean="0">
+                <a:solidFill>
+                  <a:schemeClr val="accent1"/>
+                </a:solidFill>
+                <a:latin typeface="JBNKLH+ArialMT"/>
+                <a:cs typeface="JBNKLH+ArialMT"/>
+              </a:rPr>
+              <a:t>1</a:t>
+            </a:r>
+            <a:r>
+              <a:rPr lang="en-IN" sz="1900" dirty="0" smtClean="0">
+                <a:solidFill>
+                  <a:schemeClr val="accent1"/>
+                </a:solidFill>
+                <a:latin typeface="JBNKLH+ArialMT"/>
+                <a:cs typeface="JBNKLH+ArialMT"/>
+              </a:rPr>
+              <a:t>	0	1</a:t>
+            </a:r>
+            <a:endParaRPr sz="1900" dirty="0">
+              <a:solidFill>
+                <a:schemeClr val="accent1"/>
+              </a:solidFill>
+              <a:latin typeface="JBNKLH+ArialMT"/>
+              <a:cs typeface="JBNKLH+ArialMT"/>
+            </a:endParaRPr>
+          </a:p>
+        </p:txBody>
+      </p:sp>
+      <p:sp>
+        <p:nvSpPr>
+          <p:cNvPr id="5" name="object 14"/>
+          <p:cNvSpPr txBox="1"/>
+          <p:nvPr/>
+        </p:nvSpPr>
+        <p:spPr>
+          <a:xfrm>
+            <a:off x="3709669" y="2615185"/>
+            <a:ext cx="3047748" cy="256480"/>
+          </a:xfrm>
+          <a:prstGeom prst="rect">
+            <a:avLst/>
+          </a:prstGeom>
+        </p:spPr>
+        <p:txBody>
+          <a:bodyPr vert="horz" wrap="square" lIns="0" tIns="0" rIns="0" bIns="0" rtlCol="0">
+            <a:spAutoFit/>
+          </a:bodyPr>
+          <a:lstStyle/>
+          <a:p>
+            <a:pPr marL="0" marR="0">
+              <a:lnSpc>
+                <a:spcPts val="1979"/>
+              </a:lnSpc>
+              <a:spcBef>
+                <a:spcPts val="0"/>
+              </a:spcBef>
+              <a:spcAft>
+                <a:spcPts val="0"/>
+              </a:spcAft>
+            </a:pPr>
+            <a:r>
+              <a:rPr sz="1900" dirty="0" smtClean="0">
+                <a:solidFill>
+                  <a:schemeClr val="accent1"/>
+                </a:solidFill>
+                <a:latin typeface="JBNKLH+ArialMT"/>
+                <a:cs typeface="JBNKLH+ArialMT"/>
+              </a:rPr>
+              <a:t>0 </a:t>
+            </a:r>
+            <a:r>
+              <a:rPr lang="en-IN" sz="1900" dirty="0" smtClean="0">
+                <a:solidFill>
+                  <a:schemeClr val="accent1"/>
+                </a:solidFill>
+                <a:latin typeface="JBNKLH+ArialMT"/>
+                <a:cs typeface="JBNKLH+ArialMT"/>
+              </a:rPr>
+              <a:t>	</a:t>
+            </a:r>
+            <a:r>
+              <a:rPr sz="1900" dirty="0" smtClean="0">
+                <a:solidFill>
+                  <a:schemeClr val="accent1"/>
+                </a:solidFill>
+                <a:latin typeface="JBNKLH+ArialMT"/>
+                <a:cs typeface="JBNKLH+ArialMT"/>
+              </a:rPr>
+              <a:t>1</a:t>
+            </a:r>
+            <a:r>
+              <a:rPr lang="en-IN" sz="1900" dirty="0" smtClean="0">
+                <a:solidFill>
+                  <a:schemeClr val="accent1"/>
+                </a:solidFill>
+                <a:latin typeface="JBNKLH+ArialMT"/>
+                <a:cs typeface="JBNKLH+ArialMT"/>
+              </a:rPr>
+              <a:t>	0	1</a:t>
+            </a:r>
+            <a:endParaRPr sz="1900" dirty="0">
+              <a:solidFill>
+                <a:schemeClr val="accent1"/>
+              </a:solidFill>
+              <a:latin typeface="JBNKLH+ArialMT"/>
+              <a:cs typeface="JBNKLH+ArialMT"/>
+            </a:endParaRPr>
+          </a:p>
+        </p:txBody>
+      </p:sp>
+      <p:sp>
+        <p:nvSpPr>
+          <p:cNvPr id="6" name="object 16"/>
+          <p:cNvSpPr txBox="1"/>
+          <p:nvPr/>
+        </p:nvSpPr>
+        <p:spPr>
+          <a:xfrm>
+            <a:off x="2779775" y="2991693"/>
+            <a:ext cx="6802635" cy="629147"/>
+          </a:xfrm>
+          <a:prstGeom prst="rect">
+            <a:avLst/>
+          </a:prstGeom>
+        </p:spPr>
+        <p:txBody>
+          <a:bodyPr vert="horz" wrap="square" lIns="0" tIns="0" rIns="0" bIns="0" rtlCol="0">
+            <a:spAutoFit/>
+          </a:bodyPr>
+          <a:lstStyle/>
+          <a:p>
+            <a:pPr marL="0" marR="0">
+              <a:lnSpc>
+                <a:spcPts val="2292"/>
+              </a:lnSpc>
+              <a:spcBef>
+                <a:spcPts val="0"/>
+              </a:spcBef>
+              <a:spcAft>
+                <a:spcPts val="0"/>
+              </a:spcAft>
+            </a:pPr>
+            <a:r>
+              <a:rPr sz="2200" dirty="0">
+                <a:latin typeface="Constantia"/>
+                <a:cs typeface="Constantia"/>
+              </a:rPr>
+              <a:t>Suppose we want to "hide" the following </a:t>
+            </a:r>
+            <a:r>
+              <a:rPr lang="en-IN" sz="2200" dirty="0" smtClean="0">
+                <a:latin typeface="Constantia"/>
+                <a:cs typeface="Constantia"/>
+              </a:rPr>
+              <a:t>8</a:t>
+            </a:r>
+            <a:r>
+              <a:rPr sz="2200" dirty="0" smtClean="0">
+                <a:latin typeface="Constantia"/>
+                <a:cs typeface="Constantia"/>
+              </a:rPr>
+              <a:t> </a:t>
+            </a:r>
+            <a:r>
+              <a:rPr sz="2200" dirty="0">
+                <a:latin typeface="Constantia"/>
+                <a:cs typeface="Constantia"/>
+              </a:rPr>
+              <a:t>bits </a:t>
+            </a:r>
+            <a:r>
+              <a:rPr sz="2200" spc="-10" dirty="0">
+                <a:latin typeface="Constantia"/>
+                <a:cs typeface="Constantia"/>
+              </a:rPr>
+              <a:t>of</a:t>
+            </a:r>
+          </a:p>
+          <a:p>
+            <a:pPr marL="0" marR="0">
+              <a:lnSpc>
+                <a:spcPts val="2292"/>
+              </a:lnSpc>
+              <a:spcBef>
+                <a:spcPts val="347"/>
+              </a:spcBef>
+              <a:spcAft>
+                <a:spcPts val="0"/>
+              </a:spcAft>
+            </a:pPr>
+            <a:r>
+              <a:rPr sz="2200" dirty="0">
+                <a:latin typeface="Constantia"/>
+                <a:cs typeface="Constantia"/>
+              </a:rPr>
+              <a:t>data: </a:t>
+            </a:r>
+            <a:r>
+              <a:rPr sz="1900" b="1" dirty="0" smtClean="0">
+                <a:solidFill>
+                  <a:schemeClr val="accent1"/>
+                </a:solidFill>
+                <a:latin typeface="UOQLKK+Arial-BoldMT"/>
+                <a:cs typeface="UOQLKK+Arial-BoldMT"/>
+              </a:rPr>
+              <a:t>101</a:t>
+            </a:r>
+            <a:r>
+              <a:rPr lang="en-IN" sz="1900" b="1" dirty="0" smtClean="0">
+                <a:solidFill>
+                  <a:schemeClr val="accent1"/>
+                </a:solidFill>
+                <a:latin typeface="UOQLKK+Arial-BoldMT"/>
+                <a:cs typeface="UOQLKK+Arial-BoldMT"/>
+              </a:rPr>
+              <a:t>01010</a:t>
+            </a:r>
+            <a:r>
+              <a:rPr sz="2200" dirty="0" smtClean="0">
+                <a:latin typeface="Constantia"/>
+                <a:cs typeface="Constantia"/>
+              </a:rPr>
+              <a:t>,</a:t>
+            </a:r>
+            <a:endParaRPr sz="2200" dirty="0">
+              <a:latin typeface="Constantia"/>
+              <a:cs typeface="Constantia"/>
+            </a:endParaRPr>
+          </a:p>
+        </p:txBody>
+      </p:sp>
+      <p:sp>
+        <p:nvSpPr>
+          <p:cNvPr id="7" name="object 21"/>
+          <p:cNvSpPr txBox="1"/>
+          <p:nvPr/>
+        </p:nvSpPr>
+        <p:spPr>
+          <a:xfrm>
+            <a:off x="2761487" y="3576655"/>
+            <a:ext cx="4760745" cy="295722"/>
+          </a:xfrm>
+          <a:prstGeom prst="rect">
+            <a:avLst/>
+          </a:prstGeom>
+        </p:spPr>
+        <p:txBody>
+          <a:bodyPr vert="horz" wrap="square" lIns="0" tIns="0" rIns="0" bIns="0" rtlCol="0">
+            <a:spAutoFit/>
+          </a:bodyPr>
+          <a:lstStyle/>
+          <a:p>
+            <a:pPr marL="0" marR="0">
+              <a:lnSpc>
+                <a:spcPts val="2292"/>
+              </a:lnSpc>
+              <a:spcBef>
+                <a:spcPts val="0"/>
+              </a:spcBef>
+              <a:spcAft>
+                <a:spcPts val="0"/>
+              </a:spcAft>
+            </a:pPr>
+            <a:r>
+              <a:rPr sz="2200" spc="-10" dirty="0">
+                <a:latin typeface="Constantia"/>
+                <a:cs typeface="Constantia"/>
+              </a:rPr>
+              <a:t>we</a:t>
+            </a:r>
+            <a:r>
+              <a:rPr sz="2200" spc="12" dirty="0">
+                <a:latin typeface="Constantia"/>
+                <a:cs typeface="Constantia"/>
+              </a:rPr>
+              <a:t> </a:t>
+            </a:r>
+            <a:r>
+              <a:rPr sz="2200" dirty="0">
+                <a:latin typeface="Constantia"/>
+                <a:cs typeface="Constantia"/>
+              </a:rPr>
+              <a:t>get the following</a:t>
+            </a:r>
+            <a:r>
+              <a:rPr sz="2200" dirty="0" smtClean="0">
+                <a:latin typeface="Constantia"/>
+                <a:cs typeface="Constantia"/>
+              </a:rPr>
+              <a:t>,</a:t>
+            </a:r>
+            <a:endParaRPr lang="en-IN" sz="2200" dirty="0" smtClean="0">
+              <a:latin typeface="Constantia"/>
+              <a:cs typeface="Constantia"/>
+            </a:endParaRPr>
+          </a:p>
+        </p:txBody>
+      </p:sp>
+      <p:sp>
+        <p:nvSpPr>
+          <p:cNvPr id="8" name="object 28"/>
+          <p:cNvSpPr txBox="1"/>
+          <p:nvPr/>
+        </p:nvSpPr>
+        <p:spPr>
+          <a:xfrm>
+            <a:off x="2734055" y="4872563"/>
+            <a:ext cx="6949890" cy="885627"/>
+          </a:xfrm>
+          <a:prstGeom prst="rect">
+            <a:avLst/>
+          </a:prstGeom>
+        </p:spPr>
+        <p:txBody>
+          <a:bodyPr vert="horz" wrap="square" lIns="0" tIns="0" rIns="0" bIns="0" rtlCol="0">
+            <a:spAutoFit/>
+          </a:bodyPr>
+          <a:lstStyle/>
+          <a:p>
+            <a:pPr marL="0" marR="0">
+              <a:lnSpc>
+                <a:spcPts val="2292"/>
+              </a:lnSpc>
+              <a:spcBef>
+                <a:spcPts val="0"/>
+              </a:spcBef>
+              <a:spcAft>
+                <a:spcPts val="0"/>
+              </a:spcAft>
+            </a:pPr>
+            <a:r>
+              <a:rPr lang="en-IN" sz="2200" dirty="0" smtClean="0">
+                <a:latin typeface="Constantia"/>
+                <a:cs typeface="Constantia"/>
+              </a:rPr>
+              <a:t>Because the part of bit-plane image is complex and also the data is enough complex .hence, its completely replaced.</a:t>
+            </a:r>
+            <a:endParaRPr sz="2200" dirty="0">
+              <a:latin typeface="Constantia"/>
+              <a:cs typeface="Constantia"/>
+            </a:endParaRPr>
+          </a:p>
+        </p:txBody>
+      </p:sp>
+      <p:sp>
+        <p:nvSpPr>
+          <p:cNvPr id="15" name="object 11"/>
+          <p:cNvSpPr txBox="1"/>
+          <p:nvPr/>
+        </p:nvSpPr>
+        <p:spPr>
+          <a:xfrm>
+            <a:off x="3816349" y="3962400"/>
+            <a:ext cx="2983740" cy="256480"/>
+          </a:xfrm>
+          <a:prstGeom prst="rect">
+            <a:avLst/>
+          </a:prstGeom>
+        </p:spPr>
+        <p:txBody>
+          <a:bodyPr vert="horz" wrap="square" lIns="0" tIns="0" rIns="0" bIns="0" rtlCol="0">
+            <a:spAutoFit/>
+          </a:bodyPr>
+          <a:lstStyle/>
+          <a:p>
+            <a:pPr marL="0" marR="0">
+              <a:lnSpc>
+                <a:spcPts val="1979"/>
+              </a:lnSpc>
+              <a:spcBef>
+                <a:spcPts val="0"/>
+              </a:spcBef>
+              <a:spcAft>
+                <a:spcPts val="0"/>
+              </a:spcAft>
+            </a:pPr>
+            <a:r>
+              <a:rPr lang="en-IN" sz="1900" dirty="0" smtClean="0">
+                <a:solidFill>
+                  <a:schemeClr val="accent1"/>
+                </a:solidFill>
+                <a:latin typeface="JBNKLH+ArialMT"/>
+                <a:cs typeface="JBNKLH+ArialMT"/>
+              </a:rPr>
+              <a:t>1	0	1	0</a:t>
+            </a:r>
+            <a:endParaRPr sz="1900" dirty="0">
+              <a:solidFill>
+                <a:schemeClr val="accent1"/>
+              </a:solidFill>
+              <a:latin typeface="JBNKLH+ArialMT"/>
+              <a:cs typeface="JBNKLH+ArialMT"/>
+            </a:endParaRPr>
+          </a:p>
+        </p:txBody>
+      </p:sp>
+      <p:sp>
+        <p:nvSpPr>
+          <p:cNvPr id="16" name="object 14"/>
+          <p:cNvSpPr txBox="1"/>
+          <p:nvPr/>
+        </p:nvSpPr>
+        <p:spPr>
+          <a:xfrm>
+            <a:off x="3825493" y="4376929"/>
+            <a:ext cx="3047748" cy="256480"/>
+          </a:xfrm>
+          <a:prstGeom prst="rect">
+            <a:avLst/>
+          </a:prstGeom>
+        </p:spPr>
+        <p:txBody>
+          <a:bodyPr vert="horz" wrap="square" lIns="0" tIns="0" rIns="0" bIns="0" rtlCol="0">
+            <a:spAutoFit/>
+          </a:bodyPr>
+          <a:lstStyle/>
+          <a:p>
+            <a:pPr marL="0" marR="0">
+              <a:lnSpc>
+                <a:spcPts val="1979"/>
+              </a:lnSpc>
+              <a:spcBef>
+                <a:spcPts val="0"/>
+              </a:spcBef>
+              <a:spcAft>
+                <a:spcPts val="0"/>
+              </a:spcAft>
+            </a:pPr>
+            <a:r>
+              <a:rPr lang="en-IN" sz="1900" dirty="0" smtClean="0">
+                <a:solidFill>
+                  <a:schemeClr val="accent1"/>
+                </a:solidFill>
+                <a:latin typeface="JBNKLH+ArialMT"/>
+                <a:cs typeface="JBNKLH+ArialMT"/>
+              </a:rPr>
+              <a:t>1	0	1	0</a:t>
+            </a:r>
+            <a:endParaRPr sz="1900" dirty="0">
+              <a:solidFill>
+                <a:schemeClr val="accent1"/>
+              </a:solidFill>
+              <a:latin typeface="JBNKLH+ArialMT"/>
+              <a:cs typeface="JBNKLH+ArialMT"/>
+            </a:endParaRPr>
+          </a:p>
+        </p:txBody>
+      </p:sp>
+    </p:spTree>
+  </p:cSld>
+  <p:clrMapOvr>
+    <a:masterClrMapping/>
+  </p:clrMapOvr>
 </p:sld>
 </file>
 
@@ -10608,6 +10556,378 @@
       </p:grpSpPr>
       <p:sp>
         <p:nvSpPr>
+          <p:cNvPr id="2" name="Rectangle 1"/>
+          <p:cNvSpPr/>
+          <p:nvPr/>
+        </p:nvSpPr>
+        <p:spPr>
+          <a:xfrm>
+            <a:off x="1673352" y="426643"/>
+            <a:ext cx="10399776" cy="1200329"/>
+          </a:xfrm>
+          <a:prstGeom prst="rect">
+            <a:avLst/>
+          </a:prstGeom>
+        </p:spPr>
+        <p:txBody>
+          <a:bodyPr wrap="square">
+            <a:spAutoFit/>
+          </a:bodyPr>
+          <a:lstStyle/>
+          <a:p>
+            <a:pPr>
+              <a:buClr>
+                <a:schemeClr val="accent1"/>
+              </a:buClr>
+            </a:pPr>
+            <a:r>
+              <a:rPr lang="en-IN" sz="3600" dirty="0" smtClean="0">
+                <a:latin typeface="Algerian" pitchFamily="82" charset="0"/>
+              </a:rPr>
+              <a:t>BPCS(</a:t>
+            </a:r>
+            <a:r>
+              <a:rPr lang="en-US" sz="3600" b="1" dirty="0" smtClean="0">
+                <a:latin typeface="Algerian" pitchFamily="82" charset="0"/>
+              </a:rPr>
+              <a:t>Bit-Plane Complexity Segmentation</a:t>
+            </a:r>
+            <a:r>
+              <a:rPr lang="en-IN" sz="3600" b="1" dirty="0" smtClean="0">
+                <a:latin typeface="Algerian" pitchFamily="82" charset="0"/>
+              </a:rPr>
+              <a:t>) SUBTITUTION</a:t>
+            </a:r>
+            <a:endParaRPr lang="en-US" sz="3600" b="1" dirty="0">
+              <a:latin typeface="Algerian" pitchFamily="82" charset="0"/>
+            </a:endParaRPr>
+          </a:p>
+        </p:txBody>
+      </p:sp>
+      <p:sp>
+        <p:nvSpPr>
+          <p:cNvPr id="3" name="Rectangle 2"/>
+          <p:cNvSpPr/>
+          <p:nvPr/>
+        </p:nvSpPr>
+        <p:spPr>
+          <a:xfrm>
+            <a:off x="2002536" y="1810005"/>
+            <a:ext cx="8110728" cy="1967205"/>
+          </a:xfrm>
+          <a:prstGeom prst="rect">
+            <a:avLst/>
+          </a:prstGeom>
+        </p:spPr>
+        <p:txBody>
+          <a:bodyPr wrap="square">
+            <a:spAutoFit/>
+          </a:bodyPr>
+          <a:lstStyle/>
+          <a:p>
+            <a:pPr algn="just">
+              <a:lnSpc>
+                <a:spcPts val="2917"/>
+              </a:lnSpc>
+            </a:pPr>
+            <a:r>
+              <a:rPr lang="en-US" sz="3200" b="1" dirty="0" smtClean="0">
+                <a:latin typeface="Arial Narrow" pitchFamily="34" charset="0"/>
+              </a:rPr>
+              <a:t>Bit-Plane Complexity Segmentation</a:t>
+            </a:r>
+            <a:r>
+              <a:rPr lang="en-US" sz="3200" spc="-10" dirty="0" smtClean="0">
+                <a:latin typeface="Constantia"/>
+                <a:cs typeface="Constantia"/>
+              </a:rPr>
+              <a:t> </a:t>
+            </a:r>
+            <a:r>
+              <a:rPr lang="en-US" sz="3200" dirty="0" smtClean="0">
+                <a:latin typeface="Constantia"/>
+                <a:cs typeface="Constantia"/>
+              </a:rPr>
+              <a:t>Substitution results</a:t>
+            </a:r>
+            <a:r>
+              <a:rPr lang="en-US" sz="3200" spc="-14" dirty="0" smtClean="0">
+                <a:latin typeface="Constantia"/>
+                <a:cs typeface="Constantia"/>
+              </a:rPr>
+              <a:t> </a:t>
+            </a:r>
+            <a:r>
+              <a:rPr lang="en-US" sz="3200" dirty="0" smtClean="0">
+                <a:latin typeface="Constantia"/>
+                <a:cs typeface="Constantia"/>
+              </a:rPr>
+              <a:t>in a very</a:t>
+            </a:r>
+            <a:r>
+              <a:rPr lang="en-US" sz="3200" spc="-10" dirty="0" smtClean="0">
+                <a:latin typeface="Constantia"/>
+                <a:cs typeface="Constantia"/>
+              </a:rPr>
+              <a:t> </a:t>
+            </a:r>
+            <a:r>
+              <a:rPr lang="en-US" sz="3200" dirty="0" smtClean="0">
+                <a:latin typeface="Constantia"/>
+                <a:cs typeface="Constantia"/>
+              </a:rPr>
+              <a:t>minor</a:t>
+            </a:r>
+            <a:r>
+              <a:rPr lang="en-US" sz="3200" spc="-15" dirty="0" smtClean="0">
+                <a:latin typeface="Constantia"/>
+                <a:cs typeface="Constantia"/>
+              </a:rPr>
+              <a:t> </a:t>
+            </a:r>
+            <a:r>
+              <a:rPr lang="en-US" sz="3200" dirty="0" smtClean="0">
+                <a:latin typeface="Constantia"/>
+                <a:cs typeface="Constantia"/>
+              </a:rPr>
+              <a:t>distortion of the image which</a:t>
+            </a:r>
+            <a:r>
+              <a:rPr lang="en-US" sz="3200" spc="-15" dirty="0" smtClean="0">
+                <a:latin typeface="Constantia"/>
+                <a:cs typeface="Constantia"/>
+              </a:rPr>
+              <a:t> </a:t>
+            </a:r>
+            <a:r>
+              <a:rPr lang="en-US" sz="3200" dirty="0" smtClean="0">
+                <a:latin typeface="Constantia"/>
+                <a:cs typeface="Constantia"/>
+              </a:rPr>
+              <a:t>is</a:t>
+            </a:r>
+            <a:r>
+              <a:rPr lang="en-US" sz="3200" spc="-20" dirty="0" smtClean="0">
+                <a:latin typeface="Constantia"/>
+                <a:cs typeface="Constantia"/>
+              </a:rPr>
+              <a:t> </a:t>
+            </a:r>
+            <a:r>
+              <a:rPr lang="en-US" sz="3200" dirty="0" smtClean="0">
+                <a:latin typeface="Constantia"/>
+                <a:cs typeface="Constantia"/>
+              </a:rPr>
+              <a:t>very much negligible for the human</a:t>
+            </a:r>
+            <a:r>
+              <a:rPr lang="en-US" sz="3200" spc="-12" dirty="0" smtClean="0">
+                <a:latin typeface="Constantia"/>
+                <a:cs typeface="Constantia"/>
+              </a:rPr>
+              <a:t> </a:t>
+            </a:r>
+            <a:r>
+              <a:rPr lang="en-US" sz="3200" dirty="0" smtClean="0">
+                <a:latin typeface="Constantia"/>
+                <a:cs typeface="Constantia"/>
+              </a:rPr>
+              <a:t>eyes but more visible than LSB and also more capacity efficient.</a:t>
+            </a:r>
+            <a:endParaRPr lang="en-US" sz="3200" dirty="0">
+              <a:latin typeface="Constantia"/>
+              <a:cs typeface="Constantia"/>
+            </a:endParaRPr>
+          </a:p>
+        </p:txBody>
+      </p:sp>
+      <p:pic>
+        <p:nvPicPr>
+          <p:cNvPr id="4098" name="Picture 2" descr="C:\Users\himes\notebooks\cover_raw.png"/>
+          <p:cNvPicPr>
+            <a:picLocks noChangeAspect="1" noChangeArrowheads="1"/>
+          </p:cNvPicPr>
+          <p:nvPr/>
+        </p:nvPicPr>
+        <p:blipFill>
+          <a:blip r:embed="rId2" cstate="print"/>
+          <a:srcRect/>
+          <a:stretch>
+            <a:fillRect/>
+          </a:stretch>
+        </p:blipFill>
+        <p:spPr bwMode="auto">
+          <a:xfrm>
+            <a:off x="2112264" y="3995928"/>
+            <a:ext cx="3048000" cy="2286000"/>
+          </a:xfrm>
+          <a:prstGeom prst="rect">
+            <a:avLst/>
+          </a:prstGeom>
+          <a:noFill/>
+        </p:spPr>
+      </p:pic>
+      <p:pic>
+        <p:nvPicPr>
+          <p:cNvPr id="4099" name="Picture 3" descr="C:\Users\himes\notebooks\cover_raw_stegano_BPCS.png"/>
+          <p:cNvPicPr>
+            <a:picLocks noChangeAspect="1" noChangeArrowheads="1"/>
+          </p:cNvPicPr>
+          <p:nvPr/>
+        </p:nvPicPr>
+        <p:blipFill>
+          <a:blip r:embed="rId3" cstate="print"/>
+          <a:srcRect/>
+          <a:stretch>
+            <a:fillRect/>
+          </a:stretch>
+        </p:blipFill>
+        <p:spPr bwMode="auto">
+          <a:xfrm>
+            <a:off x="7644384" y="3968496"/>
+            <a:ext cx="3048000" cy="2286000"/>
+          </a:xfrm>
+          <a:prstGeom prst="rect">
+            <a:avLst/>
+          </a:prstGeom>
+          <a:noFill/>
+        </p:spPr>
+      </p:pic>
+      <p:sp>
+        <p:nvSpPr>
+          <p:cNvPr id="6" name="Rectangle 5"/>
+          <p:cNvSpPr/>
+          <p:nvPr/>
+        </p:nvSpPr>
+        <p:spPr>
+          <a:xfrm>
+            <a:off x="2952187" y="6397398"/>
+            <a:ext cx="1423018" cy="335989"/>
+          </a:xfrm>
+          <a:prstGeom prst="rect">
+            <a:avLst/>
+          </a:prstGeom>
+        </p:spPr>
+        <p:txBody>
+          <a:bodyPr wrap="none">
+            <a:spAutoFit/>
+          </a:bodyPr>
+          <a:lstStyle/>
+          <a:p>
+            <a:pPr>
+              <a:lnSpc>
+                <a:spcPts val="1875"/>
+              </a:lnSpc>
+            </a:pPr>
+            <a:r>
+              <a:rPr lang="en-US" dirty="0" smtClean="0">
+                <a:latin typeface="Constantia"/>
+                <a:cs typeface="Constantia"/>
+              </a:rPr>
+              <a:t>Cover</a:t>
+            </a:r>
+            <a:r>
+              <a:rPr lang="en-US" spc="17" dirty="0" smtClean="0">
+                <a:latin typeface="Constantia"/>
+                <a:cs typeface="Constantia"/>
+              </a:rPr>
+              <a:t> </a:t>
+            </a:r>
+            <a:r>
+              <a:rPr lang="en-US" dirty="0" smtClean="0">
+                <a:latin typeface="Constantia"/>
+                <a:cs typeface="Constantia"/>
+              </a:rPr>
+              <a:t>Image</a:t>
+            </a:r>
+            <a:endParaRPr lang="en-US" dirty="0">
+              <a:latin typeface="Constantia"/>
+              <a:cs typeface="Constantia"/>
+            </a:endParaRPr>
+          </a:p>
+        </p:txBody>
+      </p:sp>
+      <p:sp>
+        <p:nvSpPr>
+          <p:cNvPr id="7" name="Rectangle 6"/>
+          <p:cNvSpPr/>
+          <p:nvPr/>
+        </p:nvSpPr>
+        <p:spPr>
+          <a:xfrm>
+            <a:off x="8502595" y="6360822"/>
+            <a:ext cx="1643720" cy="335989"/>
+          </a:xfrm>
+          <a:prstGeom prst="rect">
+            <a:avLst/>
+          </a:prstGeom>
+        </p:spPr>
+        <p:txBody>
+          <a:bodyPr wrap="none">
+            <a:spAutoFit/>
+          </a:bodyPr>
+          <a:lstStyle/>
+          <a:p>
+            <a:pPr>
+              <a:lnSpc>
+                <a:spcPts val="1875"/>
+              </a:lnSpc>
+            </a:pPr>
+            <a:r>
+              <a:rPr lang="en-US" dirty="0" smtClean="0">
+                <a:latin typeface="Constantia"/>
+                <a:cs typeface="Constantia"/>
+              </a:rPr>
+              <a:t>Stegano</a:t>
+            </a:r>
+            <a:r>
+              <a:rPr lang="en-US" spc="17" dirty="0" smtClean="0">
+                <a:latin typeface="Constantia"/>
+                <a:cs typeface="Constantia"/>
+              </a:rPr>
+              <a:t> </a:t>
+            </a:r>
+            <a:r>
+              <a:rPr lang="en-US" dirty="0" smtClean="0">
+                <a:latin typeface="Constantia"/>
+                <a:cs typeface="Constantia"/>
+              </a:rPr>
+              <a:t>Image</a:t>
+            </a:r>
+            <a:endParaRPr lang="en-US" dirty="0">
+              <a:latin typeface="Constantia"/>
+              <a:cs typeface="Constantia"/>
+            </a:endParaRPr>
+          </a:p>
+        </p:txBody>
+      </p:sp>
+    </p:spTree>
+  </p:cSld>
+  <p:clrMapOvr>
+    <a:masterClrMapping/>
+  </p:clrMapOvr>
+</p:sld>
+</file>
+
+<file path=ppt/slides/slide17.xml><?xml version="1.0" encoding="utf-8"?>
+<p:sld xmlns:a="http://schemas.openxmlformats.org/drawingml/2006/main" xmlns:r="http://schemas.openxmlformats.org/officeDocument/2006/relationships" xmlns:p="http://schemas.openxmlformats.org/presentationml/2006/main">
+  <p:cSld>
+    <p:spTree>
+      <p:nvGrpSpPr>
+        <p:cNvPr id="1" name=""/>
+        <p:cNvGrpSpPr/>
+        <p:nvPr/>
+      </p:nvGrpSpPr>
+      <p:grpSpPr>
+        <a:xfrm>
+          <a:off x="0" y="0"/>
+          <a:ext cx="0" cy="0"/>
+          <a:chOff x="0" y="0"/>
+          <a:chExt cx="0" cy="0"/>
+        </a:xfrm>
+      </p:grpSpPr>
+      <p:sp>
+        <p:nvSpPr>
           <p:cNvPr id="2" name="Title 1"/>
           <p:cNvSpPr>
             <a:spLocks noGrp="1"/>
@@ -10616,53 +10936,61 @@
             <p:ph type="title"/>
           </p:nvPr>
         </p:nvSpPr>
-        <p:spPr>
-          <a:xfrm>
-            <a:off x="2592925" y="624110"/>
-            <a:ext cx="8911687" cy="780484"/>
-          </a:xfrm>
-        </p:spPr>
+        <p:spPr/>
         <p:txBody>
           <a:bodyPr/>
           <a:lstStyle/>
           <a:p>
             <a:pPr algn="ctr"/>
             <a:r>
-              <a:rPr lang="en-US" dirty="0" smtClean="0"/>
-              <a:t>ER </a:t>
-            </a:r>
-            <a:r>
-              <a:rPr lang="en-US" dirty="0" smtClean="0">
-                <a:latin typeface="Algerian" panose="04020705040A02060702" pitchFamily="82" charset="0"/>
-              </a:rPr>
-              <a:t>DIAGRAM</a:t>
-            </a:r>
-            <a:endParaRPr lang="en-IN" dirty="0">
-              <a:latin typeface="Algerian" panose="04020705040A02060702" pitchFamily="82" charset="0"/>
+              <a:rPr lang="en-IN" dirty="0" smtClean="0">
+                <a:latin typeface="Algerian" pitchFamily="82" charset="0"/>
+              </a:rPr>
+              <a:t>Module</a:t>
+            </a:r>
+            <a:endParaRPr lang="en-US" dirty="0">
+              <a:latin typeface="Algerian" pitchFamily="82" charset="0"/>
             </a:endParaRPr>
           </a:p>
         </p:txBody>
       </p:sp>
-      <p:pic>
-        <p:nvPicPr>
-          <p:cNvPr id="4" name="Content Placeholder 3"/>
-          <p:cNvPicPr>
-            <a:picLocks noGrp="1" noChangeAspect="1"/>
-          </p:cNvPicPr>
+      <p:sp>
+        <p:nvSpPr>
+          <p:cNvPr id="3" name="Content Placeholder 2"/>
+          <p:cNvSpPr>
+            <a:spLocks noGrp="1"/>
+          </p:cNvSpPr>
           <p:nvPr>
             <p:ph idx="1"/>
           </p:nvPr>
+        </p:nvSpPr>
+        <p:spPr/>
+        <p:txBody>
+          <a:bodyPr/>
+          <a:lstStyle/>
+          <a:p>
+            <a:endParaRPr lang="en-IN"/>
+          </a:p>
+        </p:txBody>
+      </p:sp>
+      <p:pic>
+        <p:nvPicPr>
+          <p:cNvPr id="6" name="Picture 5"/>
+          <p:cNvPicPr>
+            <a:picLocks noChangeAspect="1"/>
+          </p:cNvPicPr>
+          <p:nvPr/>
         </p:nvPicPr>
         <p:blipFill>
-          <a:blip r:embed="rId2" cstate="print"/>
+          <a:blip r:embed="rId2"/>
           <a:stretch>
             <a:fillRect/>
           </a:stretch>
         </p:blipFill>
         <p:spPr>
           <a:xfrm>
-            <a:off x="2451698" y="1404594"/>
-            <a:ext cx="9124417" cy="4685720"/>
+            <a:off x="2299398" y="1264555"/>
+            <a:ext cx="9455827" cy="5221994"/>
           </a:xfrm>
           <a:prstGeom prst="roundRect">
             <a:avLst>
@@ -10695,221 +11023,7 @@
           </a:sp3d>
         </p:spPr>
       </p:pic>
-      <p:sp>
-        <p:nvSpPr>
-          <p:cNvPr id="5" name="TextBox 4"/>
-          <p:cNvSpPr txBox="1"/>
-          <p:nvPr/>
-        </p:nvSpPr>
-        <p:spPr>
-          <a:xfrm>
-            <a:off x="5354425" y="6315959"/>
-            <a:ext cx="3553905" cy="369332"/>
-          </a:xfrm>
-          <a:prstGeom prst="rect">
-            <a:avLst/>
-          </a:prstGeom>
-          <a:noFill/>
-        </p:spPr>
-        <p:txBody>
-          <a:bodyPr wrap="square" rtlCol="0">
-            <a:spAutoFit/>
-          </a:bodyPr>
-          <a:lstStyle/>
-          <a:p>
-            <a:pPr algn="ctr"/>
-            <a:r>
-              <a:rPr lang="en-US" dirty="0">
-                <a:latin typeface="Algerian" panose="04020705040A02060702" pitchFamily="82" charset="0"/>
-              </a:rPr>
-              <a:t>1</a:t>
-            </a:r>
-            <a:endParaRPr lang="en-IN" dirty="0">
-              <a:latin typeface="Algerian" panose="04020705040A02060702" pitchFamily="82" charset="0"/>
-            </a:endParaRPr>
-          </a:p>
-        </p:txBody>
-      </p:sp>
     </p:spTree>
-    <p:extLst>
-      <p:ext uri="{BB962C8B-B14F-4D97-AF65-F5344CB8AC3E}">
-        <p14:creationId xmlns:p14="http://schemas.microsoft.com/office/powerpoint/2010/main" val="1717095262"/>
-      </p:ext>
-    </p:extLst>
-  </p:cSld>
-  <p:clrMapOvr>
-    <a:masterClrMapping/>
-  </p:clrMapOvr>
-  <p:timing>
-    <p:tnLst>
-      <p:par>
-        <p:cTn id="1" dur="indefinite" restart="never" nodeType="tmRoot"/>
-      </p:par>
-    </p:tnLst>
-  </p:timing>
-</p:sld>
-</file>
-
-<file path=ppt/slides/slide17.xml><?xml version="1.0" encoding="utf-8"?>
-<p:sld xmlns:a="http://schemas.openxmlformats.org/drawingml/2006/main" xmlns:r="http://schemas.openxmlformats.org/officeDocument/2006/relationships" xmlns:p="http://schemas.openxmlformats.org/presentationml/2006/main">
-  <p:cSld>
-    <p:spTree>
-      <p:nvGrpSpPr>
-        <p:cNvPr id="1" name=""/>
-        <p:cNvGrpSpPr/>
-        <p:nvPr/>
-      </p:nvGrpSpPr>
-      <p:grpSpPr>
-        <a:xfrm>
-          <a:off x="0" y="0"/>
-          <a:ext cx="0" cy="0"/>
-          <a:chOff x="0" y="0"/>
-          <a:chExt cx="0" cy="0"/>
-        </a:xfrm>
-      </p:grpSpPr>
-      <p:sp>
-        <p:nvSpPr>
-          <p:cNvPr id="2" name="Title 1"/>
-          <p:cNvSpPr>
-            <a:spLocks noGrp="1"/>
-          </p:cNvSpPr>
-          <p:nvPr>
-            <p:ph type="title"/>
-          </p:nvPr>
-        </p:nvSpPr>
-        <p:spPr>
-          <a:xfrm>
-            <a:off x="2592926" y="471340"/>
-            <a:ext cx="8888921" cy="772999"/>
-          </a:xfrm>
-        </p:spPr>
-        <p:txBody>
-          <a:bodyPr>
-            <a:normAutofit/>
-          </a:bodyPr>
-          <a:lstStyle/>
-          <a:p>
-            <a:pPr algn="ctr"/>
-            <a:r>
-              <a:rPr lang="en-US" dirty="0"/>
-              <a:t>ER </a:t>
-            </a:r>
-            <a:r>
-              <a:rPr lang="en-US" dirty="0">
-                <a:latin typeface="Algerian" panose="04020705040A02060702" pitchFamily="82" charset="0"/>
-              </a:rPr>
-              <a:t>DIAGRAM</a:t>
-            </a:r>
-            <a:endParaRPr lang="en-IN" dirty="0"/>
-          </a:p>
-        </p:txBody>
-      </p:sp>
-      <p:sp>
-        <p:nvSpPr>
-          <p:cNvPr id="5" name="TextBox 4"/>
-          <p:cNvSpPr txBox="1"/>
-          <p:nvPr/>
-        </p:nvSpPr>
-        <p:spPr>
-          <a:xfrm>
-            <a:off x="3978111" y="6384973"/>
-            <a:ext cx="6344240" cy="369332"/>
-          </a:xfrm>
-          <a:prstGeom prst="rect">
-            <a:avLst/>
-          </a:prstGeom>
-          <a:noFill/>
-        </p:spPr>
-        <p:txBody>
-          <a:bodyPr wrap="square" rtlCol="0">
-            <a:spAutoFit/>
-          </a:bodyPr>
-          <a:lstStyle/>
-          <a:p>
-            <a:pPr algn="ctr"/>
-            <a:r>
-              <a:rPr lang="en-US" dirty="0" smtClean="0"/>
-              <a:t>2</a:t>
-            </a:r>
-            <a:endParaRPr lang="en-IN" dirty="0"/>
-          </a:p>
-        </p:txBody>
-      </p:sp>
-      <p:sp>
-        <p:nvSpPr>
-          <p:cNvPr id="3" name="Content Placeholder 2"/>
-          <p:cNvSpPr>
-            <a:spLocks noGrp="1"/>
-          </p:cNvSpPr>
-          <p:nvPr>
-            <p:ph idx="1"/>
-          </p:nvPr>
-        </p:nvSpPr>
-        <p:spPr/>
-        <p:txBody>
-          <a:bodyPr/>
-          <a:lstStyle/>
-          <a:p>
-            <a:endParaRPr lang="en-IN"/>
-          </a:p>
-        </p:txBody>
-      </p:sp>
-      <p:pic>
-        <p:nvPicPr>
-          <p:cNvPr id="6" name="Picture 5"/>
-          <p:cNvPicPr>
-            <a:picLocks noChangeAspect="1"/>
-          </p:cNvPicPr>
-          <p:nvPr/>
-        </p:nvPicPr>
-        <p:blipFill>
-          <a:blip r:embed="rId2"/>
-          <a:stretch>
-            <a:fillRect/>
-          </a:stretch>
-        </p:blipFill>
-        <p:spPr>
-          <a:xfrm>
-            <a:off x="2427346" y="1123068"/>
-            <a:ext cx="9186477" cy="5325391"/>
-          </a:xfrm>
-          <a:prstGeom prst="roundRect">
-            <a:avLst>
-              <a:gd name="adj" fmla="val 4167"/>
-            </a:avLst>
-          </a:prstGeom>
-          <a:solidFill>
-            <a:srgbClr val="FFFFFF"/>
-          </a:solidFill>
-          <a:ln w="76200" cap="sq">
-            <a:solidFill>
-              <a:srgbClr val="292929"/>
-            </a:solidFill>
-            <a:miter lim="800000"/>
-          </a:ln>
-          <a:effectLst>
-            <a:reflection blurRad="12700" stA="28000" endPos="28000" dist="5000" dir="5400000" sy="-100000" algn="bl" rotWithShape="0"/>
-          </a:effectLst>
-          <a:scene3d>
-            <a:camera prst="orthographicFront"/>
-            <a:lightRig rig="threePt" dir="t">
-              <a:rot lat="0" lon="0" rev="2700000"/>
-            </a:lightRig>
-          </a:scene3d>
-          <a:sp3d>
-            <a:bevelT h="38100"/>
-            <a:contourClr>
-              <a:srgbClr val="C0C0C0"/>
-            </a:contourClr>
-          </a:sp3d>
-        </p:spPr>
-      </p:pic>
-    </p:spTree>
-    <p:extLst>
-      <p:ext uri="{BB962C8B-B14F-4D97-AF65-F5344CB8AC3E}">
-        <p14:creationId xmlns:p14="http://schemas.microsoft.com/office/powerpoint/2010/main" val="2992944003"/>
-      </p:ext>
-    </p:extLst>
   </p:cSld>
   <p:clrMapOvr>
     <a:masterClrMapping/>
@@ -10953,8 +11067,8 @@
         </p:nvSpPr>
         <p:spPr>
           <a:xfrm>
-            <a:off x="2592925" y="624110"/>
-            <a:ext cx="8911687" cy="723923"/>
+            <a:off x="1659671" y="499620"/>
+            <a:ext cx="10170968" cy="1018880"/>
           </a:xfrm>
         </p:spPr>
         <p:txBody>
@@ -10966,7 +11080,7 @@
               <a:rPr lang="en-US" dirty="0" smtClean="0">
                 <a:latin typeface="Algerian" panose="04020705040A02060702" pitchFamily="82" charset="0"/>
               </a:rPr>
-              <a:t>Login window</a:t>
+              <a:t>CLASS DIAGRAM</a:t>
             </a:r>
             <a:endParaRPr lang="en-IN" dirty="0">
               <a:latin typeface="Algerian" panose="04020705040A02060702" pitchFamily="82" charset="0"/>
@@ -10974,143 +11088,40 @@
           </a:p>
         </p:txBody>
       </p:sp>
-      <p:pic>
-        <p:nvPicPr>
-          <p:cNvPr id="4" name="Content Placeholder 3"/>
-          <p:cNvPicPr>
-            <a:picLocks noGrp="1" noChangeAspect="1"/>
-          </p:cNvPicPr>
+      <p:sp>
+        <p:nvSpPr>
+          <p:cNvPr id="3" name="Content Placeholder 2"/>
+          <p:cNvSpPr>
+            <a:spLocks noGrp="1"/>
+          </p:cNvSpPr>
           <p:nvPr>
             <p:ph idx="1"/>
           </p:nvPr>
-        </p:nvPicPr>
-        <p:blipFill>
-          <a:blip r:embed="rId2" cstate="print"/>
-          <a:stretch>
-            <a:fillRect/>
-          </a:stretch>
-        </p:blipFill>
+        </p:nvSpPr>
         <p:spPr>
           <a:xfrm>
-            <a:off x="2592925" y="1813088"/>
-            <a:ext cx="4382911" cy="3518095"/>
-          </a:xfrm>
-          <a:prstGeom prst="rect">
-            <a:avLst/>
-          </a:prstGeom>
-        </p:spPr>
-      </p:pic>
-      <p:pic>
-        <p:nvPicPr>
-          <p:cNvPr id="5" name="Picture 4"/>
-          <p:cNvPicPr>
-            <a:picLocks noChangeAspect="1"/>
-          </p:cNvPicPr>
-          <p:nvPr/>
-        </p:nvPicPr>
-        <p:blipFill>
-          <a:blip r:embed="rId3" cstate="print"/>
-          <a:stretch>
-            <a:fillRect/>
-          </a:stretch>
-        </p:blipFill>
-        <p:spPr>
-          <a:xfrm>
-            <a:off x="7291977" y="1813088"/>
-            <a:ext cx="4212635" cy="3552313"/>
-          </a:xfrm>
-          <a:prstGeom prst="rect">
-            <a:avLst/>
-          </a:prstGeom>
-        </p:spPr>
-      </p:pic>
-      <p:sp>
-        <p:nvSpPr>
-          <p:cNvPr id="7" name="TextBox 6"/>
-          <p:cNvSpPr txBox="1"/>
-          <p:nvPr/>
-        </p:nvSpPr>
-        <p:spPr>
-          <a:xfrm>
-            <a:off x="3139126" y="5693790"/>
-            <a:ext cx="2969443" cy="369332"/>
-          </a:xfrm>
-          <a:prstGeom prst="rect">
-            <a:avLst/>
-          </a:prstGeom>
-          <a:noFill/>
-        </p:spPr>
-        <p:txBody>
-          <a:bodyPr wrap="square" rtlCol="0">
-            <a:spAutoFit/>
-          </a:bodyPr>
+            <a:off x="1659671" y="1696825"/>
+            <a:ext cx="10170968" cy="4609707"/>
+          </a:xfrm>
+        </p:spPr>
+        <p:txBody>
+          <a:bodyPr/>
           <a:lstStyle/>
           <a:p>
-            <a:pPr algn="ctr"/>
-            <a:r>
-              <a:rPr lang="en-US" dirty="0" smtClean="0">
-                <a:latin typeface="Algerian" panose="04020705040A02060702" pitchFamily="82" charset="0"/>
-              </a:rPr>
-              <a:t>User login window</a:t>
-            </a:r>
-            <a:endParaRPr lang="en-IN" dirty="0">
-              <a:latin typeface="Algerian" panose="04020705040A02060702" pitchFamily="82" charset="0"/>
-            </a:endParaRPr>
-          </a:p>
-        </p:txBody>
-      </p:sp>
-      <p:sp>
-        <p:nvSpPr>
-          <p:cNvPr id="8" name="TextBox 7"/>
-          <p:cNvSpPr txBox="1"/>
-          <p:nvPr/>
-        </p:nvSpPr>
-        <p:spPr>
-          <a:xfrm>
-            <a:off x="7932311" y="5693790"/>
-            <a:ext cx="2931966" cy="369332"/>
-          </a:xfrm>
-          <a:prstGeom prst="rect">
-            <a:avLst/>
-          </a:prstGeom>
-          <a:noFill/>
-        </p:spPr>
-        <p:txBody>
-          <a:bodyPr wrap="square" rtlCol="0">
-            <a:spAutoFit/>
-          </a:bodyPr>
-          <a:lstStyle/>
-          <a:p>
-            <a:pPr algn="ctr"/>
-            <a:r>
-              <a:rPr lang="en-US" dirty="0" smtClean="0">
-                <a:latin typeface="Algerian" panose="04020705040A02060702" pitchFamily="82" charset="0"/>
-              </a:rPr>
-              <a:t>Admin login window</a:t>
-            </a:r>
-            <a:endParaRPr lang="en-IN" dirty="0">
-              <a:latin typeface="Algerian" panose="04020705040A02060702" pitchFamily="82" charset="0"/>
-            </a:endParaRPr>
+            <a:endParaRPr lang="en-IN" dirty="0"/>
           </a:p>
         </p:txBody>
       </p:sp>
     </p:spTree>
     <p:extLst>
       <p:ext uri="{BB962C8B-B14F-4D97-AF65-F5344CB8AC3E}">
-        <p14:creationId xmlns:p14="http://schemas.microsoft.com/office/powerpoint/2010/main" val="3968908613"/>
+        <p14:creationId xmlns:p14="http://schemas.microsoft.com/office/powerpoint/2010/main" val="1974539145"/>
       </p:ext>
     </p:extLst>
   </p:cSld>
   <p:clrMapOvr>
     <a:masterClrMapping/>
   </p:clrMapOvr>
-  <p:timing>
-    <p:tnLst>
-      <p:par>
-        <p:cTn id="1" dur="indefinite" restart="never" nodeType="tmRoot"/>
-      </p:par>
-    </p:tnLst>
-  </p:timing>
 </p:sld>
 </file>
 
@@ -11143,8 +11154,8 @@
         </p:nvSpPr>
         <p:spPr>
           <a:xfrm>
-            <a:off x="1421481" y="624110"/>
-            <a:ext cx="10083131" cy="1280890"/>
+            <a:off x="2592925" y="624110"/>
+            <a:ext cx="8911687" cy="780484"/>
           </a:xfrm>
         </p:spPr>
         <p:txBody>
@@ -11153,29 +11164,30 @@
           <a:p>
             <a:pPr algn="ctr"/>
             <a:r>
+              <a:rPr lang="en-US" dirty="0" smtClean="0"/>
+              <a:t>ER </a:t>
+            </a:r>
+            <a:r>
               <a:rPr lang="en-US" dirty="0" smtClean="0">
                 <a:latin typeface="Algerian" panose="04020705040A02060702" pitchFamily="82" charset="0"/>
               </a:rPr>
-              <a:t>Steganography gui module</a:t>
-            </a:r>
-            <a:r>
-              <a:rPr lang="en-US" dirty="0" smtClean="0"/>
-              <a:t/>
-            </a:r>
-            <a:br>
-              <a:rPr lang="en-US" dirty="0" smtClean="0"/>
-            </a:br>
-            <a:endParaRPr lang="en-IN" dirty="0"/>
+              <a:t>DIAGRAM</a:t>
+            </a:r>
+            <a:endParaRPr lang="en-IN" dirty="0">
+              <a:latin typeface="Algerian" panose="04020705040A02060702" pitchFamily="82" charset="0"/>
+            </a:endParaRPr>
           </a:p>
         </p:txBody>
       </p:sp>
       <p:pic>
         <p:nvPicPr>
-          <p:cNvPr id="5" name="Picture 4"/>
+          <p:cNvPr id="4" name="Content Placeholder 3"/>
           <p:cNvPicPr>
-            <a:picLocks noChangeAspect="1"/>
+            <a:picLocks noGrp="1" noChangeAspect="1"/>
           </p:cNvPicPr>
-          <p:nvPr/>
+          <p:nvPr>
+            <p:ph idx="1"/>
+          </p:nvPr>
         </p:nvPicPr>
         <p:blipFill>
           <a:blip r:embed="rId2" cstate="print"/>
@@ -11185,89 +11197,50 @@
         </p:blipFill>
         <p:spPr>
           <a:xfrm>
-            <a:off x="6588019" y="1801305"/>
-            <a:ext cx="5318036" cy="4255845"/>
-          </a:xfrm>
-          <a:prstGeom prst="rect">
-            <a:avLst/>
+            <a:off x="2451698" y="1404594"/>
+            <a:ext cx="9124417" cy="4685720"/>
+          </a:xfrm>
+          <a:prstGeom prst="roundRect">
+            <a:avLst>
+              <a:gd name="adj" fmla="val 4167"/>
+            </a:avLst>
           </a:prstGeom>
+          <a:solidFill>
+            <a:srgbClr val="FFFFFF"/>
+          </a:solidFill>
+          <a:ln w="76200" cap="sq">
+            <a:solidFill>
+              <a:srgbClr val="292929"/>
+            </a:solidFill>
+            <a:miter lim="800000"/>
+          </a:ln>
+          <a:effectLst>
+            <a:reflection blurRad="12700" stA="28000" endPos="28000" dist="5000" dir="5400000" sy="-100000" algn="bl" rotWithShape="0"/>
+          </a:effectLst>
+          <a:scene3d>
+            <a:camera prst="orthographicFront"/>
+            <a:lightRig rig="threePt" dir="t">
+              <a:rot lat="0" lon="0" rev="2700000"/>
+            </a:lightRig>
+          </a:scene3d>
+          <a:sp3d>
+            <a:bevelT h="38100"/>
+            <a:contourClr>
+              <a:srgbClr val="C0C0C0"/>
+            </a:contourClr>
+          </a:sp3d>
         </p:spPr>
       </p:pic>
-      <p:pic>
-        <p:nvPicPr>
-          <p:cNvPr id="7" name="Content Placeholder 6"/>
-          <p:cNvPicPr>
-            <a:picLocks noGrp="1" noChangeAspect="1"/>
-          </p:cNvPicPr>
-          <p:nvPr>
-            <p:ph idx="1"/>
-          </p:nvPr>
-        </p:nvPicPr>
-        <p:blipFill>
-          <a:blip r:embed="rId3" cstate="print"/>
-          <a:stretch>
-            <a:fillRect/>
-          </a:stretch>
-        </p:blipFill>
+      <p:sp>
+        <p:nvSpPr>
+          <p:cNvPr id="5" name="TextBox 4"/>
+          <p:cNvSpPr txBox="1"/>
+          <p:nvPr/>
+        </p:nvSpPr>
         <p:spPr>
           <a:xfrm>
-            <a:off x="1421481" y="2040102"/>
-            <a:ext cx="4689808" cy="3778250"/>
-          </a:xfrm>
-          <a:prstGeom prst="rect">
-            <a:avLst/>
-          </a:prstGeom>
-        </p:spPr>
-      </p:pic>
-      <p:cxnSp>
-        <p:nvCxnSpPr>
-          <p:cNvPr id="9" name="Straight Arrow Connector 8"/>
-          <p:cNvCxnSpPr>
-            <a:stCxn id="7" idx="3"/>
-            <a:endCxn id="5" idx="1"/>
-          </p:cNvCxnSpPr>
-          <p:nvPr/>
-        </p:nvCxnSpPr>
-        <p:spPr>
-          <a:xfrm>
-            <a:off x="6111289" y="3929227"/>
-            <a:ext cx="476730" cy="1"/>
-          </a:xfrm>
-          <a:prstGeom prst="straightConnector1">
-            <a:avLst/>
-          </a:prstGeom>
-          <a:ln>
-            <a:solidFill>
-              <a:schemeClr val="tx1"/>
-            </a:solidFill>
-            <a:tailEnd type="triangle"/>
-          </a:ln>
-        </p:spPr>
-        <p:style>
-          <a:lnRef idx="1">
-            <a:schemeClr val="accent3"/>
-          </a:lnRef>
-          <a:fillRef idx="0">
-            <a:schemeClr val="accent3"/>
-          </a:fillRef>
-          <a:effectRef idx="0">
-            <a:schemeClr val="accent3"/>
-          </a:effectRef>
-          <a:fontRef idx="minor">
-            <a:schemeClr val="tx1"/>
-          </a:fontRef>
-        </p:style>
-      </p:cxnSp>
-      <p:sp>
-        <p:nvSpPr>
-          <p:cNvPr id="10" name="TextBox 9"/>
-          <p:cNvSpPr txBox="1"/>
-          <p:nvPr/>
-        </p:nvSpPr>
-        <p:spPr>
-          <a:xfrm>
-            <a:off x="7607431" y="6287679"/>
-            <a:ext cx="3619893" cy="646331"/>
+            <a:off x="5354425" y="6315959"/>
+            <a:ext cx="3553905" cy="369332"/>
           </a:xfrm>
           <a:prstGeom prst="rect">
             <a:avLst/>
@@ -11280,50 +11253,12 @@
           </a:bodyPr>
           <a:lstStyle/>
           <a:p>
+            <a:pPr algn="ctr"/>
             <a:r>
               <a:rPr lang="en-US" dirty="0">
                 <a:latin typeface="Algerian" panose="04020705040A02060702" pitchFamily="82" charset="0"/>
               </a:rPr>
-              <a:t>Steganography gui module</a:t>
-            </a:r>
-            <a:r>
-              <a:rPr lang="en-US" dirty="0"/>
-              <a:t/>
-            </a:r>
-            <a:br>
-              <a:rPr lang="en-US" dirty="0"/>
-            </a:br>
-            <a:endParaRPr lang="en-IN" dirty="0"/>
-          </a:p>
-        </p:txBody>
-      </p:sp>
-      <p:sp>
-        <p:nvSpPr>
-          <p:cNvPr id="11" name="Rectangle 10"/>
-          <p:cNvSpPr/>
-          <p:nvPr/>
-        </p:nvSpPr>
-        <p:spPr>
-          <a:xfrm>
-            <a:off x="2590422" y="6287679"/>
-            <a:ext cx="2351926" cy="369332"/>
-          </a:xfrm>
-          <a:prstGeom prst="rect">
-            <a:avLst/>
-          </a:prstGeom>
-        </p:spPr>
-        <p:txBody>
-          <a:bodyPr wrap="none">
-            <a:spAutoFit/>
-          </a:bodyPr>
-          <a:lstStyle/>
-          <a:p>
-            <a:pPr algn="ctr"/>
-            <a:r>
-              <a:rPr lang="en-US" dirty="0">
-                <a:latin typeface="Algerian" panose="04020705040A02060702" pitchFamily="82" charset="0"/>
-              </a:rPr>
-              <a:t>User login window</a:t>
+              <a:t>1</a:t>
             </a:r>
             <a:endParaRPr lang="en-IN" dirty="0">
               <a:latin typeface="Algerian" panose="04020705040A02060702" pitchFamily="82" charset="0"/>
@@ -11334,7 +11269,7 @@
     </p:spTree>
     <p:extLst>
       <p:ext uri="{BB962C8B-B14F-4D97-AF65-F5344CB8AC3E}">
-        <p14:creationId xmlns:p14="http://schemas.microsoft.com/office/powerpoint/2010/main" val="1379778435"/>
+        <p14:creationId xmlns:p14="http://schemas.microsoft.com/office/powerpoint/2010/main" val="1717095262"/>
       </p:ext>
     </p:extLst>
   </p:cSld>
@@ -11590,14 +11525,51 @@
       </p:grpSpPr>
       <p:sp>
         <p:nvSpPr>
-          <p:cNvPr id="3" name="TextBox 2"/>
+          <p:cNvPr id="2" name="Title 1"/>
+          <p:cNvSpPr>
+            <a:spLocks noGrp="1"/>
+          </p:cNvSpPr>
+          <p:nvPr>
+            <p:ph type="title"/>
+          </p:nvPr>
+        </p:nvSpPr>
+        <p:spPr>
+          <a:xfrm>
+            <a:off x="2592926" y="471340"/>
+            <a:ext cx="8888921" cy="772999"/>
+          </a:xfrm>
+        </p:spPr>
+        <p:txBody>
+          <a:bodyPr>
+            <a:normAutofit/>
+          </a:bodyPr>
+          <a:lstStyle/>
+          <a:p>
+            <a:pPr algn="ctr"/>
+            <a:r>
+              <a:rPr lang="en-US" dirty="0"/>
+              <a:t>ER </a:t>
+            </a:r>
+            <a:r>
+              <a:rPr lang="en-US" dirty="0">
+                <a:latin typeface="Algerian" panose="04020705040A02060702" pitchFamily="82" charset="0"/>
+              </a:rPr>
+              <a:t>DIAGRAM</a:t>
+            </a:r>
+            <a:endParaRPr lang="en-IN" dirty="0"/>
+          </a:p>
+        </p:txBody>
+      </p:sp>
+      <p:sp>
+        <p:nvSpPr>
+          <p:cNvPr id="5" name="TextBox 4"/>
           <p:cNvSpPr txBox="1"/>
           <p:nvPr/>
         </p:nvSpPr>
         <p:spPr>
           <a:xfrm>
-            <a:off x="1687395" y="631596"/>
-            <a:ext cx="10154371" cy="646331"/>
+            <a:off x="3978111" y="6384973"/>
+            <a:ext cx="6344240" cy="369332"/>
           </a:xfrm>
           <a:prstGeom prst="rect">
             <a:avLst/>
@@ -11612,54 +11584,86 @@
           <a:p>
             <a:pPr algn="ctr"/>
             <a:r>
-              <a:rPr lang="en-US" sz="3600" dirty="0" smtClean="0">
-                <a:latin typeface="Algerian" panose="04020705040A02060702" pitchFamily="82" charset="0"/>
-              </a:rPr>
-              <a:t>Encoder </a:t>
-            </a:r>
-            <a:endParaRPr lang="en-IN" sz="3600" dirty="0">
-              <a:latin typeface="Algerian" panose="04020705040A02060702" pitchFamily="82" charset="0"/>
-            </a:endParaRPr>
+              <a:rPr lang="en-US" dirty="0" smtClean="0"/>
+              <a:t>2</a:t>
+            </a:r>
+            <a:endParaRPr lang="en-IN" dirty="0"/>
+          </a:p>
+        </p:txBody>
+      </p:sp>
+      <p:sp>
+        <p:nvSpPr>
+          <p:cNvPr id="3" name="Content Placeholder 2"/>
+          <p:cNvSpPr>
+            <a:spLocks noGrp="1"/>
+          </p:cNvSpPr>
+          <p:nvPr>
+            <p:ph idx="1"/>
+          </p:nvPr>
+        </p:nvSpPr>
+        <p:spPr/>
+        <p:txBody>
+          <a:bodyPr/>
+          <a:lstStyle/>
+          <a:p>
+            <a:endParaRPr lang="en-IN"/>
           </a:p>
         </p:txBody>
       </p:sp>
       <p:pic>
         <p:nvPicPr>
-          <p:cNvPr id="2050" name="Picture 2"/>
+          <p:cNvPr id="6" name="Picture 5"/>
           <p:cNvPicPr>
-            <a:picLocks noChangeAspect="1" noChangeArrowheads="1"/>
+            <a:picLocks noChangeAspect="1"/>
           </p:cNvPicPr>
           <p:nvPr/>
         </p:nvPicPr>
         <p:blipFill>
-          <a:blip r:embed="rId2" cstate="print"/>
-          <a:srcRect/>
+          <a:blip r:embed="rId2"/>
           <a:stretch>
             <a:fillRect/>
           </a:stretch>
         </p:blipFill>
-        <p:spPr bwMode="auto">
+        <p:spPr>
           <a:xfrm>
-            <a:off x="1453642" y="1379220"/>
-            <a:ext cx="9967214" cy="5013349"/>
-          </a:xfrm>
-          <a:prstGeom prst="rect">
-            <a:avLst/>
+            <a:off x="2427346" y="1123068"/>
+            <a:ext cx="9186477" cy="5325391"/>
+          </a:xfrm>
+          <a:prstGeom prst="roundRect">
+            <a:avLst>
+              <a:gd name="adj" fmla="val 4167"/>
+            </a:avLst>
           </a:prstGeom>
-          <a:noFill/>
-          <a:ln w="9525">
-            <a:noFill/>
+          <a:solidFill>
+            <a:srgbClr val="FFFFFF"/>
+          </a:solidFill>
+          <a:ln w="76200" cap="sq">
+            <a:solidFill>
+              <a:srgbClr val="292929"/>
+            </a:solidFill>
             <a:miter lim="800000"/>
-            <a:headEnd/>
-            <a:tailEnd/>
           </a:ln>
-          <a:effectLst/>
+          <a:effectLst>
+            <a:reflection blurRad="12700" stA="28000" endPos="28000" dist="5000" dir="5400000" sy="-100000" algn="bl" rotWithShape="0"/>
+          </a:effectLst>
+          <a:scene3d>
+            <a:camera prst="orthographicFront"/>
+            <a:lightRig rig="threePt" dir="t">
+              <a:rot lat="0" lon="0" rev="2700000"/>
+            </a:lightRig>
+          </a:scene3d>
+          <a:sp3d>
+            <a:bevelT h="38100"/>
+            <a:contourClr>
+              <a:srgbClr val="C0C0C0"/>
+            </a:contourClr>
+          </a:sp3d>
         </p:spPr>
       </p:pic>
     </p:spTree>
     <p:extLst>
       <p:ext uri="{BB962C8B-B14F-4D97-AF65-F5344CB8AC3E}">
-        <p14:creationId xmlns:p14="http://schemas.microsoft.com/office/powerpoint/2010/main" val="3097096989"/>
+        <p14:creationId xmlns:p14="http://schemas.microsoft.com/office/powerpoint/2010/main" val="2992944003"/>
       </p:ext>
     </p:extLst>
   </p:cSld>
@@ -11705,8 +11709,8 @@
         </p:nvSpPr>
         <p:spPr>
           <a:xfrm>
-            <a:off x="1085025" y="605822"/>
-            <a:ext cx="10190375" cy="742777"/>
+            <a:off x="2592925" y="624110"/>
+            <a:ext cx="8911687" cy="723923"/>
           </a:xfrm>
         </p:spPr>
         <p:txBody>
@@ -11718,7 +11722,7 @@
               <a:rPr lang="en-US" dirty="0" smtClean="0">
                 <a:latin typeface="Algerian" panose="04020705040A02060702" pitchFamily="82" charset="0"/>
               </a:rPr>
-              <a:t>decoder</a:t>
+              <a:t>Login window</a:t>
             </a:r>
             <a:endParaRPr lang="en-IN" dirty="0">
               <a:latin typeface="Algerian" panose="04020705040A02060702" pitchFamily="82" charset="0"/>
@@ -11728,41 +11732,128 @@
       </p:sp>
       <p:pic>
         <p:nvPicPr>
-          <p:cNvPr id="3074" name="Picture 2"/>
+          <p:cNvPr id="4" name="Content Placeholder 3"/>
           <p:cNvPicPr>
-            <a:picLocks noChangeAspect="1" noChangeArrowheads="1"/>
+            <a:picLocks noGrp="1" noChangeAspect="1"/>
+          </p:cNvPicPr>
+          <p:nvPr>
+            <p:ph idx="1"/>
+          </p:nvPr>
+        </p:nvPicPr>
+        <p:blipFill>
+          <a:blip r:embed="rId2" cstate="print"/>
+          <a:stretch>
+            <a:fillRect/>
+          </a:stretch>
+        </p:blipFill>
+        <p:spPr>
+          <a:xfrm>
+            <a:off x="2592925" y="1813088"/>
+            <a:ext cx="4382911" cy="3518095"/>
+          </a:xfrm>
+          <a:prstGeom prst="rect">
+            <a:avLst/>
+          </a:prstGeom>
+        </p:spPr>
+      </p:pic>
+      <p:pic>
+        <p:nvPicPr>
+          <p:cNvPr id="5" name="Picture 4"/>
+          <p:cNvPicPr>
+            <a:picLocks noChangeAspect="1"/>
           </p:cNvPicPr>
           <p:nvPr/>
         </p:nvPicPr>
         <p:blipFill>
-          <a:blip r:embed="rId2" cstate="print"/>
-          <a:srcRect/>
+          <a:blip r:embed="rId3" cstate="print"/>
           <a:stretch>
             <a:fillRect/>
           </a:stretch>
         </p:blipFill>
-        <p:spPr bwMode="auto">
+        <p:spPr>
           <a:xfrm>
-            <a:off x="1232313" y="1499616"/>
-            <a:ext cx="10411047" cy="5077206"/>
+            <a:off x="7291977" y="1813088"/>
+            <a:ext cx="4212635" cy="3552313"/>
+          </a:xfrm>
+          <a:prstGeom prst="rect">
+            <a:avLst/>
+          </a:prstGeom>
+        </p:spPr>
+      </p:pic>
+      <p:sp>
+        <p:nvSpPr>
+          <p:cNvPr id="7" name="TextBox 6"/>
+          <p:cNvSpPr txBox="1"/>
+          <p:nvPr/>
+        </p:nvSpPr>
+        <p:spPr>
+          <a:xfrm>
+            <a:off x="3139126" y="5693790"/>
+            <a:ext cx="2969443" cy="369332"/>
           </a:xfrm>
           <a:prstGeom prst="rect">
             <a:avLst/>
           </a:prstGeom>
           <a:noFill/>
-          <a:ln w="9525">
-            <a:noFill/>
-            <a:miter lim="800000"/>
-            <a:headEnd/>
-            <a:tailEnd/>
-          </a:ln>
-          <a:effectLst/>
-        </p:spPr>
-      </p:pic>
+        </p:spPr>
+        <p:txBody>
+          <a:bodyPr wrap="square" rtlCol="0">
+            <a:spAutoFit/>
+          </a:bodyPr>
+          <a:lstStyle/>
+          <a:p>
+            <a:pPr algn="ctr"/>
+            <a:r>
+              <a:rPr lang="en-US" dirty="0" smtClean="0">
+                <a:latin typeface="Algerian" panose="04020705040A02060702" pitchFamily="82" charset="0"/>
+              </a:rPr>
+              <a:t>User login window</a:t>
+            </a:r>
+            <a:endParaRPr lang="en-IN" dirty="0">
+              <a:latin typeface="Algerian" panose="04020705040A02060702" pitchFamily="82" charset="0"/>
+            </a:endParaRPr>
+          </a:p>
+        </p:txBody>
+      </p:sp>
+      <p:sp>
+        <p:nvSpPr>
+          <p:cNvPr id="8" name="TextBox 7"/>
+          <p:cNvSpPr txBox="1"/>
+          <p:nvPr/>
+        </p:nvSpPr>
+        <p:spPr>
+          <a:xfrm>
+            <a:off x="7932311" y="5693790"/>
+            <a:ext cx="2931966" cy="369332"/>
+          </a:xfrm>
+          <a:prstGeom prst="rect">
+            <a:avLst/>
+          </a:prstGeom>
+          <a:noFill/>
+        </p:spPr>
+        <p:txBody>
+          <a:bodyPr wrap="square" rtlCol="0">
+            <a:spAutoFit/>
+          </a:bodyPr>
+          <a:lstStyle/>
+          <a:p>
+            <a:pPr algn="ctr"/>
+            <a:r>
+              <a:rPr lang="en-US" dirty="0" smtClean="0">
+                <a:latin typeface="Algerian" panose="04020705040A02060702" pitchFamily="82" charset="0"/>
+              </a:rPr>
+              <a:t>Admin login window</a:t>
+            </a:r>
+            <a:endParaRPr lang="en-IN" dirty="0">
+              <a:latin typeface="Algerian" panose="04020705040A02060702" pitchFamily="82" charset="0"/>
+            </a:endParaRPr>
+          </a:p>
+        </p:txBody>
+      </p:sp>
     </p:spTree>
     <p:extLst>
       <p:ext uri="{BB962C8B-B14F-4D97-AF65-F5344CB8AC3E}">
-        <p14:creationId xmlns:p14="http://schemas.microsoft.com/office/powerpoint/2010/main" val="3184472628"/>
+        <p14:creationId xmlns:p14="http://schemas.microsoft.com/office/powerpoint/2010/main" val="3968908613"/>
       </p:ext>
     </p:extLst>
   </p:cSld>
@@ -11808,6 +11899,451 @@
         </p:nvSpPr>
         <p:spPr>
           <a:xfrm>
+            <a:off x="1421481" y="624110"/>
+            <a:ext cx="10083131" cy="1280890"/>
+          </a:xfrm>
+        </p:spPr>
+        <p:txBody>
+          <a:bodyPr/>
+          <a:lstStyle/>
+          <a:p>
+            <a:pPr algn="ctr"/>
+            <a:r>
+              <a:rPr lang="en-US" dirty="0" smtClean="0">
+                <a:latin typeface="Algerian" panose="04020705040A02060702" pitchFamily="82" charset="0"/>
+              </a:rPr>
+              <a:t>Steganography gui module</a:t>
+            </a:r>
+            <a:r>
+              <a:rPr lang="en-US" dirty="0" smtClean="0"/>
+              <a:t/>
+            </a:r>
+            <a:br>
+              <a:rPr lang="en-US" dirty="0" smtClean="0"/>
+            </a:br>
+            <a:endParaRPr lang="en-IN" dirty="0"/>
+          </a:p>
+        </p:txBody>
+      </p:sp>
+      <p:pic>
+        <p:nvPicPr>
+          <p:cNvPr id="5" name="Picture 4"/>
+          <p:cNvPicPr>
+            <a:picLocks noChangeAspect="1"/>
+          </p:cNvPicPr>
+          <p:nvPr/>
+        </p:nvPicPr>
+        <p:blipFill>
+          <a:blip r:embed="rId2" cstate="print"/>
+          <a:stretch>
+            <a:fillRect/>
+          </a:stretch>
+        </p:blipFill>
+        <p:spPr>
+          <a:xfrm>
+            <a:off x="6588019" y="1801305"/>
+            <a:ext cx="5318036" cy="4255845"/>
+          </a:xfrm>
+          <a:prstGeom prst="rect">
+            <a:avLst/>
+          </a:prstGeom>
+        </p:spPr>
+      </p:pic>
+      <p:pic>
+        <p:nvPicPr>
+          <p:cNvPr id="7" name="Content Placeholder 6"/>
+          <p:cNvPicPr>
+            <a:picLocks noGrp="1" noChangeAspect="1"/>
+          </p:cNvPicPr>
+          <p:nvPr>
+            <p:ph idx="1"/>
+          </p:nvPr>
+        </p:nvPicPr>
+        <p:blipFill>
+          <a:blip r:embed="rId3" cstate="print"/>
+          <a:stretch>
+            <a:fillRect/>
+          </a:stretch>
+        </p:blipFill>
+        <p:spPr>
+          <a:xfrm>
+            <a:off x="1421481" y="2040102"/>
+            <a:ext cx="4689808" cy="3778250"/>
+          </a:xfrm>
+          <a:prstGeom prst="rect">
+            <a:avLst/>
+          </a:prstGeom>
+        </p:spPr>
+      </p:pic>
+      <p:cxnSp>
+        <p:nvCxnSpPr>
+          <p:cNvPr id="9" name="Straight Arrow Connector 8"/>
+          <p:cNvCxnSpPr>
+            <a:stCxn id="7" idx="3"/>
+            <a:endCxn id="5" idx="1"/>
+          </p:cNvCxnSpPr>
+          <p:nvPr/>
+        </p:nvCxnSpPr>
+        <p:spPr>
+          <a:xfrm>
+            <a:off x="6111289" y="3929227"/>
+            <a:ext cx="476730" cy="1"/>
+          </a:xfrm>
+          <a:prstGeom prst="straightConnector1">
+            <a:avLst/>
+          </a:prstGeom>
+          <a:ln>
+            <a:solidFill>
+              <a:schemeClr val="tx1"/>
+            </a:solidFill>
+            <a:tailEnd type="triangle"/>
+          </a:ln>
+        </p:spPr>
+        <p:style>
+          <a:lnRef idx="1">
+            <a:schemeClr val="accent3"/>
+          </a:lnRef>
+          <a:fillRef idx="0">
+            <a:schemeClr val="accent3"/>
+          </a:fillRef>
+          <a:effectRef idx="0">
+            <a:schemeClr val="accent3"/>
+          </a:effectRef>
+          <a:fontRef idx="minor">
+            <a:schemeClr val="tx1"/>
+          </a:fontRef>
+        </p:style>
+      </p:cxnSp>
+      <p:sp>
+        <p:nvSpPr>
+          <p:cNvPr id="10" name="TextBox 9"/>
+          <p:cNvSpPr txBox="1"/>
+          <p:nvPr/>
+        </p:nvSpPr>
+        <p:spPr>
+          <a:xfrm>
+            <a:off x="7607431" y="6287679"/>
+            <a:ext cx="3619893" cy="646331"/>
+          </a:xfrm>
+          <a:prstGeom prst="rect">
+            <a:avLst/>
+          </a:prstGeom>
+          <a:noFill/>
+        </p:spPr>
+        <p:txBody>
+          <a:bodyPr wrap="square" rtlCol="0">
+            <a:spAutoFit/>
+          </a:bodyPr>
+          <a:lstStyle/>
+          <a:p>
+            <a:r>
+              <a:rPr lang="en-US" dirty="0">
+                <a:latin typeface="Algerian" panose="04020705040A02060702" pitchFamily="82" charset="0"/>
+              </a:rPr>
+              <a:t>Steganography gui module</a:t>
+            </a:r>
+            <a:r>
+              <a:rPr lang="en-US" dirty="0"/>
+              <a:t/>
+            </a:r>
+            <a:br>
+              <a:rPr lang="en-US" dirty="0"/>
+            </a:br>
+            <a:endParaRPr lang="en-IN" dirty="0"/>
+          </a:p>
+        </p:txBody>
+      </p:sp>
+      <p:sp>
+        <p:nvSpPr>
+          <p:cNvPr id="11" name="Rectangle 10"/>
+          <p:cNvSpPr/>
+          <p:nvPr/>
+        </p:nvSpPr>
+        <p:spPr>
+          <a:xfrm>
+            <a:off x="2590422" y="6287679"/>
+            <a:ext cx="2351926" cy="369332"/>
+          </a:xfrm>
+          <a:prstGeom prst="rect">
+            <a:avLst/>
+          </a:prstGeom>
+        </p:spPr>
+        <p:txBody>
+          <a:bodyPr wrap="none">
+            <a:spAutoFit/>
+          </a:bodyPr>
+          <a:lstStyle/>
+          <a:p>
+            <a:pPr algn="ctr"/>
+            <a:r>
+              <a:rPr lang="en-US" dirty="0">
+                <a:latin typeface="Algerian" panose="04020705040A02060702" pitchFamily="82" charset="0"/>
+              </a:rPr>
+              <a:t>User login window</a:t>
+            </a:r>
+            <a:endParaRPr lang="en-IN" dirty="0">
+              <a:latin typeface="Algerian" panose="04020705040A02060702" pitchFamily="82" charset="0"/>
+            </a:endParaRPr>
+          </a:p>
+        </p:txBody>
+      </p:sp>
+    </p:spTree>
+    <p:extLst>
+      <p:ext uri="{BB962C8B-B14F-4D97-AF65-F5344CB8AC3E}">
+        <p14:creationId xmlns:p14="http://schemas.microsoft.com/office/powerpoint/2010/main" val="1379778435"/>
+      </p:ext>
+    </p:extLst>
+  </p:cSld>
+  <p:clrMapOvr>
+    <a:masterClrMapping/>
+  </p:clrMapOvr>
+  <p:timing>
+    <p:tnLst>
+      <p:par>
+        <p:cTn id="1" dur="indefinite" restart="never" nodeType="tmRoot"/>
+      </p:par>
+    </p:tnLst>
+  </p:timing>
+</p:sld>
+</file>
+
+<file path=ppt/slides/slide23.xml><?xml version="1.0" encoding="utf-8"?>
+<p:sld xmlns:a="http://schemas.openxmlformats.org/drawingml/2006/main" xmlns:r="http://schemas.openxmlformats.org/officeDocument/2006/relationships" xmlns:p="http://schemas.openxmlformats.org/presentationml/2006/main">
+  <p:cSld>
+    <p:spTree>
+      <p:nvGrpSpPr>
+        <p:cNvPr id="1" name=""/>
+        <p:cNvGrpSpPr/>
+        <p:nvPr/>
+      </p:nvGrpSpPr>
+      <p:grpSpPr>
+        <a:xfrm>
+          <a:off x="0" y="0"/>
+          <a:ext cx="0" cy="0"/>
+          <a:chOff x="0" y="0"/>
+          <a:chExt cx="0" cy="0"/>
+        </a:xfrm>
+      </p:grpSpPr>
+      <p:sp>
+        <p:nvSpPr>
+          <p:cNvPr id="3" name="TextBox 2"/>
+          <p:cNvSpPr txBox="1"/>
+          <p:nvPr/>
+        </p:nvSpPr>
+        <p:spPr>
+          <a:xfrm>
+            <a:off x="1687395" y="631596"/>
+            <a:ext cx="10154371" cy="646331"/>
+          </a:xfrm>
+          <a:prstGeom prst="rect">
+            <a:avLst/>
+          </a:prstGeom>
+          <a:noFill/>
+        </p:spPr>
+        <p:txBody>
+          <a:bodyPr wrap="square" rtlCol="0">
+            <a:spAutoFit/>
+          </a:bodyPr>
+          <a:lstStyle/>
+          <a:p>
+            <a:pPr algn="ctr"/>
+            <a:r>
+              <a:rPr lang="en-US" sz="3600" dirty="0" smtClean="0">
+                <a:latin typeface="Algerian" panose="04020705040A02060702" pitchFamily="82" charset="0"/>
+              </a:rPr>
+              <a:t>Encoder </a:t>
+            </a:r>
+            <a:endParaRPr lang="en-IN" sz="3600" dirty="0">
+              <a:latin typeface="Algerian" panose="04020705040A02060702" pitchFamily="82" charset="0"/>
+            </a:endParaRPr>
+          </a:p>
+        </p:txBody>
+      </p:sp>
+      <p:pic>
+        <p:nvPicPr>
+          <p:cNvPr id="2050" name="Picture 2"/>
+          <p:cNvPicPr>
+            <a:picLocks noChangeAspect="1" noChangeArrowheads="1"/>
+          </p:cNvPicPr>
+          <p:nvPr/>
+        </p:nvPicPr>
+        <p:blipFill>
+          <a:blip r:embed="rId2" cstate="print"/>
+          <a:srcRect/>
+          <a:stretch>
+            <a:fillRect/>
+          </a:stretch>
+        </p:blipFill>
+        <p:spPr bwMode="auto">
+          <a:xfrm>
+            <a:off x="1453642" y="1379220"/>
+            <a:ext cx="9967214" cy="5013349"/>
+          </a:xfrm>
+          <a:prstGeom prst="rect">
+            <a:avLst/>
+          </a:prstGeom>
+          <a:noFill/>
+          <a:ln w="9525">
+            <a:noFill/>
+            <a:miter lim="800000"/>
+            <a:headEnd/>
+            <a:tailEnd/>
+          </a:ln>
+          <a:effectLst/>
+        </p:spPr>
+      </p:pic>
+    </p:spTree>
+    <p:extLst>
+      <p:ext uri="{BB962C8B-B14F-4D97-AF65-F5344CB8AC3E}">
+        <p14:creationId xmlns:p14="http://schemas.microsoft.com/office/powerpoint/2010/main" val="3097096989"/>
+      </p:ext>
+    </p:extLst>
+  </p:cSld>
+  <p:clrMapOvr>
+    <a:masterClrMapping/>
+  </p:clrMapOvr>
+  <p:timing>
+    <p:tnLst>
+      <p:par>
+        <p:cTn id="1" dur="indefinite" restart="never" nodeType="tmRoot"/>
+      </p:par>
+    </p:tnLst>
+  </p:timing>
+</p:sld>
+</file>
+
+<file path=ppt/slides/slide24.xml><?xml version="1.0" encoding="utf-8"?>
+<p:sld xmlns:a="http://schemas.openxmlformats.org/drawingml/2006/main" xmlns:r="http://schemas.openxmlformats.org/officeDocument/2006/relationships" xmlns:p="http://schemas.openxmlformats.org/presentationml/2006/main">
+  <p:cSld>
+    <p:spTree>
+      <p:nvGrpSpPr>
+        <p:cNvPr id="1" name=""/>
+        <p:cNvGrpSpPr/>
+        <p:nvPr/>
+      </p:nvGrpSpPr>
+      <p:grpSpPr>
+        <a:xfrm>
+          <a:off x="0" y="0"/>
+          <a:ext cx="0" cy="0"/>
+          <a:chOff x="0" y="0"/>
+          <a:chExt cx="0" cy="0"/>
+        </a:xfrm>
+      </p:grpSpPr>
+      <p:sp>
+        <p:nvSpPr>
+          <p:cNvPr id="2" name="Title 1"/>
+          <p:cNvSpPr>
+            <a:spLocks noGrp="1"/>
+          </p:cNvSpPr>
+          <p:nvPr>
+            <p:ph type="title"/>
+          </p:nvPr>
+        </p:nvSpPr>
+        <p:spPr>
+          <a:xfrm>
+            <a:off x="1085025" y="605822"/>
+            <a:ext cx="10190375" cy="742777"/>
+          </a:xfrm>
+        </p:spPr>
+        <p:txBody>
+          <a:bodyPr/>
+          <a:lstStyle/>
+          <a:p>
+            <a:pPr algn="ctr"/>
+            <a:r>
+              <a:rPr lang="en-US" dirty="0" smtClean="0">
+                <a:latin typeface="Algerian" panose="04020705040A02060702" pitchFamily="82" charset="0"/>
+              </a:rPr>
+              <a:t>decoder</a:t>
+            </a:r>
+            <a:endParaRPr lang="en-IN" dirty="0">
+              <a:latin typeface="Algerian" panose="04020705040A02060702" pitchFamily="82" charset="0"/>
+            </a:endParaRPr>
+          </a:p>
+        </p:txBody>
+      </p:sp>
+      <p:pic>
+        <p:nvPicPr>
+          <p:cNvPr id="3074" name="Picture 2"/>
+          <p:cNvPicPr>
+            <a:picLocks noChangeAspect="1" noChangeArrowheads="1"/>
+          </p:cNvPicPr>
+          <p:nvPr/>
+        </p:nvPicPr>
+        <p:blipFill>
+          <a:blip r:embed="rId2" cstate="print"/>
+          <a:srcRect/>
+          <a:stretch>
+            <a:fillRect/>
+          </a:stretch>
+        </p:blipFill>
+        <p:spPr bwMode="auto">
+          <a:xfrm>
+            <a:off x="1232313" y="1499616"/>
+            <a:ext cx="10411047" cy="5077206"/>
+          </a:xfrm>
+          <a:prstGeom prst="rect">
+            <a:avLst/>
+          </a:prstGeom>
+          <a:noFill/>
+          <a:ln w="9525">
+            <a:noFill/>
+            <a:miter lim="800000"/>
+            <a:headEnd/>
+            <a:tailEnd/>
+          </a:ln>
+          <a:effectLst/>
+        </p:spPr>
+      </p:pic>
+    </p:spTree>
+    <p:extLst>
+      <p:ext uri="{BB962C8B-B14F-4D97-AF65-F5344CB8AC3E}">
+        <p14:creationId xmlns:p14="http://schemas.microsoft.com/office/powerpoint/2010/main" val="3184472628"/>
+      </p:ext>
+    </p:extLst>
+  </p:cSld>
+  <p:clrMapOvr>
+    <a:masterClrMapping/>
+  </p:clrMapOvr>
+  <p:timing>
+    <p:tnLst>
+      <p:par>
+        <p:cTn id="1" dur="indefinite" restart="never" nodeType="tmRoot"/>
+      </p:par>
+    </p:tnLst>
+  </p:timing>
+</p:sld>
+</file>
+
+<file path=ppt/slides/slide25.xml><?xml version="1.0" encoding="utf-8"?>
+<p:sld xmlns:a="http://schemas.openxmlformats.org/drawingml/2006/main" xmlns:r="http://schemas.openxmlformats.org/officeDocument/2006/relationships" xmlns:p="http://schemas.openxmlformats.org/presentationml/2006/main">
+  <p:cSld>
+    <p:spTree>
+      <p:nvGrpSpPr>
+        <p:cNvPr id="1" name=""/>
+        <p:cNvGrpSpPr/>
+        <p:nvPr/>
+      </p:nvGrpSpPr>
+      <p:grpSpPr>
+        <a:xfrm>
+          <a:off x="0" y="0"/>
+          <a:ext cx="0" cy="0"/>
+          <a:chOff x="0" y="0"/>
+          <a:chExt cx="0" cy="0"/>
+        </a:xfrm>
+      </p:grpSpPr>
+      <p:sp>
+        <p:nvSpPr>
+          <p:cNvPr id="2" name="Title 1"/>
+          <p:cNvSpPr>
+            <a:spLocks noGrp="1"/>
+          </p:cNvSpPr>
+          <p:nvPr>
+            <p:ph type="title"/>
+          </p:nvPr>
+        </p:nvSpPr>
+        <p:spPr>
+          <a:xfrm>
             <a:off x="989815" y="624110"/>
             <a:ext cx="10514798" cy="752203"/>
           </a:xfrm>
@@ -12004,7 +12540,7 @@
 </p:sld>
 </file>
 
-<file path=ppt/slides/slide23.xml><?xml version="1.0" encoding="utf-8"?>
+<file path=ppt/slides/slide26.xml><?xml version="1.0" encoding="utf-8"?>
 <p:sld xmlns:a="http://schemas.openxmlformats.org/drawingml/2006/main" xmlns:r="http://schemas.openxmlformats.org/officeDocument/2006/relationships" xmlns:p="http://schemas.openxmlformats.org/presentationml/2006/main">
   <p:cSld>
     <p:spTree>
@@ -12159,7 +12695,7 @@
 </p:sld>
 </file>
 
-<file path=ppt/slides/slide24.xml><?xml version="1.0" encoding="utf-8"?>
+<file path=ppt/slides/slide27.xml><?xml version="1.0" encoding="utf-8"?>
 <p:sld xmlns:a="http://schemas.openxmlformats.org/drawingml/2006/main" xmlns:r="http://schemas.openxmlformats.org/officeDocument/2006/relationships" xmlns:p="http://schemas.openxmlformats.org/presentationml/2006/main">
   <p:cSld>
     <p:spTree>
@@ -12597,7 +13133,7 @@
 </p:sld>
 </file>
 
-<file path=ppt/slides/slide25.xml><?xml version="1.0" encoding="utf-8"?>
+<file path=ppt/slides/slide28.xml><?xml version="1.0" encoding="utf-8"?>
 <p:sld xmlns:a="http://schemas.openxmlformats.org/drawingml/2006/main" xmlns:r="http://schemas.openxmlformats.org/officeDocument/2006/relationships" xmlns:p="http://schemas.openxmlformats.org/presentationml/2006/main">
   <p:cSld>
     <p:spTree>
@@ -13153,7 +13689,7 @@
 </p:sld>
 </file>
 
-<file path=ppt/slides/slide26.xml><?xml version="1.0" encoding="utf-8"?>
+<file path=ppt/slides/slide29.xml><?xml version="1.0" encoding="utf-8"?>
 <p:sld xmlns:a="http://schemas.openxmlformats.org/drawingml/2006/main" xmlns:r="http://schemas.openxmlformats.org/officeDocument/2006/relationships" xmlns:p="http://schemas.openxmlformats.org/presentationml/2006/main">
   <p:cSld>
     <p:spTree>
@@ -14239,89 +14775,6 @@
     <p:extLst>
       <p:ext uri="{BB962C8B-B14F-4D97-AF65-F5344CB8AC3E}">
         <p14:creationId xmlns:p14="http://schemas.microsoft.com/office/powerpoint/2010/main" val="2347577460"/>
-      </p:ext>
-    </p:extLst>
-  </p:cSld>
-  <p:clrMapOvr>
-    <a:masterClrMapping/>
-  </p:clrMapOvr>
-  <p:timing>
-    <p:tnLst>
-      <p:par>
-        <p:cTn id="1" dur="indefinite" restart="never" nodeType="tmRoot"/>
-      </p:par>
-    </p:tnLst>
-  </p:timing>
-</p:sld>
-</file>
-
-<file path=ppt/slides/slide27.xml><?xml version="1.0" encoding="utf-8"?>
-<p:sld xmlns:a="http://schemas.openxmlformats.org/drawingml/2006/main" xmlns:r="http://schemas.openxmlformats.org/officeDocument/2006/relationships" xmlns:p="http://schemas.openxmlformats.org/presentationml/2006/main">
-  <p:cSld>
-    <p:spTree>
-      <p:nvGrpSpPr>
-        <p:cNvPr id="1" name=""/>
-        <p:cNvGrpSpPr/>
-        <p:nvPr/>
-      </p:nvGrpSpPr>
-      <p:grpSpPr>
-        <a:xfrm>
-          <a:off x="0" y="0"/>
-          <a:ext cx="0" cy="0"/>
-          <a:chOff x="0" y="0"/>
-          <a:chExt cx="0" cy="0"/>
-        </a:xfrm>
-      </p:grpSpPr>
-      <p:sp>
-        <p:nvSpPr>
-          <p:cNvPr id="2" name="Title 1"/>
-          <p:cNvSpPr>
-            <a:spLocks noGrp="1"/>
-          </p:cNvSpPr>
-          <p:nvPr>
-            <p:ph type="title"/>
-          </p:nvPr>
-        </p:nvSpPr>
-        <p:spPr>
-          <a:xfrm>
-            <a:off x="2102181" y="615565"/>
-            <a:ext cx="9145972" cy="5597228"/>
-          </a:xfrm>
-        </p:spPr>
-        <p:txBody>
-          <a:bodyPr>
-            <a:noAutofit/>
-          </a:bodyPr>
-          <a:lstStyle/>
-          <a:p>
-            <a:pPr algn="ctr"/>
-            <a:r>
-              <a:rPr lang="en-US" sz="11500" dirty="0">
-                <a:latin typeface="Algerian" panose="04020705040A02060702" pitchFamily="82" charset="0"/>
-              </a:rPr>
-              <a:t/>
-            </a:r>
-            <a:br>
-              <a:rPr lang="en-US" sz="11500" dirty="0">
-                <a:latin typeface="Algerian" panose="04020705040A02060702" pitchFamily="82" charset="0"/>
-              </a:rPr>
-            </a:br>
-            <a:r>
-              <a:rPr lang="en-US" sz="11500" spc="-150" dirty="0" smtClean="0">
-                <a:latin typeface="Algerian" panose="04020705040A02060702" pitchFamily="82" charset="0"/>
-              </a:rPr>
-              <a:t>Thanks You!</a:t>
-            </a:r>
-            <a:endParaRPr lang="en-IN" sz="11500" spc="-150" dirty="0">
-              <a:latin typeface="Algerian" panose="04020705040A02060702" pitchFamily="82" charset="0"/>
-            </a:endParaRPr>
-          </a:p>
-        </p:txBody>
-      </p:sp>
-    </p:spTree>
-    <p:extLst>
-      <p:ext uri="{BB962C8B-B14F-4D97-AF65-F5344CB8AC3E}">
-        <p14:creationId xmlns:p14="http://schemas.microsoft.com/office/powerpoint/2010/main" val="1912276581"/>
       </p:ext>
     </p:extLst>
   </p:cSld>
@@ -14450,6 +14903,89 @@
     <p:extLst>
       <p:ext uri="{BB962C8B-B14F-4D97-AF65-F5344CB8AC3E}">
         <p14:creationId xmlns:p14="http://schemas.microsoft.com/office/powerpoint/2010/main" val="551090893"/>
+      </p:ext>
+    </p:extLst>
+  </p:cSld>
+  <p:clrMapOvr>
+    <a:masterClrMapping/>
+  </p:clrMapOvr>
+  <p:timing>
+    <p:tnLst>
+      <p:par>
+        <p:cTn id="1" dur="indefinite" restart="never" nodeType="tmRoot"/>
+      </p:par>
+    </p:tnLst>
+  </p:timing>
+</p:sld>
+</file>
+
+<file path=ppt/slides/slide30.xml><?xml version="1.0" encoding="utf-8"?>
+<p:sld xmlns:a="http://schemas.openxmlformats.org/drawingml/2006/main" xmlns:r="http://schemas.openxmlformats.org/officeDocument/2006/relationships" xmlns:p="http://schemas.openxmlformats.org/presentationml/2006/main">
+  <p:cSld>
+    <p:spTree>
+      <p:nvGrpSpPr>
+        <p:cNvPr id="1" name=""/>
+        <p:cNvGrpSpPr/>
+        <p:nvPr/>
+      </p:nvGrpSpPr>
+      <p:grpSpPr>
+        <a:xfrm>
+          <a:off x="0" y="0"/>
+          <a:ext cx="0" cy="0"/>
+          <a:chOff x="0" y="0"/>
+          <a:chExt cx="0" cy="0"/>
+        </a:xfrm>
+      </p:grpSpPr>
+      <p:sp>
+        <p:nvSpPr>
+          <p:cNvPr id="2" name="Title 1"/>
+          <p:cNvSpPr>
+            <a:spLocks noGrp="1"/>
+          </p:cNvSpPr>
+          <p:nvPr>
+            <p:ph type="title"/>
+          </p:nvPr>
+        </p:nvSpPr>
+        <p:spPr>
+          <a:xfrm>
+            <a:off x="2102181" y="615565"/>
+            <a:ext cx="9145972" cy="5597228"/>
+          </a:xfrm>
+        </p:spPr>
+        <p:txBody>
+          <a:bodyPr>
+            <a:noAutofit/>
+          </a:bodyPr>
+          <a:lstStyle/>
+          <a:p>
+            <a:pPr algn="ctr"/>
+            <a:r>
+              <a:rPr lang="en-US" sz="11500" dirty="0">
+                <a:latin typeface="Algerian" panose="04020705040A02060702" pitchFamily="82" charset="0"/>
+              </a:rPr>
+              <a:t/>
+            </a:r>
+            <a:br>
+              <a:rPr lang="en-US" sz="11500" dirty="0">
+                <a:latin typeface="Algerian" panose="04020705040A02060702" pitchFamily="82" charset="0"/>
+              </a:rPr>
+            </a:br>
+            <a:r>
+              <a:rPr lang="en-US" sz="11500" spc="-150" dirty="0" smtClean="0">
+                <a:latin typeface="Algerian" panose="04020705040A02060702" pitchFamily="82" charset="0"/>
+              </a:rPr>
+              <a:t>Thanks You!</a:t>
+            </a:r>
+            <a:endParaRPr lang="en-IN" sz="11500" spc="-150" dirty="0">
+              <a:latin typeface="Algerian" panose="04020705040A02060702" pitchFamily="82" charset="0"/>
+            </a:endParaRPr>
+          </a:p>
+        </p:txBody>
+      </p:sp>
+    </p:spTree>
+    <p:extLst>
+      <p:ext uri="{BB962C8B-B14F-4D97-AF65-F5344CB8AC3E}">
+        <p14:creationId xmlns:p14="http://schemas.microsoft.com/office/powerpoint/2010/main" val="1912276581"/>
       </p:ext>
     </p:extLst>
   </p:cSld>
@@ -15210,6 +15746,13 @@
   <p:clrMapOvr>
     <a:masterClrMapping/>
   </p:clrMapOvr>
+  <p:timing>
+    <p:tnLst>
+      <p:par>
+        <p:cTn id="1" dur="indefinite" restart="never" nodeType="tmRoot"/>
+      </p:par>
+    </p:tnLst>
+  </p:timing>
 </p:sld>
 </file>
 
@@ -15272,8 +15815,8 @@
         </p:nvSpPr>
         <p:spPr>
           <a:xfrm>
-            <a:off x="1673352" y="2194560"/>
-            <a:ext cx="9125712" cy="2554545"/>
+            <a:off x="1654498" y="1468695"/>
+            <a:ext cx="10345824" cy="4893647"/>
           </a:xfrm>
           <a:prstGeom prst="rect">
             <a:avLst/>
@@ -15295,8 +15838,86 @@
             </a:pPr>
             <a:r>
               <a:rPr lang="en-IN" sz="3200" b="1" dirty="0" smtClean="0"/>
-              <a:t> LSB(Least Significant Bit)</a:t>
-            </a:r>
+              <a:t> </a:t>
+            </a:r>
+            <a:r>
+              <a:rPr lang="en-IN" sz="3200" b="1" dirty="0" smtClean="0">
+                <a:latin typeface="Algerian" panose="04020705040A02060702" pitchFamily="82" charset="0"/>
+              </a:rPr>
+              <a:t>LSB(Least Significant Bit)</a:t>
+            </a:r>
+          </a:p>
+          <a:p>
+            <a:pPr>
+              <a:buClr>
+                <a:schemeClr val="accent1"/>
+              </a:buClr>
+            </a:pPr>
+            <a:r>
+              <a:rPr lang="en-US" sz="2400" dirty="0" smtClean="0">
+                <a:latin typeface="Algerian" panose="04020705040A02060702" pitchFamily="82" charset="0"/>
+              </a:rPr>
+              <a:t>                  ENCODER                                                 DECODER</a:t>
+            </a:r>
+            <a:endParaRPr lang="en-IN" sz="2400" dirty="0" smtClean="0">
+              <a:latin typeface="Algerian" panose="04020705040A02060702" pitchFamily="82" charset="0"/>
+            </a:endParaRPr>
+          </a:p>
+          <a:p>
+            <a:pPr>
+              <a:buClr>
+                <a:schemeClr val="accent1"/>
+              </a:buClr>
+            </a:pPr>
+            <a:endParaRPr lang="en-IN" sz="3200" dirty="0" smtClean="0"/>
+          </a:p>
+          <a:p>
+            <a:pPr>
+              <a:buClr>
+                <a:schemeClr val="accent1"/>
+              </a:buClr>
+              <a:buFont typeface="Wingdings 3" pitchFamily="18" charset="2"/>
+              <a:buChar char=""/>
+            </a:pPr>
+            <a:endParaRPr lang="en-US" sz="3200" dirty="0" smtClean="0"/>
+          </a:p>
+          <a:p>
+            <a:pPr>
+              <a:buClr>
+                <a:schemeClr val="accent1"/>
+              </a:buClr>
+              <a:buFont typeface="Wingdings 3" pitchFamily="18" charset="2"/>
+              <a:buChar char=""/>
+            </a:pPr>
+            <a:endParaRPr lang="en-US" sz="3200" dirty="0"/>
+          </a:p>
+          <a:p>
+            <a:pPr>
+              <a:buClr>
+                <a:schemeClr val="accent1"/>
+              </a:buClr>
+              <a:buFont typeface="Wingdings 3" pitchFamily="18" charset="2"/>
+              <a:buChar char=""/>
+            </a:pPr>
+            <a:endParaRPr lang="en-US" sz="3200" dirty="0" smtClean="0"/>
+          </a:p>
+          <a:p>
+            <a:pPr>
+              <a:buClr>
+                <a:schemeClr val="accent1"/>
+              </a:buClr>
+              <a:buFont typeface="Wingdings 3" pitchFamily="18" charset="2"/>
+              <a:buChar char=""/>
+            </a:pPr>
+            <a:endParaRPr lang="en-US" sz="3200" dirty="0"/>
+          </a:p>
+          <a:p>
+            <a:pPr>
+              <a:buClr>
+                <a:schemeClr val="accent1"/>
+              </a:buClr>
+            </a:pPr>
+            <a:endParaRPr lang="en-US" sz="3200" dirty="0" smtClean="0"/>
           </a:p>
           <a:p>
             <a:pPr>
@@ -15314,51 +15935,134 @@
                 <a:schemeClr val="accent1"/>
               </a:buClr>
             </a:pPr>
-            <a:endParaRPr lang="en-IN" sz="3200" dirty="0" smtClean="0"/>
-          </a:p>
-          <a:p>
-            <a:pPr>
-              <a:buClr>
-                <a:schemeClr val="accent1"/>
-              </a:buClr>
-              <a:buFont typeface="Wingdings 3" pitchFamily="18" charset="2"/>
-              <a:buChar char=""/>
-            </a:pPr>
-            <a:endParaRPr lang="en-IN" sz="3200" dirty="0" smtClean="0"/>
-          </a:p>
-          <a:p>
-            <a:pPr>
-              <a:buClr>
-                <a:schemeClr val="accent1"/>
-              </a:buClr>
-              <a:buFont typeface="Wingdings 3" pitchFamily="18" charset="2"/>
-              <a:buChar char=""/>
-            </a:pPr>
-            <a:r>
-              <a:rPr lang="en-IN" sz="3200" dirty="0" smtClean="0"/>
-              <a:t> </a:t>
-            </a:r>
-            <a:r>
-              <a:rPr lang="en-IN" sz="3200" b="1" dirty="0" smtClean="0"/>
-              <a:t>BPCS(</a:t>
-            </a:r>
-            <a:r>
-              <a:rPr lang="en-US" sz="3200" b="1" dirty="0" smtClean="0"/>
-              <a:t>Bit-Plane Complexity Segmentation</a:t>
-            </a:r>
-            <a:r>
-              <a:rPr lang="en-IN" sz="3200" b="1" dirty="0" smtClean="0"/>
-              <a:t>)</a:t>
-            </a:r>
             <a:endParaRPr lang="en-US" sz="3200" b="1" dirty="0"/>
           </a:p>
         </p:txBody>
       </p:sp>
+      <p:pic>
+        <p:nvPicPr>
+          <p:cNvPr id="2" name="Picture 1"/>
+          <p:cNvPicPr>
+            <a:picLocks noChangeAspect="1"/>
+          </p:cNvPicPr>
+          <p:nvPr/>
+        </p:nvPicPr>
+        <p:blipFill>
+          <a:blip r:embed="rId2">
+            <a:extLst>
+              <a:ext uri="{28A0092B-C50C-407E-A947-70E740481C1C}">
+                <a14:useLocalDpi xmlns:a14="http://schemas.microsoft.com/office/drawing/2010/main" val="0"/>
+              </a:ext>
+            </a:extLst>
+          </a:blip>
+          <a:stretch>
+            <a:fillRect/>
+          </a:stretch>
+        </p:blipFill>
+        <p:spPr>
+          <a:xfrm>
+            <a:off x="7051249" y="2491029"/>
+            <a:ext cx="4826523" cy="4277294"/>
+          </a:xfrm>
+          <a:prstGeom prst="roundRect">
+            <a:avLst>
+              <a:gd name="adj" fmla="val 4167"/>
+            </a:avLst>
+          </a:prstGeom>
+          <a:solidFill>
+            <a:srgbClr val="FFFFFF"/>
+          </a:solidFill>
+          <a:ln w="76200" cap="sq">
+            <a:solidFill>
+              <a:srgbClr val="292929"/>
+            </a:solidFill>
+            <a:miter lim="800000"/>
+          </a:ln>
+          <a:effectLst>
+            <a:reflection blurRad="12700" stA="28000" endPos="28000" dist="5000" dir="5400000" sy="-100000" algn="bl" rotWithShape="0"/>
+          </a:effectLst>
+          <a:scene3d>
+            <a:camera prst="orthographicFront"/>
+            <a:lightRig rig="threePt" dir="t">
+              <a:rot lat="0" lon="0" rev="2700000"/>
+            </a:lightRig>
+          </a:scene3d>
+          <a:sp3d>
+            <a:bevelT h="38100"/>
+            <a:contourClr>
+              <a:srgbClr val="C0C0C0"/>
+            </a:contourClr>
+          </a:sp3d>
+        </p:spPr>
+      </p:pic>
+      <p:pic>
+        <p:nvPicPr>
+          <p:cNvPr id="4" name="Picture 3"/>
+          <p:cNvPicPr>
+            <a:picLocks noChangeAspect="1"/>
+          </p:cNvPicPr>
+          <p:nvPr/>
+        </p:nvPicPr>
+        <p:blipFill>
+          <a:blip r:embed="rId3">
+            <a:extLst>
+              <a:ext uri="{28A0092B-C50C-407E-A947-70E740481C1C}">
+                <a14:useLocalDpi xmlns:a14="http://schemas.microsoft.com/office/drawing/2010/main" val="0"/>
+              </a:ext>
+            </a:extLst>
+          </a:blip>
+          <a:stretch>
+            <a:fillRect/>
+          </a:stretch>
+        </p:blipFill>
+        <p:spPr>
+          <a:xfrm>
+            <a:off x="1654498" y="2491029"/>
+            <a:ext cx="4769962" cy="4277294"/>
+          </a:xfrm>
+          <a:prstGeom prst="roundRect">
+            <a:avLst>
+              <a:gd name="adj" fmla="val 4167"/>
+            </a:avLst>
+          </a:prstGeom>
+          <a:solidFill>
+            <a:srgbClr val="FFFFFF"/>
+          </a:solidFill>
+          <a:ln w="76200" cap="sq">
+            <a:solidFill>
+              <a:srgbClr val="292929"/>
+            </a:solidFill>
+            <a:miter lim="800000"/>
+          </a:ln>
+          <a:effectLst>
+            <a:reflection blurRad="12700" stA="28000" endPos="28000" dist="5000" dir="5400000" sy="-100000" algn="bl" rotWithShape="0"/>
+          </a:effectLst>
+          <a:scene3d>
+            <a:camera prst="orthographicFront"/>
+            <a:lightRig rig="threePt" dir="t">
+              <a:rot lat="0" lon="0" rev="2700000"/>
+            </a:lightRig>
+          </a:scene3d>
+          <a:sp3d>
+            <a:bevelT h="38100"/>
+            <a:contourClr>
+              <a:srgbClr val="C0C0C0"/>
+            </a:contourClr>
+          </a:sp3d>
+        </p:spPr>
+      </p:pic>
     </p:spTree>
   </p:cSld>
   <p:clrMapOvr>
     <a:masterClrMapping/>
   </p:clrMapOvr>
+  <p:timing>
+    <p:tnLst>
+      <p:par>
+        <p:cTn id="1" dur="indefinite" restart="never" nodeType="tmRoot"/>
+      </p:par>
+    </p:tnLst>
+  </p:timing>
 </p:sld>
 </file>
 
@@ -15381,303 +16085,167 @@
       </p:grpSpPr>
       <p:sp>
         <p:nvSpPr>
-          <p:cNvPr id="2" name="TextBox 1"/>
-          <p:cNvSpPr txBox="1"/>
-          <p:nvPr/>
+          <p:cNvPr id="2" name="Title 1"/>
+          <p:cNvSpPr>
+            <a:spLocks noGrp="1"/>
+          </p:cNvSpPr>
+          <p:nvPr>
+            <p:ph type="title"/>
+          </p:nvPr>
         </p:nvSpPr>
         <p:spPr>
           <a:xfrm>
-            <a:off x="2916936" y="640080"/>
-            <a:ext cx="6519672" cy="646331"/>
-          </a:xfrm>
-          <a:prstGeom prst="rect">
-            <a:avLst/>
-          </a:prstGeom>
-          <a:noFill/>
-        </p:spPr>
-        <p:txBody>
-          <a:bodyPr wrap="square" rtlCol="0">
-            <a:spAutoFit/>
+            <a:off x="1536569" y="624110"/>
+            <a:ext cx="9968044" cy="1280890"/>
+          </a:xfrm>
+        </p:spPr>
+        <p:txBody>
+          <a:bodyPr>
+            <a:normAutofit/>
           </a:bodyPr>
           <a:lstStyle/>
           <a:p>
             <a:r>
-              <a:rPr lang="en-IN" sz="3600" dirty="0" smtClean="0">
-                <a:latin typeface="Algerian" pitchFamily="82" charset="0"/>
-              </a:rPr>
-              <a:t>LSB(Least Significant Bit)</a:t>
-            </a:r>
-            <a:endParaRPr lang="en-US" sz="3600" dirty="0">
-              <a:latin typeface="Algerian" pitchFamily="82" charset="0"/>
+              <a:rPr lang="en-IN" sz="3400" b="1" dirty="0">
+                <a:latin typeface="Algerian" panose="04020705040A02060702" pitchFamily="82" charset="0"/>
+              </a:rPr>
+              <a:t>BPCS(</a:t>
+            </a:r>
+            <a:r>
+              <a:rPr lang="en-US" sz="3400" b="1" dirty="0">
+                <a:latin typeface="Algerian" panose="04020705040A02060702" pitchFamily="82" charset="0"/>
+              </a:rPr>
+              <a:t>Bit-Plane Complexity Segmentation</a:t>
+            </a:r>
+            <a:r>
+              <a:rPr lang="en-IN" sz="3400" b="1" dirty="0">
+                <a:latin typeface="Algerian" panose="04020705040A02060702" pitchFamily="82" charset="0"/>
+              </a:rPr>
+              <a:t>)</a:t>
+            </a:r>
+            <a:endParaRPr lang="en-US" sz="3400" b="1" dirty="0">
+              <a:latin typeface="Algerian" panose="04020705040A02060702" pitchFamily="82" charset="0"/>
             </a:endParaRPr>
           </a:p>
         </p:txBody>
       </p:sp>
       <p:sp>
         <p:nvSpPr>
-          <p:cNvPr id="27" name="Rectangle 26"/>
-          <p:cNvSpPr/>
-          <p:nvPr/>
+          <p:cNvPr id="3" name="Content Placeholder 2"/>
+          <p:cNvSpPr>
+            <a:spLocks noGrp="1"/>
+          </p:cNvSpPr>
+          <p:nvPr>
+            <p:ph idx="1"/>
+          </p:nvPr>
         </p:nvSpPr>
         <p:spPr>
           <a:xfrm>
-            <a:off x="2076791" y="1838945"/>
-            <a:ext cx="8246785" cy="3630353"/>
-          </a:xfrm>
-          <a:prstGeom prst="rect">
-            <a:avLst/>
+            <a:off x="1536569" y="1555423"/>
+            <a:ext cx="10303497" cy="4949072"/>
+          </a:xfrm>
+        </p:spPr>
+        <p:txBody>
+          <a:bodyPr/>
+          <a:lstStyle/>
+          <a:p>
+            <a:pPr marL="0" indent="0">
+              <a:buClr>
+                <a:schemeClr val="accent1"/>
+              </a:buClr>
+              <a:buNone/>
+            </a:pPr>
+            <a:r>
+              <a:rPr lang="en-US" dirty="0" smtClean="0">
+                <a:latin typeface="Algerian" panose="04020705040A02060702" pitchFamily="82" charset="0"/>
+              </a:rPr>
+              <a:t>                                                                      </a:t>
+            </a:r>
+            <a:r>
+              <a:rPr lang="en-US" sz="2400" dirty="0" smtClean="0">
+                <a:latin typeface="Algerian" panose="04020705040A02060702" pitchFamily="82" charset="0"/>
+              </a:rPr>
+              <a:t>ENCODER                                              </a:t>
+            </a:r>
+            <a:endParaRPr lang="en-IN" sz="2400" dirty="0">
+              <a:latin typeface="Algerian" panose="04020705040A02060702" pitchFamily="82" charset="0"/>
+            </a:endParaRPr>
+          </a:p>
+        </p:txBody>
+      </p:sp>
+      <p:pic>
+        <p:nvPicPr>
+          <p:cNvPr id="4" name="Picture 3"/>
+          <p:cNvPicPr>
+            <a:picLocks noChangeAspect="1"/>
+          </p:cNvPicPr>
+          <p:nvPr/>
+        </p:nvPicPr>
+        <p:blipFill>
+          <a:blip r:embed="rId2">
+            <a:extLst>
+              <a:ext uri="{28A0092B-C50C-407E-A947-70E740481C1C}">
+                <a14:useLocalDpi xmlns:a14="http://schemas.microsoft.com/office/drawing/2010/main" val="0"/>
+              </a:ext>
+            </a:extLst>
+          </a:blip>
+          <a:stretch>
+            <a:fillRect/>
+          </a:stretch>
+        </p:blipFill>
+        <p:spPr>
+          <a:xfrm>
+            <a:off x="2314516" y="2024984"/>
+            <a:ext cx="8581833" cy="4608534"/>
+          </a:xfrm>
+          <a:prstGeom prst="roundRect">
+            <a:avLst>
+              <a:gd name="adj" fmla="val 4167"/>
+            </a:avLst>
           </a:prstGeom>
-        </p:spPr>
-        <p:txBody>
-          <a:bodyPr wrap="square">
-            <a:spAutoFit/>
-          </a:bodyPr>
-          <a:lstStyle/>
-          <a:p>
-            <a:pPr algn="just">
-              <a:lnSpc>
-                <a:spcPts val="3438"/>
-              </a:lnSpc>
-            </a:pPr>
-            <a:r>
-              <a:rPr lang="en-US" sz="3200" dirty="0" smtClean="0">
-                <a:latin typeface="Constantia"/>
-                <a:cs typeface="Constantia"/>
-              </a:rPr>
-              <a:t>A common approach of hiding data within an</a:t>
-            </a:r>
-            <a:r>
-              <a:rPr lang="en-US" sz="3200" spc="-12" dirty="0" smtClean="0">
-                <a:latin typeface="Constantia"/>
-                <a:cs typeface="Constantia"/>
-              </a:rPr>
-              <a:t> </a:t>
-            </a:r>
-            <a:r>
-              <a:rPr lang="en-US" sz="3200" dirty="0" smtClean="0">
-                <a:latin typeface="Constantia"/>
-                <a:cs typeface="Constantia"/>
-              </a:rPr>
-              <a:t>image</a:t>
-            </a:r>
-            <a:r>
-              <a:rPr lang="en-US" sz="3200" spc="10" dirty="0" smtClean="0">
-                <a:latin typeface="Constantia"/>
-                <a:cs typeface="Constantia"/>
-              </a:rPr>
-              <a:t> </a:t>
-            </a:r>
-            <a:r>
-              <a:rPr lang="en-US" sz="3200" dirty="0" smtClean="0">
-                <a:latin typeface="Constantia"/>
-                <a:cs typeface="Constantia"/>
-              </a:rPr>
-              <a:t>file is </a:t>
-            </a:r>
-            <a:r>
-              <a:rPr lang="en-US" sz="3200" dirty="0" smtClean="0">
-                <a:solidFill>
-                  <a:schemeClr val="accent1"/>
-                </a:solidFill>
-                <a:latin typeface="Constantia"/>
-                <a:cs typeface="Constantia"/>
-              </a:rPr>
-              <a:t>Least Significant Bit (LSB) </a:t>
-            </a:r>
-            <a:r>
-              <a:rPr lang="en-US" sz="3200" dirty="0" smtClean="0">
-                <a:latin typeface="Constantia"/>
-                <a:cs typeface="Constantia"/>
-              </a:rPr>
-              <a:t>Substitution.</a:t>
-            </a:r>
-          </a:p>
-          <a:p>
-            <a:pPr algn="just">
-              <a:lnSpc>
-                <a:spcPts val="3438"/>
-              </a:lnSpc>
-            </a:pPr>
-            <a:r>
-              <a:rPr lang="en-US" sz="3200" spc="-12" dirty="0" smtClean="0">
-                <a:latin typeface="Constantia"/>
-                <a:cs typeface="Constantia"/>
-              </a:rPr>
-              <a:t>	In</a:t>
-            </a:r>
-            <a:r>
-              <a:rPr lang="en-US" sz="3200" spc="12" dirty="0" smtClean="0">
-                <a:latin typeface="Constantia"/>
-                <a:cs typeface="Constantia"/>
-              </a:rPr>
-              <a:t> </a:t>
-            </a:r>
-            <a:r>
-              <a:rPr lang="en-US" sz="3200" dirty="0" smtClean="0">
-                <a:latin typeface="Constantia"/>
-                <a:cs typeface="Constantia"/>
-              </a:rPr>
-              <a:t>this method, we</a:t>
-            </a:r>
-            <a:r>
-              <a:rPr lang="en-US" sz="3200" spc="15" dirty="0" smtClean="0">
-                <a:latin typeface="Constantia"/>
-                <a:cs typeface="Constantia"/>
-              </a:rPr>
-              <a:t> </a:t>
-            </a:r>
-            <a:r>
-              <a:rPr lang="en-US" sz="3200" dirty="0" smtClean="0">
-                <a:latin typeface="Constantia"/>
-                <a:cs typeface="Constantia"/>
-              </a:rPr>
-              <a:t>can take the </a:t>
-            </a:r>
-            <a:r>
-              <a:rPr lang="en-US" sz="3200" b="1" dirty="0" smtClean="0">
-                <a:solidFill>
-                  <a:schemeClr val="accent1"/>
-                </a:solidFill>
-                <a:latin typeface="Constantia"/>
-                <a:cs typeface="Constantia"/>
-              </a:rPr>
-              <a:t>binary</a:t>
-            </a:r>
-            <a:r>
-              <a:rPr lang="en-US" sz="3200" b="1" spc="10" dirty="0" smtClean="0">
-                <a:solidFill>
-                  <a:schemeClr val="accent1"/>
-                </a:solidFill>
-                <a:latin typeface="Constantia"/>
-                <a:cs typeface="Constantia"/>
-              </a:rPr>
-              <a:t> </a:t>
-            </a:r>
-            <a:r>
-              <a:rPr lang="en-US" sz="3200" b="1" dirty="0" smtClean="0">
-                <a:solidFill>
-                  <a:schemeClr val="accent1"/>
-                </a:solidFill>
-                <a:latin typeface="Constantia"/>
-                <a:cs typeface="Constantia"/>
-              </a:rPr>
-              <a:t>representation</a:t>
-            </a:r>
-            <a:r>
-              <a:rPr lang="en-US" sz="3200" b="1" spc="56" dirty="0" smtClean="0">
-                <a:solidFill>
-                  <a:schemeClr val="accent1"/>
-                </a:solidFill>
-                <a:latin typeface="Constantia"/>
-                <a:cs typeface="Constantia"/>
-              </a:rPr>
-              <a:t> </a:t>
-            </a:r>
-            <a:r>
-              <a:rPr lang="en-US" sz="3200" dirty="0" smtClean="0">
-                <a:latin typeface="Constantia"/>
-                <a:cs typeface="Constantia"/>
-              </a:rPr>
-              <a:t>of the hidden</a:t>
-            </a:r>
-            <a:r>
-              <a:rPr lang="en-US" sz="3200" spc="-10" dirty="0" smtClean="0">
-                <a:latin typeface="Constantia"/>
-                <a:cs typeface="Constantia"/>
-              </a:rPr>
-              <a:t> </a:t>
-            </a:r>
-            <a:r>
-              <a:rPr lang="en-US" sz="3200" dirty="0" smtClean="0">
-                <a:latin typeface="Constantia"/>
-                <a:cs typeface="Constantia"/>
-              </a:rPr>
-              <a:t>data and</a:t>
-            </a:r>
-            <a:r>
-              <a:rPr lang="en-US" sz="3200" spc="10" dirty="0" smtClean="0">
-                <a:latin typeface="Constantia"/>
-                <a:cs typeface="Constantia"/>
-              </a:rPr>
-              <a:t> </a:t>
-            </a:r>
-            <a:r>
-              <a:rPr lang="en-US" sz="3200" b="1" dirty="0" smtClean="0">
-                <a:latin typeface="Constantia"/>
-                <a:cs typeface="Constantia"/>
-              </a:rPr>
-              <a:t>overwrite the LSB</a:t>
-            </a:r>
-            <a:r>
-              <a:rPr lang="en-US" sz="3200" b="1" spc="46" dirty="0" smtClean="0">
-                <a:latin typeface="Constantia"/>
-                <a:cs typeface="Constantia"/>
-              </a:rPr>
-              <a:t> </a:t>
-            </a:r>
-            <a:r>
-              <a:rPr lang="en-US" sz="3200" dirty="0" smtClean="0">
-                <a:latin typeface="Constantia"/>
-                <a:cs typeface="Constantia"/>
-              </a:rPr>
-              <a:t>of </a:t>
-            </a:r>
-            <a:r>
-              <a:rPr lang="en-US" sz="3200" dirty="0" smtClean="0">
-                <a:solidFill>
-                  <a:schemeClr val="accent1"/>
-                </a:solidFill>
-                <a:latin typeface="Constantia"/>
-                <a:cs typeface="Constantia"/>
-              </a:rPr>
-              <a:t>each</a:t>
-            </a:r>
-            <a:r>
-              <a:rPr lang="en-US" sz="3200" spc="-11" dirty="0" smtClean="0">
-                <a:solidFill>
-                  <a:schemeClr val="accent1"/>
-                </a:solidFill>
-                <a:latin typeface="Constantia"/>
-                <a:cs typeface="Constantia"/>
-              </a:rPr>
-              <a:t> </a:t>
-            </a:r>
-            <a:r>
-              <a:rPr lang="en-US" sz="3200" dirty="0" smtClean="0">
-                <a:solidFill>
-                  <a:schemeClr val="accent1"/>
-                </a:solidFill>
-                <a:latin typeface="Constantia"/>
-                <a:cs typeface="Constantia"/>
-              </a:rPr>
-              <a:t>byte </a:t>
-            </a:r>
-            <a:r>
-              <a:rPr lang="en-US" sz="3200" dirty="0" smtClean="0">
-                <a:latin typeface="Constantia"/>
-                <a:cs typeface="Constantia"/>
-              </a:rPr>
-              <a:t>within the cover  image.</a:t>
-            </a:r>
-          </a:p>
-          <a:p>
-            <a:pPr>
-              <a:lnSpc>
-                <a:spcPts val="3438"/>
-              </a:lnSpc>
-            </a:pPr>
-            <a:endParaRPr lang="en-US" sz="2800" dirty="0">
-              <a:latin typeface="Constantia"/>
-              <a:cs typeface="Constantia"/>
-            </a:endParaRPr>
-          </a:p>
-        </p:txBody>
-      </p:sp>
+          <a:solidFill>
+            <a:srgbClr val="FFFFFF"/>
+          </a:solidFill>
+          <a:ln w="76200" cap="sq">
+            <a:solidFill>
+              <a:srgbClr val="292929"/>
+            </a:solidFill>
+            <a:miter lim="800000"/>
+          </a:ln>
+          <a:effectLst>
+            <a:reflection blurRad="12700" stA="28000" endPos="28000" dist="5000" dir="5400000" sy="-100000" algn="bl" rotWithShape="0"/>
+          </a:effectLst>
+          <a:scene3d>
+            <a:camera prst="orthographicFront"/>
+            <a:lightRig rig="threePt" dir="t">
+              <a:rot lat="0" lon="0" rev="2700000"/>
+            </a:lightRig>
+          </a:scene3d>
+          <a:sp3d>
+            <a:bevelT h="38100"/>
+            <a:contourClr>
+              <a:srgbClr val="C0C0C0"/>
+            </a:contourClr>
+          </a:sp3d>
+        </p:spPr>
+      </p:pic>
     </p:spTree>
+    <p:extLst>
+      <p:ext uri="{BB962C8B-B14F-4D97-AF65-F5344CB8AC3E}">
+        <p14:creationId xmlns:p14="http://schemas.microsoft.com/office/powerpoint/2010/main" val="2841187319"/>
+      </p:ext>
+    </p:extLst>
   </p:cSld>
   <p:clrMapOvr>
     <a:masterClrMapping/>
   </p:clrMapOvr>
+  <p:timing>
+    <p:tnLst>
+      <p:par>
+        <p:cTn id="1" dur="indefinite" restart="never" nodeType="tmRoot"/>
+      </p:par>
+    </p:tnLst>
+  </p:timing>
 </p:sld>
 </file>
 

--- a/Project letrature/IMAGE_STEGNOGRAPHY_USING_PYTHON.pptx
+++ b/Project letrature/IMAGE_STEGNOGRAPHY_USING_PYTHON.pptx
@@ -11088,30 +11088,34 @@
           </a:p>
         </p:txBody>
       </p:sp>
-      <p:sp>
-        <p:nvSpPr>
-          <p:cNvPr id="3" name="Content Placeholder 2"/>
-          <p:cNvSpPr>
-            <a:spLocks noGrp="1"/>
-          </p:cNvSpPr>
+      <p:pic>
+        <p:nvPicPr>
+          <p:cNvPr id="4" name="Content Placeholder 3"/>
+          <p:cNvPicPr>
+            <a:picLocks noGrp="1" noChangeAspect="1"/>
+          </p:cNvPicPr>
           <p:nvPr>
             <p:ph idx="1"/>
           </p:nvPr>
-        </p:nvSpPr>
+        </p:nvPicPr>
+        <p:blipFill rotWithShape="1">
+          <a:blip r:embed="rId2">
+            <a:extLst>
+              <a:ext uri="{28A0092B-C50C-407E-A947-70E740481C1C}">
+                <a14:useLocalDpi xmlns:a14="http://schemas.microsoft.com/office/drawing/2010/main" val="0"/>
+              </a:ext>
+            </a:extLst>
+          </a:blip>
+          <a:srcRect l="1388" t="5259" r="3890" b="7143"/>
+          <a:stretch/>
+        </p:blipFill>
         <p:spPr>
           <a:xfrm>
-            <a:off x="1659671" y="1696825"/>
-            <a:ext cx="10170968" cy="4609707"/>
-          </a:xfrm>
-        </p:spPr>
-        <p:txBody>
-          <a:bodyPr/>
-          <a:lstStyle/>
-          <a:p>
-            <a:endParaRPr lang="en-IN" dirty="0"/>
-          </a:p>
-        </p:txBody>
-      </p:sp>
+            <a:off x="1386292" y="1451727"/>
+            <a:ext cx="10356755" cy="4977353"/>
+          </a:xfrm>
+        </p:spPr>
+      </p:pic>
     </p:spTree>
     <p:extLst>
       <p:ext uri="{BB962C8B-B14F-4D97-AF65-F5344CB8AC3E}">
@@ -11122,6 +11126,13 @@
   <p:clrMapOvr>
     <a:masterClrMapping/>
   </p:clrMapOvr>
+  <p:timing>
+    <p:tnLst>
+      <p:par>
+        <p:cTn id="1" dur="indefinite" restart="never" nodeType="tmRoot"/>
+      </p:par>
+    </p:tnLst>
+  </p:timing>
 </p:sld>
 </file>
 

--- a/Project letrature/IMAGE_STEGNOGRAPHY_USING_PYTHON.pptx
+++ b/Project letrature/IMAGE_STEGNOGRAPHY_USING_PYTHON.pptx
@@ -11088,34 +11088,30 @@
           </a:p>
         </p:txBody>
       </p:sp>
-      <p:pic>
-        <p:nvPicPr>
-          <p:cNvPr id="4" name="Content Placeholder 3"/>
-          <p:cNvPicPr>
-            <a:picLocks noGrp="1" noChangeAspect="1"/>
-          </p:cNvPicPr>
+      <p:sp>
+        <p:nvSpPr>
+          <p:cNvPr id="3" name="Content Placeholder 2"/>
+          <p:cNvSpPr>
+            <a:spLocks noGrp="1"/>
+          </p:cNvSpPr>
           <p:nvPr>
             <p:ph idx="1"/>
           </p:nvPr>
-        </p:nvPicPr>
-        <p:blipFill rotWithShape="1">
-          <a:blip r:embed="rId2">
-            <a:extLst>
-              <a:ext uri="{28A0092B-C50C-407E-A947-70E740481C1C}">
-                <a14:useLocalDpi xmlns:a14="http://schemas.microsoft.com/office/drawing/2010/main" val="0"/>
-              </a:ext>
-            </a:extLst>
-          </a:blip>
-          <a:srcRect l="1388" t="5259" r="3890" b="7143"/>
-          <a:stretch/>
-        </p:blipFill>
+        </p:nvSpPr>
         <p:spPr>
           <a:xfrm>
-            <a:off x="1386292" y="1451727"/>
-            <a:ext cx="10356755" cy="4977353"/>
-          </a:xfrm>
-        </p:spPr>
-      </p:pic>
+            <a:off x="1659671" y="1696825"/>
+            <a:ext cx="10170968" cy="4609707"/>
+          </a:xfrm>
+        </p:spPr>
+        <p:txBody>
+          <a:bodyPr/>
+          <a:lstStyle/>
+          <a:p>
+            <a:endParaRPr lang="en-IN" dirty="0"/>
+          </a:p>
+        </p:txBody>
+      </p:sp>
     </p:spTree>
     <p:extLst>
       <p:ext uri="{BB962C8B-B14F-4D97-AF65-F5344CB8AC3E}">
@@ -11126,13 +11122,6 @@
   <p:clrMapOvr>
     <a:masterClrMapping/>
   </p:clrMapOvr>
-  <p:timing>
-    <p:tnLst>
-      <p:par>
-        <p:cTn id="1" dur="indefinite" restart="never" nodeType="tmRoot"/>
-      </p:par>
-    </p:tnLst>
-  </p:timing>
 </p:sld>
 </file>
 

--- a/Project letrature/IMAGE_STEGNOGRAPHY_USING_PYTHON.pptx
+++ b/Project letrature/IMAGE_STEGNOGRAPHY_USING_PYTHON.pptx
@@ -138,7 +138,7 @@
   </p:defaultTextStyle>
   <p:extLst>
     <p:ext uri="{521415D9-36F7-43E2-AB2F-B90AF26B5E84}">
-      <p14:sectionLst xmlns="" xmlns:p14="http://schemas.microsoft.com/office/powerpoint/2010/main">
+      <p14:sectionLst xmlns:p14="http://schemas.microsoft.com/office/powerpoint/2010/main">
         <p14:section name="Default Section" id="{1709AB17-A0DF-4151-9302-FDFCA00A6D75}">
           <p14:sldIdLst>
             <p14:sldId id="256"/>
@@ -176,7 +176,7 @@
       </p14:sectionLst>
     </p:ext>
     <p:ext uri="{EFAFB233-063F-42B5-8137-9DF3F51BA10A}">
-      <p15:sldGuideLst xmlns="" xmlns:p15="http://schemas.microsoft.com/office/powerpoint/2012/main">
+      <p15:sldGuideLst xmlns:p15="http://schemas.microsoft.com/office/powerpoint/2012/main">
         <p15:guide id="1" orient="horz" pos="2160">
           <p15:clr>
             <a:srgbClr val="A4A3A4"/>
@@ -198,7 +198,7 @@
   <p:cmAuthor id="1" name="Tarun Verma" initials="TV" lastIdx="2" clrIdx="0">
     <p:extLst>
       <p:ext uri="{19B8F6BF-5375-455C-9EA6-DF929625EA0E}">
-        <p15:presenceInfo xmlns="" xmlns:p15="http://schemas.microsoft.com/office/powerpoint/2012/main" userId="12328a8a1cac093b" providerId="Windows Live"/>
+        <p15:presenceInfo xmlns:p15="http://schemas.microsoft.com/office/powerpoint/2012/main" userId="12328a8a1cac093b" providerId="Windows Live"/>
       </p:ext>
     </p:extLst>
   </p:cmAuthor>
@@ -212,7 +212,7 @@
     <p:text/>
     <p:extLst>
       <p:ext uri="{C676402C-5697-4E1C-873F-D02D1690AC5C}">
-        <p15:threadingInfo xmlns="" xmlns:p15="http://schemas.microsoft.com/office/powerpoint/2012/main" timeZoneBias="-330"/>
+        <p15:threadingInfo xmlns:p15="http://schemas.microsoft.com/office/powerpoint/2012/main" timeZoneBias="-330"/>
       </p:ext>
     </p:extLst>
   </p:cm>
@@ -226,7 +226,7 @@
     <p:text/>
     <p:extLst>
       <p:ext uri="{C676402C-5697-4E1C-873F-D02D1690AC5C}">
-        <p15:threadingInfo xmlns="" xmlns:p15="http://schemas.microsoft.com/office/powerpoint/2012/main" timeZoneBias="-330"/>
+        <p15:threadingInfo xmlns:p15="http://schemas.microsoft.com/office/powerpoint/2012/main" timeZoneBias="-330"/>
       </p:ext>
     </p:extLst>
   </p:cm>
@@ -485,7 +485,7 @@
     </p:spTree>
     <p:extLst>
       <p:ext uri="{BB962C8B-B14F-4D97-AF65-F5344CB8AC3E}">
-        <p14:creationId xmlns="" xmlns:p14="http://schemas.microsoft.com/office/powerpoint/2010/main" val="2598052617"/>
+        <p14:creationId xmlns:p14="http://schemas.microsoft.com/office/powerpoint/2010/main" val="2598052617"/>
       </p:ext>
     </p:extLst>
   </p:cSld>
@@ -913,7 +913,7 @@
     </p:spTree>
     <p:extLst>
       <p:ext uri="{BB962C8B-B14F-4D97-AF65-F5344CB8AC3E}">
-        <p14:creationId xmlns="" xmlns:p14="http://schemas.microsoft.com/office/powerpoint/2010/main" val="2832675995"/>
+        <p14:creationId xmlns:p14="http://schemas.microsoft.com/office/powerpoint/2010/main" val="2832675995"/>
       </p:ext>
     </p:extLst>
   </p:cSld>
@@ -1253,7 +1253,7 @@
     </p:spTree>
     <p:extLst>
       <p:ext uri="{BB962C8B-B14F-4D97-AF65-F5344CB8AC3E}">
-        <p14:creationId xmlns="" xmlns:p14="http://schemas.microsoft.com/office/powerpoint/2010/main" val="1136343294"/>
+        <p14:creationId xmlns:p14="http://schemas.microsoft.com/office/powerpoint/2010/main" val="1136343294"/>
       </p:ext>
     </p:extLst>
   </p:cSld>
@@ -1732,7 +1732,7 @@
     </p:spTree>
     <p:extLst>
       <p:ext uri="{BB962C8B-B14F-4D97-AF65-F5344CB8AC3E}">
-        <p14:creationId xmlns="" xmlns:p14="http://schemas.microsoft.com/office/powerpoint/2010/main" val="1584917057"/>
+        <p14:creationId xmlns:p14="http://schemas.microsoft.com/office/powerpoint/2010/main" val="1584917057"/>
       </p:ext>
     </p:extLst>
   </p:cSld>
@@ -1994,7 +1994,7 @@
     </p:spTree>
     <p:extLst>
       <p:ext uri="{BB962C8B-B14F-4D97-AF65-F5344CB8AC3E}">
-        <p14:creationId xmlns="" xmlns:p14="http://schemas.microsoft.com/office/powerpoint/2010/main" val="1255812982"/>
+        <p14:creationId xmlns:p14="http://schemas.microsoft.com/office/powerpoint/2010/main" val="1255812982"/>
       </p:ext>
     </p:extLst>
   </p:cSld>
@@ -2392,7 +2392,7 @@
     </p:spTree>
     <p:extLst>
       <p:ext uri="{BB962C8B-B14F-4D97-AF65-F5344CB8AC3E}">
-        <p14:creationId xmlns="" xmlns:p14="http://schemas.microsoft.com/office/powerpoint/2010/main" val="3619512775"/>
+        <p14:creationId xmlns:p14="http://schemas.microsoft.com/office/powerpoint/2010/main" val="3619512775"/>
       </p:ext>
     </p:extLst>
   </p:cSld>
@@ -2714,7 +2714,7 @@
     </p:spTree>
     <p:extLst>
       <p:ext uri="{BB962C8B-B14F-4D97-AF65-F5344CB8AC3E}">
-        <p14:creationId xmlns="" xmlns:p14="http://schemas.microsoft.com/office/powerpoint/2010/main" val="3559520111"/>
+        <p14:creationId xmlns:p14="http://schemas.microsoft.com/office/powerpoint/2010/main" val="3559520111"/>
       </p:ext>
     </p:extLst>
   </p:cSld>
@@ -2968,7 +2968,7 @@
     </p:spTree>
     <p:extLst>
       <p:ext uri="{BB962C8B-B14F-4D97-AF65-F5344CB8AC3E}">
-        <p14:creationId xmlns="" xmlns:p14="http://schemas.microsoft.com/office/powerpoint/2010/main" val="1506902780"/>
+        <p14:creationId xmlns:p14="http://schemas.microsoft.com/office/powerpoint/2010/main" val="1506902780"/>
       </p:ext>
     </p:extLst>
   </p:cSld>
@@ -3232,7 +3232,7 @@
     </p:spTree>
     <p:extLst>
       <p:ext uri="{BB962C8B-B14F-4D97-AF65-F5344CB8AC3E}">
-        <p14:creationId xmlns="" xmlns:p14="http://schemas.microsoft.com/office/powerpoint/2010/main" val="369909214"/>
+        <p14:creationId xmlns:p14="http://schemas.microsoft.com/office/powerpoint/2010/main" val="369909214"/>
       </p:ext>
     </p:extLst>
   </p:cSld>
@@ -3496,7 +3496,7 @@
     </p:spTree>
     <p:extLst>
       <p:ext uri="{BB962C8B-B14F-4D97-AF65-F5344CB8AC3E}">
-        <p14:creationId xmlns="" xmlns:p14="http://schemas.microsoft.com/office/powerpoint/2010/main" val="3017200259"/>
+        <p14:creationId xmlns:p14="http://schemas.microsoft.com/office/powerpoint/2010/main" val="3017200259"/>
       </p:ext>
     </p:extLst>
   </p:cSld>
@@ -3832,7 +3832,7 @@
     </p:spTree>
     <p:extLst>
       <p:ext uri="{BB962C8B-B14F-4D97-AF65-F5344CB8AC3E}">
-        <p14:creationId xmlns="" xmlns:p14="http://schemas.microsoft.com/office/powerpoint/2010/main" val="2732314535"/>
+        <p14:creationId xmlns:p14="http://schemas.microsoft.com/office/powerpoint/2010/main" val="2732314535"/>
       </p:ext>
     </p:extLst>
   </p:cSld>
@@ -4157,7 +4157,7 @@
     </p:spTree>
     <p:extLst>
       <p:ext uri="{BB962C8B-B14F-4D97-AF65-F5344CB8AC3E}">
-        <p14:creationId xmlns="" xmlns:p14="http://schemas.microsoft.com/office/powerpoint/2010/main" val="2944525080"/>
+        <p14:creationId xmlns:p14="http://schemas.microsoft.com/office/powerpoint/2010/main" val="2944525080"/>
       </p:ext>
     </p:extLst>
   </p:cSld>
@@ -4616,7 +4616,7 @@
     </p:spTree>
     <p:extLst>
       <p:ext uri="{BB962C8B-B14F-4D97-AF65-F5344CB8AC3E}">
-        <p14:creationId xmlns="" xmlns:p14="http://schemas.microsoft.com/office/powerpoint/2010/main" val="2552920587"/>
+        <p14:creationId xmlns:p14="http://schemas.microsoft.com/office/powerpoint/2010/main" val="2552920587"/>
       </p:ext>
     </p:extLst>
   </p:cSld>
@@ -4818,7 +4818,7 @@
     </p:spTree>
     <p:extLst>
       <p:ext uri="{BB962C8B-B14F-4D97-AF65-F5344CB8AC3E}">
-        <p14:creationId xmlns="" xmlns:p14="http://schemas.microsoft.com/office/powerpoint/2010/main" val="746962661"/>
+        <p14:creationId xmlns:p14="http://schemas.microsoft.com/office/powerpoint/2010/main" val="746962661"/>
       </p:ext>
     </p:extLst>
   </p:cSld>
@@ -4997,7 +4997,7 @@
     </p:spTree>
     <p:extLst>
       <p:ext uri="{BB962C8B-B14F-4D97-AF65-F5344CB8AC3E}">
-        <p14:creationId xmlns="" xmlns:p14="http://schemas.microsoft.com/office/powerpoint/2010/main" val="1124397907"/>
+        <p14:creationId xmlns:p14="http://schemas.microsoft.com/office/powerpoint/2010/main" val="1124397907"/>
       </p:ext>
     </p:extLst>
   </p:cSld>
@@ -5332,7 +5332,7 @@
     </p:spTree>
     <p:extLst>
       <p:ext uri="{BB962C8B-B14F-4D97-AF65-F5344CB8AC3E}">
-        <p14:creationId xmlns="" xmlns:p14="http://schemas.microsoft.com/office/powerpoint/2010/main" val="767815197"/>
+        <p14:creationId xmlns:p14="http://schemas.microsoft.com/office/powerpoint/2010/main" val="767815197"/>
       </p:ext>
     </p:extLst>
   </p:cSld>
@@ -5684,7 +5684,7 @@
     </p:spTree>
     <p:extLst>
       <p:ext uri="{BB962C8B-B14F-4D97-AF65-F5344CB8AC3E}">
-        <p14:creationId xmlns="" xmlns:p14="http://schemas.microsoft.com/office/powerpoint/2010/main" val="2825805858"/>
+        <p14:creationId xmlns:p14="http://schemas.microsoft.com/office/powerpoint/2010/main" val="2825805858"/>
       </p:ext>
     </p:extLst>
   </p:cSld>
@@ -7687,7 +7687,7 @@
     </p:spTree>
     <p:extLst>
       <p:ext uri="{BB962C8B-B14F-4D97-AF65-F5344CB8AC3E}">
-        <p14:creationId xmlns="" xmlns:p14="http://schemas.microsoft.com/office/powerpoint/2010/main" val="3788863745"/>
+        <p14:creationId xmlns:p14="http://schemas.microsoft.com/office/powerpoint/2010/main" val="3788863745"/>
       </p:ext>
     </p:extLst>
   </p:cSld>
@@ -8262,7 +8262,7 @@
     </p:spTree>
     <p:extLst>
       <p:ext uri="{BB962C8B-B14F-4D97-AF65-F5344CB8AC3E}">
-        <p14:creationId xmlns="" xmlns:p14="http://schemas.microsoft.com/office/powerpoint/2010/main" val="2724423283"/>
+        <p14:creationId xmlns:p14="http://schemas.microsoft.com/office/powerpoint/2010/main" val="2724423283"/>
       </p:ext>
     </p:extLst>
   </p:cSld>
@@ -8346,7 +8346,7 @@
           <a:blip r:embed="rId2" cstate="print">
             <a:extLst>
               <a:ext uri="{28A0092B-C50C-407E-A947-70E740481C1C}">
-                <a14:useLocalDpi xmlns="" xmlns:a14="http://schemas.microsoft.com/office/drawing/2010/main" val="0"/>
+                <a14:useLocalDpi xmlns:a14="http://schemas.microsoft.com/office/drawing/2010/main" val="0"/>
               </a:ext>
             </a:extLst>
           </a:blip>
@@ -8393,7 +8393,7 @@
     </p:spTree>
     <p:extLst>
       <p:ext uri="{BB962C8B-B14F-4D97-AF65-F5344CB8AC3E}">
-        <p14:creationId xmlns="" xmlns:p14="http://schemas.microsoft.com/office/powerpoint/2010/main" val="110383111"/>
+        <p14:creationId xmlns:p14="http://schemas.microsoft.com/office/powerpoint/2010/main" val="110383111"/>
       </p:ext>
     </p:extLst>
   </p:cSld>
@@ -11096,17 +11096,15 @@
           </p:cNvPicPr>
           <p:nvPr/>
         </p:nvPicPr>
-        <p:blipFill>
+        <p:blipFill rotWithShape="1">
           <a:blip r:embed="rId2" cstate="print"/>
-          <a:srcRect/>
-          <a:stretch>
-            <a:fillRect/>
-          </a:stretch>
+          <a:srcRect l="1543" t="4658" r="3324" b="7829"/>
+          <a:stretch/>
         </p:blipFill>
         <p:spPr bwMode="auto">
           <a:xfrm>
-            <a:off x="2066544" y="1255857"/>
-            <a:ext cx="8165592" cy="5424176"/>
+            <a:off x="1862497" y="1389092"/>
+            <a:ext cx="9968142" cy="5153109"/>
           </a:xfrm>
           <a:prstGeom prst="rect">
             <a:avLst/>
@@ -11117,7 +11115,7 @@
     </p:spTree>
     <p:extLst>
       <p:ext uri="{BB962C8B-B14F-4D97-AF65-F5344CB8AC3E}">
-        <p14:creationId xmlns="" xmlns:p14="http://schemas.microsoft.com/office/powerpoint/2010/main" val="1974539145"/>
+        <p14:creationId xmlns:p14="http://schemas.microsoft.com/office/powerpoint/2010/main" val="1974539145"/>
       </p:ext>
     </p:extLst>
   </p:cSld>
@@ -11271,7 +11269,7 @@
     </p:spTree>
     <p:extLst>
       <p:ext uri="{BB962C8B-B14F-4D97-AF65-F5344CB8AC3E}">
-        <p14:creationId xmlns="" xmlns:p14="http://schemas.microsoft.com/office/powerpoint/2010/main" val="1717095262"/>
+        <p14:creationId xmlns:p14="http://schemas.microsoft.com/office/powerpoint/2010/main" val="1717095262"/>
       </p:ext>
     </p:extLst>
   </p:cSld>
@@ -11491,7 +11489,7 @@
     </p:spTree>
     <p:extLst>
       <p:ext uri="{BB962C8B-B14F-4D97-AF65-F5344CB8AC3E}">
-        <p14:creationId xmlns="" xmlns:p14="http://schemas.microsoft.com/office/powerpoint/2010/main" val="2052618121"/>
+        <p14:creationId xmlns:p14="http://schemas.microsoft.com/office/powerpoint/2010/main" val="2052618121"/>
       </p:ext>
     </p:extLst>
   </p:cSld>
@@ -11665,7 +11663,7 @@
     </p:spTree>
     <p:extLst>
       <p:ext uri="{BB962C8B-B14F-4D97-AF65-F5344CB8AC3E}">
-        <p14:creationId xmlns="" xmlns:p14="http://schemas.microsoft.com/office/powerpoint/2010/main" val="2992944003"/>
+        <p14:creationId xmlns:p14="http://schemas.microsoft.com/office/powerpoint/2010/main" val="2992944003"/>
       </p:ext>
     </p:extLst>
   </p:cSld>
@@ -11855,7 +11853,7 @@
     </p:spTree>
     <p:extLst>
       <p:ext uri="{BB962C8B-B14F-4D97-AF65-F5344CB8AC3E}">
-        <p14:creationId xmlns="" xmlns:p14="http://schemas.microsoft.com/office/powerpoint/2010/main" val="3968908613"/>
+        <p14:creationId xmlns:p14="http://schemas.microsoft.com/office/powerpoint/2010/main" val="3968908613"/>
       </p:ext>
     </p:extLst>
   </p:cSld>
@@ -12092,7 +12090,7 @@
     </p:spTree>
     <p:extLst>
       <p:ext uri="{BB962C8B-B14F-4D97-AF65-F5344CB8AC3E}">
-        <p14:creationId xmlns="" xmlns:p14="http://schemas.microsoft.com/office/powerpoint/2010/main" val="1379778435"/>
+        <p14:creationId xmlns:p14="http://schemas.microsoft.com/office/powerpoint/2010/main" val="1379778435"/>
       </p:ext>
     </p:extLst>
   </p:cSld>
@@ -12197,7 +12195,7 @@
     </p:spTree>
     <p:extLst>
       <p:ext uri="{BB962C8B-B14F-4D97-AF65-F5344CB8AC3E}">
-        <p14:creationId xmlns="" xmlns:p14="http://schemas.microsoft.com/office/powerpoint/2010/main" val="3097096989"/>
+        <p14:creationId xmlns:p14="http://schemas.microsoft.com/office/powerpoint/2010/main" val="3097096989"/>
       </p:ext>
     </p:extLst>
   </p:cSld>
@@ -12300,7 +12298,7 @@
     </p:spTree>
     <p:extLst>
       <p:ext uri="{BB962C8B-B14F-4D97-AF65-F5344CB8AC3E}">
-        <p14:creationId xmlns="" xmlns:p14="http://schemas.microsoft.com/office/powerpoint/2010/main" val="3184472628"/>
+        <p14:creationId xmlns:p14="http://schemas.microsoft.com/office/powerpoint/2010/main" val="3184472628"/>
       </p:ext>
     </p:extLst>
   </p:cSld>
@@ -12525,7 +12523,7 @@
     </p:spTree>
     <p:extLst>
       <p:ext uri="{BB962C8B-B14F-4D97-AF65-F5344CB8AC3E}">
-        <p14:creationId xmlns="" xmlns:p14="http://schemas.microsoft.com/office/powerpoint/2010/main" val="1027228061"/>
+        <p14:creationId xmlns:p14="http://schemas.microsoft.com/office/powerpoint/2010/main" val="1027228061"/>
       </p:ext>
     </p:extLst>
   </p:cSld>
@@ -12680,7 +12678,7 @@
     </p:spTree>
     <p:extLst>
       <p:ext uri="{BB962C8B-B14F-4D97-AF65-F5344CB8AC3E}">
-        <p14:creationId xmlns="" xmlns:p14="http://schemas.microsoft.com/office/powerpoint/2010/main" val="2020973106"/>
+        <p14:creationId xmlns:p14="http://schemas.microsoft.com/office/powerpoint/2010/main" val="2020973106"/>
       </p:ext>
     </p:extLst>
   </p:cSld>
@@ -13674,7 +13672,7 @@
     </p:spTree>
     <p:extLst>
       <p:ext uri="{BB962C8B-B14F-4D97-AF65-F5344CB8AC3E}">
-        <p14:creationId xmlns="" xmlns:p14="http://schemas.microsoft.com/office/powerpoint/2010/main" val="1361238431"/>
+        <p14:creationId xmlns:p14="http://schemas.microsoft.com/office/powerpoint/2010/main" val="1361238431"/>
       </p:ext>
     </p:extLst>
   </p:cSld>
@@ -14776,7 +14774,7 @@
     </p:spTree>
     <p:extLst>
       <p:ext uri="{BB962C8B-B14F-4D97-AF65-F5344CB8AC3E}">
-        <p14:creationId xmlns="" xmlns:p14="http://schemas.microsoft.com/office/powerpoint/2010/main" val="2347577460"/>
+        <p14:creationId xmlns:p14="http://schemas.microsoft.com/office/powerpoint/2010/main" val="2347577460"/>
       </p:ext>
     </p:extLst>
   </p:cSld>
@@ -14857,7 +14855,7 @@
           <a:blip r:embed="rId2" cstate="print">
             <a:extLst>
               <a:ext uri="{28A0092B-C50C-407E-A947-70E740481C1C}">
-                <a14:useLocalDpi xmlns="" xmlns:a14="http://schemas.microsoft.com/office/drawing/2010/main" val="0"/>
+                <a14:useLocalDpi xmlns:a14="http://schemas.microsoft.com/office/drawing/2010/main" val="0"/>
               </a:ext>
             </a:extLst>
           </a:blip>
@@ -14904,7 +14902,7 @@
     </p:spTree>
     <p:extLst>
       <p:ext uri="{BB962C8B-B14F-4D97-AF65-F5344CB8AC3E}">
-        <p14:creationId xmlns="" xmlns:p14="http://schemas.microsoft.com/office/powerpoint/2010/main" val="551090893"/>
+        <p14:creationId xmlns:p14="http://schemas.microsoft.com/office/powerpoint/2010/main" val="551090893"/>
       </p:ext>
     </p:extLst>
   </p:cSld>
@@ -14987,7 +14985,7 @@
     </p:spTree>
     <p:extLst>
       <p:ext uri="{BB962C8B-B14F-4D97-AF65-F5344CB8AC3E}">
-        <p14:creationId xmlns="" xmlns:p14="http://schemas.microsoft.com/office/powerpoint/2010/main" val="1912276581"/>
+        <p14:creationId xmlns:p14="http://schemas.microsoft.com/office/powerpoint/2010/main" val="1912276581"/>
       </p:ext>
     </p:extLst>
   </p:cSld>
@@ -15203,7 +15201,7 @@
     </p:spTree>
     <p:extLst>
       <p:ext uri="{BB962C8B-B14F-4D97-AF65-F5344CB8AC3E}">
-        <p14:creationId xmlns="" xmlns:p14="http://schemas.microsoft.com/office/powerpoint/2010/main" val="2625934534"/>
+        <p14:creationId xmlns:p14="http://schemas.microsoft.com/office/powerpoint/2010/main" val="2625934534"/>
       </p:ext>
     </p:extLst>
   </p:cSld>
@@ -15366,7 +15364,7 @@
     </p:spTree>
     <p:extLst>
       <p:ext uri="{BB962C8B-B14F-4D97-AF65-F5344CB8AC3E}">
-        <p14:creationId xmlns="" xmlns:p14="http://schemas.microsoft.com/office/powerpoint/2010/main" val="1400058215"/>
+        <p14:creationId xmlns:p14="http://schemas.microsoft.com/office/powerpoint/2010/main" val="1400058215"/>
       </p:ext>
     </p:extLst>
   </p:cSld>
@@ -15592,7 +15590,7 @@
     </p:spTree>
     <p:extLst>
       <p:ext uri="{BB962C8B-B14F-4D97-AF65-F5344CB8AC3E}">
-        <p14:creationId xmlns="" xmlns:p14="http://schemas.microsoft.com/office/powerpoint/2010/main" val="1165276255"/>
+        <p14:creationId xmlns:p14="http://schemas.microsoft.com/office/powerpoint/2010/main" val="1165276255"/>
       </p:ext>
     </p:extLst>
   </p:cSld>
@@ -15741,7 +15739,7 @@
     </p:spTree>
     <p:extLst>
       <p:ext uri="{BB962C8B-B14F-4D97-AF65-F5344CB8AC3E}">
-        <p14:creationId xmlns="" xmlns:p14="http://schemas.microsoft.com/office/powerpoint/2010/main" val="2972335740"/>
+        <p14:creationId xmlns:p14="http://schemas.microsoft.com/office/powerpoint/2010/main" val="2972335740"/>
       </p:ext>
     </p:extLst>
   </p:cSld>
@@ -15953,7 +15951,7 @@
           <a:blip r:embed="rId2" cstate="print">
             <a:extLst>
               <a:ext uri="{28A0092B-C50C-407E-A947-70E740481C1C}">
-                <a14:useLocalDpi xmlns="" xmlns:a14="http://schemas.microsoft.com/office/drawing/2010/main" val="0"/>
+                <a14:useLocalDpi xmlns:a14="http://schemas.microsoft.com/office/drawing/2010/main" val="0"/>
               </a:ext>
             </a:extLst>
           </a:blip>
@@ -16009,7 +16007,7 @@
           <a:blip r:embed="rId3" cstate="print">
             <a:extLst>
               <a:ext uri="{28A0092B-C50C-407E-A947-70E740481C1C}">
-                <a14:useLocalDpi xmlns="" xmlns:a14="http://schemas.microsoft.com/office/drawing/2010/main" val="0"/>
+                <a14:useLocalDpi xmlns:a14="http://schemas.microsoft.com/office/drawing/2010/main" val="0"/>
               </a:ext>
             </a:extLst>
           </a:blip>
@@ -16194,7 +16192,7 @@
           <a:blip r:embed="rId2" cstate="print">
             <a:extLst>
               <a:ext uri="{28A0092B-C50C-407E-A947-70E740481C1C}">
-                <a14:useLocalDpi xmlns="" xmlns:a14="http://schemas.microsoft.com/office/drawing/2010/main" val="0"/>
+                <a14:useLocalDpi xmlns:a14="http://schemas.microsoft.com/office/drawing/2010/main" val="0"/>
               </a:ext>
             </a:extLst>
           </a:blip>
@@ -16241,7 +16239,7 @@
     </p:spTree>
     <p:extLst>
       <p:ext uri="{BB962C8B-B14F-4D97-AF65-F5344CB8AC3E}">
-        <p14:creationId xmlns="" xmlns:p14="http://schemas.microsoft.com/office/powerpoint/2010/main" val="2841187319"/>
+        <p14:creationId xmlns:p14="http://schemas.microsoft.com/office/powerpoint/2010/main" val="2841187319"/>
       </p:ext>
     </p:extLst>
   </p:cSld>
@@ -16495,7 +16493,7 @@
   <a:extraClrSchemeLst/>
   <a:extLst>
     <a:ext uri="{05A4C25C-085E-4340-85A3-A5531E510DB2}">
-      <thm15:themeFamily xmlns="" xmlns:thm15="http://schemas.microsoft.com/office/thememl/2012/main" name="Wisp" id="{7CB32D59-10C0-40DD-B7BD-2E94284A981C}" vid="{F20B7C8E-B819-43F3-AAF9-EE50B1A83630}"/>
+      <thm15:themeFamily xmlns:thm15="http://schemas.microsoft.com/office/thememl/2012/main" name="Wisp" id="{7CB32D59-10C0-40DD-B7BD-2E94284A981C}" vid="{F20B7C8E-B819-43F3-AAF9-EE50B1A83630}"/>
     </a:ext>
   </a:extLst>
 </a:theme>
@@ -16756,7 +16754,7 @@
   <a:extraClrSchemeLst/>
   <a:extLst>
     <a:ext uri="{05A4C25C-085E-4340-85A3-A5531E510DB2}">
-      <thm15:themeFamily xmlns="" xmlns:thm15="http://schemas.microsoft.com/office/thememl/2012/main" name="Office Theme" id="{62F939B6-93AF-4DB8-9C6B-D6C7DFDC589F}" vid="{4A3C46E8-61CC-4603-A589-7422A47A8E4A}"/>
+      <thm15:themeFamily xmlns:thm15="http://schemas.microsoft.com/office/thememl/2012/main" name="Office Theme" id="{62F939B6-93AF-4DB8-9C6B-D6C7DFDC589F}" vid="{4A3C46E8-61CC-4603-A589-7422A47A8E4A}"/>
     </a:ext>
   </a:extLst>
 </a:theme>

--- a/Project letrature/IMAGE_STEGNOGRAPHY_USING_PYTHON.pptx
+++ b/Project letrature/IMAGE_STEGNOGRAPHY_USING_PYTHON.pptx
@@ -138,7 +138,7 @@
   </p:defaultTextStyle>
   <p:extLst>
     <p:ext uri="{521415D9-36F7-43E2-AB2F-B90AF26B5E84}">
-      <p14:sectionLst xmlns:p14="http://schemas.microsoft.com/office/powerpoint/2010/main">
+      <p14:sectionLst xmlns:p14="http://schemas.microsoft.com/office/powerpoint/2010/main" xmlns="">
         <p14:section name="Default Section" id="{1709AB17-A0DF-4151-9302-FDFCA00A6D75}">
           <p14:sldIdLst>
             <p14:sldId id="256"/>
@@ -176,7 +176,7 @@
       </p14:sectionLst>
     </p:ext>
     <p:ext uri="{EFAFB233-063F-42B5-8137-9DF3F51BA10A}">
-      <p15:sldGuideLst xmlns:p15="http://schemas.microsoft.com/office/powerpoint/2012/main">
+      <p15:sldGuideLst xmlns:p15="http://schemas.microsoft.com/office/powerpoint/2012/main" xmlns="">
         <p15:guide id="1" orient="horz" pos="2160">
           <p15:clr>
             <a:srgbClr val="A4A3A4"/>
@@ -198,7 +198,7 @@
   <p:cmAuthor id="1" name="Tarun Verma" initials="TV" lastIdx="2" clrIdx="0">
     <p:extLst>
       <p:ext uri="{19B8F6BF-5375-455C-9EA6-DF929625EA0E}">
-        <p15:presenceInfo xmlns:p15="http://schemas.microsoft.com/office/powerpoint/2012/main" userId="12328a8a1cac093b" providerId="Windows Live"/>
+        <p15:presenceInfo xmlns:p15="http://schemas.microsoft.com/office/powerpoint/2012/main" xmlns="" userId="12328a8a1cac093b" providerId="Windows Live"/>
       </p:ext>
     </p:extLst>
   </p:cmAuthor>
@@ -212,7 +212,7 @@
     <p:text/>
     <p:extLst>
       <p:ext uri="{C676402C-5697-4E1C-873F-D02D1690AC5C}">
-        <p15:threadingInfo xmlns:p15="http://schemas.microsoft.com/office/powerpoint/2012/main" timeZoneBias="-330"/>
+        <p15:threadingInfo xmlns:p15="http://schemas.microsoft.com/office/powerpoint/2012/main" xmlns="" timeZoneBias="-330"/>
       </p:ext>
     </p:extLst>
   </p:cm>
@@ -226,7 +226,7 @@
     <p:text/>
     <p:extLst>
       <p:ext uri="{C676402C-5697-4E1C-873F-D02D1690AC5C}">
-        <p15:threadingInfo xmlns:p15="http://schemas.microsoft.com/office/powerpoint/2012/main" timeZoneBias="-330"/>
+        <p15:threadingInfo xmlns:p15="http://schemas.microsoft.com/office/powerpoint/2012/main" xmlns="" timeZoneBias="-330"/>
       </p:ext>
     </p:extLst>
   </p:cm>
@@ -485,7 +485,7 @@
     </p:spTree>
     <p:extLst>
       <p:ext uri="{BB962C8B-B14F-4D97-AF65-F5344CB8AC3E}">
-        <p14:creationId xmlns:p14="http://schemas.microsoft.com/office/powerpoint/2010/main" val="2598052617"/>
+        <p14:creationId xmlns:p14="http://schemas.microsoft.com/office/powerpoint/2010/main" xmlns="" val="2598052617"/>
       </p:ext>
     </p:extLst>
   </p:cSld>
@@ -913,7 +913,7 @@
     </p:spTree>
     <p:extLst>
       <p:ext uri="{BB962C8B-B14F-4D97-AF65-F5344CB8AC3E}">
-        <p14:creationId xmlns:p14="http://schemas.microsoft.com/office/powerpoint/2010/main" val="2832675995"/>
+        <p14:creationId xmlns:p14="http://schemas.microsoft.com/office/powerpoint/2010/main" xmlns="" val="2832675995"/>
       </p:ext>
     </p:extLst>
   </p:cSld>
@@ -1253,7 +1253,7 @@
     </p:spTree>
     <p:extLst>
       <p:ext uri="{BB962C8B-B14F-4D97-AF65-F5344CB8AC3E}">
-        <p14:creationId xmlns:p14="http://schemas.microsoft.com/office/powerpoint/2010/main" val="1136343294"/>
+        <p14:creationId xmlns:p14="http://schemas.microsoft.com/office/powerpoint/2010/main" xmlns="" val="1136343294"/>
       </p:ext>
     </p:extLst>
   </p:cSld>
@@ -1732,7 +1732,7 @@
     </p:spTree>
     <p:extLst>
       <p:ext uri="{BB962C8B-B14F-4D97-AF65-F5344CB8AC3E}">
-        <p14:creationId xmlns:p14="http://schemas.microsoft.com/office/powerpoint/2010/main" val="1584917057"/>
+        <p14:creationId xmlns:p14="http://schemas.microsoft.com/office/powerpoint/2010/main" xmlns="" val="1584917057"/>
       </p:ext>
     </p:extLst>
   </p:cSld>
@@ -1994,7 +1994,7 @@
     </p:spTree>
     <p:extLst>
       <p:ext uri="{BB962C8B-B14F-4D97-AF65-F5344CB8AC3E}">
-        <p14:creationId xmlns:p14="http://schemas.microsoft.com/office/powerpoint/2010/main" val="1255812982"/>
+        <p14:creationId xmlns:p14="http://schemas.microsoft.com/office/powerpoint/2010/main" xmlns="" val="1255812982"/>
       </p:ext>
     </p:extLst>
   </p:cSld>
@@ -2392,7 +2392,7 @@
     </p:spTree>
     <p:extLst>
       <p:ext uri="{BB962C8B-B14F-4D97-AF65-F5344CB8AC3E}">
-        <p14:creationId xmlns:p14="http://schemas.microsoft.com/office/powerpoint/2010/main" val="3619512775"/>
+        <p14:creationId xmlns:p14="http://schemas.microsoft.com/office/powerpoint/2010/main" xmlns="" val="3619512775"/>
       </p:ext>
     </p:extLst>
   </p:cSld>
@@ -2714,7 +2714,7 @@
     </p:spTree>
     <p:extLst>
       <p:ext uri="{BB962C8B-B14F-4D97-AF65-F5344CB8AC3E}">
-        <p14:creationId xmlns:p14="http://schemas.microsoft.com/office/powerpoint/2010/main" val="3559520111"/>
+        <p14:creationId xmlns:p14="http://schemas.microsoft.com/office/powerpoint/2010/main" xmlns="" val="3559520111"/>
       </p:ext>
     </p:extLst>
   </p:cSld>
@@ -2968,7 +2968,7 @@
     </p:spTree>
     <p:extLst>
       <p:ext uri="{BB962C8B-B14F-4D97-AF65-F5344CB8AC3E}">
-        <p14:creationId xmlns:p14="http://schemas.microsoft.com/office/powerpoint/2010/main" val="1506902780"/>
+        <p14:creationId xmlns:p14="http://schemas.microsoft.com/office/powerpoint/2010/main" xmlns="" val="1506902780"/>
       </p:ext>
     </p:extLst>
   </p:cSld>
@@ -3232,7 +3232,7 @@
     </p:spTree>
     <p:extLst>
       <p:ext uri="{BB962C8B-B14F-4D97-AF65-F5344CB8AC3E}">
-        <p14:creationId xmlns:p14="http://schemas.microsoft.com/office/powerpoint/2010/main" val="369909214"/>
+        <p14:creationId xmlns:p14="http://schemas.microsoft.com/office/powerpoint/2010/main" xmlns="" val="369909214"/>
       </p:ext>
     </p:extLst>
   </p:cSld>
@@ -3496,7 +3496,7 @@
     </p:spTree>
     <p:extLst>
       <p:ext uri="{BB962C8B-B14F-4D97-AF65-F5344CB8AC3E}">
-        <p14:creationId xmlns:p14="http://schemas.microsoft.com/office/powerpoint/2010/main" val="3017200259"/>
+        <p14:creationId xmlns:p14="http://schemas.microsoft.com/office/powerpoint/2010/main" xmlns="" val="3017200259"/>
       </p:ext>
     </p:extLst>
   </p:cSld>
@@ -3832,7 +3832,7 @@
     </p:spTree>
     <p:extLst>
       <p:ext uri="{BB962C8B-B14F-4D97-AF65-F5344CB8AC3E}">
-        <p14:creationId xmlns:p14="http://schemas.microsoft.com/office/powerpoint/2010/main" val="2732314535"/>
+        <p14:creationId xmlns:p14="http://schemas.microsoft.com/office/powerpoint/2010/main" xmlns="" val="2732314535"/>
       </p:ext>
     </p:extLst>
   </p:cSld>
@@ -4157,7 +4157,7 @@
     </p:spTree>
     <p:extLst>
       <p:ext uri="{BB962C8B-B14F-4D97-AF65-F5344CB8AC3E}">
-        <p14:creationId xmlns:p14="http://schemas.microsoft.com/office/powerpoint/2010/main" val="2944525080"/>
+        <p14:creationId xmlns:p14="http://schemas.microsoft.com/office/powerpoint/2010/main" xmlns="" val="2944525080"/>
       </p:ext>
     </p:extLst>
   </p:cSld>
@@ -4616,7 +4616,7 @@
     </p:spTree>
     <p:extLst>
       <p:ext uri="{BB962C8B-B14F-4D97-AF65-F5344CB8AC3E}">
-        <p14:creationId xmlns:p14="http://schemas.microsoft.com/office/powerpoint/2010/main" val="2552920587"/>
+        <p14:creationId xmlns:p14="http://schemas.microsoft.com/office/powerpoint/2010/main" xmlns="" val="2552920587"/>
       </p:ext>
     </p:extLst>
   </p:cSld>
@@ -4818,7 +4818,7 @@
     </p:spTree>
     <p:extLst>
       <p:ext uri="{BB962C8B-B14F-4D97-AF65-F5344CB8AC3E}">
-        <p14:creationId xmlns:p14="http://schemas.microsoft.com/office/powerpoint/2010/main" val="746962661"/>
+        <p14:creationId xmlns:p14="http://schemas.microsoft.com/office/powerpoint/2010/main" xmlns="" val="746962661"/>
       </p:ext>
     </p:extLst>
   </p:cSld>
@@ -4997,7 +4997,7 @@
     </p:spTree>
     <p:extLst>
       <p:ext uri="{BB962C8B-B14F-4D97-AF65-F5344CB8AC3E}">
-        <p14:creationId xmlns:p14="http://schemas.microsoft.com/office/powerpoint/2010/main" val="1124397907"/>
+        <p14:creationId xmlns:p14="http://schemas.microsoft.com/office/powerpoint/2010/main" xmlns="" val="1124397907"/>
       </p:ext>
     </p:extLst>
   </p:cSld>
@@ -5332,7 +5332,7 @@
     </p:spTree>
     <p:extLst>
       <p:ext uri="{BB962C8B-B14F-4D97-AF65-F5344CB8AC3E}">
-        <p14:creationId xmlns:p14="http://schemas.microsoft.com/office/powerpoint/2010/main" val="767815197"/>
+        <p14:creationId xmlns:p14="http://schemas.microsoft.com/office/powerpoint/2010/main" xmlns="" val="767815197"/>
       </p:ext>
     </p:extLst>
   </p:cSld>
@@ -5684,7 +5684,7 @@
     </p:spTree>
     <p:extLst>
       <p:ext uri="{BB962C8B-B14F-4D97-AF65-F5344CB8AC3E}">
-        <p14:creationId xmlns:p14="http://schemas.microsoft.com/office/powerpoint/2010/main" val="2825805858"/>
+        <p14:creationId xmlns:p14="http://schemas.microsoft.com/office/powerpoint/2010/main" xmlns="" val="2825805858"/>
       </p:ext>
     </p:extLst>
   </p:cSld>
@@ -7687,7 +7687,7 @@
     </p:spTree>
     <p:extLst>
       <p:ext uri="{BB962C8B-B14F-4D97-AF65-F5344CB8AC3E}">
-        <p14:creationId xmlns:p14="http://schemas.microsoft.com/office/powerpoint/2010/main" val="3788863745"/>
+        <p14:creationId xmlns:p14="http://schemas.microsoft.com/office/powerpoint/2010/main" xmlns="" val="3788863745"/>
       </p:ext>
     </p:extLst>
   </p:cSld>
@@ -8262,7 +8262,7 @@
     </p:spTree>
     <p:extLst>
       <p:ext uri="{BB962C8B-B14F-4D97-AF65-F5344CB8AC3E}">
-        <p14:creationId xmlns:p14="http://schemas.microsoft.com/office/powerpoint/2010/main" val="2724423283"/>
+        <p14:creationId xmlns:p14="http://schemas.microsoft.com/office/powerpoint/2010/main" xmlns="" val="2724423283"/>
       </p:ext>
     </p:extLst>
   </p:cSld>
@@ -8343,10 +8343,10 @@
           <p:nvPr/>
         </p:nvPicPr>
         <p:blipFill>
-          <a:blip r:embed="rId2">
+          <a:blip r:embed="rId2" cstate="print">
             <a:extLst>
               <a:ext uri="{28A0092B-C50C-407E-A947-70E740481C1C}">
-                <a14:useLocalDpi xmlns:a14="http://schemas.microsoft.com/office/drawing/2010/main" val="0"/>
+                <a14:useLocalDpi xmlns:a14="http://schemas.microsoft.com/office/drawing/2010/main" xmlns="" val="0"/>
               </a:ext>
             </a:extLst>
           </a:blip>
@@ -8393,7 +8393,7 @@
     </p:spTree>
     <p:extLst>
       <p:ext uri="{BB962C8B-B14F-4D97-AF65-F5344CB8AC3E}">
-        <p14:creationId xmlns:p14="http://schemas.microsoft.com/office/powerpoint/2010/main" val="110383111"/>
+        <p14:creationId xmlns:p14="http://schemas.microsoft.com/office/powerpoint/2010/main" xmlns="" val="110383111"/>
       </p:ext>
     </p:extLst>
   </p:cSld>
@@ -10982,7 +10982,7 @@
           <p:nvPr/>
         </p:nvPicPr>
         <p:blipFill>
-          <a:blip r:embed="rId2"/>
+          <a:blip r:embed="rId2" cstate="print"/>
           <a:stretch>
             <a:fillRect/>
           </a:stretch>
@@ -11115,7 +11115,7 @@
     </p:spTree>
     <p:extLst>
       <p:ext uri="{BB962C8B-B14F-4D97-AF65-F5344CB8AC3E}">
-        <p14:creationId xmlns:p14="http://schemas.microsoft.com/office/powerpoint/2010/main" val="1974539145"/>
+        <p14:creationId xmlns:p14="http://schemas.microsoft.com/office/powerpoint/2010/main" xmlns="" val="1974539145"/>
       </p:ext>
     </p:extLst>
   </p:cSld>
@@ -11269,7 +11269,7 @@
     </p:spTree>
     <p:extLst>
       <p:ext uri="{BB962C8B-B14F-4D97-AF65-F5344CB8AC3E}">
-        <p14:creationId xmlns:p14="http://schemas.microsoft.com/office/powerpoint/2010/main" val="1717095262"/>
+        <p14:creationId xmlns:p14="http://schemas.microsoft.com/office/powerpoint/2010/main" xmlns="" val="1717095262"/>
       </p:ext>
     </p:extLst>
   </p:cSld>
@@ -11489,7 +11489,7 @@
     </p:spTree>
     <p:extLst>
       <p:ext uri="{BB962C8B-B14F-4D97-AF65-F5344CB8AC3E}">
-        <p14:creationId xmlns:p14="http://schemas.microsoft.com/office/powerpoint/2010/main" val="2052618121"/>
+        <p14:creationId xmlns:p14="http://schemas.microsoft.com/office/powerpoint/2010/main" xmlns="" val="2052618121"/>
       </p:ext>
     </p:extLst>
   </p:cSld>
@@ -11619,7 +11619,7 @@
           <p:nvPr/>
         </p:nvPicPr>
         <p:blipFill>
-          <a:blip r:embed="rId2"/>
+          <a:blip r:embed="rId2" cstate="print"/>
           <a:stretch>
             <a:fillRect/>
           </a:stretch>
@@ -11663,7 +11663,7 @@
     </p:spTree>
     <p:extLst>
       <p:ext uri="{BB962C8B-B14F-4D97-AF65-F5344CB8AC3E}">
-        <p14:creationId xmlns:p14="http://schemas.microsoft.com/office/powerpoint/2010/main" val="2992944003"/>
+        <p14:creationId xmlns:p14="http://schemas.microsoft.com/office/powerpoint/2010/main" xmlns="" val="2992944003"/>
       </p:ext>
     </p:extLst>
   </p:cSld>
@@ -11853,7 +11853,7 @@
     </p:spTree>
     <p:extLst>
       <p:ext uri="{BB962C8B-B14F-4D97-AF65-F5344CB8AC3E}">
-        <p14:creationId xmlns:p14="http://schemas.microsoft.com/office/powerpoint/2010/main" val="3968908613"/>
+        <p14:creationId xmlns:p14="http://schemas.microsoft.com/office/powerpoint/2010/main" xmlns="" val="3968908613"/>
       </p:ext>
     </p:extLst>
   </p:cSld>
@@ -12090,7 +12090,7 @@
     </p:spTree>
     <p:extLst>
       <p:ext uri="{BB962C8B-B14F-4D97-AF65-F5344CB8AC3E}">
-        <p14:creationId xmlns:p14="http://schemas.microsoft.com/office/powerpoint/2010/main" val="1379778435"/>
+        <p14:creationId xmlns:p14="http://schemas.microsoft.com/office/powerpoint/2010/main" xmlns="" val="1379778435"/>
       </p:ext>
     </p:extLst>
   </p:cSld>
@@ -12195,7 +12195,7 @@
     </p:spTree>
     <p:extLst>
       <p:ext uri="{BB962C8B-B14F-4D97-AF65-F5344CB8AC3E}">
-        <p14:creationId xmlns:p14="http://schemas.microsoft.com/office/powerpoint/2010/main" val="3097096989"/>
+        <p14:creationId xmlns:p14="http://schemas.microsoft.com/office/powerpoint/2010/main" xmlns="" val="3097096989"/>
       </p:ext>
     </p:extLst>
   </p:cSld>
@@ -12298,7 +12298,7 @@
     </p:spTree>
     <p:extLst>
       <p:ext uri="{BB962C8B-B14F-4D97-AF65-F5344CB8AC3E}">
-        <p14:creationId xmlns:p14="http://schemas.microsoft.com/office/powerpoint/2010/main" val="3184472628"/>
+        <p14:creationId xmlns:p14="http://schemas.microsoft.com/office/powerpoint/2010/main" xmlns="" val="3184472628"/>
       </p:ext>
     </p:extLst>
   </p:cSld>
@@ -12523,7 +12523,7 @@
     </p:spTree>
     <p:extLst>
       <p:ext uri="{BB962C8B-B14F-4D97-AF65-F5344CB8AC3E}">
-        <p14:creationId xmlns:p14="http://schemas.microsoft.com/office/powerpoint/2010/main" val="1027228061"/>
+        <p14:creationId xmlns:p14="http://schemas.microsoft.com/office/powerpoint/2010/main" xmlns="" val="1027228061"/>
       </p:ext>
     </p:extLst>
   </p:cSld>
@@ -12678,7 +12678,7 @@
     </p:spTree>
     <p:extLst>
       <p:ext uri="{BB962C8B-B14F-4D97-AF65-F5344CB8AC3E}">
-        <p14:creationId xmlns:p14="http://schemas.microsoft.com/office/powerpoint/2010/main" val="2020973106"/>
+        <p14:creationId xmlns:p14="http://schemas.microsoft.com/office/powerpoint/2010/main" xmlns="" val="2020973106"/>
       </p:ext>
     </p:extLst>
   </p:cSld>
@@ -13672,7 +13672,7 @@
     </p:spTree>
     <p:extLst>
       <p:ext uri="{BB962C8B-B14F-4D97-AF65-F5344CB8AC3E}">
-        <p14:creationId xmlns:p14="http://schemas.microsoft.com/office/powerpoint/2010/main" val="1361238431"/>
+        <p14:creationId xmlns:p14="http://schemas.microsoft.com/office/powerpoint/2010/main" xmlns="" val="1361238431"/>
       </p:ext>
     </p:extLst>
   </p:cSld>
@@ -14774,7 +14774,7 @@
     </p:spTree>
     <p:extLst>
       <p:ext uri="{BB962C8B-B14F-4D97-AF65-F5344CB8AC3E}">
-        <p14:creationId xmlns:p14="http://schemas.microsoft.com/office/powerpoint/2010/main" val="2347577460"/>
+        <p14:creationId xmlns:p14="http://schemas.microsoft.com/office/powerpoint/2010/main" xmlns="" val="2347577460"/>
       </p:ext>
     </p:extLst>
   </p:cSld>
@@ -14855,7 +14855,7 @@
           <a:blip r:embed="rId2" cstate="print">
             <a:extLst>
               <a:ext uri="{28A0092B-C50C-407E-A947-70E740481C1C}">
-                <a14:useLocalDpi xmlns:a14="http://schemas.microsoft.com/office/drawing/2010/main" val="0"/>
+                <a14:useLocalDpi xmlns:a14="http://schemas.microsoft.com/office/drawing/2010/main" xmlns="" val="0"/>
               </a:ext>
             </a:extLst>
           </a:blip>
@@ -14902,7 +14902,7 @@
     </p:spTree>
     <p:extLst>
       <p:ext uri="{BB962C8B-B14F-4D97-AF65-F5344CB8AC3E}">
-        <p14:creationId xmlns:p14="http://schemas.microsoft.com/office/powerpoint/2010/main" val="551090893"/>
+        <p14:creationId xmlns:p14="http://schemas.microsoft.com/office/powerpoint/2010/main" xmlns="" val="551090893"/>
       </p:ext>
     </p:extLst>
   </p:cSld>
@@ -14985,7 +14985,7 @@
     </p:spTree>
     <p:extLst>
       <p:ext uri="{BB962C8B-B14F-4D97-AF65-F5344CB8AC3E}">
-        <p14:creationId xmlns:p14="http://schemas.microsoft.com/office/powerpoint/2010/main" val="1912276581"/>
+        <p14:creationId xmlns:p14="http://schemas.microsoft.com/office/powerpoint/2010/main" xmlns="" val="1912276581"/>
       </p:ext>
     </p:extLst>
   </p:cSld>
@@ -15201,7 +15201,7 @@
     </p:spTree>
     <p:extLst>
       <p:ext uri="{BB962C8B-B14F-4D97-AF65-F5344CB8AC3E}">
-        <p14:creationId xmlns:p14="http://schemas.microsoft.com/office/powerpoint/2010/main" val="2625934534"/>
+        <p14:creationId xmlns:p14="http://schemas.microsoft.com/office/powerpoint/2010/main" xmlns="" val="2625934534"/>
       </p:ext>
     </p:extLst>
   </p:cSld>
@@ -15364,7 +15364,7 @@
     </p:spTree>
     <p:extLst>
       <p:ext uri="{BB962C8B-B14F-4D97-AF65-F5344CB8AC3E}">
-        <p14:creationId xmlns:p14="http://schemas.microsoft.com/office/powerpoint/2010/main" val="1400058215"/>
+        <p14:creationId xmlns:p14="http://schemas.microsoft.com/office/powerpoint/2010/main" xmlns="" val="1400058215"/>
       </p:ext>
     </p:extLst>
   </p:cSld>
@@ -15524,7 +15524,7 @@
           <p:nvPr/>
         </p:nvPicPr>
         <p:blipFill>
-          <a:blip r:embed="rId2"/>
+          <a:blip r:embed="rId2" cstate="print"/>
           <a:stretch>
             <a:fillRect/>
           </a:stretch>
@@ -15548,7 +15548,7 @@
           <p:nvPr/>
         </p:nvPicPr>
         <p:blipFill>
-          <a:blip r:embed="rId3"/>
+          <a:blip r:embed="rId3" cstate="print"/>
           <a:stretch>
             <a:fillRect/>
           </a:stretch>
@@ -15572,7 +15572,7 @@
           <p:nvPr/>
         </p:nvPicPr>
         <p:blipFill>
-          <a:blip r:embed="rId4"/>
+          <a:blip r:embed="rId4" cstate="print"/>
           <a:stretch>
             <a:fillRect/>
           </a:stretch>
@@ -15590,7 +15590,7 @@
     </p:spTree>
     <p:extLst>
       <p:ext uri="{BB962C8B-B14F-4D97-AF65-F5344CB8AC3E}">
-        <p14:creationId xmlns:p14="http://schemas.microsoft.com/office/powerpoint/2010/main" val="1165276255"/>
+        <p14:creationId xmlns:p14="http://schemas.microsoft.com/office/powerpoint/2010/main" xmlns="" val="1165276255"/>
       </p:ext>
     </p:extLst>
   </p:cSld>
@@ -15739,7 +15739,7 @@
     </p:spTree>
     <p:extLst>
       <p:ext uri="{BB962C8B-B14F-4D97-AF65-F5344CB8AC3E}">
-        <p14:creationId xmlns:p14="http://schemas.microsoft.com/office/powerpoint/2010/main" val="2972335740"/>
+        <p14:creationId xmlns:p14="http://schemas.microsoft.com/office/powerpoint/2010/main" xmlns="" val="2972335740"/>
       </p:ext>
     </p:extLst>
   </p:cSld>
@@ -15815,7 +15815,7 @@
         </p:nvSpPr>
         <p:spPr>
           <a:xfrm>
-            <a:off x="1654498" y="1468695"/>
+            <a:off x="1645354" y="1240095"/>
             <a:ext cx="10345824" cy="4893647"/>
           </a:xfrm>
           <a:prstGeom prst="rect">
@@ -15948,10 +15948,10 @@
           <p:nvPr/>
         </p:nvPicPr>
         <p:blipFill>
-          <a:blip r:embed="rId2">
+          <a:blip r:embed="rId2" cstate="print">
             <a:extLst>
               <a:ext uri="{28A0092B-C50C-407E-A947-70E740481C1C}">
-                <a14:useLocalDpi xmlns:a14="http://schemas.microsoft.com/office/drawing/2010/main" val="0"/>
+                <a14:useLocalDpi xmlns:a14="http://schemas.microsoft.com/office/drawing/2010/main" xmlns="" val="0"/>
               </a:ext>
             </a:extLst>
           </a:blip>
@@ -15961,8 +15961,8 @@
         </p:blipFill>
         <p:spPr>
           <a:xfrm>
-            <a:off x="7051249" y="2491029"/>
-            <a:ext cx="4826523" cy="4277294"/>
+            <a:off x="6737349" y="2212848"/>
+            <a:ext cx="5140424" cy="4555475"/>
           </a:xfrm>
           <a:prstGeom prst="roundRect">
             <a:avLst>
@@ -16004,10 +16004,10 @@
           <p:nvPr/>
         </p:nvPicPr>
         <p:blipFill>
-          <a:blip r:embed="rId3">
+          <a:blip r:embed="rId3" cstate="print">
             <a:extLst>
               <a:ext uri="{28A0092B-C50C-407E-A947-70E740481C1C}">
-                <a14:useLocalDpi xmlns:a14="http://schemas.microsoft.com/office/drawing/2010/main" val="0"/>
+                <a14:useLocalDpi xmlns:a14="http://schemas.microsoft.com/office/drawing/2010/main" xmlns="" val="0"/>
               </a:ext>
             </a:extLst>
           </a:blip>
@@ -16017,8 +16017,8 @@
         </p:blipFill>
         <p:spPr>
           <a:xfrm>
-            <a:off x="1654498" y="2491029"/>
-            <a:ext cx="4769962" cy="4277294"/>
+            <a:off x="1364670" y="2231136"/>
+            <a:ext cx="5059790" cy="4537187"/>
           </a:xfrm>
           <a:prstGeom prst="roundRect">
             <a:avLst>
@@ -16095,16 +16095,23 @@
         </p:nvSpPr>
         <p:spPr>
           <a:xfrm>
-            <a:off x="1536569" y="624110"/>
-            <a:ext cx="9968044" cy="1280890"/>
+            <a:off x="1783457" y="578390"/>
+            <a:ext cx="9968044" cy="857218"/>
           </a:xfrm>
         </p:spPr>
         <p:txBody>
           <a:bodyPr>
-            <a:normAutofit/>
+            <a:normAutofit fontScale="90000"/>
           </a:bodyPr>
           <a:lstStyle/>
           <a:p>
+            <a:pPr>
+              <a:buClr>
+                <a:schemeClr val="accent1"/>
+              </a:buClr>
+              <a:buFont typeface="Wingdings 3" pitchFamily="18" charset="2"/>
+              <a:buChar char=""/>
+            </a:pPr>
             <a:r>
               <a:rPr lang="en-IN" sz="3400" b="1" dirty="0">
                 <a:latin typeface="Algerian" panose="04020705040A02060702" pitchFamily="82" charset="0"/>
@@ -16141,7 +16148,7 @@
         </p:nvSpPr>
         <p:spPr>
           <a:xfrm>
-            <a:off x="1536569" y="1555423"/>
+            <a:off x="1499993" y="1445695"/>
             <a:ext cx="10303497" cy="4949072"/>
           </a:xfrm>
         </p:spPr>
@@ -16182,10 +16189,10 @@
           <p:nvPr/>
         </p:nvPicPr>
         <p:blipFill>
-          <a:blip r:embed="rId2">
+          <a:blip r:embed="rId2" cstate="print">
             <a:extLst>
               <a:ext uri="{28A0092B-C50C-407E-A947-70E740481C1C}">
-                <a14:useLocalDpi xmlns:a14="http://schemas.microsoft.com/office/drawing/2010/main" val="0"/>
+                <a14:useLocalDpi xmlns:a14="http://schemas.microsoft.com/office/drawing/2010/main" xmlns="" val="0"/>
               </a:ext>
             </a:extLst>
           </a:blip>
@@ -16232,7 +16239,7 @@
     </p:spTree>
     <p:extLst>
       <p:ext uri="{BB962C8B-B14F-4D97-AF65-F5344CB8AC3E}">
-        <p14:creationId xmlns:p14="http://schemas.microsoft.com/office/powerpoint/2010/main" val="2841187319"/>
+        <p14:creationId xmlns:p14="http://schemas.microsoft.com/office/powerpoint/2010/main" xmlns="" val="2841187319"/>
       </p:ext>
     </p:extLst>
   </p:cSld>
@@ -16486,7 +16493,7 @@
   <a:extraClrSchemeLst/>
   <a:extLst>
     <a:ext uri="{05A4C25C-085E-4340-85A3-A5531E510DB2}">
-      <thm15:themeFamily xmlns:thm15="http://schemas.microsoft.com/office/thememl/2012/main" name="Wisp" id="{7CB32D59-10C0-40DD-B7BD-2E94284A981C}" vid="{F20B7C8E-B819-43F3-AAF9-EE50B1A83630}"/>
+      <thm15:themeFamily xmlns:thm15="http://schemas.microsoft.com/office/thememl/2012/main" xmlns="" name="Wisp" id="{7CB32D59-10C0-40DD-B7BD-2E94284A981C}" vid="{F20B7C8E-B819-43F3-AAF9-EE50B1A83630}"/>
     </a:ext>
   </a:extLst>
 </a:theme>
@@ -16747,7 +16754,7 @@
   <a:extraClrSchemeLst/>
   <a:extLst>
     <a:ext uri="{05A4C25C-085E-4340-85A3-A5531E510DB2}">
-      <thm15:themeFamily xmlns:thm15="http://schemas.microsoft.com/office/thememl/2012/main" name="Office Theme" id="{62F939B6-93AF-4DB8-9C6B-D6C7DFDC589F}" vid="{4A3C46E8-61CC-4603-A589-7422A47A8E4A}"/>
+      <thm15:themeFamily xmlns:thm15="http://schemas.microsoft.com/office/thememl/2012/main" xmlns="" name="Office Theme" id="{62F939B6-93AF-4DB8-9C6B-D6C7DFDC589F}" vid="{4A3C46E8-61CC-4603-A589-7422A47A8E4A}"/>
     </a:ext>
   </a:extLst>
 </a:theme>

--- a/Project letrature/IMAGE_STEGNOGRAPHY_USING_PYTHON.pptx
+++ b/Project letrature/IMAGE_STEGNOGRAPHY_USING_PYTHON.pptx
@@ -138,7 +138,7 @@
   </p:defaultTextStyle>
   <p:extLst>
     <p:ext uri="{521415D9-36F7-43E2-AB2F-B90AF26B5E84}">
-      <p14:sectionLst xmlns:p14="http://schemas.microsoft.com/office/powerpoint/2010/main" xmlns="">
+      <p14:sectionLst xmlns="" xmlns:p14="http://schemas.microsoft.com/office/powerpoint/2010/main">
         <p14:section name="Default Section" id="{1709AB17-A0DF-4151-9302-FDFCA00A6D75}">
           <p14:sldIdLst>
             <p14:sldId id="256"/>
@@ -176,7 +176,7 @@
       </p14:sectionLst>
     </p:ext>
     <p:ext uri="{EFAFB233-063F-42B5-8137-9DF3F51BA10A}">
-      <p15:sldGuideLst xmlns:p15="http://schemas.microsoft.com/office/powerpoint/2012/main" xmlns="">
+      <p15:sldGuideLst xmlns="" xmlns:p15="http://schemas.microsoft.com/office/powerpoint/2012/main">
         <p15:guide id="1" orient="horz" pos="2160">
           <p15:clr>
             <a:srgbClr val="A4A3A4"/>
@@ -198,7 +198,7 @@
   <p:cmAuthor id="1" name="Tarun Verma" initials="TV" lastIdx="2" clrIdx="0">
     <p:extLst>
       <p:ext uri="{19B8F6BF-5375-455C-9EA6-DF929625EA0E}">
-        <p15:presenceInfo xmlns:p15="http://schemas.microsoft.com/office/powerpoint/2012/main" xmlns="" userId="12328a8a1cac093b" providerId="Windows Live"/>
+        <p15:presenceInfo xmlns="" xmlns:p15="http://schemas.microsoft.com/office/powerpoint/2012/main" userId="12328a8a1cac093b" providerId="Windows Live"/>
       </p:ext>
     </p:extLst>
   </p:cmAuthor>
@@ -212,7 +212,7 @@
     <p:text/>
     <p:extLst>
       <p:ext uri="{C676402C-5697-4E1C-873F-D02D1690AC5C}">
-        <p15:threadingInfo xmlns:p15="http://schemas.microsoft.com/office/powerpoint/2012/main" xmlns="" timeZoneBias="-330"/>
+        <p15:threadingInfo xmlns="" xmlns:p15="http://schemas.microsoft.com/office/powerpoint/2012/main" timeZoneBias="-330"/>
       </p:ext>
     </p:extLst>
   </p:cm>
@@ -226,7 +226,7 @@
     <p:text/>
     <p:extLst>
       <p:ext uri="{C676402C-5697-4E1C-873F-D02D1690AC5C}">
-        <p15:threadingInfo xmlns:p15="http://schemas.microsoft.com/office/powerpoint/2012/main" xmlns="" timeZoneBias="-330"/>
+        <p15:threadingInfo xmlns="" xmlns:p15="http://schemas.microsoft.com/office/powerpoint/2012/main" timeZoneBias="-330"/>
       </p:ext>
     </p:extLst>
   </p:cm>
@@ -485,7 +485,7 @@
     </p:spTree>
     <p:extLst>
       <p:ext uri="{BB962C8B-B14F-4D97-AF65-F5344CB8AC3E}">
-        <p14:creationId xmlns:p14="http://schemas.microsoft.com/office/powerpoint/2010/main" xmlns="" val="2598052617"/>
+        <p14:creationId xmlns="" xmlns:p14="http://schemas.microsoft.com/office/powerpoint/2010/main" val="2598052617"/>
       </p:ext>
     </p:extLst>
   </p:cSld>
@@ -913,7 +913,7 @@
     </p:spTree>
     <p:extLst>
       <p:ext uri="{BB962C8B-B14F-4D97-AF65-F5344CB8AC3E}">
-        <p14:creationId xmlns:p14="http://schemas.microsoft.com/office/powerpoint/2010/main" xmlns="" val="2832675995"/>
+        <p14:creationId xmlns="" xmlns:p14="http://schemas.microsoft.com/office/powerpoint/2010/main" val="2832675995"/>
       </p:ext>
     </p:extLst>
   </p:cSld>
@@ -1253,7 +1253,7 @@
     </p:spTree>
     <p:extLst>
       <p:ext uri="{BB962C8B-B14F-4D97-AF65-F5344CB8AC3E}">
-        <p14:creationId xmlns:p14="http://schemas.microsoft.com/office/powerpoint/2010/main" xmlns="" val="1136343294"/>
+        <p14:creationId xmlns="" xmlns:p14="http://schemas.microsoft.com/office/powerpoint/2010/main" val="1136343294"/>
       </p:ext>
     </p:extLst>
   </p:cSld>
@@ -1732,7 +1732,7 @@
     </p:spTree>
     <p:extLst>
       <p:ext uri="{BB962C8B-B14F-4D97-AF65-F5344CB8AC3E}">
-        <p14:creationId xmlns:p14="http://schemas.microsoft.com/office/powerpoint/2010/main" xmlns="" val="1584917057"/>
+        <p14:creationId xmlns="" xmlns:p14="http://schemas.microsoft.com/office/powerpoint/2010/main" val="1584917057"/>
       </p:ext>
     </p:extLst>
   </p:cSld>
@@ -1994,7 +1994,7 @@
     </p:spTree>
     <p:extLst>
       <p:ext uri="{BB962C8B-B14F-4D97-AF65-F5344CB8AC3E}">
-        <p14:creationId xmlns:p14="http://schemas.microsoft.com/office/powerpoint/2010/main" xmlns="" val="1255812982"/>
+        <p14:creationId xmlns="" xmlns:p14="http://schemas.microsoft.com/office/powerpoint/2010/main" val="1255812982"/>
       </p:ext>
     </p:extLst>
   </p:cSld>
@@ -2392,7 +2392,7 @@
     </p:spTree>
     <p:extLst>
       <p:ext uri="{BB962C8B-B14F-4D97-AF65-F5344CB8AC3E}">
-        <p14:creationId xmlns:p14="http://schemas.microsoft.com/office/powerpoint/2010/main" xmlns="" val="3619512775"/>
+        <p14:creationId xmlns="" xmlns:p14="http://schemas.microsoft.com/office/powerpoint/2010/main" val="3619512775"/>
       </p:ext>
     </p:extLst>
   </p:cSld>
@@ -2714,7 +2714,7 @@
     </p:spTree>
     <p:extLst>
       <p:ext uri="{BB962C8B-B14F-4D97-AF65-F5344CB8AC3E}">
-        <p14:creationId xmlns:p14="http://schemas.microsoft.com/office/powerpoint/2010/main" xmlns="" val="3559520111"/>
+        <p14:creationId xmlns="" xmlns:p14="http://schemas.microsoft.com/office/powerpoint/2010/main" val="3559520111"/>
       </p:ext>
     </p:extLst>
   </p:cSld>
@@ -2968,7 +2968,7 @@
     </p:spTree>
     <p:extLst>
       <p:ext uri="{BB962C8B-B14F-4D97-AF65-F5344CB8AC3E}">
-        <p14:creationId xmlns:p14="http://schemas.microsoft.com/office/powerpoint/2010/main" xmlns="" val="1506902780"/>
+        <p14:creationId xmlns="" xmlns:p14="http://schemas.microsoft.com/office/powerpoint/2010/main" val="1506902780"/>
       </p:ext>
     </p:extLst>
   </p:cSld>
@@ -3232,7 +3232,7 @@
     </p:spTree>
     <p:extLst>
       <p:ext uri="{BB962C8B-B14F-4D97-AF65-F5344CB8AC3E}">
-        <p14:creationId xmlns:p14="http://schemas.microsoft.com/office/powerpoint/2010/main" xmlns="" val="369909214"/>
+        <p14:creationId xmlns="" xmlns:p14="http://schemas.microsoft.com/office/powerpoint/2010/main" val="369909214"/>
       </p:ext>
     </p:extLst>
   </p:cSld>
@@ -3496,7 +3496,7 @@
     </p:spTree>
     <p:extLst>
       <p:ext uri="{BB962C8B-B14F-4D97-AF65-F5344CB8AC3E}">
-        <p14:creationId xmlns:p14="http://schemas.microsoft.com/office/powerpoint/2010/main" xmlns="" val="3017200259"/>
+        <p14:creationId xmlns="" xmlns:p14="http://schemas.microsoft.com/office/powerpoint/2010/main" val="3017200259"/>
       </p:ext>
     </p:extLst>
   </p:cSld>
@@ -3832,7 +3832,7 @@
     </p:spTree>
     <p:extLst>
       <p:ext uri="{BB962C8B-B14F-4D97-AF65-F5344CB8AC3E}">
-        <p14:creationId xmlns:p14="http://schemas.microsoft.com/office/powerpoint/2010/main" xmlns="" val="2732314535"/>
+        <p14:creationId xmlns="" xmlns:p14="http://schemas.microsoft.com/office/powerpoint/2010/main" val="2732314535"/>
       </p:ext>
     </p:extLst>
   </p:cSld>
@@ -4157,7 +4157,7 @@
     </p:spTree>
     <p:extLst>
       <p:ext uri="{BB962C8B-B14F-4D97-AF65-F5344CB8AC3E}">
-        <p14:creationId xmlns:p14="http://schemas.microsoft.com/office/powerpoint/2010/main" xmlns="" val="2944525080"/>
+        <p14:creationId xmlns="" xmlns:p14="http://schemas.microsoft.com/office/powerpoint/2010/main" val="2944525080"/>
       </p:ext>
     </p:extLst>
   </p:cSld>
@@ -4616,7 +4616,7 @@
     </p:spTree>
     <p:extLst>
       <p:ext uri="{BB962C8B-B14F-4D97-AF65-F5344CB8AC3E}">
-        <p14:creationId xmlns:p14="http://schemas.microsoft.com/office/powerpoint/2010/main" xmlns="" val="2552920587"/>
+        <p14:creationId xmlns="" xmlns:p14="http://schemas.microsoft.com/office/powerpoint/2010/main" val="2552920587"/>
       </p:ext>
     </p:extLst>
   </p:cSld>
@@ -4818,7 +4818,7 @@
     </p:spTree>
     <p:extLst>
       <p:ext uri="{BB962C8B-B14F-4D97-AF65-F5344CB8AC3E}">
-        <p14:creationId xmlns:p14="http://schemas.microsoft.com/office/powerpoint/2010/main" xmlns="" val="746962661"/>
+        <p14:creationId xmlns="" xmlns:p14="http://schemas.microsoft.com/office/powerpoint/2010/main" val="746962661"/>
       </p:ext>
     </p:extLst>
   </p:cSld>
@@ -4997,7 +4997,7 @@
     </p:spTree>
     <p:extLst>
       <p:ext uri="{BB962C8B-B14F-4D97-AF65-F5344CB8AC3E}">
-        <p14:creationId xmlns:p14="http://schemas.microsoft.com/office/powerpoint/2010/main" xmlns="" val="1124397907"/>
+        <p14:creationId xmlns="" xmlns:p14="http://schemas.microsoft.com/office/powerpoint/2010/main" val="1124397907"/>
       </p:ext>
     </p:extLst>
   </p:cSld>
@@ -5332,7 +5332,7 @@
     </p:spTree>
     <p:extLst>
       <p:ext uri="{BB962C8B-B14F-4D97-AF65-F5344CB8AC3E}">
-        <p14:creationId xmlns:p14="http://schemas.microsoft.com/office/powerpoint/2010/main" xmlns="" val="767815197"/>
+        <p14:creationId xmlns="" xmlns:p14="http://schemas.microsoft.com/office/powerpoint/2010/main" val="767815197"/>
       </p:ext>
     </p:extLst>
   </p:cSld>
@@ -5684,7 +5684,7 @@
     </p:spTree>
     <p:extLst>
       <p:ext uri="{BB962C8B-B14F-4D97-AF65-F5344CB8AC3E}">
-        <p14:creationId xmlns:p14="http://schemas.microsoft.com/office/powerpoint/2010/main" xmlns="" val="2825805858"/>
+        <p14:creationId xmlns="" xmlns:p14="http://schemas.microsoft.com/office/powerpoint/2010/main" val="2825805858"/>
       </p:ext>
     </p:extLst>
   </p:cSld>
@@ -7687,7 +7687,7 @@
     </p:spTree>
     <p:extLst>
       <p:ext uri="{BB962C8B-B14F-4D97-AF65-F5344CB8AC3E}">
-        <p14:creationId xmlns:p14="http://schemas.microsoft.com/office/powerpoint/2010/main" xmlns="" val="3788863745"/>
+        <p14:creationId xmlns="" xmlns:p14="http://schemas.microsoft.com/office/powerpoint/2010/main" val="3788863745"/>
       </p:ext>
     </p:extLst>
   </p:cSld>
@@ -8262,7 +8262,7 @@
     </p:spTree>
     <p:extLst>
       <p:ext uri="{BB962C8B-B14F-4D97-AF65-F5344CB8AC3E}">
-        <p14:creationId xmlns:p14="http://schemas.microsoft.com/office/powerpoint/2010/main" xmlns="" val="2724423283"/>
+        <p14:creationId xmlns="" xmlns:p14="http://schemas.microsoft.com/office/powerpoint/2010/main" val="2724423283"/>
       </p:ext>
     </p:extLst>
   </p:cSld>
@@ -8346,7 +8346,7 @@
           <a:blip r:embed="rId2" cstate="print">
             <a:extLst>
               <a:ext uri="{28A0092B-C50C-407E-A947-70E740481C1C}">
-                <a14:useLocalDpi xmlns:a14="http://schemas.microsoft.com/office/drawing/2010/main" xmlns="" val="0"/>
+                <a14:useLocalDpi xmlns="" xmlns:a14="http://schemas.microsoft.com/office/drawing/2010/main" val="0"/>
               </a:ext>
             </a:extLst>
           </a:blip>
@@ -8393,7 +8393,7 @@
     </p:spTree>
     <p:extLst>
       <p:ext uri="{BB962C8B-B14F-4D97-AF65-F5344CB8AC3E}">
-        <p14:creationId xmlns:p14="http://schemas.microsoft.com/office/powerpoint/2010/main" xmlns="" val="110383111"/>
+        <p14:creationId xmlns="" xmlns:p14="http://schemas.microsoft.com/office/powerpoint/2010/main" val="110383111"/>
       </p:ext>
     </p:extLst>
   </p:cSld>
@@ -11088,34 +11088,36 @@
           </a:p>
         </p:txBody>
       </p:sp>
-      <p:sp>
-        <p:nvSpPr>
-          <p:cNvPr id="3" name="Content Placeholder 2"/>
-          <p:cNvSpPr>
-            <a:spLocks noGrp="1"/>
-          </p:cNvSpPr>
-          <p:nvPr>
-            <p:ph idx="1"/>
-          </p:nvPr>
-        </p:nvSpPr>
-        <p:spPr>
+      <p:pic>
+        <p:nvPicPr>
+          <p:cNvPr id="1026" name="Picture 2" descr="C:\Users\himes\notebooks\Project letrature\Class_digram\class_diagram.png"/>
+          <p:cNvPicPr>
+            <a:picLocks noChangeAspect="1" noChangeArrowheads="1"/>
+          </p:cNvPicPr>
+          <p:nvPr/>
+        </p:nvPicPr>
+        <p:blipFill>
+          <a:blip r:embed="rId2" cstate="print"/>
+          <a:srcRect/>
+          <a:stretch>
+            <a:fillRect/>
+          </a:stretch>
+        </p:blipFill>
+        <p:spPr bwMode="auto">
           <a:xfrm>
-            <a:off x="1659671" y="1696825"/>
-            <a:ext cx="10170968" cy="4609707"/>
-          </a:xfrm>
-        </p:spPr>
-        <p:txBody>
-          <a:bodyPr/>
-          <a:lstStyle/>
-          <a:p>
-            <a:endParaRPr lang="en-IN" dirty="0"/>
-          </a:p>
-        </p:txBody>
-      </p:sp>
+            <a:off x="2066544" y="1255857"/>
+            <a:ext cx="8165592" cy="5424176"/>
+          </a:xfrm>
+          <a:prstGeom prst="rect">
+            <a:avLst/>
+          </a:prstGeom>
+          <a:noFill/>
+        </p:spPr>
+      </p:pic>
     </p:spTree>
     <p:extLst>
       <p:ext uri="{BB962C8B-B14F-4D97-AF65-F5344CB8AC3E}">
-        <p14:creationId xmlns:p14="http://schemas.microsoft.com/office/powerpoint/2010/main" xmlns="" val="1974539145"/>
+        <p14:creationId xmlns="" xmlns:p14="http://schemas.microsoft.com/office/powerpoint/2010/main" val="1974539145"/>
       </p:ext>
     </p:extLst>
   </p:cSld>
@@ -11269,7 +11271,7 @@
     </p:spTree>
     <p:extLst>
       <p:ext uri="{BB962C8B-B14F-4D97-AF65-F5344CB8AC3E}">
-        <p14:creationId xmlns:p14="http://schemas.microsoft.com/office/powerpoint/2010/main" xmlns="" val="1717095262"/>
+        <p14:creationId xmlns="" xmlns:p14="http://schemas.microsoft.com/office/powerpoint/2010/main" val="1717095262"/>
       </p:ext>
     </p:extLst>
   </p:cSld>
@@ -11489,7 +11491,7 @@
     </p:spTree>
     <p:extLst>
       <p:ext uri="{BB962C8B-B14F-4D97-AF65-F5344CB8AC3E}">
-        <p14:creationId xmlns:p14="http://schemas.microsoft.com/office/powerpoint/2010/main" xmlns="" val="2052618121"/>
+        <p14:creationId xmlns="" xmlns:p14="http://schemas.microsoft.com/office/powerpoint/2010/main" val="2052618121"/>
       </p:ext>
     </p:extLst>
   </p:cSld>
@@ -11663,7 +11665,7 @@
     </p:spTree>
     <p:extLst>
       <p:ext uri="{BB962C8B-B14F-4D97-AF65-F5344CB8AC3E}">
-        <p14:creationId xmlns:p14="http://schemas.microsoft.com/office/powerpoint/2010/main" xmlns="" val="2992944003"/>
+        <p14:creationId xmlns="" xmlns:p14="http://schemas.microsoft.com/office/powerpoint/2010/main" val="2992944003"/>
       </p:ext>
     </p:extLst>
   </p:cSld>
@@ -11853,7 +11855,7 @@
     </p:spTree>
     <p:extLst>
       <p:ext uri="{BB962C8B-B14F-4D97-AF65-F5344CB8AC3E}">
-        <p14:creationId xmlns:p14="http://schemas.microsoft.com/office/powerpoint/2010/main" xmlns="" val="3968908613"/>
+        <p14:creationId xmlns="" xmlns:p14="http://schemas.microsoft.com/office/powerpoint/2010/main" val="3968908613"/>
       </p:ext>
     </p:extLst>
   </p:cSld>
@@ -12090,7 +12092,7 @@
     </p:spTree>
     <p:extLst>
       <p:ext uri="{BB962C8B-B14F-4D97-AF65-F5344CB8AC3E}">
-        <p14:creationId xmlns:p14="http://schemas.microsoft.com/office/powerpoint/2010/main" xmlns="" val="1379778435"/>
+        <p14:creationId xmlns="" xmlns:p14="http://schemas.microsoft.com/office/powerpoint/2010/main" val="1379778435"/>
       </p:ext>
     </p:extLst>
   </p:cSld>
@@ -12195,7 +12197,7 @@
     </p:spTree>
     <p:extLst>
       <p:ext uri="{BB962C8B-B14F-4D97-AF65-F5344CB8AC3E}">
-        <p14:creationId xmlns:p14="http://schemas.microsoft.com/office/powerpoint/2010/main" xmlns="" val="3097096989"/>
+        <p14:creationId xmlns="" xmlns:p14="http://schemas.microsoft.com/office/powerpoint/2010/main" val="3097096989"/>
       </p:ext>
     </p:extLst>
   </p:cSld>
@@ -12298,7 +12300,7 @@
     </p:spTree>
     <p:extLst>
       <p:ext uri="{BB962C8B-B14F-4D97-AF65-F5344CB8AC3E}">
-        <p14:creationId xmlns:p14="http://schemas.microsoft.com/office/powerpoint/2010/main" xmlns="" val="3184472628"/>
+        <p14:creationId xmlns="" xmlns:p14="http://schemas.microsoft.com/office/powerpoint/2010/main" val="3184472628"/>
       </p:ext>
     </p:extLst>
   </p:cSld>
@@ -12523,7 +12525,7 @@
     </p:spTree>
     <p:extLst>
       <p:ext uri="{BB962C8B-B14F-4D97-AF65-F5344CB8AC3E}">
-        <p14:creationId xmlns:p14="http://schemas.microsoft.com/office/powerpoint/2010/main" xmlns="" val="1027228061"/>
+        <p14:creationId xmlns="" xmlns:p14="http://schemas.microsoft.com/office/powerpoint/2010/main" val="1027228061"/>
       </p:ext>
     </p:extLst>
   </p:cSld>
@@ -12678,7 +12680,7 @@
     </p:spTree>
     <p:extLst>
       <p:ext uri="{BB962C8B-B14F-4D97-AF65-F5344CB8AC3E}">
-        <p14:creationId xmlns:p14="http://schemas.microsoft.com/office/powerpoint/2010/main" xmlns="" val="2020973106"/>
+        <p14:creationId xmlns="" xmlns:p14="http://schemas.microsoft.com/office/powerpoint/2010/main" val="2020973106"/>
       </p:ext>
     </p:extLst>
   </p:cSld>
@@ -13672,7 +13674,7 @@
     </p:spTree>
     <p:extLst>
       <p:ext uri="{BB962C8B-B14F-4D97-AF65-F5344CB8AC3E}">
-        <p14:creationId xmlns:p14="http://schemas.microsoft.com/office/powerpoint/2010/main" xmlns="" val="1361238431"/>
+        <p14:creationId xmlns="" xmlns:p14="http://schemas.microsoft.com/office/powerpoint/2010/main" val="1361238431"/>
       </p:ext>
     </p:extLst>
   </p:cSld>
@@ -14774,7 +14776,7 @@
     </p:spTree>
     <p:extLst>
       <p:ext uri="{BB962C8B-B14F-4D97-AF65-F5344CB8AC3E}">
-        <p14:creationId xmlns:p14="http://schemas.microsoft.com/office/powerpoint/2010/main" xmlns="" val="2347577460"/>
+        <p14:creationId xmlns="" xmlns:p14="http://schemas.microsoft.com/office/powerpoint/2010/main" val="2347577460"/>
       </p:ext>
     </p:extLst>
   </p:cSld>
@@ -14855,7 +14857,7 @@
           <a:blip r:embed="rId2" cstate="print">
             <a:extLst>
               <a:ext uri="{28A0092B-C50C-407E-A947-70E740481C1C}">
-                <a14:useLocalDpi xmlns:a14="http://schemas.microsoft.com/office/drawing/2010/main" xmlns="" val="0"/>
+                <a14:useLocalDpi xmlns="" xmlns:a14="http://schemas.microsoft.com/office/drawing/2010/main" val="0"/>
               </a:ext>
             </a:extLst>
           </a:blip>
@@ -14902,7 +14904,7 @@
     </p:spTree>
     <p:extLst>
       <p:ext uri="{BB962C8B-B14F-4D97-AF65-F5344CB8AC3E}">
-        <p14:creationId xmlns:p14="http://schemas.microsoft.com/office/powerpoint/2010/main" xmlns="" val="551090893"/>
+        <p14:creationId xmlns="" xmlns:p14="http://schemas.microsoft.com/office/powerpoint/2010/main" val="551090893"/>
       </p:ext>
     </p:extLst>
   </p:cSld>
@@ -14985,7 +14987,7 @@
     </p:spTree>
     <p:extLst>
       <p:ext uri="{BB962C8B-B14F-4D97-AF65-F5344CB8AC3E}">
-        <p14:creationId xmlns:p14="http://schemas.microsoft.com/office/powerpoint/2010/main" xmlns="" val="1912276581"/>
+        <p14:creationId xmlns="" xmlns:p14="http://schemas.microsoft.com/office/powerpoint/2010/main" val="1912276581"/>
       </p:ext>
     </p:extLst>
   </p:cSld>
@@ -15201,7 +15203,7 @@
     </p:spTree>
     <p:extLst>
       <p:ext uri="{BB962C8B-B14F-4D97-AF65-F5344CB8AC3E}">
-        <p14:creationId xmlns:p14="http://schemas.microsoft.com/office/powerpoint/2010/main" xmlns="" val="2625934534"/>
+        <p14:creationId xmlns="" xmlns:p14="http://schemas.microsoft.com/office/powerpoint/2010/main" val="2625934534"/>
       </p:ext>
     </p:extLst>
   </p:cSld>
@@ -15364,7 +15366,7 @@
     </p:spTree>
     <p:extLst>
       <p:ext uri="{BB962C8B-B14F-4D97-AF65-F5344CB8AC3E}">
-        <p14:creationId xmlns:p14="http://schemas.microsoft.com/office/powerpoint/2010/main" xmlns="" val="1400058215"/>
+        <p14:creationId xmlns="" xmlns:p14="http://schemas.microsoft.com/office/powerpoint/2010/main" val="1400058215"/>
       </p:ext>
     </p:extLst>
   </p:cSld>
@@ -15590,7 +15592,7 @@
     </p:spTree>
     <p:extLst>
       <p:ext uri="{BB962C8B-B14F-4D97-AF65-F5344CB8AC3E}">
-        <p14:creationId xmlns:p14="http://schemas.microsoft.com/office/powerpoint/2010/main" xmlns="" val="1165276255"/>
+        <p14:creationId xmlns="" xmlns:p14="http://schemas.microsoft.com/office/powerpoint/2010/main" val="1165276255"/>
       </p:ext>
     </p:extLst>
   </p:cSld>
@@ -15739,7 +15741,7 @@
     </p:spTree>
     <p:extLst>
       <p:ext uri="{BB962C8B-B14F-4D97-AF65-F5344CB8AC3E}">
-        <p14:creationId xmlns:p14="http://schemas.microsoft.com/office/powerpoint/2010/main" xmlns="" val="2972335740"/>
+        <p14:creationId xmlns="" xmlns:p14="http://schemas.microsoft.com/office/powerpoint/2010/main" val="2972335740"/>
       </p:ext>
     </p:extLst>
   </p:cSld>
@@ -15951,7 +15953,7 @@
           <a:blip r:embed="rId2" cstate="print">
             <a:extLst>
               <a:ext uri="{28A0092B-C50C-407E-A947-70E740481C1C}">
-                <a14:useLocalDpi xmlns:a14="http://schemas.microsoft.com/office/drawing/2010/main" xmlns="" val="0"/>
+                <a14:useLocalDpi xmlns="" xmlns:a14="http://schemas.microsoft.com/office/drawing/2010/main" val="0"/>
               </a:ext>
             </a:extLst>
           </a:blip>
@@ -16007,7 +16009,7 @@
           <a:blip r:embed="rId3" cstate="print">
             <a:extLst>
               <a:ext uri="{28A0092B-C50C-407E-A947-70E740481C1C}">
-                <a14:useLocalDpi xmlns:a14="http://schemas.microsoft.com/office/drawing/2010/main" xmlns="" val="0"/>
+                <a14:useLocalDpi xmlns="" xmlns:a14="http://schemas.microsoft.com/office/drawing/2010/main" val="0"/>
               </a:ext>
             </a:extLst>
           </a:blip>
@@ -16192,7 +16194,7 @@
           <a:blip r:embed="rId2" cstate="print">
             <a:extLst>
               <a:ext uri="{28A0092B-C50C-407E-A947-70E740481C1C}">
-                <a14:useLocalDpi xmlns:a14="http://schemas.microsoft.com/office/drawing/2010/main" xmlns="" val="0"/>
+                <a14:useLocalDpi xmlns="" xmlns:a14="http://schemas.microsoft.com/office/drawing/2010/main" val="0"/>
               </a:ext>
             </a:extLst>
           </a:blip>
@@ -16239,7 +16241,7 @@
     </p:spTree>
     <p:extLst>
       <p:ext uri="{BB962C8B-B14F-4D97-AF65-F5344CB8AC3E}">
-        <p14:creationId xmlns:p14="http://schemas.microsoft.com/office/powerpoint/2010/main" xmlns="" val="2841187319"/>
+        <p14:creationId xmlns="" xmlns:p14="http://schemas.microsoft.com/office/powerpoint/2010/main" val="2841187319"/>
       </p:ext>
     </p:extLst>
   </p:cSld>
@@ -16493,7 +16495,7 @@
   <a:extraClrSchemeLst/>
   <a:extLst>
     <a:ext uri="{05A4C25C-085E-4340-85A3-A5531E510DB2}">
-      <thm15:themeFamily xmlns:thm15="http://schemas.microsoft.com/office/thememl/2012/main" xmlns="" name="Wisp" id="{7CB32D59-10C0-40DD-B7BD-2E94284A981C}" vid="{F20B7C8E-B819-43F3-AAF9-EE50B1A83630}"/>
+      <thm15:themeFamily xmlns="" xmlns:thm15="http://schemas.microsoft.com/office/thememl/2012/main" name="Wisp" id="{7CB32D59-10C0-40DD-B7BD-2E94284A981C}" vid="{F20B7C8E-B819-43F3-AAF9-EE50B1A83630}"/>
     </a:ext>
   </a:extLst>
 </a:theme>
@@ -16754,7 +16756,7 @@
   <a:extraClrSchemeLst/>
   <a:extLst>
     <a:ext uri="{05A4C25C-085E-4340-85A3-A5531E510DB2}">
-      <thm15:themeFamily xmlns:thm15="http://schemas.microsoft.com/office/thememl/2012/main" xmlns="" name="Office Theme" id="{62F939B6-93AF-4DB8-9C6B-D6C7DFDC589F}" vid="{4A3C46E8-61CC-4603-A589-7422A47A8E4A}"/>
+      <thm15:themeFamily xmlns="" xmlns:thm15="http://schemas.microsoft.com/office/thememl/2012/main" name="Office Theme" id="{62F939B6-93AF-4DB8-9C6B-D6C7DFDC589F}" vid="{4A3C46E8-61CC-4603-A589-7422A47A8E4A}"/>
     </a:ext>
   </a:extLst>
 </a:theme>

--- a/Project letrature/IMAGE_STEGNOGRAPHY_USING_PYTHON.pptx
+++ b/Project letrature/IMAGE_STEGNOGRAPHY_USING_PYTHON.pptx
@@ -5,7 +5,7 @@
     <p:sldMasterId id="2147483810" r:id="rId1"/>
   </p:sldMasterIdLst>
   <p:notesMasterIdLst>
-    <p:notesMasterId r:id="rId32"/>
+    <p:notesMasterId r:id="rId33"/>
   </p:notesMasterIdLst>
   <p:sldIdLst>
     <p:sldId id="256" r:id="rId2"/>
@@ -28,16 +28,17 @@
     <p:sldId id="287" r:id="rId19"/>
     <p:sldId id="264" r:id="rId20"/>
     <p:sldId id="265" r:id="rId21"/>
-    <p:sldId id="266" r:id="rId22"/>
-    <p:sldId id="267" r:id="rId23"/>
-    <p:sldId id="270" r:id="rId24"/>
-    <p:sldId id="272" r:id="rId25"/>
-    <p:sldId id="268" r:id="rId26"/>
-    <p:sldId id="269" r:id="rId27"/>
-    <p:sldId id="282" r:id="rId28"/>
-    <p:sldId id="260" r:id="rId29"/>
-    <p:sldId id="274" r:id="rId30"/>
-    <p:sldId id="261" r:id="rId31"/>
+    <p:sldId id="288" r:id="rId22"/>
+    <p:sldId id="266" r:id="rId23"/>
+    <p:sldId id="267" r:id="rId24"/>
+    <p:sldId id="270" r:id="rId25"/>
+    <p:sldId id="272" r:id="rId26"/>
+    <p:sldId id="268" r:id="rId27"/>
+    <p:sldId id="269" r:id="rId28"/>
+    <p:sldId id="282" r:id="rId29"/>
+    <p:sldId id="260" r:id="rId30"/>
+    <p:sldId id="274" r:id="rId31"/>
+    <p:sldId id="261" r:id="rId32"/>
   </p:sldIdLst>
   <p:sldSz cx="12192000" cy="6858000"/>
   <p:notesSz cx="6858000" cy="9144000"/>
@@ -161,6 +162,7 @@
             <p14:sldId id="287"/>
             <p14:sldId id="264"/>
             <p14:sldId id="265"/>
+            <p14:sldId id="288"/>
             <p14:sldId id="266"/>
             <p14:sldId id="267"/>
             <p14:sldId id="270"/>
@@ -316,7 +318,7 @@
             <a:fld id="{1252D0FE-5E30-45DE-9C63-F50EB893C606}" type="datetimeFigureOut">
               <a:rPr lang="en-IN" smtClean="0"/>
               <a:pPr/>
-              <a:t>26-04-2020</a:t>
+              <a:t>27-04-2020</a:t>
             </a:fld>
             <a:endParaRPr lang="en-IN"/>
           </a:p>
@@ -774,7 +776,7 @@
             <a:fld id="{2F669B78-F9AA-4692-8AFB-7CA7ABB16088}" type="datetimeFigureOut">
               <a:rPr lang="en-IN" smtClean="0"/>
               <a:pPr/>
-              <a:t>26-04-2020</a:t>
+              <a:t>27-04-2020</a:t>
             </a:fld>
             <a:endParaRPr lang="en-IN"/>
           </a:p>
@@ -1114,7 +1116,7 @@
             <a:fld id="{2F669B78-F9AA-4692-8AFB-7CA7ABB16088}" type="datetimeFigureOut">
               <a:rPr lang="en-IN" smtClean="0"/>
               <a:pPr/>
-              <a:t>26-04-2020</a:t>
+              <a:t>27-04-2020</a:t>
             </a:fld>
             <a:endParaRPr lang="en-IN"/>
           </a:p>
@@ -1517,7 +1519,7 @@
             <a:fld id="{2F669B78-F9AA-4692-8AFB-7CA7ABB16088}" type="datetimeFigureOut">
               <a:rPr lang="en-IN" smtClean="0"/>
               <a:pPr/>
-              <a:t>26-04-2020</a:t>
+              <a:t>27-04-2020</a:t>
             </a:fld>
             <a:endParaRPr lang="en-IN"/>
           </a:p>
@@ -1855,7 +1857,7 @@
             <a:fld id="{2F669B78-F9AA-4692-8AFB-7CA7ABB16088}" type="datetimeFigureOut">
               <a:rPr lang="en-IN" smtClean="0"/>
               <a:pPr/>
-              <a:t>26-04-2020</a:t>
+              <a:t>27-04-2020</a:t>
             </a:fld>
             <a:endParaRPr lang="en-IN"/>
           </a:p>
@@ -2177,7 +2179,7 @@
             <a:fld id="{2F669B78-F9AA-4692-8AFB-7CA7ABB16088}" type="datetimeFigureOut">
               <a:rPr lang="en-IN" smtClean="0"/>
               <a:pPr/>
-              <a:t>26-04-2020</a:t>
+              <a:t>27-04-2020</a:t>
             </a:fld>
             <a:endParaRPr lang="en-IN"/>
           </a:p>
@@ -2575,7 +2577,7 @@
             <a:fld id="{2F669B78-F9AA-4692-8AFB-7CA7ABB16088}" type="datetimeFigureOut">
               <a:rPr lang="en-IN" smtClean="0"/>
               <a:pPr/>
-              <a:t>26-04-2020</a:t>
+              <a:t>27-04-2020</a:t>
             </a:fld>
             <a:endParaRPr lang="en-IN"/>
           </a:p>
@@ -2834,7 +2836,7 @@
             <a:fld id="{2F669B78-F9AA-4692-8AFB-7CA7ABB16088}" type="datetimeFigureOut">
               <a:rPr lang="en-IN" smtClean="0"/>
               <a:pPr/>
-              <a:t>26-04-2020</a:t>
+              <a:t>27-04-2020</a:t>
             </a:fld>
             <a:endParaRPr lang="en-IN"/>
           </a:p>
@@ -3098,7 +3100,7 @@
             <a:fld id="{2F669B78-F9AA-4692-8AFB-7CA7ABB16088}" type="datetimeFigureOut">
               <a:rPr lang="en-IN" smtClean="0"/>
               <a:pPr/>
-              <a:t>26-04-2020</a:t>
+              <a:t>27-04-2020</a:t>
             </a:fld>
             <a:endParaRPr lang="en-IN"/>
           </a:p>
@@ -3362,7 +3364,7 @@
             <a:fld id="{2F669B78-F9AA-4692-8AFB-7CA7ABB16088}" type="datetimeFigureOut">
               <a:rPr lang="en-IN" smtClean="0"/>
               <a:pPr/>
-              <a:t>26-04-2020</a:t>
+              <a:t>27-04-2020</a:t>
             </a:fld>
             <a:endParaRPr lang="en-IN"/>
           </a:p>
@@ -3693,7 +3695,7 @@
             <a:fld id="{2F669B78-F9AA-4692-8AFB-7CA7ABB16088}" type="datetimeFigureOut">
               <a:rPr lang="en-IN" smtClean="0"/>
               <a:pPr/>
-              <a:t>26-04-2020</a:t>
+              <a:t>27-04-2020</a:t>
             </a:fld>
             <a:endParaRPr lang="en-IN"/>
           </a:p>
@@ -4018,7 +4020,7 @@
             <a:fld id="{2F669B78-F9AA-4692-8AFB-7CA7ABB16088}" type="datetimeFigureOut">
               <a:rPr lang="en-IN" smtClean="0"/>
               <a:pPr/>
-              <a:t>26-04-2020</a:t>
+              <a:t>27-04-2020</a:t>
             </a:fld>
             <a:endParaRPr lang="en-IN"/>
           </a:p>
@@ -4477,7 +4479,7 @@
             <a:fld id="{2F669B78-F9AA-4692-8AFB-7CA7ABB16088}" type="datetimeFigureOut">
               <a:rPr lang="en-IN" smtClean="0"/>
               <a:pPr/>
-              <a:t>26-04-2020</a:t>
+              <a:t>27-04-2020</a:t>
             </a:fld>
             <a:endParaRPr lang="en-IN"/>
           </a:p>
@@ -4684,7 +4686,7 @@
             <a:fld id="{2F669B78-F9AA-4692-8AFB-7CA7ABB16088}" type="datetimeFigureOut">
               <a:rPr lang="en-IN" smtClean="0"/>
               <a:pPr/>
-              <a:t>26-04-2020</a:t>
+              <a:t>27-04-2020</a:t>
             </a:fld>
             <a:endParaRPr lang="en-IN"/>
           </a:p>
@@ -4863,7 +4865,7 @@
             <a:fld id="{2F669B78-F9AA-4692-8AFB-7CA7ABB16088}" type="datetimeFigureOut">
               <a:rPr lang="en-IN" smtClean="0"/>
               <a:pPr/>
-              <a:t>26-04-2020</a:t>
+              <a:t>27-04-2020</a:t>
             </a:fld>
             <a:endParaRPr lang="en-IN"/>
           </a:p>
@@ -5198,7 +5200,7 @@
             <a:fld id="{2F669B78-F9AA-4692-8AFB-7CA7ABB16088}" type="datetimeFigureOut">
               <a:rPr lang="en-IN" smtClean="0"/>
               <a:pPr/>
-              <a:t>26-04-2020</a:t>
+              <a:t>27-04-2020</a:t>
             </a:fld>
             <a:endParaRPr lang="en-IN"/>
           </a:p>
@@ -5545,7 +5547,7 @@
             <a:fld id="{2F669B78-F9AA-4692-8AFB-7CA7ABB16088}" type="datetimeFigureOut">
               <a:rPr lang="en-IN" smtClean="0"/>
               <a:pPr/>
-              <a:t>26-04-2020</a:t>
+              <a:t>27-04-2020</a:t>
             </a:fld>
             <a:endParaRPr lang="en-IN"/>
           </a:p>
@@ -7601,7 +7603,7 @@
             <a:fld id="{2F669B78-F9AA-4692-8AFB-7CA7ABB16088}" type="datetimeFigureOut">
               <a:rPr lang="en-IN" smtClean="0"/>
               <a:pPr/>
-              <a:t>26-04-2020</a:t>
+              <a:t>27-04-2020</a:t>
             </a:fld>
             <a:endParaRPr lang="en-IN"/>
           </a:p>
@@ -11707,6 +11709,74 @@
             <p:ph type="title"/>
           </p:nvPr>
         </p:nvSpPr>
+        <p:spPr/>
+        <p:txBody>
+          <a:bodyPr/>
+          <a:lstStyle/>
+          <a:p>
+            <a:endParaRPr lang="en-IN"/>
+          </a:p>
+        </p:txBody>
+      </p:sp>
+      <p:sp>
+        <p:nvSpPr>
+          <p:cNvPr id="3" name="Content Placeholder 2"/>
+          <p:cNvSpPr>
+            <a:spLocks noGrp="1"/>
+          </p:cNvSpPr>
+          <p:nvPr>
+            <p:ph idx="1"/>
+          </p:nvPr>
+        </p:nvSpPr>
+        <p:spPr/>
+        <p:txBody>
+          <a:bodyPr/>
+          <a:lstStyle/>
+          <a:p>
+            <a:endParaRPr lang="en-IN"/>
+          </a:p>
+        </p:txBody>
+      </p:sp>
+    </p:spTree>
+    <p:extLst>
+      <p:ext uri="{BB962C8B-B14F-4D97-AF65-F5344CB8AC3E}">
+        <p14:creationId xmlns:p14="http://schemas.microsoft.com/office/powerpoint/2010/main" val="3059376019"/>
+      </p:ext>
+    </p:extLst>
+  </p:cSld>
+  <p:clrMapOvr>
+    <a:masterClrMapping/>
+  </p:clrMapOvr>
+</p:sld>
+</file>
+
+<file path=ppt/slides/slide22.xml><?xml version="1.0" encoding="utf-8"?>
+<p:sld xmlns:a="http://schemas.openxmlformats.org/drawingml/2006/main" xmlns:r="http://schemas.openxmlformats.org/officeDocument/2006/relationships" xmlns:p="http://schemas.openxmlformats.org/presentationml/2006/main">
+  <p:cSld>
+    <p:spTree>
+      <p:nvGrpSpPr>
+        <p:cNvPr id="1" name=""/>
+        <p:cNvGrpSpPr/>
+        <p:nvPr/>
+      </p:nvGrpSpPr>
+      <p:grpSpPr>
+        <a:xfrm>
+          <a:off x="0" y="0"/>
+          <a:ext cx="0" cy="0"/>
+          <a:chOff x="0" y="0"/>
+          <a:chExt cx="0" cy="0"/>
+        </a:xfrm>
+      </p:grpSpPr>
+      <p:sp>
+        <p:nvSpPr>
+          <p:cNvPr id="2" name="Title 1"/>
+          <p:cNvSpPr>
+            <a:spLocks noGrp="1"/>
+          </p:cNvSpPr>
+          <p:nvPr>
+            <p:ph type="title"/>
+          </p:nvPr>
+        </p:nvSpPr>
         <p:spPr>
           <a:xfrm>
             <a:off x="2592925" y="624110"/>
@@ -11854,243 +11924,6 @@
     <p:extLst>
       <p:ext uri="{BB962C8B-B14F-4D97-AF65-F5344CB8AC3E}">
         <p14:creationId xmlns:p14="http://schemas.microsoft.com/office/powerpoint/2010/main" val="3968908613"/>
-      </p:ext>
-    </p:extLst>
-  </p:cSld>
-  <p:clrMapOvr>
-    <a:masterClrMapping/>
-  </p:clrMapOvr>
-  <p:timing>
-    <p:tnLst>
-      <p:par>
-        <p:cTn id="1" dur="indefinite" restart="never" nodeType="tmRoot"/>
-      </p:par>
-    </p:tnLst>
-  </p:timing>
-</p:sld>
-</file>
-
-<file path=ppt/slides/slide22.xml><?xml version="1.0" encoding="utf-8"?>
-<p:sld xmlns:a="http://schemas.openxmlformats.org/drawingml/2006/main" xmlns:r="http://schemas.openxmlformats.org/officeDocument/2006/relationships" xmlns:p="http://schemas.openxmlformats.org/presentationml/2006/main">
-  <p:cSld>
-    <p:spTree>
-      <p:nvGrpSpPr>
-        <p:cNvPr id="1" name=""/>
-        <p:cNvGrpSpPr/>
-        <p:nvPr/>
-      </p:nvGrpSpPr>
-      <p:grpSpPr>
-        <a:xfrm>
-          <a:off x="0" y="0"/>
-          <a:ext cx="0" cy="0"/>
-          <a:chOff x="0" y="0"/>
-          <a:chExt cx="0" cy="0"/>
-        </a:xfrm>
-      </p:grpSpPr>
-      <p:sp>
-        <p:nvSpPr>
-          <p:cNvPr id="2" name="Title 1"/>
-          <p:cNvSpPr>
-            <a:spLocks noGrp="1"/>
-          </p:cNvSpPr>
-          <p:nvPr>
-            <p:ph type="title"/>
-          </p:nvPr>
-        </p:nvSpPr>
-        <p:spPr>
-          <a:xfrm>
-            <a:off x="1421481" y="624110"/>
-            <a:ext cx="10083131" cy="1280890"/>
-          </a:xfrm>
-        </p:spPr>
-        <p:txBody>
-          <a:bodyPr/>
-          <a:lstStyle/>
-          <a:p>
-            <a:pPr algn="ctr"/>
-            <a:r>
-              <a:rPr lang="en-US" dirty="0" smtClean="0">
-                <a:latin typeface="Algerian" panose="04020705040A02060702" pitchFamily="82" charset="0"/>
-              </a:rPr>
-              <a:t>Steganography gui module</a:t>
-            </a:r>
-            <a:r>
-              <a:rPr lang="en-US" dirty="0" smtClean="0"/>
-              <a:t/>
-            </a:r>
-            <a:br>
-              <a:rPr lang="en-US" dirty="0" smtClean="0"/>
-            </a:br>
-            <a:endParaRPr lang="en-IN" dirty="0"/>
-          </a:p>
-        </p:txBody>
-      </p:sp>
-      <p:pic>
-        <p:nvPicPr>
-          <p:cNvPr id="5" name="Picture 4"/>
-          <p:cNvPicPr>
-            <a:picLocks noChangeAspect="1"/>
-          </p:cNvPicPr>
-          <p:nvPr/>
-        </p:nvPicPr>
-        <p:blipFill>
-          <a:blip r:embed="rId2" cstate="print"/>
-          <a:stretch>
-            <a:fillRect/>
-          </a:stretch>
-        </p:blipFill>
-        <p:spPr>
-          <a:xfrm>
-            <a:off x="6588019" y="1801305"/>
-            <a:ext cx="5318036" cy="4255845"/>
-          </a:xfrm>
-          <a:prstGeom prst="rect">
-            <a:avLst/>
-          </a:prstGeom>
-        </p:spPr>
-      </p:pic>
-      <p:pic>
-        <p:nvPicPr>
-          <p:cNvPr id="7" name="Content Placeholder 6"/>
-          <p:cNvPicPr>
-            <a:picLocks noGrp="1" noChangeAspect="1"/>
-          </p:cNvPicPr>
-          <p:nvPr>
-            <p:ph idx="1"/>
-          </p:nvPr>
-        </p:nvPicPr>
-        <p:blipFill>
-          <a:blip r:embed="rId3" cstate="print"/>
-          <a:stretch>
-            <a:fillRect/>
-          </a:stretch>
-        </p:blipFill>
-        <p:spPr>
-          <a:xfrm>
-            <a:off x="1421481" y="2040102"/>
-            <a:ext cx="4689808" cy="3778250"/>
-          </a:xfrm>
-          <a:prstGeom prst="rect">
-            <a:avLst/>
-          </a:prstGeom>
-        </p:spPr>
-      </p:pic>
-      <p:cxnSp>
-        <p:nvCxnSpPr>
-          <p:cNvPr id="9" name="Straight Arrow Connector 8"/>
-          <p:cNvCxnSpPr>
-            <a:stCxn id="7" idx="3"/>
-            <a:endCxn id="5" idx="1"/>
-          </p:cNvCxnSpPr>
-          <p:nvPr/>
-        </p:nvCxnSpPr>
-        <p:spPr>
-          <a:xfrm>
-            <a:off x="6111289" y="3929227"/>
-            <a:ext cx="476730" cy="1"/>
-          </a:xfrm>
-          <a:prstGeom prst="straightConnector1">
-            <a:avLst/>
-          </a:prstGeom>
-          <a:ln>
-            <a:solidFill>
-              <a:schemeClr val="tx1"/>
-            </a:solidFill>
-            <a:tailEnd type="triangle"/>
-          </a:ln>
-        </p:spPr>
-        <p:style>
-          <a:lnRef idx="1">
-            <a:schemeClr val="accent3"/>
-          </a:lnRef>
-          <a:fillRef idx="0">
-            <a:schemeClr val="accent3"/>
-          </a:fillRef>
-          <a:effectRef idx="0">
-            <a:schemeClr val="accent3"/>
-          </a:effectRef>
-          <a:fontRef idx="minor">
-            <a:schemeClr val="tx1"/>
-          </a:fontRef>
-        </p:style>
-      </p:cxnSp>
-      <p:sp>
-        <p:nvSpPr>
-          <p:cNvPr id="10" name="TextBox 9"/>
-          <p:cNvSpPr txBox="1"/>
-          <p:nvPr/>
-        </p:nvSpPr>
-        <p:spPr>
-          <a:xfrm>
-            <a:off x="7607431" y="6287679"/>
-            <a:ext cx="3619893" cy="646331"/>
-          </a:xfrm>
-          <a:prstGeom prst="rect">
-            <a:avLst/>
-          </a:prstGeom>
-          <a:noFill/>
-        </p:spPr>
-        <p:txBody>
-          <a:bodyPr wrap="square" rtlCol="0">
-            <a:spAutoFit/>
-          </a:bodyPr>
-          <a:lstStyle/>
-          <a:p>
-            <a:r>
-              <a:rPr lang="en-US" dirty="0">
-                <a:latin typeface="Algerian" panose="04020705040A02060702" pitchFamily="82" charset="0"/>
-              </a:rPr>
-              <a:t>Steganography gui module</a:t>
-            </a:r>
-            <a:r>
-              <a:rPr lang="en-US" dirty="0"/>
-              <a:t/>
-            </a:r>
-            <a:br>
-              <a:rPr lang="en-US" dirty="0"/>
-            </a:br>
-            <a:endParaRPr lang="en-IN" dirty="0"/>
-          </a:p>
-        </p:txBody>
-      </p:sp>
-      <p:sp>
-        <p:nvSpPr>
-          <p:cNvPr id="11" name="Rectangle 10"/>
-          <p:cNvSpPr/>
-          <p:nvPr/>
-        </p:nvSpPr>
-        <p:spPr>
-          <a:xfrm>
-            <a:off x="2590422" y="6287679"/>
-            <a:ext cx="2351926" cy="369332"/>
-          </a:xfrm>
-          <a:prstGeom prst="rect">
-            <a:avLst/>
-          </a:prstGeom>
-        </p:spPr>
-        <p:txBody>
-          <a:bodyPr wrap="none">
-            <a:spAutoFit/>
-          </a:bodyPr>
-          <a:lstStyle/>
-          <a:p>
-            <a:pPr algn="ctr"/>
-            <a:r>
-              <a:rPr lang="en-US" dirty="0">
-                <a:latin typeface="Algerian" panose="04020705040A02060702" pitchFamily="82" charset="0"/>
-              </a:rPr>
-              <a:t>User login window</a:t>
-            </a:r>
-            <a:endParaRPr lang="en-IN" dirty="0">
-              <a:latin typeface="Algerian" panose="04020705040A02060702" pitchFamily="82" charset="0"/>
-            </a:endParaRPr>
-          </a:p>
-        </p:txBody>
-      </p:sp>
-    </p:spTree>
-    <p:extLst>
-      <p:ext uri="{BB962C8B-B14F-4D97-AF65-F5344CB8AC3E}">
-        <p14:creationId xmlns:p14="http://schemas.microsoft.com/office/powerpoint/2010/main" val="1379778435"/>
       </p:ext>
     </p:extLst>
   </p:cSld>
@@ -12126,76 +11959,208 @@
       </p:grpSpPr>
       <p:sp>
         <p:nvSpPr>
-          <p:cNvPr id="3" name="TextBox 2"/>
-          <p:cNvSpPr txBox="1"/>
-          <p:nvPr/>
+          <p:cNvPr id="2" name="Title 1"/>
+          <p:cNvSpPr>
+            <a:spLocks noGrp="1"/>
+          </p:cNvSpPr>
+          <p:nvPr>
+            <p:ph type="title"/>
+          </p:nvPr>
         </p:nvSpPr>
         <p:spPr>
           <a:xfrm>
-            <a:off x="1687395" y="631596"/>
-            <a:ext cx="10154371" cy="646331"/>
-          </a:xfrm>
-          <a:prstGeom prst="rect">
-            <a:avLst/>
-          </a:prstGeom>
-          <a:noFill/>
-        </p:spPr>
-        <p:txBody>
-          <a:bodyPr wrap="square" rtlCol="0">
-            <a:spAutoFit/>
-          </a:bodyPr>
+            <a:off x="1421481" y="624110"/>
+            <a:ext cx="10083131" cy="1280890"/>
+          </a:xfrm>
+        </p:spPr>
+        <p:txBody>
+          <a:bodyPr/>
           <a:lstStyle/>
           <a:p>
             <a:pPr algn="ctr"/>
             <a:r>
-              <a:rPr lang="en-US" sz="3600" dirty="0" smtClean="0">
+              <a:rPr lang="en-US" dirty="0" smtClean="0">
                 <a:latin typeface="Algerian" panose="04020705040A02060702" pitchFamily="82" charset="0"/>
               </a:rPr>
-              <a:t>Encoder </a:t>
-            </a:r>
-            <a:endParaRPr lang="en-IN" sz="3600" dirty="0">
-              <a:latin typeface="Algerian" panose="04020705040A02060702" pitchFamily="82" charset="0"/>
-            </a:endParaRPr>
+              <a:t>Steganography gui module</a:t>
+            </a:r>
+            <a:r>
+              <a:rPr lang="en-US" dirty="0" smtClean="0"/>
+              <a:t/>
+            </a:r>
+            <a:br>
+              <a:rPr lang="en-US" dirty="0" smtClean="0"/>
+            </a:br>
+            <a:endParaRPr lang="en-IN" dirty="0"/>
           </a:p>
         </p:txBody>
       </p:sp>
       <p:pic>
         <p:nvPicPr>
-          <p:cNvPr id="2050" name="Picture 2"/>
+          <p:cNvPr id="5" name="Picture 4"/>
           <p:cNvPicPr>
-            <a:picLocks noChangeAspect="1" noChangeArrowheads="1"/>
+            <a:picLocks noChangeAspect="1"/>
           </p:cNvPicPr>
           <p:nvPr/>
         </p:nvPicPr>
         <p:blipFill>
           <a:blip r:embed="rId2" cstate="print"/>
-          <a:srcRect/>
           <a:stretch>
             <a:fillRect/>
           </a:stretch>
         </p:blipFill>
-        <p:spPr bwMode="auto">
+        <p:spPr>
           <a:xfrm>
-            <a:off x="1453642" y="1379220"/>
-            <a:ext cx="9967214" cy="5013349"/>
+            <a:off x="6588019" y="1801305"/>
+            <a:ext cx="5318036" cy="4255845"/>
+          </a:xfrm>
+          <a:prstGeom prst="rect">
+            <a:avLst/>
+          </a:prstGeom>
+        </p:spPr>
+      </p:pic>
+      <p:pic>
+        <p:nvPicPr>
+          <p:cNvPr id="7" name="Content Placeholder 6"/>
+          <p:cNvPicPr>
+            <a:picLocks noGrp="1" noChangeAspect="1"/>
+          </p:cNvPicPr>
+          <p:nvPr>
+            <p:ph idx="1"/>
+          </p:nvPr>
+        </p:nvPicPr>
+        <p:blipFill>
+          <a:blip r:embed="rId3" cstate="print"/>
+          <a:stretch>
+            <a:fillRect/>
+          </a:stretch>
+        </p:blipFill>
+        <p:spPr>
+          <a:xfrm>
+            <a:off x="1421481" y="2040102"/>
+            <a:ext cx="4689808" cy="3778250"/>
+          </a:xfrm>
+          <a:prstGeom prst="rect">
+            <a:avLst/>
+          </a:prstGeom>
+        </p:spPr>
+      </p:pic>
+      <p:cxnSp>
+        <p:nvCxnSpPr>
+          <p:cNvPr id="9" name="Straight Arrow Connector 8"/>
+          <p:cNvCxnSpPr>
+            <a:stCxn id="7" idx="3"/>
+            <a:endCxn id="5" idx="1"/>
+          </p:cNvCxnSpPr>
+          <p:nvPr/>
+        </p:nvCxnSpPr>
+        <p:spPr>
+          <a:xfrm>
+            <a:off x="6111289" y="3929227"/>
+            <a:ext cx="476730" cy="1"/>
+          </a:xfrm>
+          <a:prstGeom prst="straightConnector1">
+            <a:avLst/>
+          </a:prstGeom>
+          <a:ln>
+            <a:solidFill>
+              <a:schemeClr val="tx1"/>
+            </a:solidFill>
+            <a:tailEnd type="triangle"/>
+          </a:ln>
+        </p:spPr>
+        <p:style>
+          <a:lnRef idx="1">
+            <a:schemeClr val="accent3"/>
+          </a:lnRef>
+          <a:fillRef idx="0">
+            <a:schemeClr val="accent3"/>
+          </a:fillRef>
+          <a:effectRef idx="0">
+            <a:schemeClr val="accent3"/>
+          </a:effectRef>
+          <a:fontRef idx="minor">
+            <a:schemeClr val="tx1"/>
+          </a:fontRef>
+        </p:style>
+      </p:cxnSp>
+      <p:sp>
+        <p:nvSpPr>
+          <p:cNvPr id="10" name="TextBox 9"/>
+          <p:cNvSpPr txBox="1"/>
+          <p:nvPr/>
+        </p:nvSpPr>
+        <p:spPr>
+          <a:xfrm>
+            <a:off x="7607431" y="6287679"/>
+            <a:ext cx="3619893" cy="646331"/>
           </a:xfrm>
           <a:prstGeom prst="rect">
             <a:avLst/>
           </a:prstGeom>
           <a:noFill/>
-          <a:ln w="9525">
-            <a:noFill/>
-            <a:miter lim="800000"/>
-            <a:headEnd/>
-            <a:tailEnd/>
-          </a:ln>
-          <a:effectLst/>
-        </p:spPr>
-      </p:pic>
+        </p:spPr>
+        <p:txBody>
+          <a:bodyPr wrap="square" rtlCol="0">
+            <a:spAutoFit/>
+          </a:bodyPr>
+          <a:lstStyle/>
+          <a:p>
+            <a:r>
+              <a:rPr lang="en-US" dirty="0">
+                <a:latin typeface="Algerian" panose="04020705040A02060702" pitchFamily="82" charset="0"/>
+              </a:rPr>
+              <a:t>Steganography gui module</a:t>
+            </a:r>
+            <a:r>
+              <a:rPr lang="en-US" dirty="0"/>
+              <a:t/>
+            </a:r>
+            <a:br>
+              <a:rPr lang="en-US" dirty="0"/>
+            </a:br>
+            <a:endParaRPr lang="en-IN" dirty="0"/>
+          </a:p>
+        </p:txBody>
+      </p:sp>
+      <p:sp>
+        <p:nvSpPr>
+          <p:cNvPr id="11" name="Rectangle 10"/>
+          <p:cNvSpPr/>
+          <p:nvPr/>
+        </p:nvSpPr>
+        <p:spPr>
+          <a:xfrm>
+            <a:off x="2590422" y="6287679"/>
+            <a:ext cx="2351926" cy="369332"/>
+          </a:xfrm>
+          <a:prstGeom prst="rect">
+            <a:avLst/>
+          </a:prstGeom>
+        </p:spPr>
+        <p:txBody>
+          <a:bodyPr wrap="none">
+            <a:spAutoFit/>
+          </a:bodyPr>
+          <a:lstStyle/>
+          <a:p>
+            <a:pPr algn="ctr"/>
+            <a:r>
+              <a:rPr lang="en-US" dirty="0">
+                <a:latin typeface="Algerian" panose="04020705040A02060702" pitchFamily="82" charset="0"/>
+              </a:rPr>
+              <a:t>User login window</a:t>
+            </a:r>
+            <a:endParaRPr lang="en-IN" dirty="0">
+              <a:latin typeface="Algerian" panose="04020705040A02060702" pitchFamily="82" charset="0"/>
+            </a:endParaRPr>
+          </a:p>
+        </p:txBody>
+      </p:sp>
     </p:spTree>
     <p:extLst>
       <p:ext uri="{BB962C8B-B14F-4D97-AF65-F5344CB8AC3E}">
-        <p14:creationId xmlns:p14="http://schemas.microsoft.com/office/powerpoint/2010/main" val="3097096989"/>
+        <p14:creationId xmlns:p14="http://schemas.microsoft.com/office/powerpoint/2010/main" val="1379778435"/>
       </p:ext>
     </p:extLst>
   </p:cSld>
@@ -12231,32 +12196,34 @@
       </p:grpSpPr>
       <p:sp>
         <p:nvSpPr>
-          <p:cNvPr id="2" name="Title 1"/>
-          <p:cNvSpPr>
-            <a:spLocks noGrp="1"/>
-          </p:cNvSpPr>
-          <p:nvPr>
-            <p:ph type="title"/>
-          </p:nvPr>
+          <p:cNvPr id="3" name="TextBox 2"/>
+          <p:cNvSpPr txBox="1"/>
+          <p:nvPr/>
         </p:nvSpPr>
         <p:spPr>
           <a:xfrm>
-            <a:off x="1085025" y="605822"/>
-            <a:ext cx="10190375" cy="742777"/>
-          </a:xfrm>
-        </p:spPr>
-        <p:txBody>
-          <a:bodyPr/>
+            <a:off x="1687395" y="631596"/>
+            <a:ext cx="10154371" cy="646331"/>
+          </a:xfrm>
+          <a:prstGeom prst="rect">
+            <a:avLst/>
+          </a:prstGeom>
+          <a:noFill/>
+        </p:spPr>
+        <p:txBody>
+          <a:bodyPr wrap="square" rtlCol="0">
+            <a:spAutoFit/>
+          </a:bodyPr>
           <a:lstStyle/>
           <a:p>
             <a:pPr algn="ctr"/>
             <a:r>
-              <a:rPr lang="en-US" dirty="0" smtClean="0">
+              <a:rPr lang="en-US" sz="3600" dirty="0" smtClean="0">
                 <a:latin typeface="Algerian" panose="04020705040A02060702" pitchFamily="82" charset="0"/>
               </a:rPr>
-              <a:t>decoder</a:t>
-            </a:r>
-            <a:endParaRPr lang="en-IN" dirty="0">
+              <a:t>Encoder </a:t>
+            </a:r>
+            <a:endParaRPr lang="en-IN" sz="3600" dirty="0">
               <a:latin typeface="Algerian" panose="04020705040A02060702" pitchFamily="82" charset="0"/>
             </a:endParaRPr>
           </a:p>
@@ -12264,7 +12231,7 @@
       </p:sp>
       <p:pic>
         <p:nvPicPr>
-          <p:cNvPr id="3074" name="Picture 2"/>
+          <p:cNvPr id="2050" name="Picture 2"/>
           <p:cNvPicPr>
             <a:picLocks noChangeAspect="1" noChangeArrowheads="1"/>
           </p:cNvPicPr>
@@ -12279,8 +12246,8 @@
         </p:blipFill>
         <p:spPr bwMode="auto">
           <a:xfrm>
-            <a:off x="1232313" y="1499616"/>
-            <a:ext cx="10411047" cy="5077206"/>
+            <a:off x="1453642" y="1379220"/>
+            <a:ext cx="9967214" cy="5013349"/>
           </a:xfrm>
           <a:prstGeom prst="rect">
             <a:avLst/>
@@ -12298,7 +12265,7 @@
     </p:spTree>
     <p:extLst>
       <p:ext uri="{BB962C8B-B14F-4D97-AF65-F5344CB8AC3E}">
-        <p14:creationId xmlns:p14="http://schemas.microsoft.com/office/powerpoint/2010/main" val="3184472628"/>
+        <p14:creationId xmlns:p14="http://schemas.microsoft.com/office/powerpoint/2010/main" val="3097096989"/>
       </p:ext>
     </p:extLst>
   </p:cSld>
@@ -12344,6 +12311,109 @@
         </p:nvSpPr>
         <p:spPr>
           <a:xfrm>
+            <a:off x="1085025" y="605822"/>
+            <a:ext cx="10190375" cy="742777"/>
+          </a:xfrm>
+        </p:spPr>
+        <p:txBody>
+          <a:bodyPr/>
+          <a:lstStyle/>
+          <a:p>
+            <a:pPr algn="ctr"/>
+            <a:r>
+              <a:rPr lang="en-US" dirty="0" smtClean="0">
+                <a:latin typeface="Algerian" panose="04020705040A02060702" pitchFamily="82" charset="0"/>
+              </a:rPr>
+              <a:t>decoder</a:t>
+            </a:r>
+            <a:endParaRPr lang="en-IN" dirty="0">
+              <a:latin typeface="Algerian" panose="04020705040A02060702" pitchFamily="82" charset="0"/>
+            </a:endParaRPr>
+          </a:p>
+        </p:txBody>
+      </p:sp>
+      <p:pic>
+        <p:nvPicPr>
+          <p:cNvPr id="3074" name="Picture 2"/>
+          <p:cNvPicPr>
+            <a:picLocks noChangeAspect="1" noChangeArrowheads="1"/>
+          </p:cNvPicPr>
+          <p:nvPr/>
+        </p:nvPicPr>
+        <p:blipFill>
+          <a:blip r:embed="rId2" cstate="print"/>
+          <a:srcRect/>
+          <a:stretch>
+            <a:fillRect/>
+          </a:stretch>
+        </p:blipFill>
+        <p:spPr bwMode="auto">
+          <a:xfrm>
+            <a:off x="1232313" y="1499616"/>
+            <a:ext cx="10411047" cy="5077206"/>
+          </a:xfrm>
+          <a:prstGeom prst="rect">
+            <a:avLst/>
+          </a:prstGeom>
+          <a:noFill/>
+          <a:ln w="9525">
+            <a:noFill/>
+            <a:miter lim="800000"/>
+            <a:headEnd/>
+            <a:tailEnd/>
+          </a:ln>
+          <a:effectLst/>
+        </p:spPr>
+      </p:pic>
+    </p:spTree>
+    <p:extLst>
+      <p:ext uri="{BB962C8B-B14F-4D97-AF65-F5344CB8AC3E}">
+        <p14:creationId xmlns:p14="http://schemas.microsoft.com/office/powerpoint/2010/main" val="3184472628"/>
+      </p:ext>
+    </p:extLst>
+  </p:cSld>
+  <p:clrMapOvr>
+    <a:masterClrMapping/>
+  </p:clrMapOvr>
+  <p:timing>
+    <p:tnLst>
+      <p:par>
+        <p:cTn id="1" dur="indefinite" restart="never" nodeType="tmRoot"/>
+      </p:par>
+    </p:tnLst>
+  </p:timing>
+</p:sld>
+</file>
+
+<file path=ppt/slides/slide26.xml><?xml version="1.0" encoding="utf-8"?>
+<p:sld xmlns:a="http://schemas.openxmlformats.org/drawingml/2006/main" xmlns:r="http://schemas.openxmlformats.org/officeDocument/2006/relationships" xmlns:p="http://schemas.openxmlformats.org/presentationml/2006/main">
+  <p:cSld>
+    <p:spTree>
+      <p:nvGrpSpPr>
+        <p:cNvPr id="1" name=""/>
+        <p:cNvGrpSpPr/>
+        <p:nvPr/>
+      </p:nvGrpSpPr>
+      <p:grpSpPr>
+        <a:xfrm>
+          <a:off x="0" y="0"/>
+          <a:ext cx="0" cy="0"/>
+          <a:chOff x="0" y="0"/>
+          <a:chExt cx="0" cy="0"/>
+        </a:xfrm>
+      </p:grpSpPr>
+      <p:sp>
+        <p:nvSpPr>
+          <p:cNvPr id="2" name="Title 1"/>
+          <p:cNvSpPr>
+            <a:spLocks noGrp="1"/>
+          </p:cNvSpPr>
+          <p:nvPr>
+            <p:ph type="title"/>
+          </p:nvPr>
+        </p:nvSpPr>
+        <p:spPr>
+          <a:xfrm>
             <a:off x="989815" y="624110"/>
             <a:ext cx="10514798" cy="752203"/>
           </a:xfrm>
@@ -12540,7 +12610,7 @@
 </p:sld>
 </file>
 
-<file path=ppt/slides/slide26.xml><?xml version="1.0" encoding="utf-8"?>
+<file path=ppt/slides/slide27.xml><?xml version="1.0" encoding="utf-8"?>
 <p:sld xmlns:a="http://schemas.openxmlformats.org/drawingml/2006/main" xmlns:r="http://schemas.openxmlformats.org/officeDocument/2006/relationships" xmlns:p="http://schemas.openxmlformats.org/presentationml/2006/main">
   <p:cSld>
     <p:spTree>
@@ -12695,7 +12765,7 @@
 </p:sld>
 </file>
 
-<file path=ppt/slides/slide27.xml><?xml version="1.0" encoding="utf-8"?>
+<file path=ppt/slides/slide28.xml><?xml version="1.0" encoding="utf-8"?>
 <p:sld xmlns:a="http://schemas.openxmlformats.org/drawingml/2006/main" xmlns:r="http://schemas.openxmlformats.org/officeDocument/2006/relationships" xmlns:p="http://schemas.openxmlformats.org/presentationml/2006/main">
   <p:cSld>
     <p:spTree>
@@ -13133,7 +13203,7 @@
 </p:sld>
 </file>
 
-<file path=ppt/slides/slide28.xml><?xml version="1.0" encoding="utf-8"?>
+<file path=ppt/slides/slide29.xml><?xml version="1.0" encoding="utf-8"?>
 <p:sld xmlns:a="http://schemas.openxmlformats.org/drawingml/2006/main" xmlns:r="http://schemas.openxmlformats.org/officeDocument/2006/relationships" xmlns:p="http://schemas.openxmlformats.org/presentationml/2006/main">
   <p:cSld>
     <p:spTree>
@@ -13689,1108 +13759,6 @@
 </p:sld>
 </file>
 
-<file path=ppt/slides/slide29.xml><?xml version="1.0" encoding="utf-8"?>
-<p:sld xmlns:a="http://schemas.openxmlformats.org/drawingml/2006/main" xmlns:r="http://schemas.openxmlformats.org/officeDocument/2006/relationships" xmlns:p="http://schemas.openxmlformats.org/presentationml/2006/main">
-  <p:cSld>
-    <p:spTree>
-      <p:nvGrpSpPr>
-        <p:cNvPr id="1" name=""/>
-        <p:cNvGrpSpPr/>
-        <p:nvPr/>
-      </p:nvGrpSpPr>
-      <p:grpSpPr>
-        <a:xfrm>
-          <a:off x="0" y="0"/>
-          <a:ext cx="0" cy="0"/>
-          <a:chOff x="0" y="0"/>
-          <a:chExt cx="0" cy="0"/>
-        </a:xfrm>
-      </p:grpSpPr>
-      <p:sp>
-        <p:nvSpPr>
-          <p:cNvPr id="4" name="Title 3"/>
-          <p:cNvSpPr>
-            <a:spLocks noGrp="1"/>
-          </p:cNvSpPr>
-          <p:nvPr>
-            <p:ph type="title"/>
-          </p:nvPr>
-        </p:nvSpPr>
-        <p:spPr>
-          <a:xfrm>
-            <a:off x="1687399" y="624110"/>
-            <a:ext cx="9817214" cy="667362"/>
-          </a:xfrm>
-        </p:spPr>
-        <p:txBody>
-          <a:bodyPr/>
-          <a:lstStyle/>
-          <a:p>
-            <a:pPr algn="ctr"/>
-            <a:r>
-              <a:rPr lang="en-US" dirty="0" smtClean="0">
-                <a:latin typeface="Algerian" panose="04020705040A02060702" pitchFamily="82" charset="0"/>
-              </a:rPr>
-              <a:t>Conclusion </a:t>
-            </a:r>
-            <a:endParaRPr lang="en-IN" dirty="0">
-              <a:latin typeface="Algerian" panose="04020705040A02060702" pitchFamily="82" charset="0"/>
-            </a:endParaRPr>
-          </a:p>
-        </p:txBody>
-      </p:sp>
-      <p:sp>
-        <p:nvSpPr>
-          <p:cNvPr id="5" name="Content Placeholder 4"/>
-          <p:cNvSpPr>
-            <a:spLocks noGrp="1"/>
-          </p:cNvSpPr>
-          <p:nvPr>
-            <p:ph idx="1"/>
-          </p:nvPr>
-        </p:nvSpPr>
-        <p:spPr>
-          <a:xfrm>
-            <a:off x="1717376" y="1559666"/>
-            <a:ext cx="9732373" cy="5069734"/>
-          </a:xfrm>
-        </p:spPr>
-        <p:txBody>
-          <a:bodyPr/>
-          <a:lstStyle/>
-          <a:p>
-            <a:pPr marL="0">
-              <a:lnSpc>
-                <a:spcPts val="3096"/>
-              </a:lnSpc>
-              <a:spcBef>
-                <a:spcPts val="0"/>
-              </a:spcBef>
-            </a:pPr>
-            <a:r>
-              <a:rPr lang="en-US" sz="2800" dirty="0" smtClean="0">
-                <a:solidFill>
-                  <a:schemeClr val="tx1"/>
-                </a:solidFill>
-                <a:latin typeface="Arial" pitchFamily="34" charset="0"/>
-                <a:cs typeface="Arial" pitchFamily="34" charset="0"/>
-              </a:rPr>
-              <a:t>Steganography</a:t>
-            </a:r>
-            <a:r>
-              <a:rPr lang="en-US" sz="2800" spc="192" dirty="0" smtClean="0">
-                <a:solidFill>
-                  <a:schemeClr val="tx1"/>
-                </a:solidFill>
-                <a:latin typeface="Arial" pitchFamily="34" charset="0"/>
-                <a:cs typeface="Arial" pitchFamily="34" charset="0"/>
-              </a:rPr>
-              <a:t> </a:t>
-            </a:r>
-            <a:r>
-              <a:rPr lang="en-US" sz="2800" dirty="0" smtClean="0">
-                <a:solidFill>
-                  <a:schemeClr val="tx1"/>
-                </a:solidFill>
-                <a:latin typeface="Arial" pitchFamily="34" charset="0"/>
-                <a:cs typeface="Arial" pitchFamily="34" charset="0"/>
-              </a:rPr>
-              <a:t>is</a:t>
-            </a:r>
-            <a:r>
-              <a:rPr lang="en-US" sz="2800" spc="173" dirty="0" smtClean="0">
-                <a:solidFill>
-                  <a:schemeClr val="tx1"/>
-                </a:solidFill>
-                <a:latin typeface="Arial" pitchFamily="34" charset="0"/>
-                <a:cs typeface="Arial" pitchFamily="34" charset="0"/>
-              </a:rPr>
-              <a:t> </a:t>
-            </a:r>
-            <a:r>
-              <a:rPr lang="en-US" sz="2800" dirty="0" smtClean="0">
-                <a:solidFill>
-                  <a:schemeClr val="tx1"/>
-                </a:solidFill>
-                <a:latin typeface="Arial" pitchFamily="34" charset="0"/>
-                <a:cs typeface="Arial" pitchFamily="34" charset="0"/>
-              </a:rPr>
-              <a:t>the</a:t>
-            </a:r>
-            <a:r>
-              <a:rPr lang="en-US" sz="2800" spc="166" dirty="0" smtClean="0">
-                <a:solidFill>
-                  <a:schemeClr val="tx1"/>
-                </a:solidFill>
-                <a:latin typeface="Arial" pitchFamily="34" charset="0"/>
-                <a:cs typeface="Arial" pitchFamily="34" charset="0"/>
-              </a:rPr>
-              <a:t> </a:t>
-            </a:r>
-            <a:r>
-              <a:rPr lang="en-US" sz="2800" dirty="0" smtClean="0">
-                <a:solidFill>
-                  <a:schemeClr val="tx1"/>
-                </a:solidFill>
-                <a:latin typeface="Arial" pitchFamily="34" charset="0"/>
-                <a:cs typeface="Arial" pitchFamily="34" charset="0"/>
-              </a:rPr>
-              <a:t>art</a:t>
-            </a:r>
-            <a:r>
-              <a:rPr lang="en-US" sz="2800" spc="178" dirty="0" smtClean="0">
-                <a:solidFill>
-                  <a:schemeClr val="tx1"/>
-                </a:solidFill>
-                <a:latin typeface="Arial" pitchFamily="34" charset="0"/>
-                <a:cs typeface="Arial" pitchFamily="34" charset="0"/>
-              </a:rPr>
-              <a:t> </a:t>
-            </a:r>
-            <a:r>
-              <a:rPr lang="en-US" sz="2800" dirty="0" smtClean="0">
-                <a:solidFill>
-                  <a:schemeClr val="tx1"/>
-                </a:solidFill>
-                <a:latin typeface="Arial" pitchFamily="34" charset="0"/>
-                <a:cs typeface="Arial" pitchFamily="34" charset="0"/>
-              </a:rPr>
-              <a:t>and</a:t>
-            </a:r>
-            <a:r>
-              <a:rPr lang="en-US" sz="2800" spc="185" dirty="0" smtClean="0">
-                <a:solidFill>
-                  <a:schemeClr val="tx1"/>
-                </a:solidFill>
-                <a:latin typeface="Arial" pitchFamily="34" charset="0"/>
-                <a:cs typeface="Arial" pitchFamily="34" charset="0"/>
-              </a:rPr>
-              <a:t> </a:t>
-            </a:r>
-            <a:r>
-              <a:rPr lang="en-US" sz="2800" dirty="0" smtClean="0">
-                <a:solidFill>
-                  <a:schemeClr val="tx1"/>
-                </a:solidFill>
-                <a:latin typeface="Arial" pitchFamily="34" charset="0"/>
-                <a:cs typeface="Arial" pitchFamily="34" charset="0"/>
-              </a:rPr>
-              <a:t>science</a:t>
-            </a:r>
-            <a:r>
-              <a:rPr lang="en-US" sz="2800" spc="162" dirty="0" smtClean="0">
-                <a:solidFill>
-                  <a:schemeClr val="tx1"/>
-                </a:solidFill>
-                <a:latin typeface="Arial" pitchFamily="34" charset="0"/>
-                <a:cs typeface="Arial" pitchFamily="34" charset="0"/>
-              </a:rPr>
-              <a:t> </a:t>
-            </a:r>
-            <a:r>
-              <a:rPr lang="en-US" sz="2800" dirty="0" smtClean="0">
-                <a:solidFill>
-                  <a:schemeClr val="tx1"/>
-                </a:solidFill>
-                <a:latin typeface="Arial" pitchFamily="34" charset="0"/>
-                <a:cs typeface="Arial" pitchFamily="34" charset="0"/>
-              </a:rPr>
-              <a:t>of</a:t>
-            </a:r>
-            <a:r>
-              <a:rPr lang="en-US" sz="2800" spc="189" dirty="0" smtClean="0">
-                <a:solidFill>
-                  <a:schemeClr val="tx1"/>
-                </a:solidFill>
-                <a:latin typeface="Arial" pitchFamily="34" charset="0"/>
-                <a:cs typeface="Arial" pitchFamily="34" charset="0"/>
-              </a:rPr>
-              <a:t> </a:t>
-            </a:r>
-            <a:r>
-              <a:rPr lang="en-US" sz="2800" dirty="0" smtClean="0">
-                <a:solidFill>
-                  <a:schemeClr val="tx1"/>
-                </a:solidFill>
-                <a:latin typeface="Arial" pitchFamily="34" charset="0"/>
-                <a:cs typeface="Arial" pitchFamily="34" charset="0"/>
-              </a:rPr>
-              <a:t>writing hidden</a:t>
-            </a:r>
-            <a:r>
-              <a:rPr lang="en-US" sz="2800" spc="1031" dirty="0" smtClean="0">
-                <a:solidFill>
-                  <a:schemeClr val="tx1"/>
-                </a:solidFill>
-                <a:latin typeface="Arial" pitchFamily="34" charset="0"/>
-                <a:cs typeface="Arial" pitchFamily="34" charset="0"/>
-              </a:rPr>
-              <a:t> </a:t>
-            </a:r>
-            <a:r>
-              <a:rPr lang="en-US" sz="2800" dirty="0" smtClean="0">
-                <a:solidFill>
-                  <a:schemeClr val="tx1"/>
-                </a:solidFill>
-                <a:latin typeface="Arial" pitchFamily="34" charset="0"/>
-                <a:cs typeface="Arial" pitchFamily="34" charset="0"/>
-              </a:rPr>
-              <a:t>message</a:t>
-            </a:r>
-            <a:r>
-              <a:rPr lang="en-US" sz="2800" spc="1017" dirty="0" smtClean="0">
-                <a:solidFill>
-                  <a:schemeClr val="tx1"/>
-                </a:solidFill>
-                <a:latin typeface="Arial" pitchFamily="34" charset="0"/>
-                <a:cs typeface="Arial" pitchFamily="34" charset="0"/>
-              </a:rPr>
-              <a:t> </a:t>
-            </a:r>
-            <a:r>
-              <a:rPr lang="en-US" sz="2800" dirty="0" smtClean="0">
-                <a:solidFill>
-                  <a:schemeClr val="tx1"/>
-                </a:solidFill>
-                <a:latin typeface="Arial" pitchFamily="34" charset="0"/>
-                <a:cs typeface="Arial" pitchFamily="34" charset="0"/>
-              </a:rPr>
-              <a:t>that</a:t>
-            </a:r>
-            <a:r>
-              <a:rPr lang="en-US" sz="2800" spc="1022" dirty="0" smtClean="0">
-                <a:solidFill>
-                  <a:schemeClr val="tx1"/>
-                </a:solidFill>
-                <a:latin typeface="Arial" pitchFamily="34" charset="0"/>
-                <a:cs typeface="Arial" pitchFamily="34" charset="0"/>
-              </a:rPr>
-              <a:t> </a:t>
-            </a:r>
-            <a:r>
-              <a:rPr lang="en-US" sz="2800" dirty="0" smtClean="0">
-                <a:solidFill>
-                  <a:schemeClr val="tx1"/>
-                </a:solidFill>
-                <a:latin typeface="Arial" pitchFamily="34" charset="0"/>
-                <a:cs typeface="Arial" pitchFamily="34" charset="0"/>
-              </a:rPr>
-              <a:t>no</a:t>
-            </a:r>
-            <a:r>
-              <a:rPr lang="en-US" sz="2800" spc="1015" dirty="0" smtClean="0">
-                <a:solidFill>
-                  <a:schemeClr val="tx1"/>
-                </a:solidFill>
-                <a:latin typeface="Arial" pitchFamily="34" charset="0"/>
-                <a:cs typeface="Arial" pitchFamily="34" charset="0"/>
-              </a:rPr>
-              <a:t> </a:t>
-            </a:r>
-            <a:r>
-              <a:rPr lang="en-US" sz="2800" dirty="0" smtClean="0">
-                <a:solidFill>
-                  <a:schemeClr val="tx1"/>
-                </a:solidFill>
-                <a:latin typeface="Arial" pitchFamily="34" charset="0"/>
-                <a:cs typeface="Arial" pitchFamily="34" charset="0"/>
-              </a:rPr>
-              <a:t>one</a:t>
-            </a:r>
-            <a:r>
-              <a:rPr lang="en-US" sz="2800" spc="1006" dirty="0" smtClean="0">
-                <a:solidFill>
-                  <a:schemeClr val="tx1"/>
-                </a:solidFill>
-                <a:latin typeface="Arial" pitchFamily="34" charset="0"/>
-                <a:cs typeface="Arial" pitchFamily="34" charset="0"/>
-              </a:rPr>
-              <a:t> </a:t>
-            </a:r>
-            <a:r>
-              <a:rPr lang="en-US" sz="2800" dirty="0" smtClean="0">
-                <a:solidFill>
-                  <a:schemeClr val="tx1"/>
-                </a:solidFill>
-                <a:latin typeface="Arial" pitchFamily="34" charset="0"/>
-                <a:cs typeface="Arial" pitchFamily="34" charset="0"/>
-              </a:rPr>
-              <a:t>apart</a:t>
-            </a:r>
-            <a:r>
-              <a:rPr lang="en-US" sz="2800" spc="1019" dirty="0" smtClean="0">
-                <a:solidFill>
-                  <a:schemeClr val="tx1"/>
-                </a:solidFill>
-                <a:latin typeface="Arial" pitchFamily="34" charset="0"/>
-                <a:cs typeface="Arial" pitchFamily="34" charset="0"/>
-              </a:rPr>
-              <a:t> </a:t>
-            </a:r>
-            <a:r>
-              <a:rPr lang="en-US" sz="2800" dirty="0" smtClean="0">
-                <a:solidFill>
-                  <a:schemeClr val="tx1"/>
-                </a:solidFill>
-                <a:latin typeface="Arial" pitchFamily="34" charset="0"/>
-                <a:cs typeface="Arial" pitchFamily="34" charset="0"/>
-              </a:rPr>
-              <a:t>from</a:t>
-            </a:r>
-            <a:r>
-              <a:rPr lang="en-US" sz="2800" spc="1006" dirty="0" smtClean="0">
-                <a:solidFill>
-                  <a:schemeClr val="tx1"/>
-                </a:solidFill>
-                <a:latin typeface="Arial" pitchFamily="34" charset="0"/>
-                <a:cs typeface="Arial" pitchFamily="34" charset="0"/>
-              </a:rPr>
-              <a:t> </a:t>
-            </a:r>
-            <a:r>
-              <a:rPr lang="en-US" sz="2800" dirty="0" smtClean="0">
-                <a:solidFill>
-                  <a:schemeClr val="tx1"/>
-                </a:solidFill>
-                <a:latin typeface="Arial" pitchFamily="34" charset="0"/>
-                <a:cs typeface="Arial" pitchFamily="34" charset="0"/>
-              </a:rPr>
-              <a:t>the sender</a:t>
-            </a:r>
-            <a:r>
-              <a:rPr lang="en-US" sz="2800" spc="147" dirty="0" smtClean="0">
-                <a:solidFill>
-                  <a:schemeClr val="tx1"/>
-                </a:solidFill>
-                <a:latin typeface="Arial" pitchFamily="34" charset="0"/>
-                <a:cs typeface="Arial" pitchFamily="34" charset="0"/>
-              </a:rPr>
-              <a:t> </a:t>
-            </a:r>
-            <a:r>
-              <a:rPr lang="en-US" sz="2800" dirty="0" smtClean="0">
-                <a:solidFill>
-                  <a:schemeClr val="tx1"/>
-                </a:solidFill>
-                <a:latin typeface="Arial" pitchFamily="34" charset="0"/>
-                <a:cs typeface="Arial" pitchFamily="34" charset="0"/>
-              </a:rPr>
-              <a:t>and</a:t>
-            </a:r>
-            <a:r>
-              <a:rPr lang="en-US" sz="2800" spc="130" dirty="0" smtClean="0">
-                <a:solidFill>
-                  <a:schemeClr val="tx1"/>
-                </a:solidFill>
-                <a:latin typeface="Arial" pitchFamily="34" charset="0"/>
-                <a:cs typeface="Arial" pitchFamily="34" charset="0"/>
-              </a:rPr>
-              <a:t> </a:t>
-            </a:r>
-            <a:r>
-              <a:rPr lang="en-US" sz="2800" spc="-15" dirty="0" smtClean="0">
-                <a:solidFill>
-                  <a:schemeClr val="tx1"/>
-                </a:solidFill>
-                <a:latin typeface="Arial" pitchFamily="34" charset="0"/>
-                <a:cs typeface="Arial" pitchFamily="34" charset="0"/>
-              </a:rPr>
-              <a:t>receiver,</a:t>
-            </a:r>
-            <a:r>
-              <a:rPr lang="en-US" sz="2800" spc="151" dirty="0" smtClean="0">
-                <a:solidFill>
-                  <a:schemeClr val="tx1"/>
-                </a:solidFill>
-                <a:latin typeface="Arial" pitchFamily="34" charset="0"/>
-                <a:cs typeface="Arial" pitchFamily="34" charset="0"/>
-              </a:rPr>
-              <a:t> </a:t>
-            </a:r>
-            <a:r>
-              <a:rPr lang="en-US" sz="2800" dirty="0" smtClean="0">
-                <a:solidFill>
-                  <a:schemeClr val="tx1"/>
-                </a:solidFill>
-                <a:latin typeface="Arial" pitchFamily="34" charset="0"/>
-                <a:cs typeface="Arial" pitchFamily="34" charset="0"/>
-              </a:rPr>
-              <a:t>suspect</a:t>
-            </a:r>
-            <a:r>
-              <a:rPr lang="en-US" sz="2800" spc="150" dirty="0" smtClean="0">
-                <a:solidFill>
-                  <a:schemeClr val="tx1"/>
-                </a:solidFill>
-                <a:latin typeface="Arial" pitchFamily="34" charset="0"/>
-                <a:cs typeface="Arial" pitchFamily="34" charset="0"/>
-              </a:rPr>
-              <a:t> </a:t>
-            </a:r>
-            <a:r>
-              <a:rPr lang="en-US" sz="2800" dirty="0" smtClean="0">
-                <a:solidFill>
-                  <a:schemeClr val="tx1"/>
-                </a:solidFill>
-                <a:latin typeface="Arial" pitchFamily="34" charset="0"/>
-                <a:cs typeface="Arial" pitchFamily="34" charset="0"/>
-              </a:rPr>
-              <a:t>the</a:t>
-            </a:r>
-            <a:r>
-              <a:rPr lang="en-US" sz="2800" spc="127" dirty="0" smtClean="0">
-                <a:solidFill>
-                  <a:schemeClr val="tx1"/>
-                </a:solidFill>
-                <a:latin typeface="Arial" pitchFamily="34" charset="0"/>
-                <a:cs typeface="Arial" pitchFamily="34" charset="0"/>
-              </a:rPr>
-              <a:t> </a:t>
-            </a:r>
-            <a:r>
-              <a:rPr lang="en-US" sz="2800" dirty="0" smtClean="0">
-                <a:solidFill>
-                  <a:schemeClr val="tx1"/>
-                </a:solidFill>
-                <a:latin typeface="Arial" pitchFamily="34" charset="0"/>
-                <a:cs typeface="Arial" pitchFamily="34" charset="0"/>
-              </a:rPr>
-              <a:t>existence</a:t>
-            </a:r>
-            <a:r>
-              <a:rPr lang="en-US" sz="2800" spc="140" dirty="0" smtClean="0">
-                <a:solidFill>
-                  <a:schemeClr val="tx1"/>
-                </a:solidFill>
-                <a:latin typeface="Arial" pitchFamily="34" charset="0"/>
-                <a:cs typeface="Arial" pitchFamily="34" charset="0"/>
-              </a:rPr>
-              <a:t> </a:t>
-            </a:r>
-            <a:r>
-              <a:rPr lang="en-US" sz="2800" dirty="0" smtClean="0">
-                <a:solidFill>
-                  <a:schemeClr val="tx1"/>
-                </a:solidFill>
-                <a:latin typeface="Arial" pitchFamily="34" charset="0"/>
-                <a:cs typeface="Arial" pitchFamily="34" charset="0"/>
-              </a:rPr>
-              <a:t>of</a:t>
-            </a:r>
-            <a:r>
-              <a:rPr lang="en-US" sz="2800" spc="139" dirty="0" smtClean="0">
-                <a:solidFill>
-                  <a:schemeClr val="tx1"/>
-                </a:solidFill>
-                <a:latin typeface="Arial" pitchFamily="34" charset="0"/>
-                <a:cs typeface="Arial" pitchFamily="34" charset="0"/>
-              </a:rPr>
-              <a:t> </a:t>
-            </a:r>
-            <a:r>
-              <a:rPr lang="en-US" sz="2800" dirty="0" smtClean="0">
-                <a:solidFill>
-                  <a:schemeClr val="tx1"/>
-                </a:solidFill>
-                <a:latin typeface="Arial" pitchFamily="34" charset="0"/>
-                <a:cs typeface="Arial" pitchFamily="34" charset="0"/>
-              </a:rPr>
-              <a:t>the message.</a:t>
-            </a:r>
-          </a:p>
-          <a:p>
-            <a:pPr marL="0">
-              <a:lnSpc>
-                <a:spcPts val="3096"/>
-              </a:lnSpc>
-              <a:spcBef>
-                <a:spcPts val="0"/>
-              </a:spcBef>
-            </a:pPr>
-            <a:endParaRPr lang="en-US" sz="2800" dirty="0" smtClean="0">
-              <a:solidFill>
-                <a:schemeClr val="tx1"/>
-              </a:solidFill>
-              <a:latin typeface="Arial" pitchFamily="34" charset="0"/>
-              <a:cs typeface="Arial" pitchFamily="34" charset="0"/>
-            </a:endParaRPr>
-          </a:p>
-          <a:p>
-            <a:pPr marL="0">
-              <a:lnSpc>
-                <a:spcPts val="3096"/>
-              </a:lnSpc>
-              <a:spcBef>
-                <a:spcPts val="0"/>
-              </a:spcBef>
-            </a:pPr>
-            <a:r>
-              <a:rPr lang="en-US" sz="2800" spc="-15" dirty="0" smtClean="0">
-                <a:solidFill>
-                  <a:schemeClr val="tx1"/>
-                </a:solidFill>
-                <a:latin typeface="Arial" pitchFamily="34" charset="0"/>
-                <a:cs typeface="Arial" pitchFamily="34" charset="0"/>
-              </a:rPr>
-              <a:t>LSB is the  simple method but BPCS is highly secured way of hiding the data in cover image</a:t>
-            </a:r>
-            <a:r>
-              <a:rPr lang="en-US" sz="2800" dirty="0" smtClean="0">
-                <a:solidFill>
-                  <a:schemeClr val="tx1"/>
-                </a:solidFill>
-                <a:latin typeface="Arial" pitchFamily="34" charset="0"/>
-                <a:cs typeface="Arial" pitchFamily="34" charset="0"/>
-              </a:rPr>
-              <a:t>.</a:t>
-            </a:r>
-            <a:r>
-              <a:rPr lang="en-US" sz="2800" spc="268" dirty="0" smtClean="0">
-                <a:solidFill>
-                  <a:schemeClr val="tx1"/>
-                </a:solidFill>
-                <a:latin typeface="Arial" pitchFamily="34" charset="0"/>
-                <a:cs typeface="Arial" pitchFamily="34" charset="0"/>
-              </a:rPr>
-              <a:t> </a:t>
-            </a:r>
-            <a:r>
-              <a:rPr lang="en-US" sz="2800" spc="-198" dirty="0" smtClean="0">
-                <a:solidFill>
-                  <a:schemeClr val="tx1"/>
-                </a:solidFill>
-                <a:latin typeface="Arial" pitchFamily="34" charset="0"/>
-                <a:cs typeface="Arial" pitchFamily="34" charset="0"/>
-              </a:rPr>
-              <a:t>To  </a:t>
-            </a:r>
-            <a:r>
-              <a:rPr lang="en-US" sz="2800" dirty="0" smtClean="0">
-                <a:solidFill>
-                  <a:schemeClr val="tx1"/>
-                </a:solidFill>
-                <a:latin typeface="Arial" pitchFamily="34" charset="0"/>
-                <a:cs typeface="Arial" pitchFamily="34" charset="0"/>
-              </a:rPr>
-              <a:t>provide</a:t>
-            </a:r>
-            <a:r>
-              <a:rPr lang="en-US" sz="2800" spc="2142" dirty="0" smtClean="0">
-                <a:solidFill>
-                  <a:schemeClr val="tx1"/>
-                </a:solidFill>
-                <a:latin typeface="Arial" pitchFamily="34" charset="0"/>
-                <a:cs typeface="Arial" pitchFamily="34" charset="0"/>
-              </a:rPr>
-              <a:t> </a:t>
-            </a:r>
-            <a:r>
-              <a:rPr lang="en-US" sz="2800" dirty="0" smtClean="0">
-                <a:solidFill>
-                  <a:schemeClr val="tx1"/>
-                </a:solidFill>
-                <a:latin typeface="Arial" pitchFamily="34" charset="0"/>
-                <a:cs typeface="Arial" pitchFamily="34" charset="0"/>
-              </a:rPr>
-              <a:t>high</a:t>
-            </a:r>
-            <a:r>
-              <a:rPr lang="en-US" sz="2800" spc="2138" dirty="0" smtClean="0">
-                <a:solidFill>
-                  <a:schemeClr val="tx1"/>
-                </a:solidFill>
-                <a:latin typeface="Arial" pitchFamily="34" charset="0"/>
-                <a:cs typeface="Arial" pitchFamily="34" charset="0"/>
-              </a:rPr>
-              <a:t> </a:t>
-            </a:r>
-            <a:r>
-              <a:rPr lang="en-US" sz="2800" dirty="0" smtClean="0">
-                <a:solidFill>
-                  <a:schemeClr val="tx1"/>
-                </a:solidFill>
-                <a:latin typeface="Arial" pitchFamily="34" charset="0"/>
-                <a:cs typeface="Arial" pitchFamily="34" charset="0"/>
-              </a:rPr>
-              <a:t>security</a:t>
-            </a:r>
-            <a:r>
-              <a:rPr lang="en-US" sz="2800" spc="2146" dirty="0" smtClean="0">
-                <a:solidFill>
-                  <a:schemeClr val="tx1"/>
-                </a:solidFill>
-                <a:latin typeface="Arial" pitchFamily="34" charset="0"/>
-                <a:cs typeface="Arial" pitchFamily="34" charset="0"/>
-              </a:rPr>
-              <a:t> </a:t>
-            </a:r>
-            <a:r>
-              <a:rPr lang="en-US" sz="2800" dirty="0" smtClean="0">
-                <a:solidFill>
-                  <a:schemeClr val="tx1"/>
-                </a:solidFill>
-                <a:latin typeface="Arial" pitchFamily="34" charset="0"/>
-                <a:cs typeface="Arial" pitchFamily="34" charset="0"/>
-              </a:rPr>
-              <a:t>Steganography we also provided 4 digits key option to encrypt your data.</a:t>
-            </a:r>
-          </a:p>
-          <a:p>
-            <a:pPr marL="0">
-              <a:lnSpc>
-                <a:spcPts val="3096"/>
-              </a:lnSpc>
-              <a:spcBef>
-                <a:spcPts val="0"/>
-              </a:spcBef>
-            </a:pPr>
-            <a:endParaRPr lang="en-US" sz="2800" spc="2143" dirty="0" smtClean="0">
-              <a:solidFill>
-                <a:schemeClr val="tx1"/>
-              </a:solidFill>
-              <a:latin typeface="Arial" pitchFamily="34" charset="0"/>
-              <a:cs typeface="Arial" pitchFamily="34" charset="0"/>
-            </a:endParaRPr>
-          </a:p>
-          <a:p>
-            <a:pPr marL="0">
-              <a:lnSpc>
-                <a:spcPts val="3096"/>
-              </a:lnSpc>
-              <a:spcBef>
-                <a:spcPts val="0"/>
-              </a:spcBef>
-            </a:pPr>
-            <a:r>
-              <a:rPr lang="en-US" sz="2800" spc="-11" dirty="0" smtClean="0">
-                <a:solidFill>
-                  <a:schemeClr val="tx1"/>
-                </a:solidFill>
-                <a:latin typeface="Arial" pitchFamily="34" charset="0"/>
-                <a:cs typeface="Arial" pitchFamily="34" charset="0"/>
-              </a:rPr>
-              <a:t>Larger</a:t>
-            </a:r>
-            <a:r>
-              <a:rPr lang="en-US" sz="2800" spc="888" dirty="0" smtClean="0">
-                <a:solidFill>
-                  <a:schemeClr val="tx1"/>
-                </a:solidFill>
-                <a:latin typeface="Arial" pitchFamily="34" charset="0"/>
-                <a:cs typeface="Arial" pitchFamily="34" charset="0"/>
-              </a:rPr>
-              <a:t> </a:t>
-            </a:r>
-            <a:r>
-              <a:rPr lang="en-US" sz="2800" dirty="0" smtClean="0">
-                <a:solidFill>
-                  <a:schemeClr val="tx1"/>
-                </a:solidFill>
-                <a:latin typeface="Arial" pitchFamily="34" charset="0"/>
-                <a:cs typeface="Arial" pitchFamily="34" charset="0"/>
-              </a:rPr>
-              <a:t>PSNR</a:t>
-            </a:r>
-            <a:r>
-              <a:rPr lang="en-US" sz="2800" spc="860" dirty="0" smtClean="0">
-                <a:solidFill>
-                  <a:schemeClr val="tx1"/>
-                </a:solidFill>
-                <a:latin typeface="Arial" pitchFamily="34" charset="0"/>
-                <a:cs typeface="Arial" pitchFamily="34" charset="0"/>
-              </a:rPr>
-              <a:t> </a:t>
-            </a:r>
-            <a:r>
-              <a:rPr lang="en-US" sz="2800" dirty="0" smtClean="0">
-                <a:solidFill>
-                  <a:schemeClr val="tx1"/>
-                </a:solidFill>
-                <a:latin typeface="Arial" pitchFamily="34" charset="0"/>
-                <a:cs typeface="Arial" pitchFamily="34" charset="0"/>
-              </a:rPr>
-              <a:t>indicates</a:t>
-            </a:r>
-            <a:r>
-              <a:rPr lang="en-US" sz="2800" spc="856" dirty="0" smtClean="0">
-                <a:solidFill>
-                  <a:schemeClr val="tx1"/>
-                </a:solidFill>
-                <a:latin typeface="Arial" pitchFamily="34" charset="0"/>
-                <a:cs typeface="Arial" pitchFamily="34" charset="0"/>
-              </a:rPr>
-              <a:t> </a:t>
-            </a:r>
-            <a:r>
-              <a:rPr lang="en-US" sz="2800" dirty="0" smtClean="0">
-                <a:solidFill>
-                  <a:schemeClr val="tx1"/>
-                </a:solidFill>
-                <a:latin typeface="Arial" pitchFamily="34" charset="0"/>
-                <a:cs typeface="Arial" pitchFamily="34" charset="0"/>
-              </a:rPr>
-              <a:t>the</a:t>
-            </a:r>
-            <a:r>
-              <a:rPr lang="en-US" sz="2800" spc="857" dirty="0" smtClean="0">
-                <a:solidFill>
-                  <a:schemeClr val="tx1"/>
-                </a:solidFill>
-                <a:latin typeface="Arial" pitchFamily="34" charset="0"/>
-                <a:cs typeface="Arial" pitchFamily="34" charset="0"/>
-              </a:rPr>
-              <a:t> </a:t>
-            </a:r>
-            <a:r>
-              <a:rPr lang="en-US" sz="2800" dirty="0" smtClean="0">
-                <a:solidFill>
-                  <a:schemeClr val="tx1"/>
-                </a:solidFill>
-                <a:latin typeface="Arial" pitchFamily="34" charset="0"/>
-                <a:cs typeface="Arial" pitchFamily="34" charset="0"/>
-              </a:rPr>
-              <a:t>higher</a:t>
-            </a:r>
-            <a:r>
-              <a:rPr lang="en-US" sz="2800" spc="864" dirty="0" smtClean="0">
-                <a:solidFill>
-                  <a:schemeClr val="tx1"/>
-                </a:solidFill>
-                <a:latin typeface="Arial" pitchFamily="34" charset="0"/>
-                <a:cs typeface="Arial" pitchFamily="34" charset="0"/>
-              </a:rPr>
-              <a:t> </a:t>
-            </a:r>
-            <a:r>
-              <a:rPr lang="en-US" sz="2800" dirty="0" smtClean="0">
-                <a:solidFill>
-                  <a:schemeClr val="tx1"/>
-                </a:solidFill>
-                <a:latin typeface="Arial" pitchFamily="34" charset="0"/>
-                <a:cs typeface="Arial" pitchFamily="34" charset="0"/>
-              </a:rPr>
-              <a:t>the</a:t>
-            </a:r>
-            <a:r>
-              <a:rPr lang="en-US" sz="2800" spc="844" dirty="0" smtClean="0">
-                <a:solidFill>
-                  <a:schemeClr val="tx1"/>
-                </a:solidFill>
-                <a:latin typeface="Arial" pitchFamily="34" charset="0"/>
-                <a:cs typeface="Arial" pitchFamily="34" charset="0"/>
-              </a:rPr>
-              <a:t> </a:t>
-            </a:r>
-            <a:r>
-              <a:rPr lang="en-US" sz="2800" dirty="0" smtClean="0">
-                <a:solidFill>
-                  <a:schemeClr val="tx1"/>
-                </a:solidFill>
-                <a:latin typeface="Arial" pitchFamily="34" charset="0"/>
-                <a:cs typeface="Arial" pitchFamily="34" charset="0"/>
-              </a:rPr>
-              <a:t>image quality.</a:t>
-            </a:r>
-            <a:r>
-              <a:rPr lang="en-US" sz="2800" spc="496" dirty="0" smtClean="0">
-                <a:solidFill>
-                  <a:schemeClr val="tx1"/>
-                </a:solidFill>
-                <a:latin typeface="Arial" pitchFamily="34" charset="0"/>
-                <a:cs typeface="Arial" pitchFamily="34" charset="0"/>
-              </a:rPr>
-              <a:t> </a:t>
-            </a:r>
-            <a:r>
-              <a:rPr lang="en-US" sz="2800" dirty="0" smtClean="0">
-                <a:solidFill>
-                  <a:schemeClr val="tx1"/>
-                </a:solidFill>
-                <a:latin typeface="Arial" pitchFamily="34" charset="0"/>
-                <a:cs typeface="Arial" pitchFamily="34" charset="0"/>
-              </a:rPr>
-              <a:t>A</a:t>
-            </a:r>
-            <a:r>
-              <a:rPr lang="en-US" sz="2800" spc="480" dirty="0" smtClean="0">
-                <a:solidFill>
-                  <a:schemeClr val="tx1"/>
-                </a:solidFill>
-                <a:latin typeface="Arial" pitchFamily="34" charset="0"/>
-                <a:cs typeface="Arial" pitchFamily="34" charset="0"/>
-              </a:rPr>
-              <a:t> </a:t>
-            </a:r>
-            <a:r>
-              <a:rPr lang="en-US" sz="2800" dirty="0" smtClean="0">
-                <a:solidFill>
-                  <a:schemeClr val="tx1"/>
-                </a:solidFill>
-                <a:latin typeface="Arial" pitchFamily="34" charset="0"/>
-                <a:cs typeface="Arial" pitchFamily="34" charset="0"/>
-              </a:rPr>
-              <a:t>smaller</a:t>
-            </a:r>
-            <a:r>
-              <a:rPr lang="en-US" sz="2800" spc="503" dirty="0" smtClean="0">
-                <a:solidFill>
-                  <a:schemeClr val="tx1"/>
-                </a:solidFill>
-                <a:latin typeface="Arial" pitchFamily="34" charset="0"/>
-                <a:cs typeface="Arial" pitchFamily="34" charset="0"/>
-              </a:rPr>
-              <a:t> </a:t>
-            </a:r>
-            <a:r>
-              <a:rPr lang="en-US" sz="2800" dirty="0" smtClean="0">
-                <a:solidFill>
-                  <a:schemeClr val="tx1"/>
-                </a:solidFill>
-                <a:latin typeface="Arial" pitchFamily="34" charset="0"/>
-                <a:cs typeface="Arial" pitchFamily="34" charset="0"/>
-              </a:rPr>
-              <a:t>PSNR</a:t>
-            </a:r>
-            <a:r>
-              <a:rPr lang="en-US" sz="2800" spc="509" dirty="0" smtClean="0">
-                <a:solidFill>
-                  <a:schemeClr val="tx1"/>
-                </a:solidFill>
-                <a:latin typeface="Arial" pitchFamily="34" charset="0"/>
-                <a:cs typeface="Arial" pitchFamily="34" charset="0"/>
-              </a:rPr>
-              <a:t> </a:t>
-            </a:r>
-            <a:r>
-              <a:rPr lang="en-US" sz="2800" dirty="0" smtClean="0">
-                <a:solidFill>
-                  <a:schemeClr val="tx1"/>
-                </a:solidFill>
-                <a:latin typeface="Arial" pitchFamily="34" charset="0"/>
-                <a:cs typeface="Arial" pitchFamily="34" charset="0"/>
-              </a:rPr>
-              <a:t>means</a:t>
-            </a:r>
-            <a:r>
-              <a:rPr lang="en-US" sz="2800" spc="503" dirty="0" smtClean="0">
-                <a:solidFill>
-                  <a:schemeClr val="tx1"/>
-                </a:solidFill>
-                <a:latin typeface="Arial" pitchFamily="34" charset="0"/>
-                <a:cs typeface="Arial" pitchFamily="34" charset="0"/>
-              </a:rPr>
-              <a:t> </a:t>
-            </a:r>
-            <a:r>
-              <a:rPr lang="en-US" sz="2800" dirty="0" smtClean="0">
-                <a:solidFill>
-                  <a:schemeClr val="tx1"/>
-                </a:solidFill>
-                <a:latin typeface="Arial" pitchFamily="34" charset="0"/>
-                <a:cs typeface="Arial" pitchFamily="34" charset="0"/>
-              </a:rPr>
-              <a:t>there</a:t>
-            </a:r>
-            <a:r>
-              <a:rPr lang="en-US" sz="2800" spc="498" dirty="0" smtClean="0">
-                <a:solidFill>
-                  <a:schemeClr val="tx1"/>
-                </a:solidFill>
-                <a:latin typeface="Arial" pitchFamily="34" charset="0"/>
-                <a:cs typeface="Arial" pitchFamily="34" charset="0"/>
-              </a:rPr>
-              <a:t> </a:t>
-            </a:r>
-            <a:r>
-              <a:rPr lang="en-US" sz="2800" spc="-10" dirty="0" smtClean="0">
-                <a:solidFill>
-                  <a:schemeClr val="tx1"/>
-                </a:solidFill>
-                <a:latin typeface="Arial" pitchFamily="34" charset="0"/>
-                <a:cs typeface="Arial" pitchFamily="34" charset="0"/>
-              </a:rPr>
-              <a:t>is</a:t>
-            </a:r>
-            <a:r>
-              <a:rPr lang="en-US" sz="2800" spc="511" dirty="0" smtClean="0">
-                <a:solidFill>
-                  <a:schemeClr val="tx1"/>
-                </a:solidFill>
-                <a:latin typeface="Arial" pitchFamily="34" charset="0"/>
-                <a:cs typeface="Arial" pitchFamily="34" charset="0"/>
-              </a:rPr>
-              <a:t> </a:t>
-            </a:r>
-            <a:r>
-              <a:rPr lang="en-US" sz="2800" dirty="0" smtClean="0">
-                <a:solidFill>
-                  <a:schemeClr val="tx1"/>
-                </a:solidFill>
-                <a:latin typeface="Arial" pitchFamily="34" charset="0"/>
-                <a:cs typeface="Arial" pitchFamily="34" charset="0"/>
-              </a:rPr>
-              <a:t>huge distortion</a:t>
-            </a:r>
-            <a:r>
-              <a:rPr lang="en-US" sz="2800" spc="1247" dirty="0" smtClean="0">
-                <a:solidFill>
-                  <a:schemeClr val="tx1"/>
-                </a:solidFill>
-                <a:latin typeface="Arial" pitchFamily="34" charset="0"/>
-                <a:cs typeface="Arial" pitchFamily="34" charset="0"/>
-              </a:rPr>
-              <a:t> </a:t>
-            </a:r>
-            <a:r>
-              <a:rPr lang="en-US" sz="2800" dirty="0" smtClean="0">
-                <a:solidFill>
-                  <a:schemeClr val="tx1"/>
-                </a:solidFill>
-                <a:latin typeface="Arial" pitchFamily="34" charset="0"/>
-                <a:cs typeface="Arial" pitchFamily="34" charset="0"/>
-              </a:rPr>
-              <a:t>between</a:t>
-            </a:r>
-            <a:r>
-              <a:rPr lang="en-US" sz="2800" spc="1265" dirty="0" smtClean="0">
-                <a:solidFill>
-                  <a:schemeClr val="tx1"/>
-                </a:solidFill>
-                <a:latin typeface="Arial" pitchFamily="34" charset="0"/>
-                <a:cs typeface="Arial" pitchFamily="34" charset="0"/>
-              </a:rPr>
-              <a:t> </a:t>
-            </a:r>
-            <a:r>
-              <a:rPr lang="en-US" sz="2800" dirty="0" smtClean="0">
-                <a:solidFill>
-                  <a:schemeClr val="tx1"/>
-                </a:solidFill>
-                <a:latin typeface="Arial" pitchFamily="34" charset="0"/>
-                <a:cs typeface="Arial" pitchFamily="34" charset="0"/>
-              </a:rPr>
-              <a:t>the</a:t>
-            </a:r>
-            <a:r>
-              <a:rPr lang="en-US" sz="2800" spc="1239" dirty="0" smtClean="0">
-                <a:solidFill>
-                  <a:schemeClr val="tx1"/>
-                </a:solidFill>
-                <a:latin typeface="Arial" pitchFamily="34" charset="0"/>
-                <a:cs typeface="Arial" pitchFamily="34" charset="0"/>
-              </a:rPr>
-              <a:t> </a:t>
-            </a:r>
-            <a:r>
-              <a:rPr lang="en-US" sz="2800" dirty="0" smtClean="0">
-                <a:solidFill>
-                  <a:schemeClr val="tx1"/>
-                </a:solidFill>
-                <a:latin typeface="Arial" pitchFamily="34" charset="0"/>
-                <a:cs typeface="Arial" pitchFamily="34" charset="0"/>
-              </a:rPr>
-              <a:t>cover-image</a:t>
-            </a:r>
-            <a:r>
-              <a:rPr lang="en-US" sz="2800" spc="1259" dirty="0" smtClean="0">
-                <a:solidFill>
-                  <a:schemeClr val="tx1"/>
-                </a:solidFill>
-                <a:latin typeface="Arial" pitchFamily="34" charset="0"/>
-                <a:cs typeface="Arial" pitchFamily="34" charset="0"/>
-              </a:rPr>
-              <a:t> </a:t>
-            </a:r>
-            <a:r>
-              <a:rPr lang="en-US" sz="2800" dirty="0" smtClean="0">
-                <a:solidFill>
-                  <a:schemeClr val="tx1"/>
-                </a:solidFill>
-                <a:latin typeface="Arial" pitchFamily="34" charset="0"/>
-                <a:cs typeface="Arial" pitchFamily="34" charset="0"/>
-              </a:rPr>
-              <a:t>and</a:t>
-            </a:r>
-            <a:r>
-              <a:rPr lang="en-US" sz="2800" spc="1252" dirty="0" smtClean="0">
-                <a:solidFill>
-                  <a:schemeClr val="tx1"/>
-                </a:solidFill>
-                <a:latin typeface="Arial" pitchFamily="34" charset="0"/>
-                <a:cs typeface="Arial" pitchFamily="34" charset="0"/>
-              </a:rPr>
-              <a:t> </a:t>
-            </a:r>
-            <a:r>
-              <a:rPr lang="en-US" sz="2800" dirty="0" smtClean="0">
-                <a:solidFill>
-                  <a:schemeClr val="tx1"/>
-                </a:solidFill>
-                <a:latin typeface="Arial" pitchFamily="34" charset="0"/>
-                <a:cs typeface="Arial" pitchFamily="34" charset="0"/>
-              </a:rPr>
-              <a:t>the stegano Image</a:t>
-            </a:r>
-          </a:p>
-          <a:p>
-            <a:pPr marL="0">
-              <a:lnSpc>
-                <a:spcPts val="3096"/>
-              </a:lnSpc>
-              <a:spcBef>
-                <a:spcPts val="0"/>
-              </a:spcBef>
-            </a:pPr>
-            <a:endParaRPr lang="en-US" dirty="0" smtClean="0">
-              <a:solidFill>
-                <a:srgbClr val="000000"/>
-              </a:solidFill>
-              <a:latin typeface="Times New Roman"/>
-              <a:cs typeface="Times New Roman"/>
-            </a:endParaRPr>
-          </a:p>
-          <a:p>
-            <a:pPr marL="0">
-              <a:lnSpc>
-                <a:spcPts val="3096"/>
-              </a:lnSpc>
-              <a:spcBef>
-                <a:spcPts val="0"/>
-              </a:spcBef>
-            </a:pPr>
-            <a:endParaRPr lang="en-US" dirty="0" smtClean="0">
-              <a:solidFill>
-                <a:srgbClr val="000000"/>
-              </a:solidFill>
-              <a:latin typeface="Times New Roman"/>
-              <a:cs typeface="Times New Roman"/>
-            </a:endParaRPr>
-          </a:p>
-          <a:p>
-            <a:endParaRPr lang="en-IN" dirty="0"/>
-          </a:p>
-        </p:txBody>
-      </p:sp>
-    </p:spTree>
-    <p:extLst>
-      <p:ext uri="{BB962C8B-B14F-4D97-AF65-F5344CB8AC3E}">
-        <p14:creationId xmlns:p14="http://schemas.microsoft.com/office/powerpoint/2010/main" val="2347577460"/>
-      </p:ext>
-    </p:extLst>
-  </p:cSld>
-  <p:clrMapOvr>
-    <a:masterClrMapping/>
-  </p:clrMapOvr>
-  <p:timing>
-    <p:tnLst>
-      <p:par>
-        <p:cTn id="1" dur="indefinite" restart="never" nodeType="tmRoot"/>
-      </p:par>
-    </p:tnLst>
-  </p:timing>
-</p:sld>
-</file>
-
 <file path=ppt/slides/slide3.xml><?xml version="1.0" encoding="utf-8"?>
 <p:sld xmlns:a="http://schemas.openxmlformats.org/drawingml/2006/main" xmlns:r="http://schemas.openxmlformats.org/officeDocument/2006/relationships" xmlns:p="http://schemas.openxmlformats.org/presentationml/2006/main">
   <p:cSld>
@@ -14920,6 +13888,1108 @@
 </file>
 
 <file path=ppt/slides/slide30.xml><?xml version="1.0" encoding="utf-8"?>
+<p:sld xmlns:a="http://schemas.openxmlformats.org/drawingml/2006/main" xmlns:r="http://schemas.openxmlformats.org/officeDocument/2006/relationships" xmlns:p="http://schemas.openxmlformats.org/presentationml/2006/main">
+  <p:cSld>
+    <p:spTree>
+      <p:nvGrpSpPr>
+        <p:cNvPr id="1" name=""/>
+        <p:cNvGrpSpPr/>
+        <p:nvPr/>
+      </p:nvGrpSpPr>
+      <p:grpSpPr>
+        <a:xfrm>
+          <a:off x="0" y="0"/>
+          <a:ext cx="0" cy="0"/>
+          <a:chOff x="0" y="0"/>
+          <a:chExt cx="0" cy="0"/>
+        </a:xfrm>
+      </p:grpSpPr>
+      <p:sp>
+        <p:nvSpPr>
+          <p:cNvPr id="4" name="Title 3"/>
+          <p:cNvSpPr>
+            <a:spLocks noGrp="1"/>
+          </p:cNvSpPr>
+          <p:nvPr>
+            <p:ph type="title"/>
+          </p:nvPr>
+        </p:nvSpPr>
+        <p:spPr>
+          <a:xfrm>
+            <a:off x="1687399" y="624110"/>
+            <a:ext cx="9817214" cy="667362"/>
+          </a:xfrm>
+        </p:spPr>
+        <p:txBody>
+          <a:bodyPr/>
+          <a:lstStyle/>
+          <a:p>
+            <a:pPr algn="ctr"/>
+            <a:r>
+              <a:rPr lang="en-US" dirty="0" smtClean="0">
+                <a:latin typeface="Algerian" panose="04020705040A02060702" pitchFamily="82" charset="0"/>
+              </a:rPr>
+              <a:t>Conclusion </a:t>
+            </a:r>
+            <a:endParaRPr lang="en-IN" dirty="0">
+              <a:latin typeface="Algerian" panose="04020705040A02060702" pitchFamily="82" charset="0"/>
+            </a:endParaRPr>
+          </a:p>
+        </p:txBody>
+      </p:sp>
+      <p:sp>
+        <p:nvSpPr>
+          <p:cNvPr id="5" name="Content Placeholder 4"/>
+          <p:cNvSpPr>
+            <a:spLocks noGrp="1"/>
+          </p:cNvSpPr>
+          <p:nvPr>
+            <p:ph idx="1"/>
+          </p:nvPr>
+        </p:nvSpPr>
+        <p:spPr>
+          <a:xfrm>
+            <a:off x="1717376" y="1559666"/>
+            <a:ext cx="9732373" cy="5069734"/>
+          </a:xfrm>
+        </p:spPr>
+        <p:txBody>
+          <a:bodyPr/>
+          <a:lstStyle/>
+          <a:p>
+            <a:pPr marL="0">
+              <a:lnSpc>
+                <a:spcPts val="3096"/>
+              </a:lnSpc>
+              <a:spcBef>
+                <a:spcPts val="0"/>
+              </a:spcBef>
+            </a:pPr>
+            <a:r>
+              <a:rPr lang="en-US" sz="2800" dirty="0" smtClean="0">
+                <a:solidFill>
+                  <a:schemeClr val="tx1"/>
+                </a:solidFill>
+                <a:latin typeface="Arial" pitchFamily="34" charset="0"/>
+                <a:cs typeface="Arial" pitchFamily="34" charset="0"/>
+              </a:rPr>
+              <a:t>Steganography</a:t>
+            </a:r>
+            <a:r>
+              <a:rPr lang="en-US" sz="2800" spc="192" dirty="0" smtClean="0">
+                <a:solidFill>
+                  <a:schemeClr val="tx1"/>
+                </a:solidFill>
+                <a:latin typeface="Arial" pitchFamily="34" charset="0"/>
+                <a:cs typeface="Arial" pitchFamily="34" charset="0"/>
+              </a:rPr>
+              <a:t> </a:t>
+            </a:r>
+            <a:r>
+              <a:rPr lang="en-US" sz="2800" dirty="0" smtClean="0">
+                <a:solidFill>
+                  <a:schemeClr val="tx1"/>
+                </a:solidFill>
+                <a:latin typeface="Arial" pitchFamily="34" charset="0"/>
+                <a:cs typeface="Arial" pitchFamily="34" charset="0"/>
+              </a:rPr>
+              <a:t>is</a:t>
+            </a:r>
+            <a:r>
+              <a:rPr lang="en-US" sz="2800" spc="173" dirty="0" smtClean="0">
+                <a:solidFill>
+                  <a:schemeClr val="tx1"/>
+                </a:solidFill>
+                <a:latin typeface="Arial" pitchFamily="34" charset="0"/>
+                <a:cs typeface="Arial" pitchFamily="34" charset="0"/>
+              </a:rPr>
+              <a:t> </a:t>
+            </a:r>
+            <a:r>
+              <a:rPr lang="en-US" sz="2800" dirty="0" smtClean="0">
+                <a:solidFill>
+                  <a:schemeClr val="tx1"/>
+                </a:solidFill>
+                <a:latin typeface="Arial" pitchFamily="34" charset="0"/>
+                <a:cs typeface="Arial" pitchFamily="34" charset="0"/>
+              </a:rPr>
+              <a:t>the</a:t>
+            </a:r>
+            <a:r>
+              <a:rPr lang="en-US" sz="2800" spc="166" dirty="0" smtClean="0">
+                <a:solidFill>
+                  <a:schemeClr val="tx1"/>
+                </a:solidFill>
+                <a:latin typeface="Arial" pitchFamily="34" charset="0"/>
+                <a:cs typeface="Arial" pitchFamily="34" charset="0"/>
+              </a:rPr>
+              <a:t> </a:t>
+            </a:r>
+            <a:r>
+              <a:rPr lang="en-US" sz="2800" dirty="0" smtClean="0">
+                <a:solidFill>
+                  <a:schemeClr val="tx1"/>
+                </a:solidFill>
+                <a:latin typeface="Arial" pitchFamily="34" charset="0"/>
+                <a:cs typeface="Arial" pitchFamily="34" charset="0"/>
+              </a:rPr>
+              <a:t>art</a:t>
+            </a:r>
+            <a:r>
+              <a:rPr lang="en-US" sz="2800" spc="178" dirty="0" smtClean="0">
+                <a:solidFill>
+                  <a:schemeClr val="tx1"/>
+                </a:solidFill>
+                <a:latin typeface="Arial" pitchFamily="34" charset="0"/>
+                <a:cs typeface="Arial" pitchFamily="34" charset="0"/>
+              </a:rPr>
+              <a:t> </a:t>
+            </a:r>
+            <a:r>
+              <a:rPr lang="en-US" sz="2800" dirty="0" smtClean="0">
+                <a:solidFill>
+                  <a:schemeClr val="tx1"/>
+                </a:solidFill>
+                <a:latin typeface="Arial" pitchFamily="34" charset="0"/>
+                <a:cs typeface="Arial" pitchFamily="34" charset="0"/>
+              </a:rPr>
+              <a:t>and</a:t>
+            </a:r>
+            <a:r>
+              <a:rPr lang="en-US" sz="2800" spc="185" dirty="0" smtClean="0">
+                <a:solidFill>
+                  <a:schemeClr val="tx1"/>
+                </a:solidFill>
+                <a:latin typeface="Arial" pitchFamily="34" charset="0"/>
+                <a:cs typeface="Arial" pitchFamily="34" charset="0"/>
+              </a:rPr>
+              <a:t> </a:t>
+            </a:r>
+            <a:r>
+              <a:rPr lang="en-US" sz="2800" dirty="0" smtClean="0">
+                <a:solidFill>
+                  <a:schemeClr val="tx1"/>
+                </a:solidFill>
+                <a:latin typeface="Arial" pitchFamily="34" charset="0"/>
+                <a:cs typeface="Arial" pitchFamily="34" charset="0"/>
+              </a:rPr>
+              <a:t>science</a:t>
+            </a:r>
+            <a:r>
+              <a:rPr lang="en-US" sz="2800" spc="162" dirty="0" smtClean="0">
+                <a:solidFill>
+                  <a:schemeClr val="tx1"/>
+                </a:solidFill>
+                <a:latin typeface="Arial" pitchFamily="34" charset="0"/>
+                <a:cs typeface="Arial" pitchFamily="34" charset="0"/>
+              </a:rPr>
+              <a:t> </a:t>
+            </a:r>
+            <a:r>
+              <a:rPr lang="en-US" sz="2800" dirty="0" smtClean="0">
+                <a:solidFill>
+                  <a:schemeClr val="tx1"/>
+                </a:solidFill>
+                <a:latin typeface="Arial" pitchFamily="34" charset="0"/>
+                <a:cs typeface="Arial" pitchFamily="34" charset="0"/>
+              </a:rPr>
+              <a:t>of</a:t>
+            </a:r>
+            <a:r>
+              <a:rPr lang="en-US" sz="2800" spc="189" dirty="0" smtClean="0">
+                <a:solidFill>
+                  <a:schemeClr val="tx1"/>
+                </a:solidFill>
+                <a:latin typeface="Arial" pitchFamily="34" charset="0"/>
+                <a:cs typeface="Arial" pitchFamily="34" charset="0"/>
+              </a:rPr>
+              <a:t> </a:t>
+            </a:r>
+            <a:r>
+              <a:rPr lang="en-US" sz="2800" dirty="0" smtClean="0">
+                <a:solidFill>
+                  <a:schemeClr val="tx1"/>
+                </a:solidFill>
+                <a:latin typeface="Arial" pitchFamily="34" charset="0"/>
+                <a:cs typeface="Arial" pitchFamily="34" charset="0"/>
+              </a:rPr>
+              <a:t>writing hidden</a:t>
+            </a:r>
+            <a:r>
+              <a:rPr lang="en-US" sz="2800" spc="1031" dirty="0" smtClean="0">
+                <a:solidFill>
+                  <a:schemeClr val="tx1"/>
+                </a:solidFill>
+                <a:latin typeface="Arial" pitchFamily="34" charset="0"/>
+                <a:cs typeface="Arial" pitchFamily="34" charset="0"/>
+              </a:rPr>
+              <a:t> </a:t>
+            </a:r>
+            <a:r>
+              <a:rPr lang="en-US" sz="2800" dirty="0" smtClean="0">
+                <a:solidFill>
+                  <a:schemeClr val="tx1"/>
+                </a:solidFill>
+                <a:latin typeface="Arial" pitchFamily="34" charset="0"/>
+                <a:cs typeface="Arial" pitchFamily="34" charset="0"/>
+              </a:rPr>
+              <a:t>message</a:t>
+            </a:r>
+            <a:r>
+              <a:rPr lang="en-US" sz="2800" spc="1017" dirty="0" smtClean="0">
+                <a:solidFill>
+                  <a:schemeClr val="tx1"/>
+                </a:solidFill>
+                <a:latin typeface="Arial" pitchFamily="34" charset="0"/>
+                <a:cs typeface="Arial" pitchFamily="34" charset="0"/>
+              </a:rPr>
+              <a:t> </a:t>
+            </a:r>
+            <a:r>
+              <a:rPr lang="en-US" sz="2800" dirty="0" smtClean="0">
+                <a:solidFill>
+                  <a:schemeClr val="tx1"/>
+                </a:solidFill>
+                <a:latin typeface="Arial" pitchFamily="34" charset="0"/>
+                <a:cs typeface="Arial" pitchFamily="34" charset="0"/>
+              </a:rPr>
+              <a:t>that</a:t>
+            </a:r>
+            <a:r>
+              <a:rPr lang="en-US" sz="2800" spc="1022" dirty="0" smtClean="0">
+                <a:solidFill>
+                  <a:schemeClr val="tx1"/>
+                </a:solidFill>
+                <a:latin typeface="Arial" pitchFamily="34" charset="0"/>
+                <a:cs typeface="Arial" pitchFamily="34" charset="0"/>
+              </a:rPr>
+              <a:t> </a:t>
+            </a:r>
+            <a:r>
+              <a:rPr lang="en-US" sz="2800" dirty="0" smtClean="0">
+                <a:solidFill>
+                  <a:schemeClr val="tx1"/>
+                </a:solidFill>
+                <a:latin typeface="Arial" pitchFamily="34" charset="0"/>
+                <a:cs typeface="Arial" pitchFamily="34" charset="0"/>
+              </a:rPr>
+              <a:t>no</a:t>
+            </a:r>
+            <a:r>
+              <a:rPr lang="en-US" sz="2800" spc="1015" dirty="0" smtClean="0">
+                <a:solidFill>
+                  <a:schemeClr val="tx1"/>
+                </a:solidFill>
+                <a:latin typeface="Arial" pitchFamily="34" charset="0"/>
+                <a:cs typeface="Arial" pitchFamily="34" charset="0"/>
+              </a:rPr>
+              <a:t> </a:t>
+            </a:r>
+            <a:r>
+              <a:rPr lang="en-US" sz="2800" dirty="0" smtClean="0">
+                <a:solidFill>
+                  <a:schemeClr val="tx1"/>
+                </a:solidFill>
+                <a:latin typeface="Arial" pitchFamily="34" charset="0"/>
+                <a:cs typeface="Arial" pitchFamily="34" charset="0"/>
+              </a:rPr>
+              <a:t>one</a:t>
+            </a:r>
+            <a:r>
+              <a:rPr lang="en-US" sz="2800" spc="1006" dirty="0" smtClean="0">
+                <a:solidFill>
+                  <a:schemeClr val="tx1"/>
+                </a:solidFill>
+                <a:latin typeface="Arial" pitchFamily="34" charset="0"/>
+                <a:cs typeface="Arial" pitchFamily="34" charset="0"/>
+              </a:rPr>
+              <a:t> </a:t>
+            </a:r>
+            <a:r>
+              <a:rPr lang="en-US" sz="2800" dirty="0" smtClean="0">
+                <a:solidFill>
+                  <a:schemeClr val="tx1"/>
+                </a:solidFill>
+                <a:latin typeface="Arial" pitchFamily="34" charset="0"/>
+                <a:cs typeface="Arial" pitchFamily="34" charset="0"/>
+              </a:rPr>
+              <a:t>apart</a:t>
+            </a:r>
+            <a:r>
+              <a:rPr lang="en-US" sz="2800" spc="1019" dirty="0" smtClean="0">
+                <a:solidFill>
+                  <a:schemeClr val="tx1"/>
+                </a:solidFill>
+                <a:latin typeface="Arial" pitchFamily="34" charset="0"/>
+                <a:cs typeface="Arial" pitchFamily="34" charset="0"/>
+              </a:rPr>
+              <a:t> </a:t>
+            </a:r>
+            <a:r>
+              <a:rPr lang="en-US" sz="2800" dirty="0" smtClean="0">
+                <a:solidFill>
+                  <a:schemeClr val="tx1"/>
+                </a:solidFill>
+                <a:latin typeface="Arial" pitchFamily="34" charset="0"/>
+                <a:cs typeface="Arial" pitchFamily="34" charset="0"/>
+              </a:rPr>
+              <a:t>from</a:t>
+            </a:r>
+            <a:r>
+              <a:rPr lang="en-US" sz="2800" spc="1006" dirty="0" smtClean="0">
+                <a:solidFill>
+                  <a:schemeClr val="tx1"/>
+                </a:solidFill>
+                <a:latin typeface="Arial" pitchFamily="34" charset="0"/>
+                <a:cs typeface="Arial" pitchFamily="34" charset="0"/>
+              </a:rPr>
+              <a:t> </a:t>
+            </a:r>
+            <a:r>
+              <a:rPr lang="en-US" sz="2800" dirty="0" smtClean="0">
+                <a:solidFill>
+                  <a:schemeClr val="tx1"/>
+                </a:solidFill>
+                <a:latin typeface="Arial" pitchFamily="34" charset="0"/>
+                <a:cs typeface="Arial" pitchFamily="34" charset="0"/>
+              </a:rPr>
+              <a:t>the sender</a:t>
+            </a:r>
+            <a:r>
+              <a:rPr lang="en-US" sz="2800" spc="147" dirty="0" smtClean="0">
+                <a:solidFill>
+                  <a:schemeClr val="tx1"/>
+                </a:solidFill>
+                <a:latin typeface="Arial" pitchFamily="34" charset="0"/>
+                <a:cs typeface="Arial" pitchFamily="34" charset="0"/>
+              </a:rPr>
+              <a:t> </a:t>
+            </a:r>
+            <a:r>
+              <a:rPr lang="en-US" sz="2800" dirty="0" smtClean="0">
+                <a:solidFill>
+                  <a:schemeClr val="tx1"/>
+                </a:solidFill>
+                <a:latin typeface="Arial" pitchFamily="34" charset="0"/>
+                <a:cs typeface="Arial" pitchFamily="34" charset="0"/>
+              </a:rPr>
+              <a:t>and</a:t>
+            </a:r>
+            <a:r>
+              <a:rPr lang="en-US" sz="2800" spc="130" dirty="0" smtClean="0">
+                <a:solidFill>
+                  <a:schemeClr val="tx1"/>
+                </a:solidFill>
+                <a:latin typeface="Arial" pitchFamily="34" charset="0"/>
+                <a:cs typeface="Arial" pitchFamily="34" charset="0"/>
+              </a:rPr>
+              <a:t> </a:t>
+            </a:r>
+            <a:r>
+              <a:rPr lang="en-US" sz="2800" spc="-15" dirty="0" smtClean="0">
+                <a:solidFill>
+                  <a:schemeClr val="tx1"/>
+                </a:solidFill>
+                <a:latin typeface="Arial" pitchFamily="34" charset="0"/>
+                <a:cs typeface="Arial" pitchFamily="34" charset="0"/>
+              </a:rPr>
+              <a:t>receiver,</a:t>
+            </a:r>
+            <a:r>
+              <a:rPr lang="en-US" sz="2800" spc="151" dirty="0" smtClean="0">
+                <a:solidFill>
+                  <a:schemeClr val="tx1"/>
+                </a:solidFill>
+                <a:latin typeface="Arial" pitchFamily="34" charset="0"/>
+                <a:cs typeface="Arial" pitchFamily="34" charset="0"/>
+              </a:rPr>
+              <a:t> </a:t>
+            </a:r>
+            <a:r>
+              <a:rPr lang="en-US" sz="2800" dirty="0" smtClean="0">
+                <a:solidFill>
+                  <a:schemeClr val="tx1"/>
+                </a:solidFill>
+                <a:latin typeface="Arial" pitchFamily="34" charset="0"/>
+                <a:cs typeface="Arial" pitchFamily="34" charset="0"/>
+              </a:rPr>
+              <a:t>suspect</a:t>
+            </a:r>
+            <a:r>
+              <a:rPr lang="en-US" sz="2800" spc="150" dirty="0" smtClean="0">
+                <a:solidFill>
+                  <a:schemeClr val="tx1"/>
+                </a:solidFill>
+                <a:latin typeface="Arial" pitchFamily="34" charset="0"/>
+                <a:cs typeface="Arial" pitchFamily="34" charset="0"/>
+              </a:rPr>
+              <a:t> </a:t>
+            </a:r>
+            <a:r>
+              <a:rPr lang="en-US" sz="2800" dirty="0" smtClean="0">
+                <a:solidFill>
+                  <a:schemeClr val="tx1"/>
+                </a:solidFill>
+                <a:latin typeface="Arial" pitchFamily="34" charset="0"/>
+                <a:cs typeface="Arial" pitchFamily="34" charset="0"/>
+              </a:rPr>
+              <a:t>the</a:t>
+            </a:r>
+            <a:r>
+              <a:rPr lang="en-US" sz="2800" spc="127" dirty="0" smtClean="0">
+                <a:solidFill>
+                  <a:schemeClr val="tx1"/>
+                </a:solidFill>
+                <a:latin typeface="Arial" pitchFamily="34" charset="0"/>
+                <a:cs typeface="Arial" pitchFamily="34" charset="0"/>
+              </a:rPr>
+              <a:t> </a:t>
+            </a:r>
+            <a:r>
+              <a:rPr lang="en-US" sz="2800" dirty="0" smtClean="0">
+                <a:solidFill>
+                  <a:schemeClr val="tx1"/>
+                </a:solidFill>
+                <a:latin typeface="Arial" pitchFamily="34" charset="0"/>
+                <a:cs typeface="Arial" pitchFamily="34" charset="0"/>
+              </a:rPr>
+              <a:t>existence</a:t>
+            </a:r>
+            <a:r>
+              <a:rPr lang="en-US" sz="2800" spc="140" dirty="0" smtClean="0">
+                <a:solidFill>
+                  <a:schemeClr val="tx1"/>
+                </a:solidFill>
+                <a:latin typeface="Arial" pitchFamily="34" charset="0"/>
+                <a:cs typeface="Arial" pitchFamily="34" charset="0"/>
+              </a:rPr>
+              <a:t> </a:t>
+            </a:r>
+            <a:r>
+              <a:rPr lang="en-US" sz="2800" dirty="0" smtClean="0">
+                <a:solidFill>
+                  <a:schemeClr val="tx1"/>
+                </a:solidFill>
+                <a:latin typeface="Arial" pitchFamily="34" charset="0"/>
+                <a:cs typeface="Arial" pitchFamily="34" charset="0"/>
+              </a:rPr>
+              <a:t>of</a:t>
+            </a:r>
+            <a:r>
+              <a:rPr lang="en-US" sz="2800" spc="139" dirty="0" smtClean="0">
+                <a:solidFill>
+                  <a:schemeClr val="tx1"/>
+                </a:solidFill>
+                <a:latin typeface="Arial" pitchFamily="34" charset="0"/>
+                <a:cs typeface="Arial" pitchFamily="34" charset="0"/>
+              </a:rPr>
+              <a:t> </a:t>
+            </a:r>
+            <a:r>
+              <a:rPr lang="en-US" sz="2800" dirty="0" smtClean="0">
+                <a:solidFill>
+                  <a:schemeClr val="tx1"/>
+                </a:solidFill>
+                <a:latin typeface="Arial" pitchFamily="34" charset="0"/>
+                <a:cs typeface="Arial" pitchFamily="34" charset="0"/>
+              </a:rPr>
+              <a:t>the message.</a:t>
+            </a:r>
+          </a:p>
+          <a:p>
+            <a:pPr marL="0">
+              <a:lnSpc>
+                <a:spcPts val="3096"/>
+              </a:lnSpc>
+              <a:spcBef>
+                <a:spcPts val="0"/>
+              </a:spcBef>
+            </a:pPr>
+            <a:endParaRPr lang="en-US" sz="2800" dirty="0" smtClean="0">
+              <a:solidFill>
+                <a:schemeClr val="tx1"/>
+              </a:solidFill>
+              <a:latin typeface="Arial" pitchFamily="34" charset="0"/>
+              <a:cs typeface="Arial" pitchFamily="34" charset="0"/>
+            </a:endParaRPr>
+          </a:p>
+          <a:p>
+            <a:pPr marL="0">
+              <a:lnSpc>
+                <a:spcPts val="3096"/>
+              </a:lnSpc>
+              <a:spcBef>
+                <a:spcPts val="0"/>
+              </a:spcBef>
+            </a:pPr>
+            <a:r>
+              <a:rPr lang="en-US" sz="2800" spc="-15" dirty="0" smtClean="0">
+                <a:solidFill>
+                  <a:schemeClr val="tx1"/>
+                </a:solidFill>
+                <a:latin typeface="Arial" pitchFamily="34" charset="0"/>
+                <a:cs typeface="Arial" pitchFamily="34" charset="0"/>
+              </a:rPr>
+              <a:t>LSB is the  simple method but BPCS is highly secured way of hiding the data in cover image</a:t>
+            </a:r>
+            <a:r>
+              <a:rPr lang="en-US" sz="2800" dirty="0" smtClean="0">
+                <a:solidFill>
+                  <a:schemeClr val="tx1"/>
+                </a:solidFill>
+                <a:latin typeface="Arial" pitchFamily="34" charset="0"/>
+                <a:cs typeface="Arial" pitchFamily="34" charset="0"/>
+              </a:rPr>
+              <a:t>.</a:t>
+            </a:r>
+            <a:r>
+              <a:rPr lang="en-US" sz="2800" spc="268" dirty="0" smtClean="0">
+                <a:solidFill>
+                  <a:schemeClr val="tx1"/>
+                </a:solidFill>
+                <a:latin typeface="Arial" pitchFamily="34" charset="0"/>
+                <a:cs typeface="Arial" pitchFamily="34" charset="0"/>
+              </a:rPr>
+              <a:t> </a:t>
+            </a:r>
+            <a:r>
+              <a:rPr lang="en-US" sz="2800" spc="-198" dirty="0" smtClean="0">
+                <a:solidFill>
+                  <a:schemeClr val="tx1"/>
+                </a:solidFill>
+                <a:latin typeface="Arial" pitchFamily="34" charset="0"/>
+                <a:cs typeface="Arial" pitchFamily="34" charset="0"/>
+              </a:rPr>
+              <a:t>To  </a:t>
+            </a:r>
+            <a:r>
+              <a:rPr lang="en-US" sz="2800" dirty="0" smtClean="0">
+                <a:solidFill>
+                  <a:schemeClr val="tx1"/>
+                </a:solidFill>
+                <a:latin typeface="Arial" pitchFamily="34" charset="0"/>
+                <a:cs typeface="Arial" pitchFamily="34" charset="0"/>
+              </a:rPr>
+              <a:t>provide</a:t>
+            </a:r>
+            <a:r>
+              <a:rPr lang="en-US" sz="2800" spc="2142" dirty="0" smtClean="0">
+                <a:solidFill>
+                  <a:schemeClr val="tx1"/>
+                </a:solidFill>
+                <a:latin typeface="Arial" pitchFamily="34" charset="0"/>
+                <a:cs typeface="Arial" pitchFamily="34" charset="0"/>
+              </a:rPr>
+              <a:t> </a:t>
+            </a:r>
+            <a:r>
+              <a:rPr lang="en-US" sz="2800" dirty="0" smtClean="0">
+                <a:solidFill>
+                  <a:schemeClr val="tx1"/>
+                </a:solidFill>
+                <a:latin typeface="Arial" pitchFamily="34" charset="0"/>
+                <a:cs typeface="Arial" pitchFamily="34" charset="0"/>
+              </a:rPr>
+              <a:t>high</a:t>
+            </a:r>
+            <a:r>
+              <a:rPr lang="en-US" sz="2800" spc="2138" dirty="0" smtClean="0">
+                <a:solidFill>
+                  <a:schemeClr val="tx1"/>
+                </a:solidFill>
+                <a:latin typeface="Arial" pitchFamily="34" charset="0"/>
+                <a:cs typeface="Arial" pitchFamily="34" charset="0"/>
+              </a:rPr>
+              <a:t> </a:t>
+            </a:r>
+            <a:r>
+              <a:rPr lang="en-US" sz="2800" dirty="0" smtClean="0">
+                <a:solidFill>
+                  <a:schemeClr val="tx1"/>
+                </a:solidFill>
+                <a:latin typeface="Arial" pitchFamily="34" charset="0"/>
+                <a:cs typeface="Arial" pitchFamily="34" charset="0"/>
+              </a:rPr>
+              <a:t>security</a:t>
+            </a:r>
+            <a:r>
+              <a:rPr lang="en-US" sz="2800" spc="2146" dirty="0" smtClean="0">
+                <a:solidFill>
+                  <a:schemeClr val="tx1"/>
+                </a:solidFill>
+                <a:latin typeface="Arial" pitchFamily="34" charset="0"/>
+                <a:cs typeface="Arial" pitchFamily="34" charset="0"/>
+              </a:rPr>
+              <a:t> </a:t>
+            </a:r>
+            <a:r>
+              <a:rPr lang="en-US" sz="2800" dirty="0" smtClean="0">
+                <a:solidFill>
+                  <a:schemeClr val="tx1"/>
+                </a:solidFill>
+                <a:latin typeface="Arial" pitchFamily="34" charset="0"/>
+                <a:cs typeface="Arial" pitchFamily="34" charset="0"/>
+              </a:rPr>
+              <a:t>Steganography we also provided 4 digits key option to encrypt your data.</a:t>
+            </a:r>
+          </a:p>
+          <a:p>
+            <a:pPr marL="0">
+              <a:lnSpc>
+                <a:spcPts val="3096"/>
+              </a:lnSpc>
+              <a:spcBef>
+                <a:spcPts val="0"/>
+              </a:spcBef>
+            </a:pPr>
+            <a:endParaRPr lang="en-US" sz="2800" spc="2143" dirty="0" smtClean="0">
+              <a:solidFill>
+                <a:schemeClr val="tx1"/>
+              </a:solidFill>
+              <a:latin typeface="Arial" pitchFamily="34" charset="0"/>
+              <a:cs typeface="Arial" pitchFamily="34" charset="0"/>
+            </a:endParaRPr>
+          </a:p>
+          <a:p>
+            <a:pPr marL="0">
+              <a:lnSpc>
+                <a:spcPts val="3096"/>
+              </a:lnSpc>
+              <a:spcBef>
+                <a:spcPts val="0"/>
+              </a:spcBef>
+            </a:pPr>
+            <a:r>
+              <a:rPr lang="en-US" sz="2800" spc="-11" dirty="0" smtClean="0">
+                <a:solidFill>
+                  <a:schemeClr val="tx1"/>
+                </a:solidFill>
+                <a:latin typeface="Arial" pitchFamily="34" charset="0"/>
+                <a:cs typeface="Arial" pitchFamily="34" charset="0"/>
+              </a:rPr>
+              <a:t>Larger</a:t>
+            </a:r>
+            <a:r>
+              <a:rPr lang="en-US" sz="2800" spc="888" dirty="0" smtClean="0">
+                <a:solidFill>
+                  <a:schemeClr val="tx1"/>
+                </a:solidFill>
+                <a:latin typeface="Arial" pitchFamily="34" charset="0"/>
+                <a:cs typeface="Arial" pitchFamily="34" charset="0"/>
+              </a:rPr>
+              <a:t> </a:t>
+            </a:r>
+            <a:r>
+              <a:rPr lang="en-US" sz="2800" dirty="0" smtClean="0">
+                <a:solidFill>
+                  <a:schemeClr val="tx1"/>
+                </a:solidFill>
+                <a:latin typeface="Arial" pitchFamily="34" charset="0"/>
+                <a:cs typeface="Arial" pitchFamily="34" charset="0"/>
+              </a:rPr>
+              <a:t>PSNR</a:t>
+            </a:r>
+            <a:r>
+              <a:rPr lang="en-US" sz="2800" spc="860" dirty="0" smtClean="0">
+                <a:solidFill>
+                  <a:schemeClr val="tx1"/>
+                </a:solidFill>
+                <a:latin typeface="Arial" pitchFamily="34" charset="0"/>
+                <a:cs typeface="Arial" pitchFamily="34" charset="0"/>
+              </a:rPr>
+              <a:t> </a:t>
+            </a:r>
+            <a:r>
+              <a:rPr lang="en-US" sz="2800" dirty="0" smtClean="0">
+                <a:solidFill>
+                  <a:schemeClr val="tx1"/>
+                </a:solidFill>
+                <a:latin typeface="Arial" pitchFamily="34" charset="0"/>
+                <a:cs typeface="Arial" pitchFamily="34" charset="0"/>
+              </a:rPr>
+              <a:t>indicates</a:t>
+            </a:r>
+            <a:r>
+              <a:rPr lang="en-US" sz="2800" spc="856" dirty="0" smtClean="0">
+                <a:solidFill>
+                  <a:schemeClr val="tx1"/>
+                </a:solidFill>
+                <a:latin typeface="Arial" pitchFamily="34" charset="0"/>
+                <a:cs typeface="Arial" pitchFamily="34" charset="0"/>
+              </a:rPr>
+              <a:t> </a:t>
+            </a:r>
+            <a:r>
+              <a:rPr lang="en-US" sz="2800" dirty="0" smtClean="0">
+                <a:solidFill>
+                  <a:schemeClr val="tx1"/>
+                </a:solidFill>
+                <a:latin typeface="Arial" pitchFamily="34" charset="0"/>
+                <a:cs typeface="Arial" pitchFamily="34" charset="0"/>
+              </a:rPr>
+              <a:t>the</a:t>
+            </a:r>
+            <a:r>
+              <a:rPr lang="en-US" sz="2800" spc="857" dirty="0" smtClean="0">
+                <a:solidFill>
+                  <a:schemeClr val="tx1"/>
+                </a:solidFill>
+                <a:latin typeface="Arial" pitchFamily="34" charset="0"/>
+                <a:cs typeface="Arial" pitchFamily="34" charset="0"/>
+              </a:rPr>
+              <a:t> </a:t>
+            </a:r>
+            <a:r>
+              <a:rPr lang="en-US" sz="2800" dirty="0" smtClean="0">
+                <a:solidFill>
+                  <a:schemeClr val="tx1"/>
+                </a:solidFill>
+                <a:latin typeface="Arial" pitchFamily="34" charset="0"/>
+                <a:cs typeface="Arial" pitchFamily="34" charset="0"/>
+              </a:rPr>
+              <a:t>higher</a:t>
+            </a:r>
+            <a:r>
+              <a:rPr lang="en-US" sz="2800" spc="864" dirty="0" smtClean="0">
+                <a:solidFill>
+                  <a:schemeClr val="tx1"/>
+                </a:solidFill>
+                <a:latin typeface="Arial" pitchFamily="34" charset="0"/>
+                <a:cs typeface="Arial" pitchFamily="34" charset="0"/>
+              </a:rPr>
+              <a:t> </a:t>
+            </a:r>
+            <a:r>
+              <a:rPr lang="en-US" sz="2800" dirty="0" smtClean="0">
+                <a:solidFill>
+                  <a:schemeClr val="tx1"/>
+                </a:solidFill>
+                <a:latin typeface="Arial" pitchFamily="34" charset="0"/>
+                <a:cs typeface="Arial" pitchFamily="34" charset="0"/>
+              </a:rPr>
+              <a:t>the</a:t>
+            </a:r>
+            <a:r>
+              <a:rPr lang="en-US" sz="2800" spc="844" dirty="0" smtClean="0">
+                <a:solidFill>
+                  <a:schemeClr val="tx1"/>
+                </a:solidFill>
+                <a:latin typeface="Arial" pitchFamily="34" charset="0"/>
+                <a:cs typeface="Arial" pitchFamily="34" charset="0"/>
+              </a:rPr>
+              <a:t> </a:t>
+            </a:r>
+            <a:r>
+              <a:rPr lang="en-US" sz="2800" dirty="0" smtClean="0">
+                <a:solidFill>
+                  <a:schemeClr val="tx1"/>
+                </a:solidFill>
+                <a:latin typeface="Arial" pitchFamily="34" charset="0"/>
+                <a:cs typeface="Arial" pitchFamily="34" charset="0"/>
+              </a:rPr>
+              <a:t>image quality.</a:t>
+            </a:r>
+            <a:r>
+              <a:rPr lang="en-US" sz="2800" spc="496" dirty="0" smtClean="0">
+                <a:solidFill>
+                  <a:schemeClr val="tx1"/>
+                </a:solidFill>
+                <a:latin typeface="Arial" pitchFamily="34" charset="0"/>
+                <a:cs typeface="Arial" pitchFamily="34" charset="0"/>
+              </a:rPr>
+              <a:t> </a:t>
+            </a:r>
+            <a:r>
+              <a:rPr lang="en-US" sz="2800" dirty="0" smtClean="0">
+                <a:solidFill>
+                  <a:schemeClr val="tx1"/>
+                </a:solidFill>
+                <a:latin typeface="Arial" pitchFamily="34" charset="0"/>
+                <a:cs typeface="Arial" pitchFamily="34" charset="0"/>
+              </a:rPr>
+              <a:t>A</a:t>
+            </a:r>
+            <a:r>
+              <a:rPr lang="en-US" sz="2800" spc="480" dirty="0" smtClean="0">
+                <a:solidFill>
+                  <a:schemeClr val="tx1"/>
+                </a:solidFill>
+                <a:latin typeface="Arial" pitchFamily="34" charset="0"/>
+                <a:cs typeface="Arial" pitchFamily="34" charset="0"/>
+              </a:rPr>
+              <a:t> </a:t>
+            </a:r>
+            <a:r>
+              <a:rPr lang="en-US" sz="2800" dirty="0" smtClean="0">
+                <a:solidFill>
+                  <a:schemeClr val="tx1"/>
+                </a:solidFill>
+                <a:latin typeface="Arial" pitchFamily="34" charset="0"/>
+                <a:cs typeface="Arial" pitchFamily="34" charset="0"/>
+              </a:rPr>
+              <a:t>smaller</a:t>
+            </a:r>
+            <a:r>
+              <a:rPr lang="en-US" sz="2800" spc="503" dirty="0" smtClean="0">
+                <a:solidFill>
+                  <a:schemeClr val="tx1"/>
+                </a:solidFill>
+                <a:latin typeface="Arial" pitchFamily="34" charset="0"/>
+                <a:cs typeface="Arial" pitchFamily="34" charset="0"/>
+              </a:rPr>
+              <a:t> </a:t>
+            </a:r>
+            <a:r>
+              <a:rPr lang="en-US" sz="2800" dirty="0" smtClean="0">
+                <a:solidFill>
+                  <a:schemeClr val="tx1"/>
+                </a:solidFill>
+                <a:latin typeface="Arial" pitchFamily="34" charset="0"/>
+                <a:cs typeface="Arial" pitchFamily="34" charset="0"/>
+              </a:rPr>
+              <a:t>PSNR</a:t>
+            </a:r>
+            <a:r>
+              <a:rPr lang="en-US" sz="2800" spc="509" dirty="0" smtClean="0">
+                <a:solidFill>
+                  <a:schemeClr val="tx1"/>
+                </a:solidFill>
+                <a:latin typeface="Arial" pitchFamily="34" charset="0"/>
+                <a:cs typeface="Arial" pitchFamily="34" charset="0"/>
+              </a:rPr>
+              <a:t> </a:t>
+            </a:r>
+            <a:r>
+              <a:rPr lang="en-US" sz="2800" dirty="0" smtClean="0">
+                <a:solidFill>
+                  <a:schemeClr val="tx1"/>
+                </a:solidFill>
+                <a:latin typeface="Arial" pitchFamily="34" charset="0"/>
+                <a:cs typeface="Arial" pitchFamily="34" charset="0"/>
+              </a:rPr>
+              <a:t>means</a:t>
+            </a:r>
+            <a:r>
+              <a:rPr lang="en-US" sz="2800" spc="503" dirty="0" smtClean="0">
+                <a:solidFill>
+                  <a:schemeClr val="tx1"/>
+                </a:solidFill>
+                <a:latin typeface="Arial" pitchFamily="34" charset="0"/>
+                <a:cs typeface="Arial" pitchFamily="34" charset="0"/>
+              </a:rPr>
+              <a:t> </a:t>
+            </a:r>
+            <a:r>
+              <a:rPr lang="en-US" sz="2800" dirty="0" smtClean="0">
+                <a:solidFill>
+                  <a:schemeClr val="tx1"/>
+                </a:solidFill>
+                <a:latin typeface="Arial" pitchFamily="34" charset="0"/>
+                <a:cs typeface="Arial" pitchFamily="34" charset="0"/>
+              </a:rPr>
+              <a:t>there</a:t>
+            </a:r>
+            <a:r>
+              <a:rPr lang="en-US" sz="2800" spc="498" dirty="0" smtClean="0">
+                <a:solidFill>
+                  <a:schemeClr val="tx1"/>
+                </a:solidFill>
+                <a:latin typeface="Arial" pitchFamily="34" charset="0"/>
+                <a:cs typeface="Arial" pitchFamily="34" charset="0"/>
+              </a:rPr>
+              <a:t> </a:t>
+            </a:r>
+            <a:r>
+              <a:rPr lang="en-US" sz="2800" spc="-10" dirty="0" smtClean="0">
+                <a:solidFill>
+                  <a:schemeClr val="tx1"/>
+                </a:solidFill>
+                <a:latin typeface="Arial" pitchFamily="34" charset="0"/>
+                <a:cs typeface="Arial" pitchFamily="34" charset="0"/>
+              </a:rPr>
+              <a:t>is</a:t>
+            </a:r>
+            <a:r>
+              <a:rPr lang="en-US" sz="2800" spc="511" dirty="0" smtClean="0">
+                <a:solidFill>
+                  <a:schemeClr val="tx1"/>
+                </a:solidFill>
+                <a:latin typeface="Arial" pitchFamily="34" charset="0"/>
+                <a:cs typeface="Arial" pitchFamily="34" charset="0"/>
+              </a:rPr>
+              <a:t> </a:t>
+            </a:r>
+            <a:r>
+              <a:rPr lang="en-US" sz="2800" dirty="0" smtClean="0">
+                <a:solidFill>
+                  <a:schemeClr val="tx1"/>
+                </a:solidFill>
+                <a:latin typeface="Arial" pitchFamily="34" charset="0"/>
+                <a:cs typeface="Arial" pitchFamily="34" charset="0"/>
+              </a:rPr>
+              <a:t>huge distortion</a:t>
+            </a:r>
+            <a:r>
+              <a:rPr lang="en-US" sz="2800" spc="1247" dirty="0" smtClean="0">
+                <a:solidFill>
+                  <a:schemeClr val="tx1"/>
+                </a:solidFill>
+                <a:latin typeface="Arial" pitchFamily="34" charset="0"/>
+                <a:cs typeface="Arial" pitchFamily="34" charset="0"/>
+              </a:rPr>
+              <a:t> </a:t>
+            </a:r>
+            <a:r>
+              <a:rPr lang="en-US" sz="2800" dirty="0" smtClean="0">
+                <a:solidFill>
+                  <a:schemeClr val="tx1"/>
+                </a:solidFill>
+                <a:latin typeface="Arial" pitchFamily="34" charset="0"/>
+                <a:cs typeface="Arial" pitchFamily="34" charset="0"/>
+              </a:rPr>
+              <a:t>between</a:t>
+            </a:r>
+            <a:r>
+              <a:rPr lang="en-US" sz="2800" spc="1265" dirty="0" smtClean="0">
+                <a:solidFill>
+                  <a:schemeClr val="tx1"/>
+                </a:solidFill>
+                <a:latin typeface="Arial" pitchFamily="34" charset="0"/>
+                <a:cs typeface="Arial" pitchFamily="34" charset="0"/>
+              </a:rPr>
+              <a:t> </a:t>
+            </a:r>
+            <a:r>
+              <a:rPr lang="en-US" sz="2800" dirty="0" smtClean="0">
+                <a:solidFill>
+                  <a:schemeClr val="tx1"/>
+                </a:solidFill>
+                <a:latin typeface="Arial" pitchFamily="34" charset="0"/>
+                <a:cs typeface="Arial" pitchFamily="34" charset="0"/>
+              </a:rPr>
+              <a:t>the</a:t>
+            </a:r>
+            <a:r>
+              <a:rPr lang="en-US" sz="2800" spc="1239" dirty="0" smtClean="0">
+                <a:solidFill>
+                  <a:schemeClr val="tx1"/>
+                </a:solidFill>
+                <a:latin typeface="Arial" pitchFamily="34" charset="0"/>
+                <a:cs typeface="Arial" pitchFamily="34" charset="0"/>
+              </a:rPr>
+              <a:t> </a:t>
+            </a:r>
+            <a:r>
+              <a:rPr lang="en-US" sz="2800" dirty="0" smtClean="0">
+                <a:solidFill>
+                  <a:schemeClr val="tx1"/>
+                </a:solidFill>
+                <a:latin typeface="Arial" pitchFamily="34" charset="0"/>
+                <a:cs typeface="Arial" pitchFamily="34" charset="0"/>
+              </a:rPr>
+              <a:t>cover-image</a:t>
+            </a:r>
+            <a:r>
+              <a:rPr lang="en-US" sz="2800" spc="1259" dirty="0" smtClean="0">
+                <a:solidFill>
+                  <a:schemeClr val="tx1"/>
+                </a:solidFill>
+                <a:latin typeface="Arial" pitchFamily="34" charset="0"/>
+                <a:cs typeface="Arial" pitchFamily="34" charset="0"/>
+              </a:rPr>
+              <a:t> </a:t>
+            </a:r>
+            <a:r>
+              <a:rPr lang="en-US" sz="2800" dirty="0" smtClean="0">
+                <a:solidFill>
+                  <a:schemeClr val="tx1"/>
+                </a:solidFill>
+                <a:latin typeface="Arial" pitchFamily="34" charset="0"/>
+                <a:cs typeface="Arial" pitchFamily="34" charset="0"/>
+              </a:rPr>
+              <a:t>and</a:t>
+            </a:r>
+            <a:r>
+              <a:rPr lang="en-US" sz="2800" spc="1252" dirty="0" smtClean="0">
+                <a:solidFill>
+                  <a:schemeClr val="tx1"/>
+                </a:solidFill>
+                <a:latin typeface="Arial" pitchFamily="34" charset="0"/>
+                <a:cs typeface="Arial" pitchFamily="34" charset="0"/>
+              </a:rPr>
+              <a:t> </a:t>
+            </a:r>
+            <a:r>
+              <a:rPr lang="en-US" sz="2800" dirty="0" smtClean="0">
+                <a:solidFill>
+                  <a:schemeClr val="tx1"/>
+                </a:solidFill>
+                <a:latin typeface="Arial" pitchFamily="34" charset="0"/>
+                <a:cs typeface="Arial" pitchFamily="34" charset="0"/>
+              </a:rPr>
+              <a:t>the stegano Image</a:t>
+            </a:r>
+          </a:p>
+          <a:p>
+            <a:pPr marL="0">
+              <a:lnSpc>
+                <a:spcPts val="3096"/>
+              </a:lnSpc>
+              <a:spcBef>
+                <a:spcPts val="0"/>
+              </a:spcBef>
+            </a:pPr>
+            <a:endParaRPr lang="en-US" dirty="0" smtClean="0">
+              <a:solidFill>
+                <a:srgbClr val="000000"/>
+              </a:solidFill>
+              <a:latin typeface="Times New Roman"/>
+              <a:cs typeface="Times New Roman"/>
+            </a:endParaRPr>
+          </a:p>
+          <a:p>
+            <a:pPr marL="0">
+              <a:lnSpc>
+                <a:spcPts val="3096"/>
+              </a:lnSpc>
+              <a:spcBef>
+                <a:spcPts val="0"/>
+              </a:spcBef>
+            </a:pPr>
+            <a:endParaRPr lang="en-US" dirty="0" smtClean="0">
+              <a:solidFill>
+                <a:srgbClr val="000000"/>
+              </a:solidFill>
+              <a:latin typeface="Times New Roman"/>
+              <a:cs typeface="Times New Roman"/>
+            </a:endParaRPr>
+          </a:p>
+          <a:p>
+            <a:endParaRPr lang="en-IN" dirty="0"/>
+          </a:p>
+        </p:txBody>
+      </p:sp>
+    </p:spTree>
+    <p:extLst>
+      <p:ext uri="{BB962C8B-B14F-4D97-AF65-F5344CB8AC3E}">
+        <p14:creationId xmlns:p14="http://schemas.microsoft.com/office/powerpoint/2010/main" val="2347577460"/>
+      </p:ext>
+    </p:extLst>
+  </p:cSld>
+  <p:clrMapOvr>
+    <a:masterClrMapping/>
+  </p:clrMapOvr>
+  <p:timing>
+    <p:tnLst>
+      <p:par>
+        <p:cTn id="1" dur="indefinite" restart="never" nodeType="tmRoot"/>
+      </p:par>
+    </p:tnLst>
+  </p:timing>
+</p:sld>
+</file>
+
+<file path=ppt/slides/slide31.xml><?xml version="1.0" encoding="utf-8"?>
 <p:sld xmlns:a="http://schemas.openxmlformats.org/drawingml/2006/main" xmlns:r="http://schemas.openxmlformats.org/officeDocument/2006/relationships" xmlns:p="http://schemas.openxmlformats.org/presentationml/2006/main">
   <p:cSld>
     <p:spTree>

--- a/Project letrature/IMAGE_STEGNOGRAPHY_USING_PYTHON.pptx
+++ b/Project letrature/IMAGE_STEGNOGRAPHY_USING_PYTHON.pptx
@@ -318,7 +318,7 @@
             <a:fld id="{1252D0FE-5E30-45DE-9C63-F50EB893C606}" type="datetimeFigureOut">
               <a:rPr lang="en-IN" smtClean="0"/>
               <a:pPr/>
-              <a:t>27-04-2020</a:t>
+              <a:t>28-04-2020</a:t>
             </a:fld>
             <a:endParaRPr lang="en-IN"/>
           </a:p>
@@ -776,7 +776,7 @@
             <a:fld id="{2F669B78-F9AA-4692-8AFB-7CA7ABB16088}" type="datetimeFigureOut">
               <a:rPr lang="en-IN" smtClean="0"/>
               <a:pPr/>
-              <a:t>27-04-2020</a:t>
+              <a:t>28-04-2020</a:t>
             </a:fld>
             <a:endParaRPr lang="en-IN"/>
           </a:p>
@@ -1116,7 +1116,7 @@
             <a:fld id="{2F669B78-F9AA-4692-8AFB-7CA7ABB16088}" type="datetimeFigureOut">
               <a:rPr lang="en-IN" smtClean="0"/>
               <a:pPr/>
-              <a:t>27-04-2020</a:t>
+              <a:t>28-04-2020</a:t>
             </a:fld>
             <a:endParaRPr lang="en-IN"/>
           </a:p>
@@ -1519,7 +1519,7 @@
             <a:fld id="{2F669B78-F9AA-4692-8AFB-7CA7ABB16088}" type="datetimeFigureOut">
               <a:rPr lang="en-IN" smtClean="0"/>
               <a:pPr/>
-              <a:t>27-04-2020</a:t>
+              <a:t>28-04-2020</a:t>
             </a:fld>
             <a:endParaRPr lang="en-IN"/>
           </a:p>
@@ -1857,7 +1857,7 @@
             <a:fld id="{2F669B78-F9AA-4692-8AFB-7CA7ABB16088}" type="datetimeFigureOut">
               <a:rPr lang="en-IN" smtClean="0"/>
               <a:pPr/>
-              <a:t>27-04-2020</a:t>
+              <a:t>28-04-2020</a:t>
             </a:fld>
             <a:endParaRPr lang="en-IN"/>
           </a:p>
@@ -2179,7 +2179,7 @@
             <a:fld id="{2F669B78-F9AA-4692-8AFB-7CA7ABB16088}" type="datetimeFigureOut">
               <a:rPr lang="en-IN" smtClean="0"/>
               <a:pPr/>
-              <a:t>27-04-2020</a:t>
+              <a:t>28-04-2020</a:t>
             </a:fld>
             <a:endParaRPr lang="en-IN"/>
           </a:p>
@@ -2577,7 +2577,7 @@
             <a:fld id="{2F669B78-F9AA-4692-8AFB-7CA7ABB16088}" type="datetimeFigureOut">
               <a:rPr lang="en-IN" smtClean="0"/>
               <a:pPr/>
-              <a:t>27-04-2020</a:t>
+              <a:t>28-04-2020</a:t>
             </a:fld>
             <a:endParaRPr lang="en-IN"/>
           </a:p>
@@ -2836,7 +2836,7 @@
             <a:fld id="{2F669B78-F9AA-4692-8AFB-7CA7ABB16088}" type="datetimeFigureOut">
               <a:rPr lang="en-IN" smtClean="0"/>
               <a:pPr/>
-              <a:t>27-04-2020</a:t>
+              <a:t>28-04-2020</a:t>
             </a:fld>
             <a:endParaRPr lang="en-IN"/>
           </a:p>
@@ -3100,7 +3100,7 @@
             <a:fld id="{2F669B78-F9AA-4692-8AFB-7CA7ABB16088}" type="datetimeFigureOut">
               <a:rPr lang="en-IN" smtClean="0"/>
               <a:pPr/>
-              <a:t>27-04-2020</a:t>
+              <a:t>28-04-2020</a:t>
             </a:fld>
             <a:endParaRPr lang="en-IN"/>
           </a:p>
@@ -3364,7 +3364,7 @@
             <a:fld id="{2F669B78-F9AA-4692-8AFB-7CA7ABB16088}" type="datetimeFigureOut">
               <a:rPr lang="en-IN" smtClean="0"/>
               <a:pPr/>
-              <a:t>27-04-2020</a:t>
+              <a:t>28-04-2020</a:t>
             </a:fld>
             <a:endParaRPr lang="en-IN"/>
           </a:p>
@@ -3695,7 +3695,7 @@
             <a:fld id="{2F669B78-F9AA-4692-8AFB-7CA7ABB16088}" type="datetimeFigureOut">
               <a:rPr lang="en-IN" smtClean="0"/>
               <a:pPr/>
-              <a:t>27-04-2020</a:t>
+              <a:t>28-04-2020</a:t>
             </a:fld>
             <a:endParaRPr lang="en-IN"/>
           </a:p>
@@ -4020,7 +4020,7 @@
             <a:fld id="{2F669B78-F9AA-4692-8AFB-7CA7ABB16088}" type="datetimeFigureOut">
               <a:rPr lang="en-IN" smtClean="0"/>
               <a:pPr/>
-              <a:t>27-04-2020</a:t>
+              <a:t>28-04-2020</a:t>
             </a:fld>
             <a:endParaRPr lang="en-IN"/>
           </a:p>
@@ -4479,7 +4479,7 @@
             <a:fld id="{2F669B78-F9AA-4692-8AFB-7CA7ABB16088}" type="datetimeFigureOut">
               <a:rPr lang="en-IN" smtClean="0"/>
               <a:pPr/>
-              <a:t>27-04-2020</a:t>
+              <a:t>28-04-2020</a:t>
             </a:fld>
             <a:endParaRPr lang="en-IN"/>
           </a:p>
@@ -4686,7 +4686,7 @@
             <a:fld id="{2F669B78-F9AA-4692-8AFB-7CA7ABB16088}" type="datetimeFigureOut">
               <a:rPr lang="en-IN" smtClean="0"/>
               <a:pPr/>
-              <a:t>27-04-2020</a:t>
+              <a:t>28-04-2020</a:t>
             </a:fld>
             <a:endParaRPr lang="en-IN"/>
           </a:p>
@@ -4865,7 +4865,7 @@
             <a:fld id="{2F669B78-F9AA-4692-8AFB-7CA7ABB16088}" type="datetimeFigureOut">
               <a:rPr lang="en-IN" smtClean="0"/>
               <a:pPr/>
-              <a:t>27-04-2020</a:t>
+              <a:t>28-04-2020</a:t>
             </a:fld>
             <a:endParaRPr lang="en-IN"/>
           </a:p>
@@ -5200,7 +5200,7 @@
             <a:fld id="{2F669B78-F9AA-4692-8AFB-7CA7ABB16088}" type="datetimeFigureOut">
               <a:rPr lang="en-IN" smtClean="0"/>
               <a:pPr/>
-              <a:t>27-04-2020</a:t>
+              <a:t>28-04-2020</a:t>
             </a:fld>
             <a:endParaRPr lang="en-IN"/>
           </a:p>
@@ -5547,7 +5547,7 @@
             <a:fld id="{2F669B78-F9AA-4692-8AFB-7CA7ABB16088}" type="datetimeFigureOut">
               <a:rPr lang="en-IN" smtClean="0"/>
               <a:pPr/>
-              <a:t>27-04-2020</a:t>
+              <a:t>28-04-2020</a:t>
             </a:fld>
             <a:endParaRPr lang="en-IN"/>
           </a:p>
@@ -7603,7 +7603,7 @@
             <a:fld id="{2F669B78-F9AA-4692-8AFB-7CA7ABB16088}" type="datetimeFigureOut">
               <a:rPr lang="en-IN" smtClean="0"/>
               <a:pPr/>
-              <a:t>27-04-2020</a:t>
+              <a:t>28-04-2020</a:t>
             </a:fld>
             <a:endParaRPr lang="en-IN"/>
           </a:p>

--- a/Project letrature/IMAGE_STEGNOGRAPHY_USING_PYTHON.pptx
+++ b/Project letrature/IMAGE_STEGNOGRAPHY_USING_PYTHON.pptx
@@ -5,7 +5,7 @@
     <p:sldMasterId id="2147483810" r:id="rId1"/>
   </p:sldMasterIdLst>
   <p:notesMasterIdLst>
-    <p:notesMasterId r:id="rId33"/>
+    <p:notesMasterId r:id="rId35"/>
   </p:notesMasterIdLst>
   <p:sldIdLst>
     <p:sldId id="256" r:id="rId2"/>
@@ -29,16 +29,18 @@
     <p:sldId id="264" r:id="rId20"/>
     <p:sldId id="265" r:id="rId21"/>
     <p:sldId id="288" r:id="rId22"/>
-    <p:sldId id="266" r:id="rId23"/>
-    <p:sldId id="267" r:id="rId24"/>
-    <p:sldId id="270" r:id="rId25"/>
-    <p:sldId id="272" r:id="rId26"/>
-    <p:sldId id="268" r:id="rId27"/>
-    <p:sldId id="269" r:id="rId28"/>
-    <p:sldId id="282" r:id="rId29"/>
-    <p:sldId id="260" r:id="rId30"/>
-    <p:sldId id="274" r:id="rId31"/>
-    <p:sldId id="261" r:id="rId32"/>
+    <p:sldId id="289" r:id="rId23"/>
+    <p:sldId id="290" r:id="rId24"/>
+    <p:sldId id="266" r:id="rId25"/>
+    <p:sldId id="267" r:id="rId26"/>
+    <p:sldId id="270" r:id="rId27"/>
+    <p:sldId id="272" r:id="rId28"/>
+    <p:sldId id="268" r:id="rId29"/>
+    <p:sldId id="269" r:id="rId30"/>
+    <p:sldId id="282" r:id="rId31"/>
+    <p:sldId id="260" r:id="rId32"/>
+    <p:sldId id="274" r:id="rId33"/>
+    <p:sldId id="261" r:id="rId34"/>
   </p:sldIdLst>
   <p:sldSz cx="12192000" cy="6858000"/>
   <p:notesSz cx="6858000" cy="9144000"/>
@@ -139,7 +141,7 @@
   </p:defaultTextStyle>
   <p:extLst>
     <p:ext uri="{521415D9-36F7-43E2-AB2F-B90AF26B5E84}">
-      <p14:sectionLst xmlns:p14="http://schemas.microsoft.com/office/powerpoint/2010/main">
+      <p14:sectionLst xmlns:p14="http://schemas.microsoft.com/office/powerpoint/2010/main" xmlns="">
         <p14:section name="Default Section" id="{1709AB17-A0DF-4151-9302-FDFCA00A6D75}">
           <p14:sldIdLst>
             <p14:sldId id="256"/>
@@ -178,7 +180,7 @@
       </p14:sectionLst>
     </p:ext>
     <p:ext uri="{EFAFB233-063F-42B5-8137-9DF3F51BA10A}">
-      <p15:sldGuideLst xmlns:p15="http://schemas.microsoft.com/office/powerpoint/2012/main">
+      <p15:sldGuideLst xmlns:p15="http://schemas.microsoft.com/office/powerpoint/2012/main" xmlns="">
         <p15:guide id="1" orient="horz" pos="2160">
           <p15:clr>
             <a:srgbClr val="A4A3A4"/>
@@ -200,7 +202,7 @@
   <p:cmAuthor id="1" name="Tarun Verma" initials="TV" lastIdx="2" clrIdx="0">
     <p:extLst>
       <p:ext uri="{19B8F6BF-5375-455C-9EA6-DF929625EA0E}">
-        <p15:presenceInfo xmlns:p15="http://schemas.microsoft.com/office/powerpoint/2012/main" userId="12328a8a1cac093b" providerId="Windows Live"/>
+        <p15:presenceInfo xmlns:p15="http://schemas.microsoft.com/office/powerpoint/2012/main" xmlns="" userId="12328a8a1cac093b" providerId="Windows Live"/>
       </p:ext>
     </p:extLst>
   </p:cmAuthor>
@@ -214,7 +216,7 @@
     <p:text/>
     <p:extLst>
       <p:ext uri="{C676402C-5697-4E1C-873F-D02D1690AC5C}">
-        <p15:threadingInfo xmlns:p15="http://schemas.microsoft.com/office/powerpoint/2012/main" timeZoneBias="-330"/>
+        <p15:threadingInfo xmlns:p15="http://schemas.microsoft.com/office/powerpoint/2012/main" xmlns="" timeZoneBias="-330"/>
       </p:ext>
     </p:extLst>
   </p:cm>
@@ -228,7 +230,7 @@
     <p:text/>
     <p:extLst>
       <p:ext uri="{C676402C-5697-4E1C-873F-D02D1690AC5C}">
-        <p15:threadingInfo xmlns:p15="http://schemas.microsoft.com/office/powerpoint/2012/main" timeZoneBias="-330"/>
+        <p15:threadingInfo xmlns:p15="http://schemas.microsoft.com/office/powerpoint/2012/main" xmlns="" timeZoneBias="-330"/>
       </p:ext>
     </p:extLst>
   </p:cm>
@@ -318,7 +320,7 @@
             <a:fld id="{1252D0FE-5E30-45DE-9C63-F50EB893C606}" type="datetimeFigureOut">
               <a:rPr lang="en-IN" smtClean="0"/>
               <a:pPr/>
-              <a:t>28-04-2020</a:t>
+              <a:t>30-04-2020</a:t>
             </a:fld>
             <a:endParaRPr lang="en-IN"/>
           </a:p>
@@ -487,7 +489,7 @@
     </p:spTree>
     <p:extLst>
       <p:ext uri="{BB962C8B-B14F-4D97-AF65-F5344CB8AC3E}">
-        <p14:creationId xmlns:p14="http://schemas.microsoft.com/office/powerpoint/2010/main" val="2598052617"/>
+        <p14:creationId xmlns:p14="http://schemas.microsoft.com/office/powerpoint/2010/main" xmlns="" val="2598052617"/>
       </p:ext>
     </p:extLst>
   </p:cSld>
@@ -776,7 +778,7 @@
             <a:fld id="{2F669B78-F9AA-4692-8AFB-7CA7ABB16088}" type="datetimeFigureOut">
               <a:rPr lang="en-IN" smtClean="0"/>
               <a:pPr/>
-              <a:t>28-04-2020</a:t>
+              <a:t>30-04-2020</a:t>
             </a:fld>
             <a:endParaRPr lang="en-IN"/>
           </a:p>
@@ -915,7 +917,7 @@
     </p:spTree>
     <p:extLst>
       <p:ext uri="{BB962C8B-B14F-4D97-AF65-F5344CB8AC3E}">
-        <p14:creationId xmlns:p14="http://schemas.microsoft.com/office/powerpoint/2010/main" val="2832675995"/>
+        <p14:creationId xmlns:p14="http://schemas.microsoft.com/office/powerpoint/2010/main" xmlns="" val="2832675995"/>
       </p:ext>
     </p:extLst>
   </p:cSld>
@@ -1116,7 +1118,7 @@
             <a:fld id="{2F669B78-F9AA-4692-8AFB-7CA7ABB16088}" type="datetimeFigureOut">
               <a:rPr lang="en-IN" smtClean="0"/>
               <a:pPr/>
-              <a:t>28-04-2020</a:t>
+              <a:t>30-04-2020</a:t>
             </a:fld>
             <a:endParaRPr lang="en-IN"/>
           </a:p>
@@ -1255,7 +1257,7 @@
     </p:spTree>
     <p:extLst>
       <p:ext uri="{BB962C8B-B14F-4D97-AF65-F5344CB8AC3E}">
-        <p14:creationId xmlns:p14="http://schemas.microsoft.com/office/powerpoint/2010/main" val="1136343294"/>
+        <p14:creationId xmlns:p14="http://schemas.microsoft.com/office/powerpoint/2010/main" xmlns="" val="1136343294"/>
       </p:ext>
     </p:extLst>
   </p:cSld>
@@ -1519,7 +1521,7 @@
             <a:fld id="{2F669B78-F9AA-4692-8AFB-7CA7ABB16088}" type="datetimeFigureOut">
               <a:rPr lang="en-IN" smtClean="0"/>
               <a:pPr/>
-              <a:t>28-04-2020</a:t>
+              <a:t>30-04-2020</a:t>
             </a:fld>
             <a:endParaRPr lang="en-IN"/>
           </a:p>
@@ -1734,7 +1736,7 @@
     </p:spTree>
     <p:extLst>
       <p:ext uri="{BB962C8B-B14F-4D97-AF65-F5344CB8AC3E}">
-        <p14:creationId xmlns:p14="http://schemas.microsoft.com/office/powerpoint/2010/main" val="1584917057"/>
+        <p14:creationId xmlns:p14="http://schemas.microsoft.com/office/powerpoint/2010/main" xmlns="" val="1584917057"/>
       </p:ext>
     </p:extLst>
   </p:cSld>
@@ -1857,7 +1859,7 @@
             <a:fld id="{2F669B78-F9AA-4692-8AFB-7CA7ABB16088}" type="datetimeFigureOut">
               <a:rPr lang="en-IN" smtClean="0"/>
               <a:pPr/>
-              <a:t>28-04-2020</a:t>
+              <a:t>30-04-2020</a:t>
             </a:fld>
             <a:endParaRPr lang="en-IN"/>
           </a:p>
@@ -1996,7 +1998,7 @@
     </p:spTree>
     <p:extLst>
       <p:ext uri="{BB962C8B-B14F-4D97-AF65-F5344CB8AC3E}">
-        <p14:creationId xmlns:p14="http://schemas.microsoft.com/office/powerpoint/2010/main" val="1255812982"/>
+        <p14:creationId xmlns:p14="http://schemas.microsoft.com/office/powerpoint/2010/main" xmlns="" val="1255812982"/>
       </p:ext>
     </p:extLst>
   </p:cSld>
@@ -2179,7 +2181,7 @@
             <a:fld id="{2F669B78-F9AA-4692-8AFB-7CA7ABB16088}" type="datetimeFigureOut">
               <a:rPr lang="en-IN" smtClean="0"/>
               <a:pPr/>
-              <a:t>28-04-2020</a:t>
+              <a:t>30-04-2020</a:t>
             </a:fld>
             <a:endParaRPr lang="en-IN"/>
           </a:p>
@@ -2394,7 +2396,7 @@
     </p:spTree>
     <p:extLst>
       <p:ext uri="{BB962C8B-B14F-4D97-AF65-F5344CB8AC3E}">
-        <p14:creationId xmlns:p14="http://schemas.microsoft.com/office/powerpoint/2010/main" val="3619512775"/>
+        <p14:creationId xmlns:p14="http://schemas.microsoft.com/office/powerpoint/2010/main" xmlns="" val="3619512775"/>
       </p:ext>
     </p:extLst>
   </p:cSld>
@@ -2577,7 +2579,7 @@
             <a:fld id="{2F669B78-F9AA-4692-8AFB-7CA7ABB16088}" type="datetimeFigureOut">
               <a:rPr lang="en-IN" smtClean="0"/>
               <a:pPr/>
-              <a:t>28-04-2020</a:t>
+              <a:t>30-04-2020</a:t>
             </a:fld>
             <a:endParaRPr lang="en-IN"/>
           </a:p>
@@ -2716,7 +2718,7 @@
     </p:spTree>
     <p:extLst>
       <p:ext uri="{BB962C8B-B14F-4D97-AF65-F5344CB8AC3E}">
-        <p14:creationId xmlns:p14="http://schemas.microsoft.com/office/powerpoint/2010/main" val="3559520111"/>
+        <p14:creationId xmlns:p14="http://schemas.microsoft.com/office/powerpoint/2010/main" xmlns="" val="3559520111"/>
       </p:ext>
     </p:extLst>
   </p:cSld>
@@ -2836,7 +2838,7 @@
             <a:fld id="{2F669B78-F9AA-4692-8AFB-7CA7ABB16088}" type="datetimeFigureOut">
               <a:rPr lang="en-IN" smtClean="0"/>
               <a:pPr/>
-              <a:t>28-04-2020</a:t>
+              <a:t>30-04-2020</a:t>
             </a:fld>
             <a:endParaRPr lang="en-IN"/>
           </a:p>
@@ -2970,7 +2972,7 @@
     </p:spTree>
     <p:extLst>
       <p:ext uri="{BB962C8B-B14F-4D97-AF65-F5344CB8AC3E}">
-        <p14:creationId xmlns:p14="http://schemas.microsoft.com/office/powerpoint/2010/main" val="1506902780"/>
+        <p14:creationId xmlns:p14="http://schemas.microsoft.com/office/powerpoint/2010/main" xmlns="" val="1506902780"/>
       </p:ext>
     </p:extLst>
   </p:cSld>
@@ -3100,7 +3102,7 @@
             <a:fld id="{2F669B78-F9AA-4692-8AFB-7CA7ABB16088}" type="datetimeFigureOut">
               <a:rPr lang="en-IN" smtClean="0"/>
               <a:pPr/>
-              <a:t>28-04-2020</a:t>
+              <a:t>30-04-2020</a:t>
             </a:fld>
             <a:endParaRPr lang="en-IN"/>
           </a:p>
@@ -3234,7 +3236,7 @@
     </p:spTree>
     <p:extLst>
       <p:ext uri="{BB962C8B-B14F-4D97-AF65-F5344CB8AC3E}">
-        <p14:creationId xmlns:p14="http://schemas.microsoft.com/office/powerpoint/2010/main" val="369909214"/>
+        <p14:creationId xmlns:p14="http://schemas.microsoft.com/office/powerpoint/2010/main" xmlns="" val="369909214"/>
       </p:ext>
     </p:extLst>
   </p:cSld>
@@ -3364,7 +3366,7 @@
             <a:fld id="{2F669B78-F9AA-4692-8AFB-7CA7ABB16088}" type="datetimeFigureOut">
               <a:rPr lang="en-IN" smtClean="0"/>
               <a:pPr/>
-              <a:t>28-04-2020</a:t>
+              <a:t>30-04-2020</a:t>
             </a:fld>
             <a:endParaRPr lang="en-IN"/>
           </a:p>
@@ -3498,7 +3500,7 @@
     </p:spTree>
     <p:extLst>
       <p:ext uri="{BB962C8B-B14F-4D97-AF65-F5344CB8AC3E}">
-        <p14:creationId xmlns:p14="http://schemas.microsoft.com/office/powerpoint/2010/main" val="3017200259"/>
+        <p14:creationId xmlns:p14="http://schemas.microsoft.com/office/powerpoint/2010/main" xmlns="" val="3017200259"/>
       </p:ext>
     </p:extLst>
   </p:cSld>
@@ -3695,7 +3697,7 @@
             <a:fld id="{2F669B78-F9AA-4692-8AFB-7CA7ABB16088}" type="datetimeFigureOut">
               <a:rPr lang="en-IN" smtClean="0"/>
               <a:pPr/>
-              <a:t>28-04-2020</a:t>
+              <a:t>30-04-2020</a:t>
             </a:fld>
             <a:endParaRPr lang="en-IN"/>
           </a:p>
@@ -3834,7 +3836,7 @@
     </p:spTree>
     <p:extLst>
       <p:ext uri="{BB962C8B-B14F-4D97-AF65-F5344CB8AC3E}">
-        <p14:creationId xmlns:p14="http://schemas.microsoft.com/office/powerpoint/2010/main" val="2732314535"/>
+        <p14:creationId xmlns:p14="http://schemas.microsoft.com/office/powerpoint/2010/main" xmlns="" val="2732314535"/>
       </p:ext>
     </p:extLst>
   </p:cSld>
@@ -4020,7 +4022,7 @@
             <a:fld id="{2F669B78-F9AA-4692-8AFB-7CA7ABB16088}" type="datetimeFigureOut">
               <a:rPr lang="en-IN" smtClean="0"/>
               <a:pPr/>
-              <a:t>28-04-2020</a:t>
+              <a:t>30-04-2020</a:t>
             </a:fld>
             <a:endParaRPr lang="en-IN"/>
           </a:p>
@@ -4159,7 +4161,7 @@
     </p:spTree>
     <p:extLst>
       <p:ext uri="{BB962C8B-B14F-4D97-AF65-F5344CB8AC3E}">
-        <p14:creationId xmlns:p14="http://schemas.microsoft.com/office/powerpoint/2010/main" val="2944525080"/>
+        <p14:creationId xmlns:p14="http://schemas.microsoft.com/office/powerpoint/2010/main" xmlns="" val="2944525080"/>
       </p:ext>
     </p:extLst>
   </p:cSld>
@@ -4479,7 +4481,7 @@
             <a:fld id="{2F669B78-F9AA-4692-8AFB-7CA7ABB16088}" type="datetimeFigureOut">
               <a:rPr lang="en-IN" smtClean="0"/>
               <a:pPr/>
-              <a:t>28-04-2020</a:t>
+              <a:t>30-04-2020</a:t>
             </a:fld>
             <a:endParaRPr lang="en-IN"/>
           </a:p>
@@ -4618,7 +4620,7 @@
     </p:spTree>
     <p:extLst>
       <p:ext uri="{BB962C8B-B14F-4D97-AF65-F5344CB8AC3E}">
-        <p14:creationId xmlns:p14="http://schemas.microsoft.com/office/powerpoint/2010/main" val="2552920587"/>
+        <p14:creationId xmlns:p14="http://schemas.microsoft.com/office/powerpoint/2010/main" xmlns="" val="2552920587"/>
       </p:ext>
     </p:extLst>
   </p:cSld>
@@ -4686,7 +4688,7 @@
             <a:fld id="{2F669B78-F9AA-4692-8AFB-7CA7ABB16088}" type="datetimeFigureOut">
               <a:rPr lang="en-IN" smtClean="0"/>
               <a:pPr/>
-              <a:t>28-04-2020</a:t>
+              <a:t>30-04-2020</a:t>
             </a:fld>
             <a:endParaRPr lang="en-IN"/>
           </a:p>
@@ -4820,7 +4822,7 @@
     </p:spTree>
     <p:extLst>
       <p:ext uri="{BB962C8B-B14F-4D97-AF65-F5344CB8AC3E}">
-        <p14:creationId xmlns:p14="http://schemas.microsoft.com/office/powerpoint/2010/main" val="746962661"/>
+        <p14:creationId xmlns:p14="http://schemas.microsoft.com/office/powerpoint/2010/main" xmlns="" val="746962661"/>
       </p:ext>
     </p:extLst>
   </p:cSld>
@@ -4865,7 +4867,7 @@
             <a:fld id="{2F669B78-F9AA-4692-8AFB-7CA7ABB16088}" type="datetimeFigureOut">
               <a:rPr lang="en-IN" smtClean="0"/>
               <a:pPr/>
-              <a:t>28-04-2020</a:t>
+              <a:t>30-04-2020</a:t>
             </a:fld>
             <a:endParaRPr lang="en-IN"/>
           </a:p>
@@ -4999,7 +5001,7 @@
     </p:spTree>
     <p:extLst>
       <p:ext uri="{BB962C8B-B14F-4D97-AF65-F5344CB8AC3E}">
-        <p14:creationId xmlns:p14="http://schemas.microsoft.com/office/powerpoint/2010/main" val="1124397907"/>
+        <p14:creationId xmlns:p14="http://schemas.microsoft.com/office/powerpoint/2010/main" xmlns="" val="1124397907"/>
       </p:ext>
     </p:extLst>
   </p:cSld>
@@ -5200,7 +5202,7 @@
             <a:fld id="{2F669B78-F9AA-4692-8AFB-7CA7ABB16088}" type="datetimeFigureOut">
               <a:rPr lang="en-IN" smtClean="0"/>
               <a:pPr/>
-              <a:t>28-04-2020</a:t>
+              <a:t>30-04-2020</a:t>
             </a:fld>
             <a:endParaRPr lang="en-IN"/>
           </a:p>
@@ -5334,7 +5336,7 @@
     </p:spTree>
     <p:extLst>
       <p:ext uri="{BB962C8B-B14F-4D97-AF65-F5344CB8AC3E}">
-        <p14:creationId xmlns:p14="http://schemas.microsoft.com/office/powerpoint/2010/main" val="767815197"/>
+        <p14:creationId xmlns:p14="http://schemas.microsoft.com/office/powerpoint/2010/main" xmlns="" val="767815197"/>
       </p:ext>
     </p:extLst>
   </p:cSld>
@@ -5547,7 +5549,7 @@
             <a:fld id="{2F669B78-F9AA-4692-8AFB-7CA7ABB16088}" type="datetimeFigureOut">
               <a:rPr lang="en-IN" smtClean="0"/>
               <a:pPr/>
-              <a:t>28-04-2020</a:t>
+              <a:t>30-04-2020</a:t>
             </a:fld>
             <a:endParaRPr lang="en-IN"/>
           </a:p>
@@ -5686,7 +5688,7 @@
     </p:spTree>
     <p:extLst>
       <p:ext uri="{BB962C8B-B14F-4D97-AF65-F5344CB8AC3E}">
-        <p14:creationId xmlns:p14="http://schemas.microsoft.com/office/powerpoint/2010/main" val="2825805858"/>
+        <p14:creationId xmlns:p14="http://schemas.microsoft.com/office/powerpoint/2010/main" xmlns="" val="2825805858"/>
       </p:ext>
     </p:extLst>
   </p:cSld>
@@ -7603,7 +7605,7 @@
             <a:fld id="{2F669B78-F9AA-4692-8AFB-7CA7ABB16088}" type="datetimeFigureOut">
               <a:rPr lang="en-IN" smtClean="0"/>
               <a:pPr/>
-              <a:t>28-04-2020</a:t>
+              <a:t>30-04-2020</a:t>
             </a:fld>
             <a:endParaRPr lang="en-IN"/>
           </a:p>
@@ -7689,7 +7691,7 @@
     </p:spTree>
     <p:extLst>
       <p:ext uri="{BB962C8B-B14F-4D97-AF65-F5344CB8AC3E}">
-        <p14:creationId xmlns:p14="http://schemas.microsoft.com/office/powerpoint/2010/main" val="3788863745"/>
+        <p14:creationId xmlns:p14="http://schemas.microsoft.com/office/powerpoint/2010/main" xmlns="" val="3788863745"/>
       </p:ext>
     </p:extLst>
   </p:cSld>
@@ -8264,7 +8266,7 @@
     </p:spTree>
     <p:extLst>
       <p:ext uri="{BB962C8B-B14F-4D97-AF65-F5344CB8AC3E}">
-        <p14:creationId xmlns:p14="http://schemas.microsoft.com/office/powerpoint/2010/main" val="2724423283"/>
+        <p14:creationId xmlns:p14="http://schemas.microsoft.com/office/powerpoint/2010/main" xmlns="" val="2724423283"/>
       </p:ext>
     </p:extLst>
   </p:cSld>
@@ -8348,7 +8350,7 @@
           <a:blip r:embed="rId2" cstate="print">
             <a:extLst>
               <a:ext uri="{28A0092B-C50C-407E-A947-70E740481C1C}">
-                <a14:useLocalDpi xmlns:a14="http://schemas.microsoft.com/office/drawing/2010/main" val="0"/>
+                <a14:useLocalDpi xmlns:a14="http://schemas.microsoft.com/office/drawing/2010/main" xmlns="" val="0"/>
               </a:ext>
             </a:extLst>
           </a:blip>
@@ -8395,7 +8397,7 @@
     </p:spTree>
     <p:extLst>
       <p:ext uri="{BB962C8B-B14F-4D97-AF65-F5344CB8AC3E}">
-        <p14:creationId xmlns:p14="http://schemas.microsoft.com/office/powerpoint/2010/main" val="110383111"/>
+        <p14:creationId xmlns:p14="http://schemas.microsoft.com/office/powerpoint/2010/main" xmlns="" val="110383111"/>
       </p:ext>
     </p:extLst>
   </p:cSld>
@@ -11069,7 +11071,7 @@
         </p:nvSpPr>
         <p:spPr>
           <a:xfrm>
-            <a:off x="1659671" y="499620"/>
+            <a:off x="1629191" y="306580"/>
             <a:ext cx="10170968" cy="1018880"/>
           </a:xfrm>
         </p:spPr>
@@ -11092,21 +11094,23 @@
       </p:sp>
       <p:pic>
         <p:nvPicPr>
-          <p:cNvPr id="1026" name="Picture 2" descr="C:\Users\himes\notebooks\Project letrature\Class_digram\class_diagram.png"/>
+          <p:cNvPr id="5122" name="Picture 2" descr="C:\Users\himes\notebooks\Project letrature\Class_digram\new_class_diagram.jpg"/>
           <p:cNvPicPr>
             <a:picLocks noChangeAspect="1" noChangeArrowheads="1"/>
           </p:cNvPicPr>
           <p:nvPr/>
         </p:nvPicPr>
-        <p:blipFill rotWithShape="1">
+        <p:blipFill>
           <a:blip r:embed="rId2" cstate="print"/>
-          <a:srcRect l="1543" t="4658" r="3324" b="7829"/>
-          <a:stretch/>
+          <a:srcRect/>
+          <a:stretch>
+            <a:fillRect/>
+          </a:stretch>
         </p:blipFill>
         <p:spPr bwMode="auto">
           <a:xfrm>
-            <a:off x="1862497" y="1389092"/>
-            <a:ext cx="9968142" cy="5153109"/>
+            <a:off x="2255520" y="987367"/>
+            <a:ext cx="8554720" cy="5728393"/>
           </a:xfrm>
           <a:prstGeom prst="rect">
             <a:avLst/>
@@ -11117,7 +11121,7 @@
     </p:spTree>
     <p:extLst>
       <p:ext uri="{BB962C8B-B14F-4D97-AF65-F5344CB8AC3E}">
-        <p14:creationId xmlns:p14="http://schemas.microsoft.com/office/powerpoint/2010/main" val="1974539145"/>
+        <p14:creationId xmlns:p14="http://schemas.microsoft.com/office/powerpoint/2010/main" xmlns="" val="1974539145"/>
       </p:ext>
     </p:extLst>
   </p:cSld>
@@ -11271,7 +11275,7 @@
     </p:spTree>
     <p:extLst>
       <p:ext uri="{BB962C8B-B14F-4D97-AF65-F5344CB8AC3E}">
-        <p14:creationId xmlns:p14="http://schemas.microsoft.com/office/powerpoint/2010/main" val="1717095262"/>
+        <p14:creationId xmlns:p14="http://schemas.microsoft.com/office/powerpoint/2010/main" xmlns="" val="1717095262"/>
       </p:ext>
     </p:extLst>
   </p:cSld>
@@ -11491,7 +11495,7 @@
     </p:spTree>
     <p:extLst>
       <p:ext uri="{BB962C8B-B14F-4D97-AF65-F5344CB8AC3E}">
-        <p14:creationId xmlns:p14="http://schemas.microsoft.com/office/powerpoint/2010/main" val="2052618121"/>
+        <p14:creationId xmlns:p14="http://schemas.microsoft.com/office/powerpoint/2010/main" xmlns="" val="2052618121"/>
       </p:ext>
     </p:extLst>
   </p:cSld>
@@ -11593,79 +11597,59 @@
           </a:p>
         </p:txBody>
       </p:sp>
-      <p:sp>
-        <p:nvSpPr>
-          <p:cNvPr id="3" name="Content Placeholder 2"/>
-          <p:cNvSpPr>
-            <a:spLocks noGrp="1"/>
-          </p:cNvSpPr>
+      <p:pic>
+        <p:nvPicPr>
+          <p:cNvPr id="1026" name="Picture 2" descr="C:\Users\himes\notebooks\Project letrature\ER_diadram\ERD.png"/>
+          <p:cNvPicPr>
+            <a:picLocks noGrp="1" noChangeAspect="1" noChangeArrowheads="1"/>
+          </p:cNvPicPr>
           <p:nvPr>
             <p:ph idx="1"/>
           </p:nvPr>
-        </p:nvSpPr>
-        <p:spPr/>
-        <p:txBody>
-          <a:bodyPr/>
-          <a:lstStyle/>
-          <a:p>
-            <a:endParaRPr lang="en-IN"/>
-          </a:p>
-        </p:txBody>
-      </p:sp>
-      <p:pic>
-        <p:nvPicPr>
-          <p:cNvPr id="6" name="Picture 5"/>
-          <p:cNvPicPr>
-            <a:picLocks noChangeAspect="1"/>
-          </p:cNvPicPr>
-          <p:nvPr/>
         </p:nvPicPr>
         <p:blipFill>
           <a:blip r:embed="rId2" cstate="print"/>
+          <a:srcRect/>
           <a:stretch>
             <a:fillRect/>
           </a:stretch>
         </p:blipFill>
-        <p:spPr>
+        <p:spPr bwMode="auto">
           <a:xfrm>
-            <a:off x="2427346" y="1123068"/>
-            <a:ext cx="9186477" cy="5325391"/>
-          </a:xfrm>
-          <a:prstGeom prst="roundRect">
-            <a:avLst>
-              <a:gd name="adj" fmla="val 4167"/>
-            </a:avLst>
+            <a:off x="2761488" y="1381351"/>
+            <a:ext cx="7936992" cy="4731479"/>
+          </a:xfrm>
+          <a:prstGeom prst="rect">
+            <a:avLst/>
           </a:prstGeom>
-          <a:solidFill>
-            <a:srgbClr val="FFFFFF"/>
-          </a:solidFill>
-          <a:ln w="76200" cap="sq">
-            <a:solidFill>
-              <a:srgbClr val="292929"/>
-            </a:solidFill>
-            <a:miter lim="800000"/>
+          <a:noFill/>
+          <a:ln>
+            <a:noFill/>
           </a:ln>
           <a:effectLst>
-            <a:reflection blurRad="12700" stA="28000" endPos="28000" dist="5000" dir="5400000" sy="-100000" algn="bl" rotWithShape="0"/>
+            <a:outerShdw blurRad="44450" dist="27940" dir="5400000" algn="ctr">
+              <a:srgbClr val="000000">
+                <a:alpha val="32000"/>
+              </a:srgbClr>
+            </a:outerShdw>
           </a:effectLst>
           <a:scene3d>
-            <a:camera prst="orthographicFront"/>
-            <a:lightRig rig="threePt" dir="t">
-              <a:rot lat="0" lon="0" rev="2700000"/>
+            <a:camera prst="orthographicFront">
+              <a:rot lat="0" lon="0" rev="0"/>
+            </a:camera>
+            <a:lightRig rig="balanced" dir="t">
+              <a:rot lat="0" lon="0" rev="8700000"/>
             </a:lightRig>
           </a:scene3d>
           <a:sp3d>
-            <a:bevelT h="38100"/>
-            <a:contourClr>
-              <a:srgbClr val="C0C0C0"/>
-            </a:contourClr>
+            <a:bevelT w="190500" h="38100"/>
           </a:sp3d>
         </p:spPr>
       </p:pic>
     </p:spTree>
     <p:extLst>
       <p:ext uri="{BB962C8B-B14F-4D97-AF65-F5344CB8AC3E}">
-        <p14:creationId xmlns:p14="http://schemas.microsoft.com/office/powerpoint/2010/main" val="2992944003"/>
+        <p14:creationId xmlns:p14="http://schemas.microsoft.com/office/powerpoint/2010/main" xmlns="" val="2992944003"/>
       </p:ext>
     </p:extLst>
   </p:cSld>
@@ -11709,38 +11693,90 @@
             <p:ph type="title"/>
           </p:nvPr>
         </p:nvSpPr>
-        <p:spPr/>
-        <p:txBody>
-          <a:bodyPr/>
+        <p:spPr>
+          <a:xfrm>
+            <a:off x="2592925" y="624110"/>
+            <a:ext cx="6953411" cy="793210"/>
+          </a:xfrm>
+        </p:spPr>
+        <p:txBody>
+          <a:bodyPr>
+            <a:normAutofit/>
+          </a:bodyPr>
           <a:lstStyle/>
           <a:p>
-            <a:endParaRPr lang="en-IN"/>
-          </a:p>
-        </p:txBody>
-      </p:sp>
-      <p:sp>
-        <p:nvSpPr>
-          <p:cNvPr id="3" name="Content Placeholder 2"/>
-          <p:cNvSpPr>
-            <a:spLocks noGrp="1"/>
-          </p:cNvSpPr>
-          <p:nvPr>
-            <p:ph idx="1"/>
-          </p:nvPr>
-        </p:nvSpPr>
-        <p:spPr/>
-        <p:txBody>
-          <a:bodyPr/>
+            <a:r>
+              <a:rPr lang="en-IN" sz="4000" dirty="0" smtClean="0">
+                <a:latin typeface="Algerian" pitchFamily="82" charset="0"/>
+              </a:rPr>
+              <a:t>DFD(Data Flow Diagram)</a:t>
+            </a:r>
+            <a:endParaRPr lang="en-IN" dirty="0">
+              <a:latin typeface="Algerian" pitchFamily="82" charset="0"/>
+            </a:endParaRPr>
+          </a:p>
+        </p:txBody>
+      </p:sp>
+      <p:pic>
+        <p:nvPicPr>
+          <p:cNvPr id="2051" name="Picture 3" descr="C:\Users\himes\notebooks\Project letrature\dataflow_diagram\DFD_LEVEL0.jpg"/>
+          <p:cNvPicPr>
+            <a:picLocks noChangeAspect="1" noChangeArrowheads="1"/>
+          </p:cNvPicPr>
+          <p:nvPr/>
+        </p:nvPicPr>
+        <p:blipFill>
+          <a:blip r:embed="rId2" cstate="print"/>
+          <a:srcRect/>
+          <a:stretch>
+            <a:fillRect/>
+          </a:stretch>
+        </p:blipFill>
+        <p:spPr bwMode="auto">
+          <a:xfrm>
+            <a:off x="1632903" y="1446848"/>
+            <a:ext cx="9407274" cy="4588192"/>
+          </a:xfrm>
+          <a:prstGeom prst="rect">
+            <a:avLst/>
+          </a:prstGeom>
+          <a:noFill/>
+        </p:spPr>
+      </p:pic>
+      <p:sp>
+        <p:nvSpPr>
+          <p:cNvPr id="6" name="TextBox 5"/>
+          <p:cNvSpPr txBox="1"/>
+          <p:nvPr/>
+        </p:nvSpPr>
+        <p:spPr>
+          <a:xfrm>
+            <a:off x="5659120" y="6278880"/>
+            <a:ext cx="1473200" cy="369332"/>
+          </a:xfrm>
+          <a:prstGeom prst="rect">
+            <a:avLst/>
+          </a:prstGeom>
+          <a:noFill/>
+        </p:spPr>
+        <p:txBody>
+          <a:bodyPr wrap="square" rtlCol="0">
+            <a:spAutoFit/>
+          </a:bodyPr>
           <a:lstStyle/>
           <a:p>
-            <a:endParaRPr lang="en-IN"/>
+            <a:r>
+              <a:rPr lang="en-IN" b="1" dirty="0" smtClean="0"/>
+              <a:t>Level 0 DFD</a:t>
+            </a:r>
+            <a:endParaRPr lang="en-US" b="1" dirty="0"/>
           </a:p>
         </p:txBody>
       </p:sp>
     </p:spTree>
     <p:extLst>
       <p:ext uri="{BB962C8B-B14F-4D97-AF65-F5344CB8AC3E}">
-        <p14:creationId xmlns:p14="http://schemas.microsoft.com/office/powerpoint/2010/main" val="3059376019"/>
+        <p14:creationId xmlns:p14="http://schemas.microsoft.com/office/powerpoint/2010/main" xmlns="" val="3059376019"/>
       </p:ext>
     </p:extLst>
   </p:cSld>
@@ -11780,6 +11816,260 @@
         <p:spPr>
           <a:xfrm>
             <a:off x="2592925" y="624110"/>
+            <a:ext cx="6953411" cy="793210"/>
+          </a:xfrm>
+        </p:spPr>
+        <p:txBody>
+          <a:bodyPr>
+            <a:normAutofit/>
+          </a:bodyPr>
+          <a:lstStyle/>
+          <a:p>
+            <a:r>
+              <a:rPr lang="en-IN" sz="4000" dirty="0" smtClean="0">
+                <a:latin typeface="Algerian" pitchFamily="82" charset="0"/>
+              </a:rPr>
+              <a:t>DFD(Data Flow Diagram)</a:t>
+            </a:r>
+            <a:endParaRPr lang="en-IN" dirty="0">
+              <a:latin typeface="Algerian" pitchFamily="82" charset="0"/>
+            </a:endParaRPr>
+          </a:p>
+        </p:txBody>
+      </p:sp>
+      <p:pic>
+        <p:nvPicPr>
+          <p:cNvPr id="3075" name="Picture 3" descr="C:\Users\himes\notebooks\Project letrature\dataflow_diagram\DFD_LEVEL1.jpg"/>
+          <p:cNvPicPr>
+            <a:picLocks noChangeAspect="1" noChangeArrowheads="1"/>
+          </p:cNvPicPr>
+          <p:nvPr/>
+        </p:nvPicPr>
+        <p:blipFill>
+          <a:blip r:embed="rId2" cstate="print"/>
+          <a:srcRect/>
+          <a:stretch>
+            <a:fillRect/>
+          </a:stretch>
+        </p:blipFill>
+        <p:spPr bwMode="auto">
+          <a:xfrm>
+            <a:off x="2156778" y="1306514"/>
+            <a:ext cx="8399462" cy="5069466"/>
+          </a:xfrm>
+          <a:prstGeom prst="rect">
+            <a:avLst/>
+          </a:prstGeom>
+          <a:noFill/>
+        </p:spPr>
+      </p:pic>
+      <p:sp>
+        <p:nvSpPr>
+          <p:cNvPr id="5" name="Rectangle 4"/>
+          <p:cNvSpPr/>
+          <p:nvPr/>
+        </p:nvSpPr>
+        <p:spPr>
+          <a:xfrm>
+            <a:off x="5407113" y="6488668"/>
+            <a:ext cx="1459054" cy="369332"/>
+          </a:xfrm>
+          <a:prstGeom prst="rect">
+            <a:avLst/>
+          </a:prstGeom>
+        </p:spPr>
+        <p:txBody>
+          <a:bodyPr wrap="none">
+            <a:spAutoFit/>
+          </a:bodyPr>
+          <a:lstStyle/>
+          <a:p>
+            <a:r>
+              <a:rPr lang="en-IN" b="1" dirty="0" smtClean="0"/>
+              <a:t>Level </a:t>
+            </a:r>
+            <a:r>
+              <a:rPr lang="en-IN" b="1" dirty="0" smtClean="0"/>
+              <a:t>1 </a:t>
+            </a:r>
+            <a:r>
+              <a:rPr lang="en-IN" b="1" dirty="0" smtClean="0"/>
+              <a:t>DFD</a:t>
+            </a:r>
+            <a:endParaRPr lang="en-US" b="1" dirty="0"/>
+          </a:p>
+        </p:txBody>
+      </p:sp>
+    </p:spTree>
+    <p:extLst>
+      <p:ext uri="{BB962C8B-B14F-4D97-AF65-F5344CB8AC3E}">
+        <p14:creationId xmlns:p14="http://schemas.microsoft.com/office/powerpoint/2010/main" xmlns="" val="3059376019"/>
+      </p:ext>
+    </p:extLst>
+  </p:cSld>
+  <p:clrMapOvr>
+    <a:masterClrMapping/>
+  </p:clrMapOvr>
+</p:sld>
+</file>
+
+<file path=ppt/slides/slide23.xml><?xml version="1.0" encoding="utf-8"?>
+<p:sld xmlns:a="http://schemas.openxmlformats.org/drawingml/2006/main" xmlns:r="http://schemas.openxmlformats.org/officeDocument/2006/relationships" xmlns:p="http://schemas.openxmlformats.org/presentationml/2006/main">
+  <p:cSld>
+    <p:spTree>
+      <p:nvGrpSpPr>
+        <p:cNvPr id="1" name=""/>
+        <p:cNvGrpSpPr/>
+        <p:nvPr/>
+      </p:nvGrpSpPr>
+      <p:grpSpPr>
+        <a:xfrm>
+          <a:off x="0" y="0"/>
+          <a:ext cx="0" cy="0"/>
+          <a:chOff x="0" y="0"/>
+          <a:chExt cx="0" cy="0"/>
+        </a:xfrm>
+      </p:grpSpPr>
+      <p:sp>
+        <p:nvSpPr>
+          <p:cNvPr id="2" name="Title 1"/>
+          <p:cNvSpPr>
+            <a:spLocks noGrp="1"/>
+          </p:cNvSpPr>
+          <p:nvPr>
+            <p:ph type="title"/>
+          </p:nvPr>
+        </p:nvSpPr>
+        <p:spPr>
+          <a:xfrm>
+            <a:off x="2592925" y="624110"/>
+            <a:ext cx="6953411" cy="793210"/>
+          </a:xfrm>
+        </p:spPr>
+        <p:txBody>
+          <a:bodyPr>
+            <a:normAutofit/>
+          </a:bodyPr>
+          <a:lstStyle/>
+          <a:p>
+            <a:r>
+              <a:rPr lang="en-IN" sz="4000" dirty="0" smtClean="0">
+                <a:latin typeface="Algerian" pitchFamily="82" charset="0"/>
+              </a:rPr>
+              <a:t>DFD(Data Flow Diagram)</a:t>
+            </a:r>
+            <a:endParaRPr lang="en-IN" dirty="0">
+              <a:latin typeface="Algerian" pitchFamily="82" charset="0"/>
+            </a:endParaRPr>
+          </a:p>
+        </p:txBody>
+      </p:sp>
+      <p:pic>
+        <p:nvPicPr>
+          <p:cNvPr id="4099" name="Picture 3" descr="C:\Users\himes\notebooks\Project letrature\dataflow_diagram\DFD_LEVEL2.jpg"/>
+          <p:cNvPicPr>
+            <a:picLocks noChangeAspect="1" noChangeArrowheads="1"/>
+          </p:cNvPicPr>
+          <p:nvPr/>
+        </p:nvPicPr>
+        <p:blipFill>
+          <a:blip r:embed="rId2" cstate="print"/>
+          <a:srcRect/>
+          <a:stretch>
+            <a:fillRect/>
+          </a:stretch>
+        </p:blipFill>
+        <p:spPr bwMode="auto">
+          <a:xfrm>
+            <a:off x="2464595" y="1301952"/>
+            <a:ext cx="7238205" cy="5085860"/>
+          </a:xfrm>
+          <a:prstGeom prst="rect">
+            <a:avLst/>
+          </a:prstGeom>
+          <a:noFill/>
+        </p:spPr>
+      </p:pic>
+      <p:sp>
+        <p:nvSpPr>
+          <p:cNvPr id="5" name="Rectangle 4"/>
+          <p:cNvSpPr/>
+          <p:nvPr/>
+        </p:nvSpPr>
+        <p:spPr>
+          <a:xfrm>
+            <a:off x="5183593" y="6488668"/>
+            <a:ext cx="1459054" cy="369332"/>
+          </a:xfrm>
+          <a:prstGeom prst="rect">
+            <a:avLst/>
+          </a:prstGeom>
+        </p:spPr>
+        <p:txBody>
+          <a:bodyPr wrap="none">
+            <a:spAutoFit/>
+          </a:bodyPr>
+          <a:lstStyle/>
+          <a:p>
+            <a:r>
+              <a:rPr lang="en-IN" b="1" dirty="0" smtClean="0"/>
+              <a:t>Level </a:t>
+            </a:r>
+            <a:r>
+              <a:rPr lang="en-IN" b="1" dirty="0" smtClean="0"/>
+              <a:t>2 </a:t>
+            </a:r>
+            <a:r>
+              <a:rPr lang="en-IN" b="1" dirty="0" smtClean="0"/>
+              <a:t>DFD</a:t>
+            </a:r>
+            <a:endParaRPr lang="en-US" b="1" dirty="0"/>
+          </a:p>
+        </p:txBody>
+      </p:sp>
+    </p:spTree>
+    <p:extLst>
+      <p:ext uri="{BB962C8B-B14F-4D97-AF65-F5344CB8AC3E}">
+        <p14:creationId xmlns:p14="http://schemas.microsoft.com/office/powerpoint/2010/main" xmlns="" val="3059376019"/>
+      </p:ext>
+    </p:extLst>
+  </p:cSld>
+  <p:clrMapOvr>
+    <a:masterClrMapping/>
+  </p:clrMapOvr>
+</p:sld>
+</file>
+
+<file path=ppt/slides/slide24.xml><?xml version="1.0" encoding="utf-8"?>
+<p:sld xmlns:a="http://schemas.openxmlformats.org/drawingml/2006/main" xmlns:r="http://schemas.openxmlformats.org/officeDocument/2006/relationships" xmlns:p="http://schemas.openxmlformats.org/presentationml/2006/main">
+  <p:cSld>
+    <p:spTree>
+      <p:nvGrpSpPr>
+        <p:cNvPr id="1" name=""/>
+        <p:cNvGrpSpPr/>
+        <p:nvPr/>
+      </p:nvGrpSpPr>
+      <p:grpSpPr>
+        <a:xfrm>
+          <a:off x="0" y="0"/>
+          <a:ext cx="0" cy="0"/>
+          <a:chOff x="0" y="0"/>
+          <a:chExt cx="0" cy="0"/>
+        </a:xfrm>
+      </p:grpSpPr>
+      <p:sp>
+        <p:nvSpPr>
+          <p:cNvPr id="2" name="Title 1"/>
+          <p:cNvSpPr>
+            <a:spLocks noGrp="1"/>
+          </p:cNvSpPr>
+          <p:nvPr>
+            <p:ph type="title"/>
+          </p:nvPr>
+        </p:nvSpPr>
+        <p:spPr>
+          <a:xfrm>
+            <a:off x="2592925" y="624110"/>
             <a:ext cx="8911687" cy="723923"/>
           </a:xfrm>
         </p:spPr>
@@ -11923,349 +12213,7 @@
     </p:spTree>
     <p:extLst>
       <p:ext uri="{BB962C8B-B14F-4D97-AF65-F5344CB8AC3E}">
-        <p14:creationId xmlns:p14="http://schemas.microsoft.com/office/powerpoint/2010/main" val="3968908613"/>
-      </p:ext>
-    </p:extLst>
-  </p:cSld>
-  <p:clrMapOvr>
-    <a:masterClrMapping/>
-  </p:clrMapOvr>
-  <p:timing>
-    <p:tnLst>
-      <p:par>
-        <p:cTn id="1" dur="indefinite" restart="never" nodeType="tmRoot"/>
-      </p:par>
-    </p:tnLst>
-  </p:timing>
-</p:sld>
-</file>
-
-<file path=ppt/slides/slide23.xml><?xml version="1.0" encoding="utf-8"?>
-<p:sld xmlns:a="http://schemas.openxmlformats.org/drawingml/2006/main" xmlns:r="http://schemas.openxmlformats.org/officeDocument/2006/relationships" xmlns:p="http://schemas.openxmlformats.org/presentationml/2006/main">
-  <p:cSld>
-    <p:spTree>
-      <p:nvGrpSpPr>
-        <p:cNvPr id="1" name=""/>
-        <p:cNvGrpSpPr/>
-        <p:nvPr/>
-      </p:nvGrpSpPr>
-      <p:grpSpPr>
-        <a:xfrm>
-          <a:off x="0" y="0"/>
-          <a:ext cx="0" cy="0"/>
-          <a:chOff x="0" y="0"/>
-          <a:chExt cx="0" cy="0"/>
-        </a:xfrm>
-      </p:grpSpPr>
-      <p:sp>
-        <p:nvSpPr>
-          <p:cNvPr id="2" name="Title 1"/>
-          <p:cNvSpPr>
-            <a:spLocks noGrp="1"/>
-          </p:cNvSpPr>
-          <p:nvPr>
-            <p:ph type="title"/>
-          </p:nvPr>
-        </p:nvSpPr>
-        <p:spPr>
-          <a:xfrm>
-            <a:off x="1421481" y="624110"/>
-            <a:ext cx="10083131" cy="1280890"/>
-          </a:xfrm>
-        </p:spPr>
-        <p:txBody>
-          <a:bodyPr/>
-          <a:lstStyle/>
-          <a:p>
-            <a:pPr algn="ctr"/>
-            <a:r>
-              <a:rPr lang="en-US" dirty="0" smtClean="0">
-                <a:latin typeface="Algerian" panose="04020705040A02060702" pitchFamily="82" charset="0"/>
-              </a:rPr>
-              <a:t>Steganography gui module</a:t>
-            </a:r>
-            <a:r>
-              <a:rPr lang="en-US" dirty="0" smtClean="0"/>
-              <a:t/>
-            </a:r>
-            <a:br>
-              <a:rPr lang="en-US" dirty="0" smtClean="0"/>
-            </a:br>
-            <a:endParaRPr lang="en-IN" dirty="0"/>
-          </a:p>
-        </p:txBody>
-      </p:sp>
-      <p:pic>
-        <p:nvPicPr>
-          <p:cNvPr id="5" name="Picture 4"/>
-          <p:cNvPicPr>
-            <a:picLocks noChangeAspect="1"/>
-          </p:cNvPicPr>
-          <p:nvPr/>
-        </p:nvPicPr>
-        <p:blipFill>
-          <a:blip r:embed="rId2" cstate="print"/>
-          <a:stretch>
-            <a:fillRect/>
-          </a:stretch>
-        </p:blipFill>
-        <p:spPr>
-          <a:xfrm>
-            <a:off x="6588019" y="1801305"/>
-            <a:ext cx="5318036" cy="4255845"/>
-          </a:xfrm>
-          <a:prstGeom prst="rect">
-            <a:avLst/>
-          </a:prstGeom>
-        </p:spPr>
-      </p:pic>
-      <p:pic>
-        <p:nvPicPr>
-          <p:cNvPr id="7" name="Content Placeholder 6"/>
-          <p:cNvPicPr>
-            <a:picLocks noGrp="1" noChangeAspect="1"/>
-          </p:cNvPicPr>
-          <p:nvPr>
-            <p:ph idx="1"/>
-          </p:nvPr>
-        </p:nvPicPr>
-        <p:blipFill>
-          <a:blip r:embed="rId3" cstate="print"/>
-          <a:stretch>
-            <a:fillRect/>
-          </a:stretch>
-        </p:blipFill>
-        <p:spPr>
-          <a:xfrm>
-            <a:off x="1421481" y="2040102"/>
-            <a:ext cx="4689808" cy="3778250"/>
-          </a:xfrm>
-          <a:prstGeom prst="rect">
-            <a:avLst/>
-          </a:prstGeom>
-        </p:spPr>
-      </p:pic>
-      <p:cxnSp>
-        <p:nvCxnSpPr>
-          <p:cNvPr id="9" name="Straight Arrow Connector 8"/>
-          <p:cNvCxnSpPr>
-            <a:stCxn id="7" idx="3"/>
-            <a:endCxn id="5" idx="1"/>
-          </p:cNvCxnSpPr>
-          <p:nvPr/>
-        </p:nvCxnSpPr>
-        <p:spPr>
-          <a:xfrm>
-            <a:off x="6111289" y="3929227"/>
-            <a:ext cx="476730" cy="1"/>
-          </a:xfrm>
-          <a:prstGeom prst="straightConnector1">
-            <a:avLst/>
-          </a:prstGeom>
-          <a:ln>
-            <a:solidFill>
-              <a:schemeClr val="tx1"/>
-            </a:solidFill>
-            <a:tailEnd type="triangle"/>
-          </a:ln>
-        </p:spPr>
-        <p:style>
-          <a:lnRef idx="1">
-            <a:schemeClr val="accent3"/>
-          </a:lnRef>
-          <a:fillRef idx="0">
-            <a:schemeClr val="accent3"/>
-          </a:fillRef>
-          <a:effectRef idx="0">
-            <a:schemeClr val="accent3"/>
-          </a:effectRef>
-          <a:fontRef idx="minor">
-            <a:schemeClr val="tx1"/>
-          </a:fontRef>
-        </p:style>
-      </p:cxnSp>
-      <p:sp>
-        <p:nvSpPr>
-          <p:cNvPr id="10" name="TextBox 9"/>
-          <p:cNvSpPr txBox="1"/>
-          <p:nvPr/>
-        </p:nvSpPr>
-        <p:spPr>
-          <a:xfrm>
-            <a:off x="7607431" y="6287679"/>
-            <a:ext cx="3619893" cy="646331"/>
-          </a:xfrm>
-          <a:prstGeom prst="rect">
-            <a:avLst/>
-          </a:prstGeom>
-          <a:noFill/>
-        </p:spPr>
-        <p:txBody>
-          <a:bodyPr wrap="square" rtlCol="0">
-            <a:spAutoFit/>
-          </a:bodyPr>
-          <a:lstStyle/>
-          <a:p>
-            <a:r>
-              <a:rPr lang="en-US" dirty="0">
-                <a:latin typeface="Algerian" panose="04020705040A02060702" pitchFamily="82" charset="0"/>
-              </a:rPr>
-              <a:t>Steganography gui module</a:t>
-            </a:r>
-            <a:r>
-              <a:rPr lang="en-US" dirty="0"/>
-              <a:t/>
-            </a:r>
-            <a:br>
-              <a:rPr lang="en-US" dirty="0"/>
-            </a:br>
-            <a:endParaRPr lang="en-IN" dirty="0"/>
-          </a:p>
-        </p:txBody>
-      </p:sp>
-      <p:sp>
-        <p:nvSpPr>
-          <p:cNvPr id="11" name="Rectangle 10"/>
-          <p:cNvSpPr/>
-          <p:nvPr/>
-        </p:nvSpPr>
-        <p:spPr>
-          <a:xfrm>
-            <a:off x="2590422" y="6287679"/>
-            <a:ext cx="2351926" cy="369332"/>
-          </a:xfrm>
-          <a:prstGeom prst="rect">
-            <a:avLst/>
-          </a:prstGeom>
-        </p:spPr>
-        <p:txBody>
-          <a:bodyPr wrap="none">
-            <a:spAutoFit/>
-          </a:bodyPr>
-          <a:lstStyle/>
-          <a:p>
-            <a:pPr algn="ctr"/>
-            <a:r>
-              <a:rPr lang="en-US" dirty="0">
-                <a:latin typeface="Algerian" panose="04020705040A02060702" pitchFamily="82" charset="0"/>
-              </a:rPr>
-              <a:t>User login window</a:t>
-            </a:r>
-            <a:endParaRPr lang="en-IN" dirty="0">
-              <a:latin typeface="Algerian" panose="04020705040A02060702" pitchFamily="82" charset="0"/>
-            </a:endParaRPr>
-          </a:p>
-        </p:txBody>
-      </p:sp>
-    </p:spTree>
-    <p:extLst>
-      <p:ext uri="{BB962C8B-B14F-4D97-AF65-F5344CB8AC3E}">
-        <p14:creationId xmlns:p14="http://schemas.microsoft.com/office/powerpoint/2010/main" val="1379778435"/>
-      </p:ext>
-    </p:extLst>
-  </p:cSld>
-  <p:clrMapOvr>
-    <a:masterClrMapping/>
-  </p:clrMapOvr>
-  <p:timing>
-    <p:tnLst>
-      <p:par>
-        <p:cTn id="1" dur="indefinite" restart="never" nodeType="tmRoot"/>
-      </p:par>
-    </p:tnLst>
-  </p:timing>
-</p:sld>
-</file>
-
-<file path=ppt/slides/slide24.xml><?xml version="1.0" encoding="utf-8"?>
-<p:sld xmlns:a="http://schemas.openxmlformats.org/drawingml/2006/main" xmlns:r="http://schemas.openxmlformats.org/officeDocument/2006/relationships" xmlns:p="http://schemas.openxmlformats.org/presentationml/2006/main">
-  <p:cSld>
-    <p:spTree>
-      <p:nvGrpSpPr>
-        <p:cNvPr id="1" name=""/>
-        <p:cNvGrpSpPr/>
-        <p:nvPr/>
-      </p:nvGrpSpPr>
-      <p:grpSpPr>
-        <a:xfrm>
-          <a:off x="0" y="0"/>
-          <a:ext cx="0" cy="0"/>
-          <a:chOff x="0" y="0"/>
-          <a:chExt cx="0" cy="0"/>
-        </a:xfrm>
-      </p:grpSpPr>
-      <p:sp>
-        <p:nvSpPr>
-          <p:cNvPr id="3" name="TextBox 2"/>
-          <p:cNvSpPr txBox="1"/>
-          <p:nvPr/>
-        </p:nvSpPr>
-        <p:spPr>
-          <a:xfrm>
-            <a:off x="1687395" y="631596"/>
-            <a:ext cx="10154371" cy="646331"/>
-          </a:xfrm>
-          <a:prstGeom prst="rect">
-            <a:avLst/>
-          </a:prstGeom>
-          <a:noFill/>
-        </p:spPr>
-        <p:txBody>
-          <a:bodyPr wrap="square" rtlCol="0">
-            <a:spAutoFit/>
-          </a:bodyPr>
-          <a:lstStyle/>
-          <a:p>
-            <a:pPr algn="ctr"/>
-            <a:r>
-              <a:rPr lang="en-US" sz="3600" dirty="0" smtClean="0">
-                <a:latin typeface="Algerian" panose="04020705040A02060702" pitchFamily="82" charset="0"/>
-              </a:rPr>
-              <a:t>Encoder </a:t>
-            </a:r>
-            <a:endParaRPr lang="en-IN" sz="3600" dirty="0">
-              <a:latin typeface="Algerian" panose="04020705040A02060702" pitchFamily="82" charset="0"/>
-            </a:endParaRPr>
-          </a:p>
-        </p:txBody>
-      </p:sp>
-      <p:pic>
-        <p:nvPicPr>
-          <p:cNvPr id="2050" name="Picture 2"/>
-          <p:cNvPicPr>
-            <a:picLocks noChangeAspect="1" noChangeArrowheads="1"/>
-          </p:cNvPicPr>
-          <p:nvPr/>
-        </p:nvPicPr>
-        <p:blipFill>
-          <a:blip r:embed="rId2" cstate="print"/>
-          <a:srcRect/>
-          <a:stretch>
-            <a:fillRect/>
-          </a:stretch>
-        </p:blipFill>
-        <p:spPr bwMode="auto">
-          <a:xfrm>
-            <a:off x="1453642" y="1379220"/>
-            <a:ext cx="9967214" cy="5013349"/>
-          </a:xfrm>
-          <a:prstGeom prst="rect">
-            <a:avLst/>
-          </a:prstGeom>
-          <a:noFill/>
-          <a:ln w="9525">
-            <a:noFill/>
-            <a:miter lim="800000"/>
-            <a:headEnd/>
-            <a:tailEnd/>
-          </a:ln>
-          <a:effectLst/>
-        </p:spPr>
-      </p:pic>
-    </p:spTree>
-    <p:extLst>
-      <p:ext uri="{BB962C8B-B14F-4D97-AF65-F5344CB8AC3E}">
-        <p14:creationId xmlns:p14="http://schemas.microsoft.com/office/powerpoint/2010/main" val="3097096989"/>
+        <p14:creationId xmlns:p14="http://schemas.microsoft.com/office/powerpoint/2010/main" xmlns="" val="3968908613"/>
       </p:ext>
     </p:extLst>
   </p:cSld>
@@ -12311,8 +12259,8 @@
         </p:nvSpPr>
         <p:spPr>
           <a:xfrm>
-            <a:off x="1085025" y="605822"/>
-            <a:ext cx="10190375" cy="742777"/>
+            <a:off x="1421481" y="624110"/>
+            <a:ext cx="10083131" cy="1280890"/>
           </a:xfrm>
         </p:spPr>
         <p:txBody>
@@ -12324,51 +12272,185 @@
               <a:rPr lang="en-US" dirty="0" smtClean="0">
                 <a:latin typeface="Algerian" panose="04020705040A02060702" pitchFamily="82" charset="0"/>
               </a:rPr>
-              <a:t>decoder</a:t>
-            </a:r>
-            <a:endParaRPr lang="en-IN" dirty="0">
-              <a:latin typeface="Algerian" panose="04020705040A02060702" pitchFamily="82" charset="0"/>
-            </a:endParaRPr>
+              <a:t>Steganography gui module</a:t>
+            </a:r>
+            <a:r>
+              <a:rPr lang="en-US" dirty="0" smtClean="0"/>
+              <a:t/>
+            </a:r>
+            <a:br>
+              <a:rPr lang="en-US" dirty="0" smtClean="0"/>
+            </a:br>
+            <a:endParaRPr lang="en-IN" dirty="0"/>
           </a:p>
         </p:txBody>
       </p:sp>
       <p:pic>
         <p:nvPicPr>
-          <p:cNvPr id="3074" name="Picture 2"/>
+          <p:cNvPr id="5" name="Picture 4"/>
           <p:cNvPicPr>
-            <a:picLocks noChangeAspect="1" noChangeArrowheads="1"/>
+            <a:picLocks noChangeAspect="1"/>
           </p:cNvPicPr>
           <p:nvPr/>
         </p:nvPicPr>
         <p:blipFill>
           <a:blip r:embed="rId2" cstate="print"/>
-          <a:srcRect/>
           <a:stretch>
             <a:fillRect/>
           </a:stretch>
         </p:blipFill>
-        <p:spPr bwMode="auto">
+        <p:spPr>
           <a:xfrm>
-            <a:off x="1232313" y="1499616"/>
-            <a:ext cx="10411047" cy="5077206"/>
+            <a:off x="6588019" y="1801305"/>
+            <a:ext cx="5318036" cy="4255845"/>
+          </a:xfrm>
+          <a:prstGeom prst="rect">
+            <a:avLst/>
+          </a:prstGeom>
+        </p:spPr>
+      </p:pic>
+      <p:pic>
+        <p:nvPicPr>
+          <p:cNvPr id="7" name="Content Placeholder 6"/>
+          <p:cNvPicPr>
+            <a:picLocks noGrp="1" noChangeAspect="1"/>
+          </p:cNvPicPr>
+          <p:nvPr>
+            <p:ph idx="1"/>
+          </p:nvPr>
+        </p:nvPicPr>
+        <p:blipFill>
+          <a:blip r:embed="rId3" cstate="print"/>
+          <a:stretch>
+            <a:fillRect/>
+          </a:stretch>
+        </p:blipFill>
+        <p:spPr>
+          <a:xfrm>
+            <a:off x="1421481" y="2040102"/>
+            <a:ext cx="4689808" cy="3778250"/>
+          </a:xfrm>
+          <a:prstGeom prst="rect">
+            <a:avLst/>
+          </a:prstGeom>
+        </p:spPr>
+      </p:pic>
+      <p:cxnSp>
+        <p:nvCxnSpPr>
+          <p:cNvPr id="9" name="Straight Arrow Connector 8"/>
+          <p:cNvCxnSpPr>
+            <a:stCxn id="7" idx="3"/>
+            <a:endCxn id="5" idx="1"/>
+          </p:cNvCxnSpPr>
+          <p:nvPr/>
+        </p:nvCxnSpPr>
+        <p:spPr>
+          <a:xfrm>
+            <a:off x="6111289" y="3929227"/>
+            <a:ext cx="476730" cy="1"/>
+          </a:xfrm>
+          <a:prstGeom prst="straightConnector1">
+            <a:avLst/>
+          </a:prstGeom>
+          <a:ln>
+            <a:solidFill>
+              <a:schemeClr val="tx1"/>
+            </a:solidFill>
+            <a:tailEnd type="triangle"/>
+          </a:ln>
+        </p:spPr>
+        <p:style>
+          <a:lnRef idx="1">
+            <a:schemeClr val="accent3"/>
+          </a:lnRef>
+          <a:fillRef idx="0">
+            <a:schemeClr val="accent3"/>
+          </a:fillRef>
+          <a:effectRef idx="0">
+            <a:schemeClr val="accent3"/>
+          </a:effectRef>
+          <a:fontRef idx="minor">
+            <a:schemeClr val="tx1"/>
+          </a:fontRef>
+        </p:style>
+      </p:cxnSp>
+      <p:sp>
+        <p:nvSpPr>
+          <p:cNvPr id="10" name="TextBox 9"/>
+          <p:cNvSpPr txBox="1"/>
+          <p:nvPr/>
+        </p:nvSpPr>
+        <p:spPr>
+          <a:xfrm>
+            <a:off x="7607431" y="6287679"/>
+            <a:ext cx="3619893" cy="646331"/>
           </a:xfrm>
           <a:prstGeom prst="rect">
             <a:avLst/>
           </a:prstGeom>
           <a:noFill/>
-          <a:ln w="9525">
-            <a:noFill/>
-            <a:miter lim="800000"/>
-            <a:headEnd/>
-            <a:tailEnd/>
-          </a:ln>
-          <a:effectLst/>
-        </p:spPr>
-      </p:pic>
+        </p:spPr>
+        <p:txBody>
+          <a:bodyPr wrap="square" rtlCol="0">
+            <a:spAutoFit/>
+          </a:bodyPr>
+          <a:lstStyle/>
+          <a:p>
+            <a:r>
+              <a:rPr lang="en-US" dirty="0">
+                <a:latin typeface="Algerian" panose="04020705040A02060702" pitchFamily="82" charset="0"/>
+              </a:rPr>
+              <a:t>Steganography gui module</a:t>
+            </a:r>
+            <a:r>
+              <a:rPr lang="en-US" dirty="0"/>
+              <a:t/>
+            </a:r>
+            <a:br>
+              <a:rPr lang="en-US" dirty="0"/>
+            </a:br>
+            <a:endParaRPr lang="en-IN" dirty="0"/>
+          </a:p>
+        </p:txBody>
+      </p:sp>
+      <p:sp>
+        <p:nvSpPr>
+          <p:cNvPr id="11" name="Rectangle 10"/>
+          <p:cNvSpPr/>
+          <p:nvPr/>
+        </p:nvSpPr>
+        <p:spPr>
+          <a:xfrm>
+            <a:off x="2590422" y="6287679"/>
+            <a:ext cx="2351926" cy="369332"/>
+          </a:xfrm>
+          <a:prstGeom prst="rect">
+            <a:avLst/>
+          </a:prstGeom>
+        </p:spPr>
+        <p:txBody>
+          <a:bodyPr wrap="none">
+            <a:spAutoFit/>
+          </a:bodyPr>
+          <a:lstStyle/>
+          <a:p>
+            <a:pPr algn="ctr"/>
+            <a:r>
+              <a:rPr lang="en-US" dirty="0">
+                <a:latin typeface="Algerian" panose="04020705040A02060702" pitchFamily="82" charset="0"/>
+              </a:rPr>
+              <a:t>User login window</a:t>
+            </a:r>
+            <a:endParaRPr lang="en-IN" dirty="0">
+              <a:latin typeface="Algerian" panose="04020705040A02060702" pitchFamily="82" charset="0"/>
+            </a:endParaRPr>
+          </a:p>
+        </p:txBody>
+      </p:sp>
     </p:spTree>
     <p:extLst>
       <p:ext uri="{BB962C8B-B14F-4D97-AF65-F5344CB8AC3E}">
-        <p14:creationId xmlns:p14="http://schemas.microsoft.com/office/powerpoint/2010/main" val="3184472628"/>
+        <p14:creationId xmlns:p14="http://schemas.microsoft.com/office/powerpoint/2010/main" xmlns="" val="1379778435"/>
       </p:ext>
     </p:extLst>
   </p:cSld>
@@ -12404,6 +12486,214 @@
       </p:grpSpPr>
       <p:sp>
         <p:nvSpPr>
+          <p:cNvPr id="3" name="TextBox 2"/>
+          <p:cNvSpPr txBox="1"/>
+          <p:nvPr/>
+        </p:nvSpPr>
+        <p:spPr>
+          <a:xfrm>
+            <a:off x="1687395" y="631596"/>
+            <a:ext cx="10154371" cy="646331"/>
+          </a:xfrm>
+          <a:prstGeom prst="rect">
+            <a:avLst/>
+          </a:prstGeom>
+          <a:noFill/>
+        </p:spPr>
+        <p:txBody>
+          <a:bodyPr wrap="square" rtlCol="0">
+            <a:spAutoFit/>
+          </a:bodyPr>
+          <a:lstStyle/>
+          <a:p>
+            <a:pPr algn="ctr"/>
+            <a:r>
+              <a:rPr lang="en-US" sz="3600" dirty="0" smtClean="0">
+                <a:latin typeface="Algerian" panose="04020705040A02060702" pitchFamily="82" charset="0"/>
+              </a:rPr>
+              <a:t>Encoder </a:t>
+            </a:r>
+            <a:endParaRPr lang="en-IN" sz="3600" dirty="0">
+              <a:latin typeface="Algerian" panose="04020705040A02060702" pitchFamily="82" charset="0"/>
+            </a:endParaRPr>
+          </a:p>
+        </p:txBody>
+      </p:sp>
+      <p:pic>
+        <p:nvPicPr>
+          <p:cNvPr id="2050" name="Picture 2"/>
+          <p:cNvPicPr>
+            <a:picLocks noChangeAspect="1" noChangeArrowheads="1"/>
+          </p:cNvPicPr>
+          <p:nvPr/>
+        </p:nvPicPr>
+        <p:blipFill>
+          <a:blip r:embed="rId2" cstate="print"/>
+          <a:srcRect/>
+          <a:stretch>
+            <a:fillRect/>
+          </a:stretch>
+        </p:blipFill>
+        <p:spPr bwMode="auto">
+          <a:xfrm>
+            <a:off x="1453642" y="1379220"/>
+            <a:ext cx="9967214" cy="5013349"/>
+          </a:xfrm>
+          <a:prstGeom prst="rect">
+            <a:avLst/>
+          </a:prstGeom>
+          <a:noFill/>
+          <a:ln w="9525">
+            <a:noFill/>
+            <a:miter lim="800000"/>
+            <a:headEnd/>
+            <a:tailEnd/>
+          </a:ln>
+          <a:effectLst/>
+        </p:spPr>
+      </p:pic>
+    </p:spTree>
+    <p:extLst>
+      <p:ext uri="{BB962C8B-B14F-4D97-AF65-F5344CB8AC3E}">
+        <p14:creationId xmlns:p14="http://schemas.microsoft.com/office/powerpoint/2010/main" xmlns="" val="3097096989"/>
+      </p:ext>
+    </p:extLst>
+  </p:cSld>
+  <p:clrMapOvr>
+    <a:masterClrMapping/>
+  </p:clrMapOvr>
+  <p:timing>
+    <p:tnLst>
+      <p:par>
+        <p:cTn id="1" dur="indefinite" restart="never" nodeType="tmRoot"/>
+      </p:par>
+    </p:tnLst>
+  </p:timing>
+</p:sld>
+</file>
+
+<file path=ppt/slides/slide27.xml><?xml version="1.0" encoding="utf-8"?>
+<p:sld xmlns:a="http://schemas.openxmlformats.org/drawingml/2006/main" xmlns:r="http://schemas.openxmlformats.org/officeDocument/2006/relationships" xmlns:p="http://schemas.openxmlformats.org/presentationml/2006/main">
+  <p:cSld>
+    <p:spTree>
+      <p:nvGrpSpPr>
+        <p:cNvPr id="1" name=""/>
+        <p:cNvGrpSpPr/>
+        <p:nvPr/>
+      </p:nvGrpSpPr>
+      <p:grpSpPr>
+        <a:xfrm>
+          <a:off x="0" y="0"/>
+          <a:ext cx="0" cy="0"/>
+          <a:chOff x="0" y="0"/>
+          <a:chExt cx="0" cy="0"/>
+        </a:xfrm>
+      </p:grpSpPr>
+      <p:sp>
+        <p:nvSpPr>
+          <p:cNvPr id="2" name="Title 1"/>
+          <p:cNvSpPr>
+            <a:spLocks noGrp="1"/>
+          </p:cNvSpPr>
+          <p:nvPr>
+            <p:ph type="title"/>
+          </p:nvPr>
+        </p:nvSpPr>
+        <p:spPr>
+          <a:xfrm>
+            <a:off x="1085025" y="605822"/>
+            <a:ext cx="10190375" cy="742777"/>
+          </a:xfrm>
+        </p:spPr>
+        <p:txBody>
+          <a:bodyPr/>
+          <a:lstStyle/>
+          <a:p>
+            <a:pPr algn="ctr"/>
+            <a:r>
+              <a:rPr lang="en-US" dirty="0" smtClean="0">
+                <a:latin typeface="Algerian" panose="04020705040A02060702" pitchFamily="82" charset="0"/>
+              </a:rPr>
+              <a:t>decoder</a:t>
+            </a:r>
+            <a:endParaRPr lang="en-IN" dirty="0">
+              <a:latin typeface="Algerian" panose="04020705040A02060702" pitchFamily="82" charset="0"/>
+            </a:endParaRPr>
+          </a:p>
+        </p:txBody>
+      </p:sp>
+      <p:pic>
+        <p:nvPicPr>
+          <p:cNvPr id="3074" name="Picture 2"/>
+          <p:cNvPicPr>
+            <a:picLocks noChangeAspect="1" noChangeArrowheads="1"/>
+          </p:cNvPicPr>
+          <p:nvPr/>
+        </p:nvPicPr>
+        <p:blipFill>
+          <a:blip r:embed="rId2" cstate="print"/>
+          <a:srcRect/>
+          <a:stretch>
+            <a:fillRect/>
+          </a:stretch>
+        </p:blipFill>
+        <p:spPr bwMode="auto">
+          <a:xfrm>
+            <a:off x="1232313" y="1499616"/>
+            <a:ext cx="10411047" cy="5077206"/>
+          </a:xfrm>
+          <a:prstGeom prst="rect">
+            <a:avLst/>
+          </a:prstGeom>
+          <a:noFill/>
+          <a:ln w="9525">
+            <a:noFill/>
+            <a:miter lim="800000"/>
+            <a:headEnd/>
+            <a:tailEnd/>
+          </a:ln>
+          <a:effectLst/>
+        </p:spPr>
+      </p:pic>
+    </p:spTree>
+    <p:extLst>
+      <p:ext uri="{BB962C8B-B14F-4D97-AF65-F5344CB8AC3E}">
+        <p14:creationId xmlns:p14="http://schemas.microsoft.com/office/powerpoint/2010/main" xmlns="" val="3184472628"/>
+      </p:ext>
+    </p:extLst>
+  </p:cSld>
+  <p:clrMapOvr>
+    <a:masterClrMapping/>
+  </p:clrMapOvr>
+  <p:timing>
+    <p:tnLst>
+      <p:par>
+        <p:cTn id="1" dur="indefinite" restart="never" nodeType="tmRoot"/>
+      </p:par>
+    </p:tnLst>
+  </p:timing>
+</p:sld>
+</file>
+
+<file path=ppt/slides/slide28.xml><?xml version="1.0" encoding="utf-8"?>
+<p:sld xmlns:a="http://schemas.openxmlformats.org/drawingml/2006/main" xmlns:r="http://schemas.openxmlformats.org/officeDocument/2006/relationships" xmlns:p="http://schemas.openxmlformats.org/presentationml/2006/main">
+  <p:cSld>
+    <p:spTree>
+      <p:nvGrpSpPr>
+        <p:cNvPr id="1" name=""/>
+        <p:cNvGrpSpPr/>
+        <p:nvPr/>
+      </p:nvGrpSpPr>
+      <p:grpSpPr>
+        <a:xfrm>
+          <a:off x="0" y="0"/>
+          <a:ext cx="0" cy="0"/>
+          <a:chOff x="0" y="0"/>
+          <a:chExt cx="0" cy="0"/>
+        </a:xfrm>
+      </p:grpSpPr>
+      <p:sp>
+        <p:nvSpPr>
           <p:cNvPr id="2" name="Title 1"/>
           <p:cNvSpPr>
             <a:spLocks noGrp="1"/>
@@ -12593,7 +12883,7 @@
     </p:spTree>
     <p:extLst>
       <p:ext uri="{BB962C8B-B14F-4D97-AF65-F5344CB8AC3E}">
-        <p14:creationId xmlns:p14="http://schemas.microsoft.com/office/powerpoint/2010/main" val="1027228061"/>
+        <p14:creationId xmlns:p14="http://schemas.microsoft.com/office/powerpoint/2010/main" xmlns="" val="1027228061"/>
       </p:ext>
     </p:extLst>
   </p:cSld>
@@ -12610,7 +12900,7 @@
 </p:sld>
 </file>
 
-<file path=ppt/slides/slide27.xml><?xml version="1.0" encoding="utf-8"?>
+<file path=ppt/slides/slide29.xml><?xml version="1.0" encoding="utf-8"?>
 <p:sld xmlns:a="http://schemas.openxmlformats.org/drawingml/2006/main" xmlns:r="http://schemas.openxmlformats.org/officeDocument/2006/relationships" xmlns:p="http://schemas.openxmlformats.org/presentationml/2006/main">
   <p:cSld>
     <p:spTree>
@@ -12748,7 +13038,7 @@
     </p:spTree>
     <p:extLst>
       <p:ext uri="{BB962C8B-B14F-4D97-AF65-F5344CB8AC3E}">
-        <p14:creationId xmlns:p14="http://schemas.microsoft.com/office/powerpoint/2010/main" val="2020973106"/>
+        <p14:creationId xmlns:p14="http://schemas.microsoft.com/office/powerpoint/2010/main" xmlns="" val="2020973106"/>
       </p:ext>
     </p:extLst>
   </p:cSld>
@@ -12765,7 +13055,135 @@
 </p:sld>
 </file>
 
-<file path=ppt/slides/slide28.xml><?xml version="1.0" encoding="utf-8"?>
+<file path=ppt/slides/slide3.xml><?xml version="1.0" encoding="utf-8"?>
+<p:sld xmlns:a="http://schemas.openxmlformats.org/drawingml/2006/main" xmlns:r="http://schemas.openxmlformats.org/officeDocument/2006/relationships" xmlns:p="http://schemas.openxmlformats.org/presentationml/2006/main">
+  <p:cSld>
+    <p:spTree>
+      <p:nvGrpSpPr>
+        <p:cNvPr id="1" name=""/>
+        <p:cNvGrpSpPr/>
+        <p:nvPr/>
+      </p:nvGrpSpPr>
+      <p:grpSpPr>
+        <a:xfrm>
+          <a:off x="0" y="0"/>
+          <a:ext cx="0" cy="0"/>
+          <a:chOff x="0" y="0"/>
+          <a:chExt cx="0" cy="0"/>
+        </a:xfrm>
+      </p:grpSpPr>
+      <p:sp>
+        <p:nvSpPr>
+          <p:cNvPr id="2" name="Title 1"/>
+          <p:cNvSpPr>
+            <a:spLocks noGrp="1"/>
+          </p:cNvSpPr>
+          <p:nvPr>
+            <p:ph type="title"/>
+          </p:nvPr>
+        </p:nvSpPr>
+        <p:spPr>
+          <a:xfrm>
+            <a:off x="2567288" y="624110"/>
+            <a:ext cx="8911687" cy="1280890"/>
+          </a:xfrm>
+        </p:spPr>
+        <p:txBody>
+          <a:bodyPr/>
+          <a:lstStyle/>
+          <a:p>
+            <a:pPr algn="ctr"/>
+            <a:r>
+              <a:rPr lang="en-US" dirty="0">
+                <a:latin typeface="Algerian" panose="04020705040A02060702" pitchFamily="82" charset="0"/>
+              </a:rPr>
+              <a:t>Categories of Steganography</a:t>
+            </a:r>
+            <a:endParaRPr lang="en-IN" dirty="0">
+              <a:latin typeface="Algerian" panose="04020705040A02060702" pitchFamily="82" charset="0"/>
+            </a:endParaRPr>
+          </a:p>
+        </p:txBody>
+      </p:sp>
+      <p:pic>
+        <p:nvPicPr>
+          <p:cNvPr id="4" name="Content Placeholder 3"/>
+          <p:cNvPicPr>
+            <a:picLocks noGrp="1" noChangeAspect="1"/>
+          </p:cNvPicPr>
+          <p:nvPr>
+            <p:ph idx="1"/>
+          </p:nvPr>
+        </p:nvPicPr>
+        <p:blipFill>
+          <a:blip r:embed="rId2" cstate="print">
+            <a:extLst>
+              <a:ext uri="{28A0092B-C50C-407E-A947-70E740481C1C}">
+                <a14:useLocalDpi xmlns:a14="http://schemas.microsoft.com/office/drawing/2010/main" xmlns="" val="0"/>
+              </a:ext>
+            </a:extLst>
+          </a:blip>
+          <a:stretch>
+            <a:fillRect/>
+          </a:stretch>
+        </p:blipFill>
+        <p:spPr>
+          <a:xfrm>
+            <a:off x="2623365" y="1518308"/>
+            <a:ext cx="8855610" cy="4891919"/>
+          </a:xfrm>
+          <a:prstGeom prst="roundRect">
+            <a:avLst>
+              <a:gd name="adj" fmla="val 4167"/>
+            </a:avLst>
+          </a:prstGeom>
+          <a:solidFill>
+            <a:srgbClr val="FFFFFF"/>
+          </a:solidFill>
+          <a:ln w="76200" cap="sq">
+            <a:solidFill>
+              <a:srgbClr val="292929"/>
+            </a:solidFill>
+            <a:miter lim="800000"/>
+          </a:ln>
+          <a:effectLst>
+            <a:reflection blurRad="12700" stA="28000" endPos="28000" dist="5000" dir="5400000" sy="-100000" algn="bl" rotWithShape="0"/>
+          </a:effectLst>
+          <a:scene3d>
+            <a:camera prst="orthographicFront"/>
+            <a:lightRig rig="threePt" dir="t">
+              <a:rot lat="0" lon="0" rev="2700000"/>
+            </a:lightRig>
+          </a:scene3d>
+          <a:sp3d>
+            <a:bevelT h="38100"/>
+            <a:contourClr>
+              <a:srgbClr val="C0C0C0"/>
+            </a:contourClr>
+          </a:sp3d>
+        </p:spPr>
+      </p:pic>
+    </p:spTree>
+    <p:extLst>
+      <p:ext uri="{BB962C8B-B14F-4D97-AF65-F5344CB8AC3E}">
+        <p14:creationId xmlns:p14="http://schemas.microsoft.com/office/powerpoint/2010/main" xmlns="" val="551090893"/>
+      </p:ext>
+    </p:extLst>
+  </p:cSld>
+  <p:clrMapOvr>
+    <a:masterClrMapping/>
+  </p:clrMapOvr>
+  <p:timing>
+    <p:tnLst>
+      <p:par>
+        <p:cTn id="1" dur="indefinite" restart="never" nodeType="tmRoot"/>
+      </p:par>
+    </p:tnLst>
+  </p:timing>
+</p:sld>
+</file>
+
+<file path=ppt/slides/slide30.xml><?xml version="1.0" encoding="utf-8"?>
 <p:sld xmlns:a="http://schemas.openxmlformats.org/drawingml/2006/main" xmlns:r="http://schemas.openxmlformats.org/officeDocument/2006/relationships" xmlns:p="http://schemas.openxmlformats.org/presentationml/2006/main">
   <p:cSld>
     <p:spTree>
@@ -13203,7 +13621,7 @@
 </p:sld>
 </file>
 
-<file path=ppt/slides/slide29.xml><?xml version="1.0" encoding="utf-8"?>
+<file path=ppt/slides/slide31.xml><?xml version="1.0" encoding="utf-8"?>
 <p:sld xmlns:a="http://schemas.openxmlformats.org/drawingml/2006/main" xmlns:r="http://schemas.openxmlformats.org/officeDocument/2006/relationships" xmlns:p="http://schemas.openxmlformats.org/presentationml/2006/main">
   <p:cSld>
     <p:spTree>
@@ -13742,7 +14160,7 @@
     </p:spTree>
     <p:extLst>
       <p:ext uri="{BB962C8B-B14F-4D97-AF65-F5344CB8AC3E}">
-        <p14:creationId xmlns:p14="http://schemas.microsoft.com/office/powerpoint/2010/main" val="1361238431"/>
+        <p14:creationId xmlns:p14="http://schemas.microsoft.com/office/powerpoint/2010/main" xmlns="" val="1361238431"/>
       </p:ext>
     </p:extLst>
   </p:cSld>
@@ -13759,7 +14177,7 @@
 </p:sld>
 </file>
 
-<file path=ppt/slides/slide3.xml><?xml version="1.0" encoding="utf-8"?>
+<file path=ppt/slides/slide32.xml><?xml version="1.0" encoding="utf-8"?>
 <p:sld xmlns:a="http://schemas.openxmlformats.org/drawingml/2006/main" xmlns:r="http://schemas.openxmlformats.org/officeDocument/2006/relationships" xmlns:p="http://schemas.openxmlformats.org/presentationml/2006/main">
   <p:cSld>
     <p:spTree>
@@ -13778,7 +14196,7 @@
       </p:grpSpPr>
       <p:sp>
         <p:nvSpPr>
-          <p:cNvPr id="2" name="Title 1"/>
+          <p:cNvPr id="4" name="Title 3"/>
           <p:cNvSpPr>
             <a:spLocks noGrp="1"/>
           </p:cNvSpPr>
@@ -13788,8 +14206,8 @@
         </p:nvSpPr>
         <p:spPr>
           <a:xfrm>
-            <a:off x="2567288" y="624110"/>
-            <a:ext cx="8911687" cy="1280890"/>
+            <a:off x="1687399" y="624110"/>
+            <a:ext cx="9817214" cy="667362"/>
           </a:xfrm>
         </p:spPr>
         <p:txBody>
@@ -13798,10 +14216,10 @@
           <a:p>
             <a:pPr algn="ctr"/>
             <a:r>
-              <a:rPr lang="en-US" dirty="0">
+              <a:rPr lang="en-US" dirty="0" smtClean="0">
                 <a:latin typeface="Algerian" panose="04020705040A02060702" pitchFamily="82" charset="0"/>
               </a:rPr>
-              <a:t>Categories of Steganography</a:t>
+              <a:t>Conclusion </a:t>
             </a:r>
             <a:endParaRPr lang="en-IN" dirty="0">
               <a:latin typeface="Algerian" panose="04020705040A02060702" pitchFamily="82" charset="0"/>
@@ -13809,68 +14227,1042 @@
           </a:p>
         </p:txBody>
       </p:sp>
-      <p:pic>
-        <p:nvPicPr>
-          <p:cNvPr id="4" name="Content Placeholder 3"/>
-          <p:cNvPicPr>
-            <a:picLocks noGrp="1" noChangeAspect="1"/>
-          </p:cNvPicPr>
+      <p:sp>
+        <p:nvSpPr>
+          <p:cNvPr id="5" name="Content Placeholder 4"/>
+          <p:cNvSpPr>
+            <a:spLocks noGrp="1"/>
+          </p:cNvSpPr>
           <p:nvPr>
             <p:ph idx="1"/>
           </p:nvPr>
-        </p:nvPicPr>
-        <p:blipFill>
-          <a:blip r:embed="rId2" cstate="print">
-            <a:extLst>
-              <a:ext uri="{28A0092B-C50C-407E-A947-70E740481C1C}">
-                <a14:useLocalDpi xmlns:a14="http://schemas.microsoft.com/office/drawing/2010/main" val="0"/>
-              </a:ext>
-            </a:extLst>
-          </a:blip>
-          <a:stretch>
-            <a:fillRect/>
-          </a:stretch>
-        </p:blipFill>
+        </p:nvSpPr>
         <p:spPr>
           <a:xfrm>
-            <a:off x="2623365" y="1518308"/>
-            <a:ext cx="8855610" cy="4891919"/>
-          </a:xfrm>
-          <a:prstGeom prst="roundRect">
-            <a:avLst>
-              <a:gd name="adj" fmla="val 4167"/>
-            </a:avLst>
-          </a:prstGeom>
-          <a:solidFill>
-            <a:srgbClr val="FFFFFF"/>
-          </a:solidFill>
-          <a:ln w="76200" cap="sq">
-            <a:solidFill>
-              <a:srgbClr val="292929"/>
-            </a:solidFill>
-            <a:miter lim="800000"/>
-          </a:ln>
-          <a:effectLst>
-            <a:reflection blurRad="12700" stA="28000" endPos="28000" dist="5000" dir="5400000" sy="-100000" algn="bl" rotWithShape="0"/>
-          </a:effectLst>
-          <a:scene3d>
-            <a:camera prst="orthographicFront"/>
-            <a:lightRig rig="threePt" dir="t">
-              <a:rot lat="0" lon="0" rev="2700000"/>
-            </a:lightRig>
-          </a:scene3d>
-          <a:sp3d>
-            <a:bevelT h="38100"/>
-            <a:contourClr>
-              <a:srgbClr val="C0C0C0"/>
-            </a:contourClr>
-          </a:sp3d>
-        </p:spPr>
-      </p:pic>
+            <a:off x="1717376" y="1559666"/>
+            <a:ext cx="9732373" cy="5069734"/>
+          </a:xfrm>
+        </p:spPr>
+        <p:txBody>
+          <a:bodyPr/>
+          <a:lstStyle/>
+          <a:p>
+            <a:pPr marL="0">
+              <a:lnSpc>
+                <a:spcPts val="3096"/>
+              </a:lnSpc>
+              <a:spcBef>
+                <a:spcPts val="0"/>
+              </a:spcBef>
+            </a:pPr>
+            <a:r>
+              <a:rPr lang="en-US" sz="2800" dirty="0" smtClean="0">
+                <a:solidFill>
+                  <a:schemeClr val="tx1"/>
+                </a:solidFill>
+                <a:latin typeface="Arial" pitchFamily="34" charset="0"/>
+                <a:cs typeface="Arial" pitchFamily="34" charset="0"/>
+              </a:rPr>
+              <a:t>Steganography</a:t>
+            </a:r>
+            <a:r>
+              <a:rPr lang="en-US" sz="2800" spc="192" dirty="0" smtClean="0">
+                <a:solidFill>
+                  <a:schemeClr val="tx1"/>
+                </a:solidFill>
+                <a:latin typeface="Arial" pitchFamily="34" charset="0"/>
+                <a:cs typeface="Arial" pitchFamily="34" charset="0"/>
+              </a:rPr>
+              <a:t> </a:t>
+            </a:r>
+            <a:r>
+              <a:rPr lang="en-US" sz="2800" dirty="0" smtClean="0">
+                <a:solidFill>
+                  <a:schemeClr val="tx1"/>
+                </a:solidFill>
+                <a:latin typeface="Arial" pitchFamily="34" charset="0"/>
+                <a:cs typeface="Arial" pitchFamily="34" charset="0"/>
+              </a:rPr>
+              <a:t>is</a:t>
+            </a:r>
+            <a:r>
+              <a:rPr lang="en-US" sz="2800" spc="173" dirty="0" smtClean="0">
+                <a:solidFill>
+                  <a:schemeClr val="tx1"/>
+                </a:solidFill>
+                <a:latin typeface="Arial" pitchFamily="34" charset="0"/>
+                <a:cs typeface="Arial" pitchFamily="34" charset="0"/>
+              </a:rPr>
+              <a:t> </a:t>
+            </a:r>
+            <a:r>
+              <a:rPr lang="en-US" sz="2800" dirty="0" smtClean="0">
+                <a:solidFill>
+                  <a:schemeClr val="tx1"/>
+                </a:solidFill>
+                <a:latin typeface="Arial" pitchFamily="34" charset="0"/>
+                <a:cs typeface="Arial" pitchFamily="34" charset="0"/>
+              </a:rPr>
+              <a:t>the</a:t>
+            </a:r>
+            <a:r>
+              <a:rPr lang="en-US" sz="2800" spc="166" dirty="0" smtClean="0">
+                <a:solidFill>
+                  <a:schemeClr val="tx1"/>
+                </a:solidFill>
+                <a:latin typeface="Arial" pitchFamily="34" charset="0"/>
+                <a:cs typeface="Arial" pitchFamily="34" charset="0"/>
+              </a:rPr>
+              <a:t> </a:t>
+            </a:r>
+            <a:r>
+              <a:rPr lang="en-US" sz="2800" dirty="0" smtClean="0">
+                <a:solidFill>
+                  <a:schemeClr val="tx1"/>
+                </a:solidFill>
+                <a:latin typeface="Arial" pitchFamily="34" charset="0"/>
+                <a:cs typeface="Arial" pitchFamily="34" charset="0"/>
+              </a:rPr>
+              <a:t>art</a:t>
+            </a:r>
+            <a:r>
+              <a:rPr lang="en-US" sz="2800" spc="178" dirty="0" smtClean="0">
+                <a:solidFill>
+                  <a:schemeClr val="tx1"/>
+                </a:solidFill>
+                <a:latin typeface="Arial" pitchFamily="34" charset="0"/>
+                <a:cs typeface="Arial" pitchFamily="34" charset="0"/>
+              </a:rPr>
+              <a:t> </a:t>
+            </a:r>
+            <a:r>
+              <a:rPr lang="en-US" sz="2800" dirty="0" smtClean="0">
+                <a:solidFill>
+                  <a:schemeClr val="tx1"/>
+                </a:solidFill>
+                <a:latin typeface="Arial" pitchFamily="34" charset="0"/>
+                <a:cs typeface="Arial" pitchFamily="34" charset="0"/>
+              </a:rPr>
+              <a:t>and</a:t>
+            </a:r>
+            <a:r>
+              <a:rPr lang="en-US" sz="2800" spc="185" dirty="0" smtClean="0">
+                <a:solidFill>
+                  <a:schemeClr val="tx1"/>
+                </a:solidFill>
+                <a:latin typeface="Arial" pitchFamily="34" charset="0"/>
+                <a:cs typeface="Arial" pitchFamily="34" charset="0"/>
+              </a:rPr>
+              <a:t> </a:t>
+            </a:r>
+            <a:r>
+              <a:rPr lang="en-US" sz="2800" dirty="0" smtClean="0">
+                <a:solidFill>
+                  <a:schemeClr val="tx1"/>
+                </a:solidFill>
+                <a:latin typeface="Arial" pitchFamily="34" charset="0"/>
+                <a:cs typeface="Arial" pitchFamily="34" charset="0"/>
+              </a:rPr>
+              <a:t>science</a:t>
+            </a:r>
+            <a:r>
+              <a:rPr lang="en-US" sz="2800" spc="162" dirty="0" smtClean="0">
+                <a:solidFill>
+                  <a:schemeClr val="tx1"/>
+                </a:solidFill>
+                <a:latin typeface="Arial" pitchFamily="34" charset="0"/>
+                <a:cs typeface="Arial" pitchFamily="34" charset="0"/>
+              </a:rPr>
+              <a:t> </a:t>
+            </a:r>
+            <a:r>
+              <a:rPr lang="en-US" sz="2800" dirty="0" smtClean="0">
+                <a:solidFill>
+                  <a:schemeClr val="tx1"/>
+                </a:solidFill>
+                <a:latin typeface="Arial" pitchFamily="34" charset="0"/>
+                <a:cs typeface="Arial" pitchFamily="34" charset="0"/>
+              </a:rPr>
+              <a:t>of</a:t>
+            </a:r>
+            <a:r>
+              <a:rPr lang="en-US" sz="2800" spc="189" dirty="0" smtClean="0">
+                <a:solidFill>
+                  <a:schemeClr val="tx1"/>
+                </a:solidFill>
+                <a:latin typeface="Arial" pitchFamily="34" charset="0"/>
+                <a:cs typeface="Arial" pitchFamily="34" charset="0"/>
+              </a:rPr>
+              <a:t> </a:t>
+            </a:r>
+            <a:r>
+              <a:rPr lang="en-US" sz="2800" dirty="0" smtClean="0">
+                <a:solidFill>
+                  <a:schemeClr val="tx1"/>
+                </a:solidFill>
+                <a:latin typeface="Arial" pitchFamily="34" charset="0"/>
+                <a:cs typeface="Arial" pitchFamily="34" charset="0"/>
+              </a:rPr>
+              <a:t>writing hidden</a:t>
+            </a:r>
+            <a:r>
+              <a:rPr lang="en-US" sz="2800" spc="1031" dirty="0" smtClean="0">
+                <a:solidFill>
+                  <a:schemeClr val="tx1"/>
+                </a:solidFill>
+                <a:latin typeface="Arial" pitchFamily="34" charset="0"/>
+                <a:cs typeface="Arial" pitchFamily="34" charset="0"/>
+              </a:rPr>
+              <a:t> </a:t>
+            </a:r>
+            <a:r>
+              <a:rPr lang="en-US" sz="2800" dirty="0" smtClean="0">
+                <a:solidFill>
+                  <a:schemeClr val="tx1"/>
+                </a:solidFill>
+                <a:latin typeface="Arial" pitchFamily="34" charset="0"/>
+                <a:cs typeface="Arial" pitchFamily="34" charset="0"/>
+              </a:rPr>
+              <a:t>message</a:t>
+            </a:r>
+            <a:r>
+              <a:rPr lang="en-US" sz="2800" spc="1017" dirty="0" smtClean="0">
+                <a:solidFill>
+                  <a:schemeClr val="tx1"/>
+                </a:solidFill>
+                <a:latin typeface="Arial" pitchFamily="34" charset="0"/>
+                <a:cs typeface="Arial" pitchFamily="34" charset="0"/>
+              </a:rPr>
+              <a:t> </a:t>
+            </a:r>
+            <a:r>
+              <a:rPr lang="en-US" sz="2800" dirty="0" smtClean="0">
+                <a:solidFill>
+                  <a:schemeClr val="tx1"/>
+                </a:solidFill>
+                <a:latin typeface="Arial" pitchFamily="34" charset="0"/>
+                <a:cs typeface="Arial" pitchFamily="34" charset="0"/>
+              </a:rPr>
+              <a:t>that</a:t>
+            </a:r>
+            <a:r>
+              <a:rPr lang="en-US" sz="2800" spc="1022" dirty="0" smtClean="0">
+                <a:solidFill>
+                  <a:schemeClr val="tx1"/>
+                </a:solidFill>
+                <a:latin typeface="Arial" pitchFamily="34" charset="0"/>
+                <a:cs typeface="Arial" pitchFamily="34" charset="0"/>
+              </a:rPr>
+              <a:t> </a:t>
+            </a:r>
+            <a:r>
+              <a:rPr lang="en-US" sz="2800" dirty="0" smtClean="0">
+                <a:solidFill>
+                  <a:schemeClr val="tx1"/>
+                </a:solidFill>
+                <a:latin typeface="Arial" pitchFamily="34" charset="0"/>
+                <a:cs typeface="Arial" pitchFamily="34" charset="0"/>
+              </a:rPr>
+              <a:t>no</a:t>
+            </a:r>
+            <a:r>
+              <a:rPr lang="en-US" sz="2800" spc="1015" dirty="0" smtClean="0">
+                <a:solidFill>
+                  <a:schemeClr val="tx1"/>
+                </a:solidFill>
+                <a:latin typeface="Arial" pitchFamily="34" charset="0"/>
+                <a:cs typeface="Arial" pitchFamily="34" charset="0"/>
+              </a:rPr>
+              <a:t> </a:t>
+            </a:r>
+            <a:r>
+              <a:rPr lang="en-US" sz="2800" dirty="0" smtClean="0">
+                <a:solidFill>
+                  <a:schemeClr val="tx1"/>
+                </a:solidFill>
+                <a:latin typeface="Arial" pitchFamily="34" charset="0"/>
+                <a:cs typeface="Arial" pitchFamily="34" charset="0"/>
+              </a:rPr>
+              <a:t>one</a:t>
+            </a:r>
+            <a:r>
+              <a:rPr lang="en-US" sz="2800" spc="1006" dirty="0" smtClean="0">
+                <a:solidFill>
+                  <a:schemeClr val="tx1"/>
+                </a:solidFill>
+                <a:latin typeface="Arial" pitchFamily="34" charset="0"/>
+                <a:cs typeface="Arial" pitchFamily="34" charset="0"/>
+              </a:rPr>
+              <a:t> </a:t>
+            </a:r>
+            <a:r>
+              <a:rPr lang="en-US" sz="2800" dirty="0" smtClean="0">
+                <a:solidFill>
+                  <a:schemeClr val="tx1"/>
+                </a:solidFill>
+                <a:latin typeface="Arial" pitchFamily="34" charset="0"/>
+                <a:cs typeface="Arial" pitchFamily="34" charset="0"/>
+              </a:rPr>
+              <a:t>apart</a:t>
+            </a:r>
+            <a:r>
+              <a:rPr lang="en-US" sz="2800" spc="1019" dirty="0" smtClean="0">
+                <a:solidFill>
+                  <a:schemeClr val="tx1"/>
+                </a:solidFill>
+                <a:latin typeface="Arial" pitchFamily="34" charset="0"/>
+                <a:cs typeface="Arial" pitchFamily="34" charset="0"/>
+              </a:rPr>
+              <a:t> </a:t>
+            </a:r>
+            <a:r>
+              <a:rPr lang="en-US" sz="2800" dirty="0" smtClean="0">
+                <a:solidFill>
+                  <a:schemeClr val="tx1"/>
+                </a:solidFill>
+                <a:latin typeface="Arial" pitchFamily="34" charset="0"/>
+                <a:cs typeface="Arial" pitchFamily="34" charset="0"/>
+              </a:rPr>
+              <a:t>from</a:t>
+            </a:r>
+            <a:r>
+              <a:rPr lang="en-US" sz="2800" spc="1006" dirty="0" smtClean="0">
+                <a:solidFill>
+                  <a:schemeClr val="tx1"/>
+                </a:solidFill>
+                <a:latin typeface="Arial" pitchFamily="34" charset="0"/>
+                <a:cs typeface="Arial" pitchFamily="34" charset="0"/>
+              </a:rPr>
+              <a:t> </a:t>
+            </a:r>
+            <a:r>
+              <a:rPr lang="en-US" sz="2800" dirty="0" smtClean="0">
+                <a:solidFill>
+                  <a:schemeClr val="tx1"/>
+                </a:solidFill>
+                <a:latin typeface="Arial" pitchFamily="34" charset="0"/>
+                <a:cs typeface="Arial" pitchFamily="34" charset="0"/>
+              </a:rPr>
+              <a:t>the sender</a:t>
+            </a:r>
+            <a:r>
+              <a:rPr lang="en-US" sz="2800" spc="147" dirty="0" smtClean="0">
+                <a:solidFill>
+                  <a:schemeClr val="tx1"/>
+                </a:solidFill>
+                <a:latin typeface="Arial" pitchFamily="34" charset="0"/>
+                <a:cs typeface="Arial" pitchFamily="34" charset="0"/>
+              </a:rPr>
+              <a:t> </a:t>
+            </a:r>
+            <a:r>
+              <a:rPr lang="en-US" sz="2800" dirty="0" smtClean="0">
+                <a:solidFill>
+                  <a:schemeClr val="tx1"/>
+                </a:solidFill>
+                <a:latin typeface="Arial" pitchFamily="34" charset="0"/>
+                <a:cs typeface="Arial" pitchFamily="34" charset="0"/>
+              </a:rPr>
+              <a:t>and</a:t>
+            </a:r>
+            <a:r>
+              <a:rPr lang="en-US" sz="2800" spc="130" dirty="0" smtClean="0">
+                <a:solidFill>
+                  <a:schemeClr val="tx1"/>
+                </a:solidFill>
+                <a:latin typeface="Arial" pitchFamily="34" charset="0"/>
+                <a:cs typeface="Arial" pitchFamily="34" charset="0"/>
+              </a:rPr>
+              <a:t> </a:t>
+            </a:r>
+            <a:r>
+              <a:rPr lang="en-US" sz="2800" spc="-15" dirty="0" smtClean="0">
+                <a:solidFill>
+                  <a:schemeClr val="tx1"/>
+                </a:solidFill>
+                <a:latin typeface="Arial" pitchFamily="34" charset="0"/>
+                <a:cs typeface="Arial" pitchFamily="34" charset="0"/>
+              </a:rPr>
+              <a:t>receiver,</a:t>
+            </a:r>
+            <a:r>
+              <a:rPr lang="en-US" sz="2800" spc="151" dirty="0" smtClean="0">
+                <a:solidFill>
+                  <a:schemeClr val="tx1"/>
+                </a:solidFill>
+                <a:latin typeface="Arial" pitchFamily="34" charset="0"/>
+                <a:cs typeface="Arial" pitchFamily="34" charset="0"/>
+              </a:rPr>
+              <a:t> </a:t>
+            </a:r>
+            <a:r>
+              <a:rPr lang="en-US" sz="2800" dirty="0" smtClean="0">
+                <a:solidFill>
+                  <a:schemeClr val="tx1"/>
+                </a:solidFill>
+                <a:latin typeface="Arial" pitchFamily="34" charset="0"/>
+                <a:cs typeface="Arial" pitchFamily="34" charset="0"/>
+              </a:rPr>
+              <a:t>suspect</a:t>
+            </a:r>
+            <a:r>
+              <a:rPr lang="en-US" sz="2800" spc="150" dirty="0" smtClean="0">
+                <a:solidFill>
+                  <a:schemeClr val="tx1"/>
+                </a:solidFill>
+                <a:latin typeface="Arial" pitchFamily="34" charset="0"/>
+                <a:cs typeface="Arial" pitchFamily="34" charset="0"/>
+              </a:rPr>
+              <a:t> </a:t>
+            </a:r>
+            <a:r>
+              <a:rPr lang="en-US" sz="2800" dirty="0" smtClean="0">
+                <a:solidFill>
+                  <a:schemeClr val="tx1"/>
+                </a:solidFill>
+                <a:latin typeface="Arial" pitchFamily="34" charset="0"/>
+                <a:cs typeface="Arial" pitchFamily="34" charset="0"/>
+              </a:rPr>
+              <a:t>the</a:t>
+            </a:r>
+            <a:r>
+              <a:rPr lang="en-US" sz="2800" spc="127" dirty="0" smtClean="0">
+                <a:solidFill>
+                  <a:schemeClr val="tx1"/>
+                </a:solidFill>
+                <a:latin typeface="Arial" pitchFamily="34" charset="0"/>
+                <a:cs typeface="Arial" pitchFamily="34" charset="0"/>
+              </a:rPr>
+              <a:t> </a:t>
+            </a:r>
+            <a:r>
+              <a:rPr lang="en-US" sz="2800" dirty="0" smtClean="0">
+                <a:solidFill>
+                  <a:schemeClr val="tx1"/>
+                </a:solidFill>
+                <a:latin typeface="Arial" pitchFamily="34" charset="0"/>
+                <a:cs typeface="Arial" pitchFamily="34" charset="0"/>
+              </a:rPr>
+              <a:t>existence</a:t>
+            </a:r>
+            <a:r>
+              <a:rPr lang="en-US" sz="2800" spc="140" dirty="0" smtClean="0">
+                <a:solidFill>
+                  <a:schemeClr val="tx1"/>
+                </a:solidFill>
+                <a:latin typeface="Arial" pitchFamily="34" charset="0"/>
+                <a:cs typeface="Arial" pitchFamily="34" charset="0"/>
+              </a:rPr>
+              <a:t> </a:t>
+            </a:r>
+            <a:r>
+              <a:rPr lang="en-US" sz="2800" dirty="0" smtClean="0">
+                <a:solidFill>
+                  <a:schemeClr val="tx1"/>
+                </a:solidFill>
+                <a:latin typeface="Arial" pitchFamily="34" charset="0"/>
+                <a:cs typeface="Arial" pitchFamily="34" charset="0"/>
+              </a:rPr>
+              <a:t>of</a:t>
+            </a:r>
+            <a:r>
+              <a:rPr lang="en-US" sz="2800" spc="139" dirty="0" smtClean="0">
+                <a:solidFill>
+                  <a:schemeClr val="tx1"/>
+                </a:solidFill>
+                <a:latin typeface="Arial" pitchFamily="34" charset="0"/>
+                <a:cs typeface="Arial" pitchFamily="34" charset="0"/>
+              </a:rPr>
+              <a:t> </a:t>
+            </a:r>
+            <a:r>
+              <a:rPr lang="en-US" sz="2800" dirty="0" smtClean="0">
+                <a:solidFill>
+                  <a:schemeClr val="tx1"/>
+                </a:solidFill>
+                <a:latin typeface="Arial" pitchFamily="34" charset="0"/>
+                <a:cs typeface="Arial" pitchFamily="34" charset="0"/>
+              </a:rPr>
+              <a:t>the message.</a:t>
+            </a:r>
+          </a:p>
+          <a:p>
+            <a:pPr marL="0">
+              <a:lnSpc>
+                <a:spcPts val="3096"/>
+              </a:lnSpc>
+              <a:spcBef>
+                <a:spcPts val="0"/>
+              </a:spcBef>
+            </a:pPr>
+            <a:endParaRPr lang="en-US" sz="2800" dirty="0" smtClean="0">
+              <a:solidFill>
+                <a:schemeClr val="tx1"/>
+              </a:solidFill>
+              <a:latin typeface="Arial" pitchFamily="34" charset="0"/>
+              <a:cs typeface="Arial" pitchFamily="34" charset="0"/>
+            </a:endParaRPr>
+          </a:p>
+          <a:p>
+            <a:pPr marL="0">
+              <a:lnSpc>
+                <a:spcPts val="3096"/>
+              </a:lnSpc>
+              <a:spcBef>
+                <a:spcPts val="0"/>
+              </a:spcBef>
+            </a:pPr>
+            <a:r>
+              <a:rPr lang="en-US" sz="2800" spc="-15" dirty="0" smtClean="0">
+                <a:solidFill>
+                  <a:schemeClr val="tx1"/>
+                </a:solidFill>
+                <a:latin typeface="Arial" pitchFamily="34" charset="0"/>
+                <a:cs typeface="Arial" pitchFamily="34" charset="0"/>
+              </a:rPr>
+              <a:t>LSB is the  simple method but BPCS is highly secured way of hiding the data in cover image</a:t>
+            </a:r>
+            <a:r>
+              <a:rPr lang="en-US" sz="2800" dirty="0" smtClean="0">
+                <a:solidFill>
+                  <a:schemeClr val="tx1"/>
+                </a:solidFill>
+                <a:latin typeface="Arial" pitchFamily="34" charset="0"/>
+                <a:cs typeface="Arial" pitchFamily="34" charset="0"/>
+              </a:rPr>
+              <a:t>.</a:t>
+            </a:r>
+            <a:r>
+              <a:rPr lang="en-US" sz="2800" spc="268" dirty="0" smtClean="0">
+                <a:solidFill>
+                  <a:schemeClr val="tx1"/>
+                </a:solidFill>
+                <a:latin typeface="Arial" pitchFamily="34" charset="0"/>
+                <a:cs typeface="Arial" pitchFamily="34" charset="0"/>
+              </a:rPr>
+              <a:t> </a:t>
+            </a:r>
+            <a:r>
+              <a:rPr lang="en-US" sz="2800" spc="-198" dirty="0" smtClean="0">
+                <a:solidFill>
+                  <a:schemeClr val="tx1"/>
+                </a:solidFill>
+                <a:latin typeface="Arial" pitchFamily="34" charset="0"/>
+                <a:cs typeface="Arial" pitchFamily="34" charset="0"/>
+              </a:rPr>
+              <a:t>To  </a:t>
+            </a:r>
+            <a:r>
+              <a:rPr lang="en-US" sz="2800" dirty="0" smtClean="0">
+                <a:solidFill>
+                  <a:schemeClr val="tx1"/>
+                </a:solidFill>
+                <a:latin typeface="Arial" pitchFamily="34" charset="0"/>
+                <a:cs typeface="Arial" pitchFamily="34" charset="0"/>
+              </a:rPr>
+              <a:t>provide</a:t>
+            </a:r>
+            <a:r>
+              <a:rPr lang="en-US" sz="2800" spc="2142" dirty="0" smtClean="0">
+                <a:solidFill>
+                  <a:schemeClr val="tx1"/>
+                </a:solidFill>
+                <a:latin typeface="Arial" pitchFamily="34" charset="0"/>
+                <a:cs typeface="Arial" pitchFamily="34" charset="0"/>
+              </a:rPr>
+              <a:t> </a:t>
+            </a:r>
+            <a:r>
+              <a:rPr lang="en-US" sz="2800" dirty="0" smtClean="0">
+                <a:solidFill>
+                  <a:schemeClr val="tx1"/>
+                </a:solidFill>
+                <a:latin typeface="Arial" pitchFamily="34" charset="0"/>
+                <a:cs typeface="Arial" pitchFamily="34" charset="0"/>
+              </a:rPr>
+              <a:t>high</a:t>
+            </a:r>
+            <a:r>
+              <a:rPr lang="en-US" sz="2800" spc="2138" dirty="0" smtClean="0">
+                <a:solidFill>
+                  <a:schemeClr val="tx1"/>
+                </a:solidFill>
+                <a:latin typeface="Arial" pitchFamily="34" charset="0"/>
+                <a:cs typeface="Arial" pitchFamily="34" charset="0"/>
+              </a:rPr>
+              <a:t> </a:t>
+            </a:r>
+            <a:r>
+              <a:rPr lang="en-US" sz="2800" dirty="0" smtClean="0">
+                <a:solidFill>
+                  <a:schemeClr val="tx1"/>
+                </a:solidFill>
+                <a:latin typeface="Arial" pitchFamily="34" charset="0"/>
+                <a:cs typeface="Arial" pitchFamily="34" charset="0"/>
+              </a:rPr>
+              <a:t>security</a:t>
+            </a:r>
+            <a:r>
+              <a:rPr lang="en-US" sz="2800" spc="2146" dirty="0" smtClean="0">
+                <a:solidFill>
+                  <a:schemeClr val="tx1"/>
+                </a:solidFill>
+                <a:latin typeface="Arial" pitchFamily="34" charset="0"/>
+                <a:cs typeface="Arial" pitchFamily="34" charset="0"/>
+              </a:rPr>
+              <a:t> </a:t>
+            </a:r>
+            <a:r>
+              <a:rPr lang="en-US" sz="2800" dirty="0" smtClean="0">
+                <a:solidFill>
+                  <a:schemeClr val="tx1"/>
+                </a:solidFill>
+                <a:latin typeface="Arial" pitchFamily="34" charset="0"/>
+                <a:cs typeface="Arial" pitchFamily="34" charset="0"/>
+              </a:rPr>
+              <a:t>Steganography we also provided 4 digits key option to encrypt your data.</a:t>
+            </a:r>
+          </a:p>
+          <a:p>
+            <a:pPr marL="0">
+              <a:lnSpc>
+                <a:spcPts val="3096"/>
+              </a:lnSpc>
+              <a:spcBef>
+                <a:spcPts val="0"/>
+              </a:spcBef>
+            </a:pPr>
+            <a:endParaRPr lang="en-US" sz="2800" spc="2143" dirty="0" smtClean="0">
+              <a:solidFill>
+                <a:schemeClr val="tx1"/>
+              </a:solidFill>
+              <a:latin typeface="Arial" pitchFamily="34" charset="0"/>
+              <a:cs typeface="Arial" pitchFamily="34" charset="0"/>
+            </a:endParaRPr>
+          </a:p>
+          <a:p>
+            <a:pPr marL="0">
+              <a:lnSpc>
+                <a:spcPts val="3096"/>
+              </a:lnSpc>
+              <a:spcBef>
+                <a:spcPts val="0"/>
+              </a:spcBef>
+            </a:pPr>
+            <a:r>
+              <a:rPr lang="en-US" sz="2800" spc="-11" dirty="0" smtClean="0">
+                <a:solidFill>
+                  <a:schemeClr val="tx1"/>
+                </a:solidFill>
+                <a:latin typeface="Arial" pitchFamily="34" charset="0"/>
+                <a:cs typeface="Arial" pitchFamily="34" charset="0"/>
+              </a:rPr>
+              <a:t>Larger</a:t>
+            </a:r>
+            <a:r>
+              <a:rPr lang="en-US" sz="2800" spc="888" dirty="0" smtClean="0">
+                <a:solidFill>
+                  <a:schemeClr val="tx1"/>
+                </a:solidFill>
+                <a:latin typeface="Arial" pitchFamily="34" charset="0"/>
+                <a:cs typeface="Arial" pitchFamily="34" charset="0"/>
+              </a:rPr>
+              <a:t> </a:t>
+            </a:r>
+            <a:r>
+              <a:rPr lang="en-US" sz="2800" dirty="0" smtClean="0">
+                <a:solidFill>
+                  <a:schemeClr val="tx1"/>
+                </a:solidFill>
+                <a:latin typeface="Arial" pitchFamily="34" charset="0"/>
+                <a:cs typeface="Arial" pitchFamily="34" charset="0"/>
+              </a:rPr>
+              <a:t>PSNR</a:t>
+            </a:r>
+            <a:r>
+              <a:rPr lang="en-US" sz="2800" spc="860" dirty="0" smtClean="0">
+                <a:solidFill>
+                  <a:schemeClr val="tx1"/>
+                </a:solidFill>
+                <a:latin typeface="Arial" pitchFamily="34" charset="0"/>
+                <a:cs typeface="Arial" pitchFamily="34" charset="0"/>
+              </a:rPr>
+              <a:t> </a:t>
+            </a:r>
+            <a:r>
+              <a:rPr lang="en-US" sz="2800" dirty="0" smtClean="0">
+                <a:solidFill>
+                  <a:schemeClr val="tx1"/>
+                </a:solidFill>
+                <a:latin typeface="Arial" pitchFamily="34" charset="0"/>
+                <a:cs typeface="Arial" pitchFamily="34" charset="0"/>
+              </a:rPr>
+              <a:t>indicates</a:t>
+            </a:r>
+            <a:r>
+              <a:rPr lang="en-US" sz="2800" spc="856" dirty="0" smtClean="0">
+                <a:solidFill>
+                  <a:schemeClr val="tx1"/>
+                </a:solidFill>
+                <a:latin typeface="Arial" pitchFamily="34" charset="0"/>
+                <a:cs typeface="Arial" pitchFamily="34" charset="0"/>
+              </a:rPr>
+              <a:t> </a:t>
+            </a:r>
+            <a:r>
+              <a:rPr lang="en-US" sz="2800" dirty="0" smtClean="0">
+                <a:solidFill>
+                  <a:schemeClr val="tx1"/>
+                </a:solidFill>
+                <a:latin typeface="Arial" pitchFamily="34" charset="0"/>
+                <a:cs typeface="Arial" pitchFamily="34" charset="0"/>
+              </a:rPr>
+              <a:t>the</a:t>
+            </a:r>
+            <a:r>
+              <a:rPr lang="en-US" sz="2800" spc="857" dirty="0" smtClean="0">
+                <a:solidFill>
+                  <a:schemeClr val="tx1"/>
+                </a:solidFill>
+                <a:latin typeface="Arial" pitchFamily="34" charset="0"/>
+                <a:cs typeface="Arial" pitchFamily="34" charset="0"/>
+              </a:rPr>
+              <a:t> </a:t>
+            </a:r>
+            <a:r>
+              <a:rPr lang="en-US" sz="2800" dirty="0" smtClean="0">
+                <a:solidFill>
+                  <a:schemeClr val="tx1"/>
+                </a:solidFill>
+                <a:latin typeface="Arial" pitchFamily="34" charset="0"/>
+                <a:cs typeface="Arial" pitchFamily="34" charset="0"/>
+              </a:rPr>
+              <a:t>higher</a:t>
+            </a:r>
+            <a:r>
+              <a:rPr lang="en-US" sz="2800" spc="864" dirty="0" smtClean="0">
+                <a:solidFill>
+                  <a:schemeClr val="tx1"/>
+                </a:solidFill>
+                <a:latin typeface="Arial" pitchFamily="34" charset="0"/>
+                <a:cs typeface="Arial" pitchFamily="34" charset="0"/>
+              </a:rPr>
+              <a:t> </a:t>
+            </a:r>
+            <a:r>
+              <a:rPr lang="en-US" sz="2800" dirty="0" smtClean="0">
+                <a:solidFill>
+                  <a:schemeClr val="tx1"/>
+                </a:solidFill>
+                <a:latin typeface="Arial" pitchFamily="34" charset="0"/>
+                <a:cs typeface="Arial" pitchFamily="34" charset="0"/>
+              </a:rPr>
+              <a:t>the</a:t>
+            </a:r>
+            <a:r>
+              <a:rPr lang="en-US" sz="2800" spc="844" dirty="0" smtClean="0">
+                <a:solidFill>
+                  <a:schemeClr val="tx1"/>
+                </a:solidFill>
+                <a:latin typeface="Arial" pitchFamily="34" charset="0"/>
+                <a:cs typeface="Arial" pitchFamily="34" charset="0"/>
+              </a:rPr>
+              <a:t> </a:t>
+            </a:r>
+            <a:r>
+              <a:rPr lang="en-US" sz="2800" dirty="0" smtClean="0">
+                <a:solidFill>
+                  <a:schemeClr val="tx1"/>
+                </a:solidFill>
+                <a:latin typeface="Arial" pitchFamily="34" charset="0"/>
+                <a:cs typeface="Arial" pitchFamily="34" charset="0"/>
+              </a:rPr>
+              <a:t>image quality.</a:t>
+            </a:r>
+            <a:r>
+              <a:rPr lang="en-US" sz="2800" spc="496" dirty="0" smtClean="0">
+                <a:solidFill>
+                  <a:schemeClr val="tx1"/>
+                </a:solidFill>
+                <a:latin typeface="Arial" pitchFamily="34" charset="0"/>
+                <a:cs typeface="Arial" pitchFamily="34" charset="0"/>
+              </a:rPr>
+              <a:t> </a:t>
+            </a:r>
+            <a:r>
+              <a:rPr lang="en-US" sz="2800" dirty="0" smtClean="0">
+                <a:solidFill>
+                  <a:schemeClr val="tx1"/>
+                </a:solidFill>
+                <a:latin typeface="Arial" pitchFamily="34" charset="0"/>
+                <a:cs typeface="Arial" pitchFamily="34" charset="0"/>
+              </a:rPr>
+              <a:t>A</a:t>
+            </a:r>
+            <a:r>
+              <a:rPr lang="en-US" sz="2800" spc="480" dirty="0" smtClean="0">
+                <a:solidFill>
+                  <a:schemeClr val="tx1"/>
+                </a:solidFill>
+                <a:latin typeface="Arial" pitchFamily="34" charset="0"/>
+                <a:cs typeface="Arial" pitchFamily="34" charset="0"/>
+              </a:rPr>
+              <a:t> </a:t>
+            </a:r>
+            <a:r>
+              <a:rPr lang="en-US" sz="2800" dirty="0" smtClean="0">
+                <a:solidFill>
+                  <a:schemeClr val="tx1"/>
+                </a:solidFill>
+                <a:latin typeface="Arial" pitchFamily="34" charset="0"/>
+                <a:cs typeface="Arial" pitchFamily="34" charset="0"/>
+              </a:rPr>
+              <a:t>smaller</a:t>
+            </a:r>
+            <a:r>
+              <a:rPr lang="en-US" sz="2800" spc="503" dirty="0" smtClean="0">
+                <a:solidFill>
+                  <a:schemeClr val="tx1"/>
+                </a:solidFill>
+                <a:latin typeface="Arial" pitchFamily="34" charset="0"/>
+                <a:cs typeface="Arial" pitchFamily="34" charset="0"/>
+              </a:rPr>
+              <a:t> </a:t>
+            </a:r>
+            <a:r>
+              <a:rPr lang="en-US" sz="2800" dirty="0" smtClean="0">
+                <a:solidFill>
+                  <a:schemeClr val="tx1"/>
+                </a:solidFill>
+                <a:latin typeface="Arial" pitchFamily="34" charset="0"/>
+                <a:cs typeface="Arial" pitchFamily="34" charset="0"/>
+              </a:rPr>
+              <a:t>PSNR</a:t>
+            </a:r>
+            <a:r>
+              <a:rPr lang="en-US" sz="2800" spc="509" dirty="0" smtClean="0">
+                <a:solidFill>
+                  <a:schemeClr val="tx1"/>
+                </a:solidFill>
+                <a:latin typeface="Arial" pitchFamily="34" charset="0"/>
+                <a:cs typeface="Arial" pitchFamily="34" charset="0"/>
+              </a:rPr>
+              <a:t> </a:t>
+            </a:r>
+            <a:r>
+              <a:rPr lang="en-US" sz="2800" dirty="0" smtClean="0">
+                <a:solidFill>
+                  <a:schemeClr val="tx1"/>
+                </a:solidFill>
+                <a:latin typeface="Arial" pitchFamily="34" charset="0"/>
+                <a:cs typeface="Arial" pitchFamily="34" charset="0"/>
+              </a:rPr>
+              <a:t>means</a:t>
+            </a:r>
+            <a:r>
+              <a:rPr lang="en-US" sz="2800" spc="503" dirty="0" smtClean="0">
+                <a:solidFill>
+                  <a:schemeClr val="tx1"/>
+                </a:solidFill>
+                <a:latin typeface="Arial" pitchFamily="34" charset="0"/>
+                <a:cs typeface="Arial" pitchFamily="34" charset="0"/>
+              </a:rPr>
+              <a:t> </a:t>
+            </a:r>
+            <a:r>
+              <a:rPr lang="en-US" sz="2800" dirty="0" smtClean="0">
+                <a:solidFill>
+                  <a:schemeClr val="tx1"/>
+                </a:solidFill>
+                <a:latin typeface="Arial" pitchFamily="34" charset="0"/>
+                <a:cs typeface="Arial" pitchFamily="34" charset="0"/>
+              </a:rPr>
+              <a:t>there</a:t>
+            </a:r>
+            <a:r>
+              <a:rPr lang="en-US" sz="2800" spc="498" dirty="0" smtClean="0">
+                <a:solidFill>
+                  <a:schemeClr val="tx1"/>
+                </a:solidFill>
+                <a:latin typeface="Arial" pitchFamily="34" charset="0"/>
+                <a:cs typeface="Arial" pitchFamily="34" charset="0"/>
+              </a:rPr>
+              <a:t> </a:t>
+            </a:r>
+            <a:r>
+              <a:rPr lang="en-US" sz="2800" spc="-10" dirty="0" smtClean="0">
+                <a:solidFill>
+                  <a:schemeClr val="tx1"/>
+                </a:solidFill>
+                <a:latin typeface="Arial" pitchFamily="34" charset="0"/>
+                <a:cs typeface="Arial" pitchFamily="34" charset="0"/>
+              </a:rPr>
+              <a:t>is</a:t>
+            </a:r>
+            <a:r>
+              <a:rPr lang="en-US" sz="2800" spc="511" dirty="0" smtClean="0">
+                <a:solidFill>
+                  <a:schemeClr val="tx1"/>
+                </a:solidFill>
+                <a:latin typeface="Arial" pitchFamily="34" charset="0"/>
+                <a:cs typeface="Arial" pitchFamily="34" charset="0"/>
+              </a:rPr>
+              <a:t> </a:t>
+            </a:r>
+            <a:r>
+              <a:rPr lang="en-US" sz="2800" dirty="0" smtClean="0">
+                <a:solidFill>
+                  <a:schemeClr val="tx1"/>
+                </a:solidFill>
+                <a:latin typeface="Arial" pitchFamily="34" charset="0"/>
+                <a:cs typeface="Arial" pitchFamily="34" charset="0"/>
+              </a:rPr>
+              <a:t>huge distortion</a:t>
+            </a:r>
+            <a:r>
+              <a:rPr lang="en-US" sz="2800" spc="1247" dirty="0" smtClean="0">
+                <a:solidFill>
+                  <a:schemeClr val="tx1"/>
+                </a:solidFill>
+                <a:latin typeface="Arial" pitchFamily="34" charset="0"/>
+                <a:cs typeface="Arial" pitchFamily="34" charset="0"/>
+              </a:rPr>
+              <a:t> </a:t>
+            </a:r>
+            <a:r>
+              <a:rPr lang="en-US" sz="2800" dirty="0" smtClean="0">
+                <a:solidFill>
+                  <a:schemeClr val="tx1"/>
+                </a:solidFill>
+                <a:latin typeface="Arial" pitchFamily="34" charset="0"/>
+                <a:cs typeface="Arial" pitchFamily="34" charset="0"/>
+              </a:rPr>
+              <a:t>between</a:t>
+            </a:r>
+            <a:r>
+              <a:rPr lang="en-US" sz="2800" spc="1265" dirty="0" smtClean="0">
+                <a:solidFill>
+                  <a:schemeClr val="tx1"/>
+                </a:solidFill>
+                <a:latin typeface="Arial" pitchFamily="34" charset="0"/>
+                <a:cs typeface="Arial" pitchFamily="34" charset="0"/>
+              </a:rPr>
+              <a:t> </a:t>
+            </a:r>
+            <a:r>
+              <a:rPr lang="en-US" sz="2800" dirty="0" smtClean="0">
+                <a:solidFill>
+                  <a:schemeClr val="tx1"/>
+                </a:solidFill>
+                <a:latin typeface="Arial" pitchFamily="34" charset="0"/>
+                <a:cs typeface="Arial" pitchFamily="34" charset="0"/>
+              </a:rPr>
+              <a:t>the</a:t>
+            </a:r>
+            <a:r>
+              <a:rPr lang="en-US" sz="2800" spc="1239" dirty="0" smtClean="0">
+                <a:solidFill>
+                  <a:schemeClr val="tx1"/>
+                </a:solidFill>
+                <a:latin typeface="Arial" pitchFamily="34" charset="0"/>
+                <a:cs typeface="Arial" pitchFamily="34" charset="0"/>
+              </a:rPr>
+              <a:t> </a:t>
+            </a:r>
+            <a:r>
+              <a:rPr lang="en-US" sz="2800" dirty="0" smtClean="0">
+                <a:solidFill>
+                  <a:schemeClr val="tx1"/>
+                </a:solidFill>
+                <a:latin typeface="Arial" pitchFamily="34" charset="0"/>
+                <a:cs typeface="Arial" pitchFamily="34" charset="0"/>
+              </a:rPr>
+              <a:t>cover-image</a:t>
+            </a:r>
+            <a:r>
+              <a:rPr lang="en-US" sz="2800" spc="1259" dirty="0" smtClean="0">
+                <a:solidFill>
+                  <a:schemeClr val="tx1"/>
+                </a:solidFill>
+                <a:latin typeface="Arial" pitchFamily="34" charset="0"/>
+                <a:cs typeface="Arial" pitchFamily="34" charset="0"/>
+              </a:rPr>
+              <a:t> </a:t>
+            </a:r>
+            <a:r>
+              <a:rPr lang="en-US" sz="2800" dirty="0" smtClean="0">
+                <a:solidFill>
+                  <a:schemeClr val="tx1"/>
+                </a:solidFill>
+                <a:latin typeface="Arial" pitchFamily="34" charset="0"/>
+                <a:cs typeface="Arial" pitchFamily="34" charset="0"/>
+              </a:rPr>
+              <a:t>and</a:t>
+            </a:r>
+            <a:r>
+              <a:rPr lang="en-US" sz="2800" spc="1252" dirty="0" smtClean="0">
+                <a:solidFill>
+                  <a:schemeClr val="tx1"/>
+                </a:solidFill>
+                <a:latin typeface="Arial" pitchFamily="34" charset="0"/>
+                <a:cs typeface="Arial" pitchFamily="34" charset="0"/>
+              </a:rPr>
+              <a:t> </a:t>
+            </a:r>
+            <a:r>
+              <a:rPr lang="en-US" sz="2800" dirty="0" smtClean="0">
+                <a:solidFill>
+                  <a:schemeClr val="tx1"/>
+                </a:solidFill>
+                <a:latin typeface="Arial" pitchFamily="34" charset="0"/>
+                <a:cs typeface="Arial" pitchFamily="34" charset="0"/>
+              </a:rPr>
+              <a:t>the stegano Image</a:t>
+            </a:r>
+          </a:p>
+          <a:p>
+            <a:pPr marL="0">
+              <a:lnSpc>
+                <a:spcPts val="3096"/>
+              </a:lnSpc>
+              <a:spcBef>
+                <a:spcPts val="0"/>
+              </a:spcBef>
+            </a:pPr>
+            <a:endParaRPr lang="en-US" dirty="0" smtClean="0">
+              <a:solidFill>
+                <a:srgbClr val="000000"/>
+              </a:solidFill>
+              <a:latin typeface="Times New Roman"/>
+              <a:cs typeface="Times New Roman"/>
+            </a:endParaRPr>
+          </a:p>
+          <a:p>
+            <a:pPr marL="0">
+              <a:lnSpc>
+                <a:spcPts val="3096"/>
+              </a:lnSpc>
+              <a:spcBef>
+                <a:spcPts val="0"/>
+              </a:spcBef>
+            </a:pPr>
+            <a:endParaRPr lang="en-US" dirty="0" smtClean="0">
+              <a:solidFill>
+                <a:srgbClr val="000000"/>
+              </a:solidFill>
+              <a:latin typeface="Times New Roman"/>
+              <a:cs typeface="Times New Roman"/>
+            </a:endParaRPr>
+          </a:p>
+          <a:p>
+            <a:endParaRPr lang="en-IN" dirty="0"/>
+          </a:p>
+        </p:txBody>
+      </p:sp>
     </p:spTree>
     <p:extLst>
       <p:ext uri="{BB962C8B-B14F-4D97-AF65-F5344CB8AC3E}">
-        <p14:creationId xmlns:p14="http://schemas.microsoft.com/office/powerpoint/2010/main" val="551090893"/>
+        <p14:creationId xmlns:p14="http://schemas.microsoft.com/office/powerpoint/2010/main" xmlns="" val="2347577460"/>
       </p:ext>
     </p:extLst>
   </p:cSld>
@@ -13887,7 +15279,7 @@
 </p:sld>
 </file>
 
-<file path=ppt/slides/slide30.xml><?xml version="1.0" encoding="utf-8"?>
+<file path=ppt/slides/slide33.xml><?xml version="1.0" encoding="utf-8"?>
 <p:sld xmlns:a="http://schemas.openxmlformats.org/drawingml/2006/main" xmlns:r="http://schemas.openxmlformats.org/officeDocument/2006/relationships" xmlns:p="http://schemas.openxmlformats.org/presentationml/2006/main">
   <p:cSld>
     <p:spTree>
@@ -13906,1108 +15298,6 @@
       </p:grpSpPr>
       <p:sp>
         <p:nvSpPr>
-          <p:cNvPr id="4" name="Title 3"/>
-          <p:cNvSpPr>
-            <a:spLocks noGrp="1"/>
-          </p:cNvSpPr>
-          <p:nvPr>
-            <p:ph type="title"/>
-          </p:nvPr>
-        </p:nvSpPr>
-        <p:spPr>
-          <a:xfrm>
-            <a:off x="1687399" y="624110"/>
-            <a:ext cx="9817214" cy="667362"/>
-          </a:xfrm>
-        </p:spPr>
-        <p:txBody>
-          <a:bodyPr/>
-          <a:lstStyle/>
-          <a:p>
-            <a:pPr algn="ctr"/>
-            <a:r>
-              <a:rPr lang="en-US" dirty="0" smtClean="0">
-                <a:latin typeface="Algerian" panose="04020705040A02060702" pitchFamily="82" charset="0"/>
-              </a:rPr>
-              <a:t>Conclusion </a:t>
-            </a:r>
-            <a:endParaRPr lang="en-IN" dirty="0">
-              <a:latin typeface="Algerian" panose="04020705040A02060702" pitchFamily="82" charset="0"/>
-            </a:endParaRPr>
-          </a:p>
-        </p:txBody>
-      </p:sp>
-      <p:sp>
-        <p:nvSpPr>
-          <p:cNvPr id="5" name="Content Placeholder 4"/>
-          <p:cNvSpPr>
-            <a:spLocks noGrp="1"/>
-          </p:cNvSpPr>
-          <p:nvPr>
-            <p:ph idx="1"/>
-          </p:nvPr>
-        </p:nvSpPr>
-        <p:spPr>
-          <a:xfrm>
-            <a:off x="1717376" y="1559666"/>
-            <a:ext cx="9732373" cy="5069734"/>
-          </a:xfrm>
-        </p:spPr>
-        <p:txBody>
-          <a:bodyPr/>
-          <a:lstStyle/>
-          <a:p>
-            <a:pPr marL="0">
-              <a:lnSpc>
-                <a:spcPts val="3096"/>
-              </a:lnSpc>
-              <a:spcBef>
-                <a:spcPts val="0"/>
-              </a:spcBef>
-            </a:pPr>
-            <a:r>
-              <a:rPr lang="en-US" sz="2800" dirty="0" smtClean="0">
-                <a:solidFill>
-                  <a:schemeClr val="tx1"/>
-                </a:solidFill>
-                <a:latin typeface="Arial" pitchFamily="34" charset="0"/>
-                <a:cs typeface="Arial" pitchFamily="34" charset="0"/>
-              </a:rPr>
-              <a:t>Steganography</a:t>
-            </a:r>
-            <a:r>
-              <a:rPr lang="en-US" sz="2800" spc="192" dirty="0" smtClean="0">
-                <a:solidFill>
-                  <a:schemeClr val="tx1"/>
-                </a:solidFill>
-                <a:latin typeface="Arial" pitchFamily="34" charset="0"/>
-                <a:cs typeface="Arial" pitchFamily="34" charset="0"/>
-              </a:rPr>
-              <a:t> </a:t>
-            </a:r>
-            <a:r>
-              <a:rPr lang="en-US" sz="2800" dirty="0" smtClean="0">
-                <a:solidFill>
-                  <a:schemeClr val="tx1"/>
-                </a:solidFill>
-                <a:latin typeface="Arial" pitchFamily="34" charset="0"/>
-                <a:cs typeface="Arial" pitchFamily="34" charset="0"/>
-              </a:rPr>
-              <a:t>is</a:t>
-            </a:r>
-            <a:r>
-              <a:rPr lang="en-US" sz="2800" spc="173" dirty="0" smtClean="0">
-                <a:solidFill>
-                  <a:schemeClr val="tx1"/>
-                </a:solidFill>
-                <a:latin typeface="Arial" pitchFamily="34" charset="0"/>
-                <a:cs typeface="Arial" pitchFamily="34" charset="0"/>
-              </a:rPr>
-              <a:t> </a:t>
-            </a:r>
-            <a:r>
-              <a:rPr lang="en-US" sz="2800" dirty="0" smtClean="0">
-                <a:solidFill>
-                  <a:schemeClr val="tx1"/>
-                </a:solidFill>
-                <a:latin typeface="Arial" pitchFamily="34" charset="0"/>
-                <a:cs typeface="Arial" pitchFamily="34" charset="0"/>
-              </a:rPr>
-              <a:t>the</a:t>
-            </a:r>
-            <a:r>
-              <a:rPr lang="en-US" sz="2800" spc="166" dirty="0" smtClean="0">
-                <a:solidFill>
-                  <a:schemeClr val="tx1"/>
-                </a:solidFill>
-                <a:latin typeface="Arial" pitchFamily="34" charset="0"/>
-                <a:cs typeface="Arial" pitchFamily="34" charset="0"/>
-              </a:rPr>
-              <a:t> </a:t>
-            </a:r>
-            <a:r>
-              <a:rPr lang="en-US" sz="2800" dirty="0" smtClean="0">
-                <a:solidFill>
-                  <a:schemeClr val="tx1"/>
-                </a:solidFill>
-                <a:latin typeface="Arial" pitchFamily="34" charset="0"/>
-                <a:cs typeface="Arial" pitchFamily="34" charset="0"/>
-              </a:rPr>
-              <a:t>art</a:t>
-            </a:r>
-            <a:r>
-              <a:rPr lang="en-US" sz="2800" spc="178" dirty="0" smtClean="0">
-                <a:solidFill>
-                  <a:schemeClr val="tx1"/>
-                </a:solidFill>
-                <a:latin typeface="Arial" pitchFamily="34" charset="0"/>
-                <a:cs typeface="Arial" pitchFamily="34" charset="0"/>
-              </a:rPr>
-              <a:t> </a:t>
-            </a:r>
-            <a:r>
-              <a:rPr lang="en-US" sz="2800" dirty="0" smtClean="0">
-                <a:solidFill>
-                  <a:schemeClr val="tx1"/>
-                </a:solidFill>
-                <a:latin typeface="Arial" pitchFamily="34" charset="0"/>
-                <a:cs typeface="Arial" pitchFamily="34" charset="0"/>
-              </a:rPr>
-              <a:t>and</a:t>
-            </a:r>
-            <a:r>
-              <a:rPr lang="en-US" sz="2800" spc="185" dirty="0" smtClean="0">
-                <a:solidFill>
-                  <a:schemeClr val="tx1"/>
-                </a:solidFill>
-                <a:latin typeface="Arial" pitchFamily="34" charset="0"/>
-                <a:cs typeface="Arial" pitchFamily="34" charset="0"/>
-              </a:rPr>
-              <a:t> </a:t>
-            </a:r>
-            <a:r>
-              <a:rPr lang="en-US" sz="2800" dirty="0" smtClean="0">
-                <a:solidFill>
-                  <a:schemeClr val="tx1"/>
-                </a:solidFill>
-                <a:latin typeface="Arial" pitchFamily="34" charset="0"/>
-                <a:cs typeface="Arial" pitchFamily="34" charset="0"/>
-              </a:rPr>
-              <a:t>science</a:t>
-            </a:r>
-            <a:r>
-              <a:rPr lang="en-US" sz="2800" spc="162" dirty="0" smtClean="0">
-                <a:solidFill>
-                  <a:schemeClr val="tx1"/>
-                </a:solidFill>
-                <a:latin typeface="Arial" pitchFamily="34" charset="0"/>
-                <a:cs typeface="Arial" pitchFamily="34" charset="0"/>
-              </a:rPr>
-              <a:t> </a:t>
-            </a:r>
-            <a:r>
-              <a:rPr lang="en-US" sz="2800" dirty="0" smtClean="0">
-                <a:solidFill>
-                  <a:schemeClr val="tx1"/>
-                </a:solidFill>
-                <a:latin typeface="Arial" pitchFamily="34" charset="0"/>
-                <a:cs typeface="Arial" pitchFamily="34" charset="0"/>
-              </a:rPr>
-              <a:t>of</a:t>
-            </a:r>
-            <a:r>
-              <a:rPr lang="en-US" sz="2800" spc="189" dirty="0" smtClean="0">
-                <a:solidFill>
-                  <a:schemeClr val="tx1"/>
-                </a:solidFill>
-                <a:latin typeface="Arial" pitchFamily="34" charset="0"/>
-                <a:cs typeface="Arial" pitchFamily="34" charset="0"/>
-              </a:rPr>
-              <a:t> </a:t>
-            </a:r>
-            <a:r>
-              <a:rPr lang="en-US" sz="2800" dirty="0" smtClean="0">
-                <a:solidFill>
-                  <a:schemeClr val="tx1"/>
-                </a:solidFill>
-                <a:latin typeface="Arial" pitchFamily="34" charset="0"/>
-                <a:cs typeface="Arial" pitchFamily="34" charset="0"/>
-              </a:rPr>
-              <a:t>writing hidden</a:t>
-            </a:r>
-            <a:r>
-              <a:rPr lang="en-US" sz="2800" spc="1031" dirty="0" smtClean="0">
-                <a:solidFill>
-                  <a:schemeClr val="tx1"/>
-                </a:solidFill>
-                <a:latin typeface="Arial" pitchFamily="34" charset="0"/>
-                <a:cs typeface="Arial" pitchFamily="34" charset="0"/>
-              </a:rPr>
-              <a:t> </a:t>
-            </a:r>
-            <a:r>
-              <a:rPr lang="en-US" sz="2800" dirty="0" smtClean="0">
-                <a:solidFill>
-                  <a:schemeClr val="tx1"/>
-                </a:solidFill>
-                <a:latin typeface="Arial" pitchFamily="34" charset="0"/>
-                <a:cs typeface="Arial" pitchFamily="34" charset="0"/>
-              </a:rPr>
-              <a:t>message</a:t>
-            </a:r>
-            <a:r>
-              <a:rPr lang="en-US" sz="2800" spc="1017" dirty="0" smtClean="0">
-                <a:solidFill>
-                  <a:schemeClr val="tx1"/>
-                </a:solidFill>
-                <a:latin typeface="Arial" pitchFamily="34" charset="0"/>
-                <a:cs typeface="Arial" pitchFamily="34" charset="0"/>
-              </a:rPr>
-              <a:t> </a:t>
-            </a:r>
-            <a:r>
-              <a:rPr lang="en-US" sz="2800" dirty="0" smtClean="0">
-                <a:solidFill>
-                  <a:schemeClr val="tx1"/>
-                </a:solidFill>
-                <a:latin typeface="Arial" pitchFamily="34" charset="0"/>
-                <a:cs typeface="Arial" pitchFamily="34" charset="0"/>
-              </a:rPr>
-              <a:t>that</a:t>
-            </a:r>
-            <a:r>
-              <a:rPr lang="en-US" sz="2800" spc="1022" dirty="0" smtClean="0">
-                <a:solidFill>
-                  <a:schemeClr val="tx1"/>
-                </a:solidFill>
-                <a:latin typeface="Arial" pitchFamily="34" charset="0"/>
-                <a:cs typeface="Arial" pitchFamily="34" charset="0"/>
-              </a:rPr>
-              <a:t> </a:t>
-            </a:r>
-            <a:r>
-              <a:rPr lang="en-US" sz="2800" dirty="0" smtClean="0">
-                <a:solidFill>
-                  <a:schemeClr val="tx1"/>
-                </a:solidFill>
-                <a:latin typeface="Arial" pitchFamily="34" charset="0"/>
-                <a:cs typeface="Arial" pitchFamily="34" charset="0"/>
-              </a:rPr>
-              <a:t>no</a:t>
-            </a:r>
-            <a:r>
-              <a:rPr lang="en-US" sz="2800" spc="1015" dirty="0" smtClean="0">
-                <a:solidFill>
-                  <a:schemeClr val="tx1"/>
-                </a:solidFill>
-                <a:latin typeface="Arial" pitchFamily="34" charset="0"/>
-                <a:cs typeface="Arial" pitchFamily="34" charset="0"/>
-              </a:rPr>
-              <a:t> </a:t>
-            </a:r>
-            <a:r>
-              <a:rPr lang="en-US" sz="2800" dirty="0" smtClean="0">
-                <a:solidFill>
-                  <a:schemeClr val="tx1"/>
-                </a:solidFill>
-                <a:latin typeface="Arial" pitchFamily="34" charset="0"/>
-                <a:cs typeface="Arial" pitchFamily="34" charset="0"/>
-              </a:rPr>
-              <a:t>one</a:t>
-            </a:r>
-            <a:r>
-              <a:rPr lang="en-US" sz="2800" spc="1006" dirty="0" smtClean="0">
-                <a:solidFill>
-                  <a:schemeClr val="tx1"/>
-                </a:solidFill>
-                <a:latin typeface="Arial" pitchFamily="34" charset="0"/>
-                <a:cs typeface="Arial" pitchFamily="34" charset="0"/>
-              </a:rPr>
-              <a:t> </a:t>
-            </a:r>
-            <a:r>
-              <a:rPr lang="en-US" sz="2800" dirty="0" smtClean="0">
-                <a:solidFill>
-                  <a:schemeClr val="tx1"/>
-                </a:solidFill>
-                <a:latin typeface="Arial" pitchFamily="34" charset="0"/>
-                <a:cs typeface="Arial" pitchFamily="34" charset="0"/>
-              </a:rPr>
-              <a:t>apart</a:t>
-            </a:r>
-            <a:r>
-              <a:rPr lang="en-US" sz="2800" spc="1019" dirty="0" smtClean="0">
-                <a:solidFill>
-                  <a:schemeClr val="tx1"/>
-                </a:solidFill>
-                <a:latin typeface="Arial" pitchFamily="34" charset="0"/>
-                <a:cs typeface="Arial" pitchFamily="34" charset="0"/>
-              </a:rPr>
-              <a:t> </a:t>
-            </a:r>
-            <a:r>
-              <a:rPr lang="en-US" sz="2800" dirty="0" smtClean="0">
-                <a:solidFill>
-                  <a:schemeClr val="tx1"/>
-                </a:solidFill>
-                <a:latin typeface="Arial" pitchFamily="34" charset="0"/>
-                <a:cs typeface="Arial" pitchFamily="34" charset="0"/>
-              </a:rPr>
-              <a:t>from</a:t>
-            </a:r>
-            <a:r>
-              <a:rPr lang="en-US" sz="2800" spc="1006" dirty="0" smtClean="0">
-                <a:solidFill>
-                  <a:schemeClr val="tx1"/>
-                </a:solidFill>
-                <a:latin typeface="Arial" pitchFamily="34" charset="0"/>
-                <a:cs typeface="Arial" pitchFamily="34" charset="0"/>
-              </a:rPr>
-              <a:t> </a:t>
-            </a:r>
-            <a:r>
-              <a:rPr lang="en-US" sz="2800" dirty="0" smtClean="0">
-                <a:solidFill>
-                  <a:schemeClr val="tx1"/>
-                </a:solidFill>
-                <a:latin typeface="Arial" pitchFamily="34" charset="0"/>
-                <a:cs typeface="Arial" pitchFamily="34" charset="0"/>
-              </a:rPr>
-              <a:t>the sender</a:t>
-            </a:r>
-            <a:r>
-              <a:rPr lang="en-US" sz="2800" spc="147" dirty="0" smtClean="0">
-                <a:solidFill>
-                  <a:schemeClr val="tx1"/>
-                </a:solidFill>
-                <a:latin typeface="Arial" pitchFamily="34" charset="0"/>
-                <a:cs typeface="Arial" pitchFamily="34" charset="0"/>
-              </a:rPr>
-              <a:t> </a:t>
-            </a:r>
-            <a:r>
-              <a:rPr lang="en-US" sz="2800" dirty="0" smtClean="0">
-                <a:solidFill>
-                  <a:schemeClr val="tx1"/>
-                </a:solidFill>
-                <a:latin typeface="Arial" pitchFamily="34" charset="0"/>
-                <a:cs typeface="Arial" pitchFamily="34" charset="0"/>
-              </a:rPr>
-              <a:t>and</a:t>
-            </a:r>
-            <a:r>
-              <a:rPr lang="en-US" sz="2800" spc="130" dirty="0" smtClean="0">
-                <a:solidFill>
-                  <a:schemeClr val="tx1"/>
-                </a:solidFill>
-                <a:latin typeface="Arial" pitchFamily="34" charset="0"/>
-                <a:cs typeface="Arial" pitchFamily="34" charset="0"/>
-              </a:rPr>
-              <a:t> </a:t>
-            </a:r>
-            <a:r>
-              <a:rPr lang="en-US" sz="2800" spc="-15" dirty="0" smtClean="0">
-                <a:solidFill>
-                  <a:schemeClr val="tx1"/>
-                </a:solidFill>
-                <a:latin typeface="Arial" pitchFamily="34" charset="0"/>
-                <a:cs typeface="Arial" pitchFamily="34" charset="0"/>
-              </a:rPr>
-              <a:t>receiver,</a:t>
-            </a:r>
-            <a:r>
-              <a:rPr lang="en-US" sz="2800" spc="151" dirty="0" smtClean="0">
-                <a:solidFill>
-                  <a:schemeClr val="tx1"/>
-                </a:solidFill>
-                <a:latin typeface="Arial" pitchFamily="34" charset="0"/>
-                <a:cs typeface="Arial" pitchFamily="34" charset="0"/>
-              </a:rPr>
-              <a:t> </a:t>
-            </a:r>
-            <a:r>
-              <a:rPr lang="en-US" sz="2800" dirty="0" smtClean="0">
-                <a:solidFill>
-                  <a:schemeClr val="tx1"/>
-                </a:solidFill>
-                <a:latin typeface="Arial" pitchFamily="34" charset="0"/>
-                <a:cs typeface="Arial" pitchFamily="34" charset="0"/>
-              </a:rPr>
-              <a:t>suspect</a:t>
-            </a:r>
-            <a:r>
-              <a:rPr lang="en-US" sz="2800" spc="150" dirty="0" smtClean="0">
-                <a:solidFill>
-                  <a:schemeClr val="tx1"/>
-                </a:solidFill>
-                <a:latin typeface="Arial" pitchFamily="34" charset="0"/>
-                <a:cs typeface="Arial" pitchFamily="34" charset="0"/>
-              </a:rPr>
-              <a:t> </a:t>
-            </a:r>
-            <a:r>
-              <a:rPr lang="en-US" sz="2800" dirty="0" smtClean="0">
-                <a:solidFill>
-                  <a:schemeClr val="tx1"/>
-                </a:solidFill>
-                <a:latin typeface="Arial" pitchFamily="34" charset="0"/>
-                <a:cs typeface="Arial" pitchFamily="34" charset="0"/>
-              </a:rPr>
-              <a:t>the</a:t>
-            </a:r>
-            <a:r>
-              <a:rPr lang="en-US" sz="2800" spc="127" dirty="0" smtClean="0">
-                <a:solidFill>
-                  <a:schemeClr val="tx1"/>
-                </a:solidFill>
-                <a:latin typeface="Arial" pitchFamily="34" charset="0"/>
-                <a:cs typeface="Arial" pitchFamily="34" charset="0"/>
-              </a:rPr>
-              <a:t> </a:t>
-            </a:r>
-            <a:r>
-              <a:rPr lang="en-US" sz="2800" dirty="0" smtClean="0">
-                <a:solidFill>
-                  <a:schemeClr val="tx1"/>
-                </a:solidFill>
-                <a:latin typeface="Arial" pitchFamily="34" charset="0"/>
-                <a:cs typeface="Arial" pitchFamily="34" charset="0"/>
-              </a:rPr>
-              <a:t>existence</a:t>
-            </a:r>
-            <a:r>
-              <a:rPr lang="en-US" sz="2800" spc="140" dirty="0" smtClean="0">
-                <a:solidFill>
-                  <a:schemeClr val="tx1"/>
-                </a:solidFill>
-                <a:latin typeface="Arial" pitchFamily="34" charset="0"/>
-                <a:cs typeface="Arial" pitchFamily="34" charset="0"/>
-              </a:rPr>
-              <a:t> </a:t>
-            </a:r>
-            <a:r>
-              <a:rPr lang="en-US" sz="2800" dirty="0" smtClean="0">
-                <a:solidFill>
-                  <a:schemeClr val="tx1"/>
-                </a:solidFill>
-                <a:latin typeface="Arial" pitchFamily="34" charset="0"/>
-                <a:cs typeface="Arial" pitchFamily="34" charset="0"/>
-              </a:rPr>
-              <a:t>of</a:t>
-            </a:r>
-            <a:r>
-              <a:rPr lang="en-US" sz="2800" spc="139" dirty="0" smtClean="0">
-                <a:solidFill>
-                  <a:schemeClr val="tx1"/>
-                </a:solidFill>
-                <a:latin typeface="Arial" pitchFamily="34" charset="0"/>
-                <a:cs typeface="Arial" pitchFamily="34" charset="0"/>
-              </a:rPr>
-              <a:t> </a:t>
-            </a:r>
-            <a:r>
-              <a:rPr lang="en-US" sz="2800" dirty="0" smtClean="0">
-                <a:solidFill>
-                  <a:schemeClr val="tx1"/>
-                </a:solidFill>
-                <a:latin typeface="Arial" pitchFamily="34" charset="0"/>
-                <a:cs typeface="Arial" pitchFamily="34" charset="0"/>
-              </a:rPr>
-              <a:t>the message.</a:t>
-            </a:r>
-          </a:p>
-          <a:p>
-            <a:pPr marL="0">
-              <a:lnSpc>
-                <a:spcPts val="3096"/>
-              </a:lnSpc>
-              <a:spcBef>
-                <a:spcPts val="0"/>
-              </a:spcBef>
-            </a:pPr>
-            <a:endParaRPr lang="en-US" sz="2800" dirty="0" smtClean="0">
-              <a:solidFill>
-                <a:schemeClr val="tx1"/>
-              </a:solidFill>
-              <a:latin typeface="Arial" pitchFamily="34" charset="0"/>
-              <a:cs typeface="Arial" pitchFamily="34" charset="0"/>
-            </a:endParaRPr>
-          </a:p>
-          <a:p>
-            <a:pPr marL="0">
-              <a:lnSpc>
-                <a:spcPts val="3096"/>
-              </a:lnSpc>
-              <a:spcBef>
-                <a:spcPts val="0"/>
-              </a:spcBef>
-            </a:pPr>
-            <a:r>
-              <a:rPr lang="en-US" sz="2800" spc="-15" dirty="0" smtClean="0">
-                <a:solidFill>
-                  <a:schemeClr val="tx1"/>
-                </a:solidFill>
-                <a:latin typeface="Arial" pitchFamily="34" charset="0"/>
-                <a:cs typeface="Arial" pitchFamily="34" charset="0"/>
-              </a:rPr>
-              <a:t>LSB is the  simple method but BPCS is highly secured way of hiding the data in cover image</a:t>
-            </a:r>
-            <a:r>
-              <a:rPr lang="en-US" sz="2800" dirty="0" smtClean="0">
-                <a:solidFill>
-                  <a:schemeClr val="tx1"/>
-                </a:solidFill>
-                <a:latin typeface="Arial" pitchFamily="34" charset="0"/>
-                <a:cs typeface="Arial" pitchFamily="34" charset="0"/>
-              </a:rPr>
-              <a:t>.</a:t>
-            </a:r>
-            <a:r>
-              <a:rPr lang="en-US" sz="2800" spc="268" dirty="0" smtClean="0">
-                <a:solidFill>
-                  <a:schemeClr val="tx1"/>
-                </a:solidFill>
-                <a:latin typeface="Arial" pitchFamily="34" charset="0"/>
-                <a:cs typeface="Arial" pitchFamily="34" charset="0"/>
-              </a:rPr>
-              <a:t> </a:t>
-            </a:r>
-            <a:r>
-              <a:rPr lang="en-US" sz="2800" spc="-198" dirty="0" smtClean="0">
-                <a:solidFill>
-                  <a:schemeClr val="tx1"/>
-                </a:solidFill>
-                <a:latin typeface="Arial" pitchFamily="34" charset="0"/>
-                <a:cs typeface="Arial" pitchFamily="34" charset="0"/>
-              </a:rPr>
-              <a:t>To  </a:t>
-            </a:r>
-            <a:r>
-              <a:rPr lang="en-US" sz="2800" dirty="0" smtClean="0">
-                <a:solidFill>
-                  <a:schemeClr val="tx1"/>
-                </a:solidFill>
-                <a:latin typeface="Arial" pitchFamily="34" charset="0"/>
-                <a:cs typeface="Arial" pitchFamily="34" charset="0"/>
-              </a:rPr>
-              <a:t>provide</a:t>
-            </a:r>
-            <a:r>
-              <a:rPr lang="en-US" sz="2800" spc="2142" dirty="0" smtClean="0">
-                <a:solidFill>
-                  <a:schemeClr val="tx1"/>
-                </a:solidFill>
-                <a:latin typeface="Arial" pitchFamily="34" charset="0"/>
-                <a:cs typeface="Arial" pitchFamily="34" charset="0"/>
-              </a:rPr>
-              <a:t> </a:t>
-            </a:r>
-            <a:r>
-              <a:rPr lang="en-US" sz="2800" dirty="0" smtClean="0">
-                <a:solidFill>
-                  <a:schemeClr val="tx1"/>
-                </a:solidFill>
-                <a:latin typeface="Arial" pitchFamily="34" charset="0"/>
-                <a:cs typeface="Arial" pitchFamily="34" charset="0"/>
-              </a:rPr>
-              <a:t>high</a:t>
-            </a:r>
-            <a:r>
-              <a:rPr lang="en-US" sz="2800" spc="2138" dirty="0" smtClean="0">
-                <a:solidFill>
-                  <a:schemeClr val="tx1"/>
-                </a:solidFill>
-                <a:latin typeface="Arial" pitchFamily="34" charset="0"/>
-                <a:cs typeface="Arial" pitchFamily="34" charset="0"/>
-              </a:rPr>
-              <a:t> </a:t>
-            </a:r>
-            <a:r>
-              <a:rPr lang="en-US" sz="2800" dirty="0" smtClean="0">
-                <a:solidFill>
-                  <a:schemeClr val="tx1"/>
-                </a:solidFill>
-                <a:latin typeface="Arial" pitchFamily="34" charset="0"/>
-                <a:cs typeface="Arial" pitchFamily="34" charset="0"/>
-              </a:rPr>
-              <a:t>security</a:t>
-            </a:r>
-            <a:r>
-              <a:rPr lang="en-US" sz="2800" spc="2146" dirty="0" smtClean="0">
-                <a:solidFill>
-                  <a:schemeClr val="tx1"/>
-                </a:solidFill>
-                <a:latin typeface="Arial" pitchFamily="34" charset="0"/>
-                <a:cs typeface="Arial" pitchFamily="34" charset="0"/>
-              </a:rPr>
-              <a:t> </a:t>
-            </a:r>
-            <a:r>
-              <a:rPr lang="en-US" sz="2800" dirty="0" smtClean="0">
-                <a:solidFill>
-                  <a:schemeClr val="tx1"/>
-                </a:solidFill>
-                <a:latin typeface="Arial" pitchFamily="34" charset="0"/>
-                <a:cs typeface="Arial" pitchFamily="34" charset="0"/>
-              </a:rPr>
-              <a:t>Steganography we also provided 4 digits key option to encrypt your data.</a:t>
-            </a:r>
-          </a:p>
-          <a:p>
-            <a:pPr marL="0">
-              <a:lnSpc>
-                <a:spcPts val="3096"/>
-              </a:lnSpc>
-              <a:spcBef>
-                <a:spcPts val="0"/>
-              </a:spcBef>
-            </a:pPr>
-            <a:endParaRPr lang="en-US" sz="2800" spc="2143" dirty="0" smtClean="0">
-              <a:solidFill>
-                <a:schemeClr val="tx1"/>
-              </a:solidFill>
-              <a:latin typeface="Arial" pitchFamily="34" charset="0"/>
-              <a:cs typeface="Arial" pitchFamily="34" charset="0"/>
-            </a:endParaRPr>
-          </a:p>
-          <a:p>
-            <a:pPr marL="0">
-              <a:lnSpc>
-                <a:spcPts val="3096"/>
-              </a:lnSpc>
-              <a:spcBef>
-                <a:spcPts val="0"/>
-              </a:spcBef>
-            </a:pPr>
-            <a:r>
-              <a:rPr lang="en-US" sz="2800" spc="-11" dirty="0" smtClean="0">
-                <a:solidFill>
-                  <a:schemeClr val="tx1"/>
-                </a:solidFill>
-                <a:latin typeface="Arial" pitchFamily="34" charset="0"/>
-                <a:cs typeface="Arial" pitchFamily="34" charset="0"/>
-              </a:rPr>
-              <a:t>Larger</a:t>
-            </a:r>
-            <a:r>
-              <a:rPr lang="en-US" sz="2800" spc="888" dirty="0" smtClean="0">
-                <a:solidFill>
-                  <a:schemeClr val="tx1"/>
-                </a:solidFill>
-                <a:latin typeface="Arial" pitchFamily="34" charset="0"/>
-                <a:cs typeface="Arial" pitchFamily="34" charset="0"/>
-              </a:rPr>
-              <a:t> </a:t>
-            </a:r>
-            <a:r>
-              <a:rPr lang="en-US" sz="2800" dirty="0" smtClean="0">
-                <a:solidFill>
-                  <a:schemeClr val="tx1"/>
-                </a:solidFill>
-                <a:latin typeface="Arial" pitchFamily="34" charset="0"/>
-                <a:cs typeface="Arial" pitchFamily="34" charset="0"/>
-              </a:rPr>
-              <a:t>PSNR</a:t>
-            </a:r>
-            <a:r>
-              <a:rPr lang="en-US" sz="2800" spc="860" dirty="0" smtClean="0">
-                <a:solidFill>
-                  <a:schemeClr val="tx1"/>
-                </a:solidFill>
-                <a:latin typeface="Arial" pitchFamily="34" charset="0"/>
-                <a:cs typeface="Arial" pitchFamily="34" charset="0"/>
-              </a:rPr>
-              <a:t> </a:t>
-            </a:r>
-            <a:r>
-              <a:rPr lang="en-US" sz="2800" dirty="0" smtClean="0">
-                <a:solidFill>
-                  <a:schemeClr val="tx1"/>
-                </a:solidFill>
-                <a:latin typeface="Arial" pitchFamily="34" charset="0"/>
-                <a:cs typeface="Arial" pitchFamily="34" charset="0"/>
-              </a:rPr>
-              <a:t>indicates</a:t>
-            </a:r>
-            <a:r>
-              <a:rPr lang="en-US" sz="2800" spc="856" dirty="0" smtClean="0">
-                <a:solidFill>
-                  <a:schemeClr val="tx1"/>
-                </a:solidFill>
-                <a:latin typeface="Arial" pitchFamily="34" charset="0"/>
-                <a:cs typeface="Arial" pitchFamily="34" charset="0"/>
-              </a:rPr>
-              <a:t> </a:t>
-            </a:r>
-            <a:r>
-              <a:rPr lang="en-US" sz="2800" dirty="0" smtClean="0">
-                <a:solidFill>
-                  <a:schemeClr val="tx1"/>
-                </a:solidFill>
-                <a:latin typeface="Arial" pitchFamily="34" charset="0"/>
-                <a:cs typeface="Arial" pitchFamily="34" charset="0"/>
-              </a:rPr>
-              <a:t>the</a:t>
-            </a:r>
-            <a:r>
-              <a:rPr lang="en-US" sz="2800" spc="857" dirty="0" smtClean="0">
-                <a:solidFill>
-                  <a:schemeClr val="tx1"/>
-                </a:solidFill>
-                <a:latin typeface="Arial" pitchFamily="34" charset="0"/>
-                <a:cs typeface="Arial" pitchFamily="34" charset="0"/>
-              </a:rPr>
-              <a:t> </a:t>
-            </a:r>
-            <a:r>
-              <a:rPr lang="en-US" sz="2800" dirty="0" smtClean="0">
-                <a:solidFill>
-                  <a:schemeClr val="tx1"/>
-                </a:solidFill>
-                <a:latin typeface="Arial" pitchFamily="34" charset="0"/>
-                <a:cs typeface="Arial" pitchFamily="34" charset="0"/>
-              </a:rPr>
-              <a:t>higher</a:t>
-            </a:r>
-            <a:r>
-              <a:rPr lang="en-US" sz="2800" spc="864" dirty="0" smtClean="0">
-                <a:solidFill>
-                  <a:schemeClr val="tx1"/>
-                </a:solidFill>
-                <a:latin typeface="Arial" pitchFamily="34" charset="0"/>
-                <a:cs typeface="Arial" pitchFamily="34" charset="0"/>
-              </a:rPr>
-              <a:t> </a:t>
-            </a:r>
-            <a:r>
-              <a:rPr lang="en-US" sz="2800" dirty="0" smtClean="0">
-                <a:solidFill>
-                  <a:schemeClr val="tx1"/>
-                </a:solidFill>
-                <a:latin typeface="Arial" pitchFamily="34" charset="0"/>
-                <a:cs typeface="Arial" pitchFamily="34" charset="0"/>
-              </a:rPr>
-              <a:t>the</a:t>
-            </a:r>
-            <a:r>
-              <a:rPr lang="en-US" sz="2800" spc="844" dirty="0" smtClean="0">
-                <a:solidFill>
-                  <a:schemeClr val="tx1"/>
-                </a:solidFill>
-                <a:latin typeface="Arial" pitchFamily="34" charset="0"/>
-                <a:cs typeface="Arial" pitchFamily="34" charset="0"/>
-              </a:rPr>
-              <a:t> </a:t>
-            </a:r>
-            <a:r>
-              <a:rPr lang="en-US" sz="2800" dirty="0" smtClean="0">
-                <a:solidFill>
-                  <a:schemeClr val="tx1"/>
-                </a:solidFill>
-                <a:latin typeface="Arial" pitchFamily="34" charset="0"/>
-                <a:cs typeface="Arial" pitchFamily="34" charset="0"/>
-              </a:rPr>
-              <a:t>image quality.</a:t>
-            </a:r>
-            <a:r>
-              <a:rPr lang="en-US" sz="2800" spc="496" dirty="0" smtClean="0">
-                <a:solidFill>
-                  <a:schemeClr val="tx1"/>
-                </a:solidFill>
-                <a:latin typeface="Arial" pitchFamily="34" charset="0"/>
-                <a:cs typeface="Arial" pitchFamily="34" charset="0"/>
-              </a:rPr>
-              <a:t> </a:t>
-            </a:r>
-            <a:r>
-              <a:rPr lang="en-US" sz="2800" dirty="0" smtClean="0">
-                <a:solidFill>
-                  <a:schemeClr val="tx1"/>
-                </a:solidFill>
-                <a:latin typeface="Arial" pitchFamily="34" charset="0"/>
-                <a:cs typeface="Arial" pitchFamily="34" charset="0"/>
-              </a:rPr>
-              <a:t>A</a:t>
-            </a:r>
-            <a:r>
-              <a:rPr lang="en-US" sz="2800" spc="480" dirty="0" smtClean="0">
-                <a:solidFill>
-                  <a:schemeClr val="tx1"/>
-                </a:solidFill>
-                <a:latin typeface="Arial" pitchFamily="34" charset="0"/>
-                <a:cs typeface="Arial" pitchFamily="34" charset="0"/>
-              </a:rPr>
-              <a:t> </a:t>
-            </a:r>
-            <a:r>
-              <a:rPr lang="en-US" sz="2800" dirty="0" smtClean="0">
-                <a:solidFill>
-                  <a:schemeClr val="tx1"/>
-                </a:solidFill>
-                <a:latin typeface="Arial" pitchFamily="34" charset="0"/>
-                <a:cs typeface="Arial" pitchFamily="34" charset="0"/>
-              </a:rPr>
-              <a:t>smaller</a:t>
-            </a:r>
-            <a:r>
-              <a:rPr lang="en-US" sz="2800" spc="503" dirty="0" smtClean="0">
-                <a:solidFill>
-                  <a:schemeClr val="tx1"/>
-                </a:solidFill>
-                <a:latin typeface="Arial" pitchFamily="34" charset="0"/>
-                <a:cs typeface="Arial" pitchFamily="34" charset="0"/>
-              </a:rPr>
-              <a:t> </a:t>
-            </a:r>
-            <a:r>
-              <a:rPr lang="en-US" sz="2800" dirty="0" smtClean="0">
-                <a:solidFill>
-                  <a:schemeClr val="tx1"/>
-                </a:solidFill>
-                <a:latin typeface="Arial" pitchFamily="34" charset="0"/>
-                <a:cs typeface="Arial" pitchFamily="34" charset="0"/>
-              </a:rPr>
-              <a:t>PSNR</a:t>
-            </a:r>
-            <a:r>
-              <a:rPr lang="en-US" sz="2800" spc="509" dirty="0" smtClean="0">
-                <a:solidFill>
-                  <a:schemeClr val="tx1"/>
-                </a:solidFill>
-                <a:latin typeface="Arial" pitchFamily="34" charset="0"/>
-                <a:cs typeface="Arial" pitchFamily="34" charset="0"/>
-              </a:rPr>
-              <a:t> </a:t>
-            </a:r>
-            <a:r>
-              <a:rPr lang="en-US" sz="2800" dirty="0" smtClean="0">
-                <a:solidFill>
-                  <a:schemeClr val="tx1"/>
-                </a:solidFill>
-                <a:latin typeface="Arial" pitchFamily="34" charset="0"/>
-                <a:cs typeface="Arial" pitchFamily="34" charset="0"/>
-              </a:rPr>
-              <a:t>means</a:t>
-            </a:r>
-            <a:r>
-              <a:rPr lang="en-US" sz="2800" spc="503" dirty="0" smtClean="0">
-                <a:solidFill>
-                  <a:schemeClr val="tx1"/>
-                </a:solidFill>
-                <a:latin typeface="Arial" pitchFamily="34" charset="0"/>
-                <a:cs typeface="Arial" pitchFamily="34" charset="0"/>
-              </a:rPr>
-              <a:t> </a:t>
-            </a:r>
-            <a:r>
-              <a:rPr lang="en-US" sz="2800" dirty="0" smtClean="0">
-                <a:solidFill>
-                  <a:schemeClr val="tx1"/>
-                </a:solidFill>
-                <a:latin typeface="Arial" pitchFamily="34" charset="0"/>
-                <a:cs typeface="Arial" pitchFamily="34" charset="0"/>
-              </a:rPr>
-              <a:t>there</a:t>
-            </a:r>
-            <a:r>
-              <a:rPr lang="en-US" sz="2800" spc="498" dirty="0" smtClean="0">
-                <a:solidFill>
-                  <a:schemeClr val="tx1"/>
-                </a:solidFill>
-                <a:latin typeface="Arial" pitchFamily="34" charset="0"/>
-                <a:cs typeface="Arial" pitchFamily="34" charset="0"/>
-              </a:rPr>
-              <a:t> </a:t>
-            </a:r>
-            <a:r>
-              <a:rPr lang="en-US" sz="2800" spc="-10" dirty="0" smtClean="0">
-                <a:solidFill>
-                  <a:schemeClr val="tx1"/>
-                </a:solidFill>
-                <a:latin typeface="Arial" pitchFamily="34" charset="0"/>
-                <a:cs typeface="Arial" pitchFamily="34" charset="0"/>
-              </a:rPr>
-              <a:t>is</a:t>
-            </a:r>
-            <a:r>
-              <a:rPr lang="en-US" sz="2800" spc="511" dirty="0" smtClean="0">
-                <a:solidFill>
-                  <a:schemeClr val="tx1"/>
-                </a:solidFill>
-                <a:latin typeface="Arial" pitchFamily="34" charset="0"/>
-                <a:cs typeface="Arial" pitchFamily="34" charset="0"/>
-              </a:rPr>
-              <a:t> </a:t>
-            </a:r>
-            <a:r>
-              <a:rPr lang="en-US" sz="2800" dirty="0" smtClean="0">
-                <a:solidFill>
-                  <a:schemeClr val="tx1"/>
-                </a:solidFill>
-                <a:latin typeface="Arial" pitchFamily="34" charset="0"/>
-                <a:cs typeface="Arial" pitchFamily="34" charset="0"/>
-              </a:rPr>
-              <a:t>huge distortion</a:t>
-            </a:r>
-            <a:r>
-              <a:rPr lang="en-US" sz="2800" spc="1247" dirty="0" smtClean="0">
-                <a:solidFill>
-                  <a:schemeClr val="tx1"/>
-                </a:solidFill>
-                <a:latin typeface="Arial" pitchFamily="34" charset="0"/>
-                <a:cs typeface="Arial" pitchFamily="34" charset="0"/>
-              </a:rPr>
-              <a:t> </a:t>
-            </a:r>
-            <a:r>
-              <a:rPr lang="en-US" sz="2800" dirty="0" smtClean="0">
-                <a:solidFill>
-                  <a:schemeClr val="tx1"/>
-                </a:solidFill>
-                <a:latin typeface="Arial" pitchFamily="34" charset="0"/>
-                <a:cs typeface="Arial" pitchFamily="34" charset="0"/>
-              </a:rPr>
-              <a:t>between</a:t>
-            </a:r>
-            <a:r>
-              <a:rPr lang="en-US" sz="2800" spc="1265" dirty="0" smtClean="0">
-                <a:solidFill>
-                  <a:schemeClr val="tx1"/>
-                </a:solidFill>
-                <a:latin typeface="Arial" pitchFamily="34" charset="0"/>
-                <a:cs typeface="Arial" pitchFamily="34" charset="0"/>
-              </a:rPr>
-              <a:t> </a:t>
-            </a:r>
-            <a:r>
-              <a:rPr lang="en-US" sz="2800" dirty="0" smtClean="0">
-                <a:solidFill>
-                  <a:schemeClr val="tx1"/>
-                </a:solidFill>
-                <a:latin typeface="Arial" pitchFamily="34" charset="0"/>
-                <a:cs typeface="Arial" pitchFamily="34" charset="0"/>
-              </a:rPr>
-              <a:t>the</a:t>
-            </a:r>
-            <a:r>
-              <a:rPr lang="en-US" sz="2800" spc="1239" dirty="0" smtClean="0">
-                <a:solidFill>
-                  <a:schemeClr val="tx1"/>
-                </a:solidFill>
-                <a:latin typeface="Arial" pitchFamily="34" charset="0"/>
-                <a:cs typeface="Arial" pitchFamily="34" charset="0"/>
-              </a:rPr>
-              <a:t> </a:t>
-            </a:r>
-            <a:r>
-              <a:rPr lang="en-US" sz="2800" dirty="0" smtClean="0">
-                <a:solidFill>
-                  <a:schemeClr val="tx1"/>
-                </a:solidFill>
-                <a:latin typeface="Arial" pitchFamily="34" charset="0"/>
-                <a:cs typeface="Arial" pitchFamily="34" charset="0"/>
-              </a:rPr>
-              <a:t>cover-image</a:t>
-            </a:r>
-            <a:r>
-              <a:rPr lang="en-US" sz="2800" spc="1259" dirty="0" smtClean="0">
-                <a:solidFill>
-                  <a:schemeClr val="tx1"/>
-                </a:solidFill>
-                <a:latin typeface="Arial" pitchFamily="34" charset="0"/>
-                <a:cs typeface="Arial" pitchFamily="34" charset="0"/>
-              </a:rPr>
-              <a:t> </a:t>
-            </a:r>
-            <a:r>
-              <a:rPr lang="en-US" sz="2800" dirty="0" smtClean="0">
-                <a:solidFill>
-                  <a:schemeClr val="tx1"/>
-                </a:solidFill>
-                <a:latin typeface="Arial" pitchFamily="34" charset="0"/>
-                <a:cs typeface="Arial" pitchFamily="34" charset="0"/>
-              </a:rPr>
-              <a:t>and</a:t>
-            </a:r>
-            <a:r>
-              <a:rPr lang="en-US" sz="2800" spc="1252" dirty="0" smtClean="0">
-                <a:solidFill>
-                  <a:schemeClr val="tx1"/>
-                </a:solidFill>
-                <a:latin typeface="Arial" pitchFamily="34" charset="0"/>
-                <a:cs typeface="Arial" pitchFamily="34" charset="0"/>
-              </a:rPr>
-              <a:t> </a:t>
-            </a:r>
-            <a:r>
-              <a:rPr lang="en-US" sz="2800" dirty="0" smtClean="0">
-                <a:solidFill>
-                  <a:schemeClr val="tx1"/>
-                </a:solidFill>
-                <a:latin typeface="Arial" pitchFamily="34" charset="0"/>
-                <a:cs typeface="Arial" pitchFamily="34" charset="0"/>
-              </a:rPr>
-              <a:t>the stegano Image</a:t>
-            </a:r>
-          </a:p>
-          <a:p>
-            <a:pPr marL="0">
-              <a:lnSpc>
-                <a:spcPts val="3096"/>
-              </a:lnSpc>
-              <a:spcBef>
-                <a:spcPts val="0"/>
-              </a:spcBef>
-            </a:pPr>
-            <a:endParaRPr lang="en-US" dirty="0" smtClean="0">
-              <a:solidFill>
-                <a:srgbClr val="000000"/>
-              </a:solidFill>
-              <a:latin typeface="Times New Roman"/>
-              <a:cs typeface="Times New Roman"/>
-            </a:endParaRPr>
-          </a:p>
-          <a:p>
-            <a:pPr marL="0">
-              <a:lnSpc>
-                <a:spcPts val="3096"/>
-              </a:lnSpc>
-              <a:spcBef>
-                <a:spcPts val="0"/>
-              </a:spcBef>
-            </a:pPr>
-            <a:endParaRPr lang="en-US" dirty="0" smtClean="0">
-              <a:solidFill>
-                <a:srgbClr val="000000"/>
-              </a:solidFill>
-              <a:latin typeface="Times New Roman"/>
-              <a:cs typeface="Times New Roman"/>
-            </a:endParaRPr>
-          </a:p>
-          <a:p>
-            <a:endParaRPr lang="en-IN" dirty="0"/>
-          </a:p>
-        </p:txBody>
-      </p:sp>
-    </p:spTree>
-    <p:extLst>
-      <p:ext uri="{BB962C8B-B14F-4D97-AF65-F5344CB8AC3E}">
-        <p14:creationId xmlns:p14="http://schemas.microsoft.com/office/powerpoint/2010/main" val="2347577460"/>
-      </p:ext>
-    </p:extLst>
-  </p:cSld>
-  <p:clrMapOvr>
-    <a:masterClrMapping/>
-  </p:clrMapOvr>
-  <p:timing>
-    <p:tnLst>
-      <p:par>
-        <p:cTn id="1" dur="indefinite" restart="never" nodeType="tmRoot"/>
-      </p:par>
-    </p:tnLst>
-  </p:timing>
-</p:sld>
-</file>
-
-<file path=ppt/slides/slide31.xml><?xml version="1.0" encoding="utf-8"?>
-<p:sld xmlns:a="http://schemas.openxmlformats.org/drawingml/2006/main" xmlns:r="http://schemas.openxmlformats.org/officeDocument/2006/relationships" xmlns:p="http://schemas.openxmlformats.org/presentationml/2006/main">
-  <p:cSld>
-    <p:spTree>
-      <p:nvGrpSpPr>
-        <p:cNvPr id="1" name=""/>
-        <p:cNvGrpSpPr/>
-        <p:nvPr/>
-      </p:nvGrpSpPr>
-      <p:grpSpPr>
-        <a:xfrm>
-          <a:off x="0" y="0"/>
-          <a:ext cx="0" cy="0"/>
-          <a:chOff x="0" y="0"/>
-          <a:chExt cx="0" cy="0"/>
-        </a:xfrm>
-      </p:grpSpPr>
-      <p:sp>
-        <p:nvSpPr>
           <p:cNvPr id="2" name="Title 1"/>
           <p:cNvSpPr>
             <a:spLocks noGrp="1"/>
@@ -15055,7 +15345,7 @@
     </p:spTree>
     <p:extLst>
       <p:ext uri="{BB962C8B-B14F-4D97-AF65-F5344CB8AC3E}">
-        <p14:creationId xmlns:p14="http://schemas.microsoft.com/office/powerpoint/2010/main" val="1912276581"/>
+        <p14:creationId xmlns:p14="http://schemas.microsoft.com/office/powerpoint/2010/main" xmlns="" val="1912276581"/>
       </p:ext>
     </p:extLst>
   </p:cSld>
@@ -15271,7 +15561,7 @@
     </p:spTree>
     <p:extLst>
       <p:ext uri="{BB962C8B-B14F-4D97-AF65-F5344CB8AC3E}">
-        <p14:creationId xmlns:p14="http://schemas.microsoft.com/office/powerpoint/2010/main" val="2625934534"/>
+        <p14:creationId xmlns:p14="http://schemas.microsoft.com/office/powerpoint/2010/main" xmlns="" val="2625934534"/>
       </p:ext>
     </p:extLst>
   </p:cSld>
@@ -15434,7 +15724,7 @@
     </p:spTree>
     <p:extLst>
       <p:ext uri="{BB962C8B-B14F-4D97-AF65-F5344CB8AC3E}">
-        <p14:creationId xmlns:p14="http://schemas.microsoft.com/office/powerpoint/2010/main" val="1400058215"/>
+        <p14:creationId xmlns:p14="http://schemas.microsoft.com/office/powerpoint/2010/main" xmlns="" val="1400058215"/>
       </p:ext>
     </p:extLst>
   </p:cSld>
@@ -15660,7 +15950,7 @@
     </p:spTree>
     <p:extLst>
       <p:ext uri="{BB962C8B-B14F-4D97-AF65-F5344CB8AC3E}">
-        <p14:creationId xmlns:p14="http://schemas.microsoft.com/office/powerpoint/2010/main" val="1165276255"/>
+        <p14:creationId xmlns:p14="http://schemas.microsoft.com/office/powerpoint/2010/main" xmlns="" val="1165276255"/>
       </p:ext>
     </p:extLst>
   </p:cSld>
@@ -15809,7 +16099,7 @@
     </p:spTree>
     <p:extLst>
       <p:ext uri="{BB962C8B-B14F-4D97-AF65-F5344CB8AC3E}">
-        <p14:creationId xmlns:p14="http://schemas.microsoft.com/office/powerpoint/2010/main" val="2972335740"/>
+        <p14:creationId xmlns:p14="http://schemas.microsoft.com/office/powerpoint/2010/main" xmlns="" val="2972335740"/>
       </p:ext>
     </p:extLst>
   </p:cSld>
@@ -16021,7 +16311,7 @@
           <a:blip r:embed="rId2" cstate="print">
             <a:extLst>
               <a:ext uri="{28A0092B-C50C-407E-A947-70E740481C1C}">
-                <a14:useLocalDpi xmlns:a14="http://schemas.microsoft.com/office/drawing/2010/main" val="0"/>
+                <a14:useLocalDpi xmlns:a14="http://schemas.microsoft.com/office/drawing/2010/main" xmlns="" val="0"/>
               </a:ext>
             </a:extLst>
           </a:blip>
@@ -16077,7 +16367,7 @@
           <a:blip r:embed="rId3" cstate="print">
             <a:extLst>
               <a:ext uri="{28A0092B-C50C-407E-A947-70E740481C1C}">
-                <a14:useLocalDpi xmlns:a14="http://schemas.microsoft.com/office/drawing/2010/main" val="0"/>
+                <a14:useLocalDpi xmlns:a14="http://schemas.microsoft.com/office/drawing/2010/main" xmlns="" val="0"/>
               </a:ext>
             </a:extLst>
           </a:blip>
@@ -16262,7 +16552,7 @@
           <a:blip r:embed="rId2" cstate="print">
             <a:extLst>
               <a:ext uri="{28A0092B-C50C-407E-A947-70E740481C1C}">
-                <a14:useLocalDpi xmlns:a14="http://schemas.microsoft.com/office/drawing/2010/main" val="0"/>
+                <a14:useLocalDpi xmlns:a14="http://schemas.microsoft.com/office/drawing/2010/main" xmlns="" val="0"/>
               </a:ext>
             </a:extLst>
           </a:blip>
@@ -16309,7 +16599,7 @@
     </p:spTree>
     <p:extLst>
       <p:ext uri="{BB962C8B-B14F-4D97-AF65-F5344CB8AC3E}">
-        <p14:creationId xmlns:p14="http://schemas.microsoft.com/office/powerpoint/2010/main" val="2841187319"/>
+        <p14:creationId xmlns:p14="http://schemas.microsoft.com/office/powerpoint/2010/main" xmlns="" val="2841187319"/>
       </p:ext>
     </p:extLst>
   </p:cSld>
@@ -16563,7 +16853,7 @@
   <a:extraClrSchemeLst/>
   <a:extLst>
     <a:ext uri="{05A4C25C-085E-4340-85A3-A5531E510DB2}">
-      <thm15:themeFamily xmlns:thm15="http://schemas.microsoft.com/office/thememl/2012/main" name="Wisp" id="{7CB32D59-10C0-40DD-B7BD-2E94284A981C}" vid="{F20B7C8E-B819-43F3-AAF9-EE50B1A83630}"/>
+      <thm15:themeFamily xmlns:thm15="http://schemas.microsoft.com/office/thememl/2012/main" xmlns="" name="Wisp" id="{7CB32D59-10C0-40DD-B7BD-2E94284A981C}" vid="{F20B7C8E-B819-43F3-AAF9-EE50B1A83630}"/>
     </a:ext>
   </a:extLst>
 </a:theme>
@@ -16824,7 +17114,7 @@
   <a:extraClrSchemeLst/>
   <a:extLst>
     <a:ext uri="{05A4C25C-085E-4340-85A3-A5531E510DB2}">
-      <thm15:themeFamily xmlns:thm15="http://schemas.microsoft.com/office/thememl/2012/main" name="Office Theme" id="{62F939B6-93AF-4DB8-9C6B-D6C7DFDC589F}" vid="{4A3C46E8-61CC-4603-A589-7422A47A8E4A}"/>
+      <thm15:themeFamily xmlns:thm15="http://schemas.microsoft.com/office/thememl/2012/main" xmlns="" name="Office Theme" id="{62F939B6-93AF-4DB8-9C6B-D6C7DFDC589F}" vid="{4A3C46E8-61CC-4603-A589-7422A47A8E4A}"/>
     </a:ext>
   </a:extLst>
 </a:theme>

--- a/Project letrature/IMAGE_STEGNOGRAPHY_USING_PYTHON.pptx
+++ b/Project letrature/IMAGE_STEGNOGRAPHY_USING_PYTHON.pptx
@@ -141,7 +141,7 @@
   </p:defaultTextStyle>
   <p:extLst>
     <p:ext uri="{521415D9-36F7-43E2-AB2F-B90AF26B5E84}">
-      <p14:sectionLst xmlns:p14="http://schemas.microsoft.com/office/powerpoint/2010/main" xmlns="">
+      <p14:sectionLst xmlns:p14="http://schemas.microsoft.com/office/powerpoint/2010/main">
         <p14:section name="Default Section" id="{1709AB17-A0DF-4151-9302-FDFCA00A6D75}">
           <p14:sldIdLst>
             <p14:sldId id="256"/>
@@ -165,6 +165,8 @@
             <p14:sldId id="264"/>
             <p14:sldId id="265"/>
             <p14:sldId id="288"/>
+            <p14:sldId id="289"/>
+            <p14:sldId id="290"/>
             <p14:sldId id="266"/>
             <p14:sldId id="267"/>
             <p14:sldId id="270"/>
@@ -180,7 +182,7 @@
       </p14:sectionLst>
     </p:ext>
     <p:ext uri="{EFAFB233-063F-42B5-8137-9DF3F51BA10A}">
-      <p15:sldGuideLst xmlns:p15="http://schemas.microsoft.com/office/powerpoint/2012/main" xmlns="">
+      <p15:sldGuideLst xmlns:p15="http://schemas.microsoft.com/office/powerpoint/2012/main">
         <p15:guide id="1" orient="horz" pos="2160">
           <p15:clr>
             <a:srgbClr val="A4A3A4"/>
@@ -202,7 +204,7 @@
   <p:cmAuthor id="1" name="Tarun Verma" initials="TV" lastIdx="2" clrIdx="0">
     <p:extLst>
       <p:ext uri="{19B8F6BF-5375-455C-9EA6-DF929625EA0E}">
-        <p15:presenceInfo xmlns:p15="http://schemas.microsoft.com/office/powerpoint/2012/main" xmlns="" userId="12328a8a1cac093b" providerId="Windows Live"/>
+        <p15:presenceInfo xmlns:p15="http://schemas.microsoft.com/office/powerpoint/2012/main" userId="12328a8a1cac093b" providerId="Windows Live"/>
       </p:ext>
     </p:extLst>
   </p:cmAuthor>
@@ -216,7 +218,7 @@
     <p:text/>
     <p:extLst>
       <p:ext uri="{C676402C-5697-4E1C-873F-D02D1690AC5C}">
-        <p15:threadingInfo xmlns:p15="http://schemas.microsoft.com/office/powerpoint/2012/main" xmlns="" timeZoneBias="-330"/>
+        <p15:threadingInfo xmlns:p15="http://schemas.microsoft.com/office/powerpoint/2012/main" timeZoneBias="-330"/>
       </p:ext>
     </p:extLst>
   </p:cm>
@@ -230,7 +232,7 @@
     <p:text/>
     <p:extLst>
       <p:ext uri="{C676402C-5697-4E1C-873F-D02D1690AC5C}">
-        <p15:threadingInfo xmlns:p15="http://schemas.microsoft.com/office/powerpoint/2012/main" xmlns="" timeZoneBias="-330"/>
+        <p15:threadingInfo xmlns:p15="http://schemas.microsoft.com/office/powerpoint/2012/main" timeZoneBias="-330"/>
       </p:ext>
     </p:extLst>
   </p:cm>
@@ -489,7 +491,7 @@
     </p:spTree>
     <p:extLst>
       <p:ext uri="{BB962C8B-B14F-4D97-AF65-F5344CB8AC3E}">
-        <p14:creationId xmlns:p14="http://schemas.microsoft.com/office/powerpoint/2010/main" xmlns="" val="2598052617"/>
+        <p14:creationId xmlns:p14="http://schemas.microsoft.com/office/powerpoint/2010/main" val="2598052617"/>
       </p:ext>
     </p:extLst>
   </p:cSld>
@@ -917,7 +919,7 @@
     </p:spTree>
     <p:extLst>
       <p:ext uri="{BB962C8B-B14F-4D97-AF65-F5344CB8AC3E}">
-        <p14:creationId xmlns:p14="http://schemas.microsoft.com/office/powerpoint/2010/main" xmlns="" val="2832675995"/>
+        <p14:creationId xmlns:p14="http://schemas.microsoft.com/office/powerpoint/2010/main" val="2832675995"/>
       </p:ext>
     </p:extLst>
   </p:cSld>
@@ -1257,7 +1259,7 @@
     </p:spTree>
     <p:extLst>
       <p:ext uri="{BB962C8B-B14F-4D97-AF65-F5344CB8AC3E}">
-        <p14:creationId xmlns:p14="http://schemas.microsoft.com/office/powerpoint/2010/main" xmlns="" val="1136343294"/>
+        <p14:creationId xmlns:p14="http://schemas.microsoft.com/office/powerpoint/2010/main" val="1136343294"/>
       </p:ext>
     </p:extLst>
   </p:cSld>
@@ -1736,7 +1738,7 @@
     </p:spTree>
     <p:extLst>
       <p:ext uri="{BB962C8B-B14F-4D97-AF65-F5344CB8AC3E}">
-        <p14:creationId xmlns:p14="http://schemas.microsoft.com/office/powerpoint/2010/main" xmlns="" val="1584917057"/>
+        <p14:creationId xmlns:p14="http://schemas.microsoft.com/office/powerpoint/2010/main" val="1584917057"/>
       </p:ext>
     </p:extLst>
   </p:cSld>
@@ -1998,7 +2000,7 @@
     </p:spTree>
     <p:extLst>
       <p:ext uri="{BB962C8B-B14F-4D97-AF65-F5344CB8AC3E}">
-        <p14:creationId xmlns:p14="http://schemas.microsoft.com/office/powerpoint/2010/main" xmlns="" val="1255812982"/>
+        <p14:creationId xmlns:p14="http://schemas.microsoft.com/office/powerpoint/2010/main" val="1255812982"/>
       </p:ext>
     </p:extLst>
   </p:cSld>
@@ -2396,7 +2398,7 @@
     </p:spTree>
     <p:extLst>
       <p:ext uri="{BB962C8B-B14F-4D97-AF65-F5344CB8AC3E}">
-        <p14:creationId xmlns:p14="http://schemas.microsoft.com/office/powerpoint/2010/main" xmlns="" val="3619512775"/>
+        <p14:creationId xmlns:p14="http://schemas.microsoft.com/office/powerpoint/2010/main" val="3619512775"/>
       </p:ext>
     </p:extLst>
   </p:cSld>
@@ -2718,7 +2720,7 @@
     </p:spTree>
     <p:extLst>
       <p:ext uri="{BB962C8B-B14F-4D97-AF65-F5344CB8AC3E}">
-        <p14:creationId xmlns:p14="http://schemas.microsoft.com/office/powerpoint/2010/main" xmlns="" val="3559520111"/>
+        <p14:creationId xmlns:p14="http://schemas.microsoft.com/office/powerpoint/2010/main" val="3559520111"/>
       </p:ext>
     </p:extLst>
   </p:cSld>
@@ -2972,7 +2974,7 @@
     </p:spTree>
     <p:extLst>
       <p:ext uri="{BB962C8B-B14F-4D97-AF65-F5344CB8AC3E}">
-        <p14:creationId xmlns:p14="http://schemas.microsoft.com/office/powerpoint/2010/main" xmlns="" val="1506902780"/>
+        <p14:creationId xmlns:p14="http://schemas.microsoft.com/office/powerpoint/2010/main" val="1506902780"/>
       </p:ext>
     </p:extLst>
   </p:cSld>
@@ -3236,7 +3238,7 @@
     </p:spTree>
     <p:extLst>
       <p:ext uri="{BB962C8B-B14F-4D97-AF65-F5344CB8AC3E}">
-        <p14:creationId xmlns:p14="http://schemas.microsoft.com/office/powerpoint/2010/main" xmlns="" val="369909214"/>
+        <p14:creationId xmlns:p14="http://schemas.microsoft.com/office/powerpoint/2010/main" val="369909214"/>
       </p:ext>
     </p:extLst>
   </p:cSld>
@@ -3500,7 +3502,7 @@
     </p:spTree>
     <p:extLst>
       <p:ext uri="{BB962C8B-B14F-4D97-AF65-F5344CB8AC3E}">
-        <p14:creationId xmlns:p14="http://schemas.microsoft.com/office/powerpoint/2010/main" xmlns="" val="3017200259"/>
+        <p14:creationId xmlns:p14="http://schemas.microsoft.com/office/powerpoint/2010/main" val="3017200259"/>
       </p:ext>
     </p:extLst>
   </p:cSld>
@@ -3836,7 +3838,7 @@
     </p:spTree>
     <p:extLst>
       <p:ext uri="{BB962C8B-B14F-4D97-AF65-F5344CB8AC3E}">
-        <p14:creationId xmlns:p14="http://schemas.microsoft.com/office/powerpoint/2010/main" xmlns="" val="2732314535"/>
+        <p14:creationId xmlns:p14="http://schemas.microsoft.com/office/powerpoint/2010/main" val="2732314535"/>
       </p:ext>
     </p:extLst>
   </p:cSld>
@@ -4161,7 +4163,7 @@
     </p:spTree>
     <p:extLst>
       <p:ext uri="{BB962C8B-B14F-4D97-AF65-F5344CB8AC3E}">
-        <p14:creationId xmlns:p14="http://schemas.microsoft.com/office/powerpoint/2010/main" xmlns="" val="2944525080"/>
+        <p14:creationId xmlns:p14="http://schemas.microsoft.com/office/powerpoint/2010/main" val="2944525080"/>
       </p:ext>
     </p:extLst>
   </p:cSld>
@@ -4620,7 +4622,7 @@
     </p:spTree>
     <p:extLst>
       <p:ext uri="{BB962C8B-B14F-4D97-AF65-F5344CB8AC3E}">
-        <p14:creationId xmlns:p14="http://schemas.microsoft.com/office/powerpoint/2010/main" xmlns="" val="2552920587"/>
+        <p14:creationId xmlns:p14="http://schemas.microsoft.com/office/powerpoint/2010/main" val="2552920587"/>
       </p:ext>
     </p:extLst>
   </p:cSld>
@@ -4822,7 +4824,7 @@
     </p:spTree>
     <p:extLst>
       <p:ext uri="{BB962C8B-B14F-4D97-AF65-F5344CB8AC3E}">
-        <p14:creationId xmlns:p14="http://schemas.microsoft.com/office/powerpoint/2010/main" xmlns="" val="746962661"/>
+        <p14:creationId xmlns:p14="http://schemas.microsoft.com/office/powerpoint/2010/main" val="746962661"/>
       </p:ext>
     </p:extLst>
   </p:cSld>
@@ -5001,7 +5003,7 @@
     </p:spTree>
     <p:extLst>
       <p:ext uri="{BB962C8B-B14F-4D97-AF65-F5344CB8AC3E}">
-        <p14:creationId xmlns:p14="http://schemas.microsoft.com/office/powerpoint/2010/main" xmlns="" val="1124397907"/>
+        <p14:creationId xmlns:p14="http://schemas.microsoft.com/office/powerpoint/2010/main" val="1124397907"/>
       </p:ext>
     </p:extLst>
   </p:cSld>
@@ -5336,7 +5338,7 @@
     </p:spTree>
     <p:extLst>
       <p:ext uri="{BB962C8B-B14F-4D97-AF65-F5344CB8AC3E}">
-        <p14:creationId xmlns:p14="http://schemas.microsoft.com/office/powerpoint/2010/main" xmlns="" val="767815197"/>
+        <p14:creationId xmlns:p14="http://schemas.microsoft.com/office/powerpoint/2010/main" val="767815197"/>
       </p:ext>
     </p:extLst>
   </p:cSld>
@@ -5688,7 +5690,7 @@
     </p:spTree>
     <p:extLst>
       <p:ext uri="{BB962C8B-B14F-4D97-AF65-F5344CB8AC3E}">
-        <p14:creationId xmlns:p14="http://schemas.microsoft.com/office/powerpoint/2010/main" xmlns="" val="2825805858"/>
+        <p14:creationId xmlns:p14="http://schemas.microsoft.com/office/powerpoint/2010/main" val="2825805858"/>
       </p:ext>
     </p:extLst>
   </p:cSld>
@@ -7691,7 +7693,7 @@
     </p:spTree>
     <p:extLst>
       <p:ext uri="{BB962C8B-B14F-4D97-AF65-F5344CB8AC3E}">
-        <p14:creationId xmlns:p14="http://schemas.microsoft.com/office/powerpoint/2010/main" xmlns="" val="3788863745"/>
+        <p14:creationId xmlns:p14="http://schemas.microsoft.com/office/powerpoint/2010/main" val="3788863745"/>
       </p:ext>
     </p:extLst>
   </p:cSld>
@@ -8266,7 +8268,7 @@
     </p:spTree>
     <p:extLst>
       <p:ext uri="{BB962C8B-B14F-4D97-AF65-F5344CB8AC3E}">
-        <p14:creationId xmlns:p14="http://schemas.microsoft.com/office/powerpoint/2010/main" xmlns="" val="2724423283"/>
+        <p14:creationId xmlns:p14="http://schemas.microsoft.com/office/powerpoint/2010/main" val="2724423283"/>
       </p:ext>
     </p:extLst>
   </p:cSld>
@@ -8350,7 +8352,7 @@
           <a:blip r:embed="rId2" cstate="print">
             <a:extLst>
               <a:ext uri="{28A0092B-C50C-407E-A947-70E740481C1C}">
-                <a14:useLocalDpi xmlns:a14="http://schemas.microsoft.com/office/drawing/2010/main" xmlns="" val="0"/>
+                <a14:useLocalDpi xmlns:a14="http://schemas.microsoft.com/office/drawing/2010/main" val="0"/>
               </a:ext>
             </a:extLst>
           </a:blip>
@@ -8397,7 +8399,7 @@
     </p:spTree>
     <p:extLst>
       <p:ext uri="{BB962C8B-B14F-4D97-AF65-F5344CB8AC3E}">
-        <p14:creationId xmlns:p14="http://schemas.microsoft.com/office/powerpoint/2010/main" xmlns="" val="110383111"/>
+        <p14:creationId xmlns:p14="http://schemas.microsoft.com/office/powerpoint/2010/main" val="110383111"/>
       </p:ext>
     </p:extLst>
   </p:cSld>
@@ -11109,102 +11111,8 @@
         </p:blipFill>
         <p:spPr bwMode="auto">
           <a:xfrm>
-            <a:off x="2255520" y="987367"/>
-            <a:ext cx="8554720" cy="5728393"/>
-          </a:xfrm>
-          <a:prstGeom prst="rect">
-            <a:avLst/>
-          </a:prstGeom>
-          <a:noFill/>
-        </p:spPr>
-      </p:pic>
-    </p:spTree>
-    <p:extLst>
-      <p:ext uri="{BB962C8B-B14F-4D97-AF65-F5344CB8AC3E}">
-        <p14:creationId xmlns:p14="http://schemas.microsoft.com/office/powerpoint/2010/main" xmlns="" val="1974539145"/>
-      </p:ext>
-    </p:extLst>
-  </p:cSld>
-  <p:clrMapOvr>
-    <a:masterClrMapping/>
-  </p:clrMapOvr>
-</p:sld>
-</file>
-
-<file path=ppt/slides/slide19.xml><?xml version="1.0" encoding="utf-8"?>
-<p:sld xmlns:a="http://schemas.openxmlformats.org/drawingml/2006/main" xmlns:r="http://schemas.openxmlformats.org/officeDocument/2006/relationships" xmlns:p="http://schemas.openxmlformats.org/presentationml/2006/main">
-  <p:cSld>
-    <p:spTree>
-      <p:nvGrpSpPr>
-        <p:cNvPr id="1" name=""/>
-        <p:cNvGrpSpPr/>
-        <p:nvPr/>
-      </p:nvGrpSpPr>
-      <p:grpSpPr>
-        <a:xfrm>
-          <a:off x="0" y="0"/>
-          <a:ext cx="0" cy="0"/>
-          <a:chOff x="0" y="0"/>
-          <a:chExt cx="0" cy="0"/>
-        </a:xfrm>
-      </p:grpSpPr>
-      <p:sp>
-        <p:nvSpPr>
-          <p:cNvPr id="2" name="Title 1"/>
-          <p:cNvSpPr>
-            <a:spLocks noGrp="1"/>
-          </p:cNvSpPr>
-          <p:nvPr>
-            <p:ph type="title"/>
-          </p:nvPr>
-        </p:nvSpPr>
-        <p:spPr>
-          <a:xfrm>
-            <a:off x="2592925" y="624110"/>
-            <a:ext cx="8911687" cy="780484"/>
-          </a:xfrm>
-        </p:spPr>
-        <p:txBody>
-          <a:bodyPr/>
-          <a:lstStyle/>
-          <a:p>
-            <a:pPr algn="ctr"/>
-            <a:r>
-              <a:rPr lang="en-US" dirty="0" smtClean="0"/>
-              <a:t>ER </a:t>
-            </a:r>
-            <a:r>
-              <a:rPr lang="en-US" dirty="0" smtClean="0">
-                <a:latin typeface="Algerian" panose="04020705040A02060702" pitchFamily="82" charset="0"/>
-              </a:rPr>
-              <a:t>DIAGRAM</a:t>
-            </a:r>
-            <a:endParaRPr lang="en-IN" dirty="0">
-              <a:latin typeface="Algerian" panose="04020705040A02060702" pitchFamily="82" charset="0"/>
-            </a:endParaRPr>
-          </a:p>
-        </p:txBody>
-      </p:sp>
-      <p:pic>
-        <p:nvPicPr>
-          <p:cNvPr id="4" name="Content Placeholder 3"/>
-          <p:cNvPicPr>
-            <a:picLocks noGrp="1" noChangeAspect="1"/>
-          </p:cNvPicPr>
-          <p:nvPr>
-            <p:ph idx="1"/>
-          </p:nvPr>
-        </p:nvPicPr>
-        <p:blipFill>
-          <a:blip r:embed="rId2" cstate="print"/>
-          <a:stretch>
-            <a:fillRect/>
-          </a:stretch>
-        </p:blipFill>
-        <p:spPr>
-          <a:xfrm>
-            <a:off x="2451698" y="1404594"/>
-            <a:ext cx="9124417" cy="4685720"/>
+            <a:off x="2198958" y="989814"/>
+            <a:ext cx="9405437" cy="5622251"/>
           </a:xfrm>
           <a:prstGeom prst="roundRect">
             <a:avLst>
@@ -11237,6 +11145,132 @@
           </a:sp3d>
         </p:spPr>
       </p:pic>
+    </p:spTree>
+    <p:extLst>
+      <p:ext uri="{BB962C8B-B14F-4D97-AF65-F5344CB8AC3E}">
+        <p14:creationId xmlns:p14="http://schemas.microsoft.com/office/powerpoint/2010/main" val="1974539145"/>
+      </p:ext>
+    </p:extLst>
+  </p:cSld>
+  <p:clrMapOvr>
+    <a:masterClrMapping/>
+  </p:clrMapOvr>
+  <p:timing>
+    <p:tnLst>
+      <p:par>
+        <p:cTn id="1" dur="indefinite" restart="never" nodeType="tmRoot"/>
+      </p:par>
+    </p:tnLst>
+  </p:timing>
+</p:sld>
+</file>
+
+<file path=ppt/slides/slide19.xml><?xml version="1.0" encoding="utf-8"?>
+<p:sld xmlns:a="http://schemas.openxmlformats.org/drawingml/2006/main" xmlns:r="http://schemas.openxmlformats.org/officeDocument/2006/relationships" xmlns:p="http://schemas.openxmlformats.org/presentationml/2006/main">
+  <p:cSld>
+    <p:spTree>
+      <p:nvGrpSpPr>
+        <p:cNvPr id="1" name=""/>
+        <p:cNvGrpSpPr/>
+        <p:nvPr/>
+      </p:nvGrpSpPr>
+      <p:grpSpPr>
+        <a:xfrm>
+          <a:off x="0" y="0"/>
+          <a:ext cx="0" cy="0"/>
+          <a:chOff x="0" y="0"/>
+          <a:chExt cx="0" cy="0"/>
+        </a:xfrm>
+      </p:grpSpPr>
+      <p:sp>
+        <p:nvSpPr>
+          <p:cNvPr id="2" name="Title 1"/>
+          <p:cNvSpPr>
+            <a:spLocks noGrp="1"/>
+          </p:cNvSpPr>
+          <p:nvPr>
+            <p:ph type="title"/>
+          </p:nvPr>
+        </p:nvSpPr>
+        <p:spPr>
+          <a:xfrm>
+            <a:off x="2592925" y="624110"/>
+            <a:ext cx="8911687" cy="780484"/>
+          </a:xfrm>
+        </p:spPr>
+        <p:txBody>
+          <a:bodyPr/>
+          <a:lstStyle/>
+          <a:p>
+            <a:pPr algn="ctr"/>
+            <a:r>
+              <a:rPr lang="en-US" dirty="0" smtClean="0"/>
+              <a:t>ER </a:t>
+            </a:r>
+            <a:r>
+              <a:rPr lang="en-US" dirty="0" smtClean="0">
+                <a:latin typeface="Algerian" panose="04020705040A02060702" pitchFamily="82" charset="0"/>
+              </a:rPr>
+              <a:t>DIAGRAM</a:t>
+            </a:r>
+            <a:endParaRPr lang="en-IN" dirty="0">
+              <a:latin typeface="Algerian" panose="04020705040A02060702" pitchFamily="82" charset="0"/>
+            </a:endParaRPr>
+          </a:p>
+        </p:txBody>
+      </p:sp>
+      <p:pic>
+        <p:nvPicPr>
+          <p:cNvPr id="4" name="Content Placeholder 3"/>
+          <p:cNvPicPr>
+            <a:picLocks noGrp="1" noChangeAspect="1"/>
+          </p:cNvPicPr>
+          <p:nvPr>
+            <p:ph idx="1"/>
+          </p:nvPr>
+        </p:nvPicPr>
+        <p:blipFill>
+          <a:blip r:embed="rId2" cstate="print"/>
+          <a:stretch>
+            <a:fillRect/>
+          </a:stretch>
+        </p:blipFill>
+        <p:spPr>
+          <a:xfrm>
+            <a:off x="2451698" y="1404594"/>
+            <a:ext cx="9124417" cy="4685720"/>
+          </a:xfrm>
+          <a:prstGeom prst="roundRect">
+            <a:avLst>
+              <a:gd name="adj" fmla="val 4167"/>
+            </a:avLst>
+          </a:prstGeom>
+          <a:solidFill>
+            <a:srgbClr val="FFFFFF"/>
+          </a:solidFill>
+          <a:ln w="76200" cap="sq">
+            <a:solidFill>
+              <a:srgbClr val="292929"/>
+            </a:solidFill>
+            <a:miter lim="800000"/>
+          </a:ln>
+          <a:effectLst>
+            <a:reflection blurRad="12700" stA="28000" endPos="28000" dist="5000" dir="5400000" sy="-100000" algn="bl" rotWithShape="0"/>
+          </a:effectLst>
+          <a:scene3d>
+            <a:camera prst="orthographicFront"/>
+            <a:lightRig rig="threePt" dir="t">
+              <a:rot lat="0" lon="0" rev="2700000"/>
+            </a:lightRig>
+          </a:scene3d>
+          <a:sp3d>
+            <a:bevelT h="38100"/>
+            <a:contourClr>
+              <a:srgbClr val="C0C0C0"/>
+            </a:contourClr>
+          </a:sp3d>
+        </p:spPr>
+      </p:pic>
       <p:sp>
         <p:nvSpPr>
           <p:cNvPr id="5" name="TextBox 4"/>
@@ -11275,7 +11309,7 @@
     </p:spTree>
     <p:extLst>
       <p:ext uri="{BB962C8B-B14F-4D97-AF65-F5344CB8AC3E}">
-        <p14:creationId xmlns:p14="http://schemas.microsoft.com/office/powerpoint/2010/main" xmlns="" val="1717095262"/>
+        <p14:creationId xmlns:p14="http://schemas.microsoft.com/office/powerpoint/2010/main" val="1717095262"/>
       </p:ext>
     </p:extLst>
   </p:cSld>
@@ -11495,7 +11529,7 @@
     </p:spTree>
     <p:extLst>
       <p:ext uri="{BB962C8B-B14F-4D97-AF65-F5344CB8AC3E}">
-        <p14:creationId xmlns:p14="http://schemas.microsoft.com/office/powerpoint/2010/main" xmlns="" val="2052618121"/>
+        <p14:creationId xmlns:p14="http://schemas.microsoft.com/office/powerpoint/2010/main" val="2052618121"/>
       </p:ext>
     </p:extLst>
   </p:cSld>
@@ -11574,7 +11608,7 @@
         </p:nvSpPr>
         <p:spPr>
           <a:xfrm>
-            <a:off x="3978111" y="6384973"/>
+            <a:off x="3525624" y="6366120"/>
             <a:ext cx="6344240" cy="369332"/>
           </a:xfrm>
           <a:prstGeom prst="rect">
@@ -11616,40 +11650,44 @@
         </p:blipFill>
         <p:spPr bwMode="auto">
           <a:xfrm>
-            <a:off x="2761488" y="1381351"/>
-            <a:ext cx="7936992" cy="4731479"/>
-          </a:xfrm>
-          <a:prstGeom prst="rect">
-            <a:avLst/>
+            <a:off x="2007909" y="1381351"/>
+            <a:ext cx="9605914" cy="4731479"/>
+          </a:xfrm>
+          <a:prstGeom prst="roundRect">
+            <a:avLst>
+              <a:gd name="adj" fmla="val 4167"/>
+            </a:avLst>
           </a:prstGeom>
-          <a:noFill/>
-          <a:ln>
-            <a:noFill/>
+          <a:solidFill>
+            <a:srgbClr val="FFFFFF"/>
+          </a:solidFill>
+          <a:ln w="76200" cap="sq">
+            <a:solidFill>
+              <a:srgbClr val="292929"/>
+            </a:solidFill>
+            <a:miter lim="800000"/>
           </a:ln>
           <a:effectLst>
-            <a:outerShdw blurRad="44450" dist="27940" dir="5400000" algn="ctr">
-              <a:srgbClr val="000000">
-                <a:alpha val="32000"/>
-              </a:srgbClr>
-            </a:outerShdw>
+            <a:reflection blurRad="12700" stA="28000" endPos="28000" dist="5000" dir="5400000" sy="-100000" algn="bl" rotWithShape="0"/>
           </a:effectLst>
           <a:scene3d>
-            <a:camera prst="orthographicFront">
-              <a:rot lat="0" lon="0" rev="0"/>
-            </a:camera>
-            <a:lightRig rig="balanced" dir="t">
-              <a:rot lat="0" lon="0" rev="8700000"/>
+            <a:camera prst="orthographicFront"/>
+            <a:lightRig rig="threePt" dir="t">
+              <a:rot lat="0" lon="0" rev="2700000"/>
             </a:lightRig>
           </a:scene3d>
           <a:sp3d>
-            <a:bevelT w="190500" h="38100"/>
+            <a:bevelT h="38100"/>
+            <a:contourClr>
+              <a:srgbClr val="C0C0C0"/>
+            </a:contourClr>
           </a:sp3d>
         </p:spPr>
       </p:pic>
     </p:spTree>
     <p:extLst>
       <p:ext uri="{BB962C8B-B14F-4D97-AF65-F5344CB8AC3E}">
-        <p14:creationId xmlns:p14="http://schemas.microsoft.com/office/powerpoint/2010/main" xmlns="" val="2992944003"/>
+        <p14:creationId xmlns:p14="http://schemas.microsoft.com/office/powerpoint/2010/main" val="2992944003"/>
       </p:ext>
     </p:extLst>
   </p:cSld>
@@ -11737,28 +11775,53 @@
             <a:off x="1632903" y="1446848"/>
             <a:ext cx="9407274" cy="4588192"/>
           </a:xfrm>
+          <a:prstGeom prst="roundRect">
+            <a:avLst>
+              <a:gd name="adj" fmla="val 4167"/>
+            </a:avLst>
+          </a:prstGeom>
+          <a:solidFill>
+            <a:srgbClr val="FFFFFF"/>
+          </a:solidFill>
+          <a:ln w="76200" cap="sq">
+            <a:solidFill>
+              <a:srgbClr val="292929"/>
+            </a:solidFill>
+            <a:miter lim="800000"/>
+          </a:ln>
+          <a:effectLst>
+            <a:reflection blurRad="12700" stA="28000" endPos="28000" dist="5000" dir="5400000" sy="-100000" algn="bl" rotWithShape="0"/>
+          </a:effectLst>
+          <a:scene3d>
+            <a:camera prst="orthographicFront"/>
+            <a:lightRig rig="threePt" dir="t">
+              <a:rot lat="0" lon="0" rev="2700000"/>
+            </a:lightRig>
+          </a:scene3d>
+          <a:sp3d>
+            <a:bevelT h="38100"/>
+            <a:contourClr>
+              <a:srgbClr val="C0C0C0"/>
+            </a:contourClr>
+          </a:sp3d>
+        </p:spPr>
+      </p:pic>
+      <p:sp>
+        <p:nvSpPr>
+          <p:cNvPr id="6" name="TextBox 5"/>
+          <p:cNvSpPr txBox="1"/>
+          <p:nvPr/>
+        </p:nvSpPr>
+        <p:spPr>
+          <a:xfrm>
+            <a:off x="5659120" y="6278880"/>
+            <a:ext cx="1473200" cy="369332"/>
+          </a:xfrm>
           <a:prstGeom prst="rect">
             <a:avLst/>
           </a:prstGeom>
           <a:noFill/>
         </p:spPr>
-      </p:pic>
-      <p:sp>
-        <p:nvSpPr>
-          <p:cNvPr id="6" name="TextBox 5"/>
-          <p:cNvSpPr txBox="1"/>
-          <p:nvPr/>
-        </p:nvSpPr>
-        <p:spPr>
-          <a:xfrm>
-            <a:off x="5659120" y="6278880"/>
-            <a:ext cx="1473200" cy="369332"/>
-          </a:xfrm>
-          <a:prstGeom prst="rect">
-            <a:avLst/>
-          </a:prstGeom>
-          <a:noFill/>
-        </p:spPr>
         <p:txBody>
           <a:bodyPr wrap="square" rtlCol="0">
             <a:spAutoFit/>
@@ -11776,13 +11839,20 @@
     </p:spTree>
     <p:extLst>
       <p:ext uri="{BB962C8B-B14F-4D97-AF65-F5344CB8AC3E}">
-        <p14:creationId xmlns:p14="http://schemas.microsoft.com/office/powerpoint/2010/main" xmlns="" val="3059376019"/>
+        <p14:creationId xmlns:p14="http://schemas.microsoft.com/office/powerpoint/2010/main" val="3059376019"/>
       </p:ext>
     </p:extLst>
   </p:cSld>
   <p:clrMapOvr>
     <a:masterClrMapping/>
   </p:clrMapOvr>
+  <p:timing>
+    <p:tnLst>
+      <p:par>
+        <p:cTn id="1" dur="indefinite" restart="never" nodeType="tmRoot"/>
+      </p:par>
+    </p:tnLst>
+  </p:timing>
 </p:sld>
 </file>
 
@@ -11857,10 +11927,35 @@
             <a:off x="2156778" y="1306514"/>
             <a:ext cx="8399462" cy="5069466"/>
           </a:xfrm>
-          <a:prstGeom prst="rect">
-            <a:avLst/>
+          <a:prstGeom prst="roundRect">
+            <a:avLst>
+              <a:gd name="adj" fmla="val 4167"/>
+            </a:avLst>
           </a:prstGeom>
-          <a:noFill/>
+          <a:solidFill>
+            <a:srgbClr val="FFFFFF"/>
+          </a:solidFill>
+          <a:ln w="76200" cap="sq">
+            <a:solidFill>
+              <a:srgbClr val="292929"/>
+            </a:solidFill>
+            <a:miter lim="800000"/>
+          </a:ln>
+          <a:effectLst>
+            <a:reflection blurRad="12700" stA="28000" endPos="28000" dist="5000" dir="5400000" sy="-100000" algn="bl" rotWithShape="0"/>
+          </a:effectLst>
+          <a:scene3d>
+            <a:camera prst="orthographicFront"/>
+            <a:lightRig rig="threePt" dir="t">
+              <a:rot lat="0" lon="0" rev="2700000"/>
+            </a:lightRig>
+          </a:scene3d>
+          <a:sp3d>
+            <a:bevelT h="38100"/>
+            <a:contourClr>
+              <a:srgbClr val="C0C0C0"/>
+            </a:contourClr>
+          </a:sp3d>
         </p:spPr>
       </p:pic>
       <p:sp>
@@ -11886,15 +11981,7 @@
           <a:p>
             <a:r>
               <a:rPr lang="en-IN" b="1" dirty="0" smtClean="0"/>
-              <a:t>Level </a:t>
-            </a:r>
-            <a:r>
-              <a:rPr lang="en-IN" b="1" dirty="0" smtClean="0"/>
-              <a:t>1 </a:t>
-            </a:r>
-            <a:r>
-              <a:rPr lang="en-IN" b="1" dirty="0" smtClean="0"/>
-              <a:t>DFD</a:t>
+              <a:t>Level 1 DFD</a:t>
             </a:r>
             <a:endParaRPr lang="en-US" b="1" dirty="0"/>
           </a:p>
@@ -11903,13 +11990,20 @@
     </p:spTree>
     <p:extLst>
       <p:ext uri="{BB962C8B-B14F-4D97-AF65-F5344CB8AC3E}">
-        <p14:creationId xmlns:p14="http://schemas.microsoft.com/office/powerpoint/2010/main" xmlns="" val="3059376019"/>
+        <p14:creationId xmlns:p14="http://schemas.microsoft.com/office/powerpoint/2010/main" val="3059376019"/>
       </p:ext>
     </p:extLst>
   </p:cSld>
   <p:clrMapOvr>
     <a:masterClrMapping/>
   </p:clrMapOvr>
+  <p:timing>
+    <p:tnLst>
+      <p:par>
+        <p:cTn id="1" dur="indefinite" restart="never" nodeType="tmRoot"/>
+      </p:par>
+    </p:tnLst>
+  </p:timing>
 </p:sld>
 </file>
 
@@ -11981,47 +12075,64 @@
         </p:blipFill>
         <p:spPr bwMode="auto">
           <a:xfrm>
-            <a:off x="2464595" y="1301952"/>
-            <a:ext cx="7238205" cy="5085860"/>
+            <a:off x="1946120" y="1301952"/>
+            <a:ext cx="9083240" cy="5085860"/>
+          </a:xfrm>
+          <a:prstGeom prst="roundRect">
+            <a:avLst>
+              <a:gd name="adj" fmla="val 4167"/>
+            </a:avLst>
+          </a:prstGeom>
+          <a:solidFill>
+            <a:srgbClr val="FFFFFF"/>
+          </a:solidFill>
+          <a:ln w="76200" cap="sq">
+            <a:solidFill>
+              <a:srgbClr val="292929"/>
+            </a:solidFill>
+            <a:miter lim="800000"/>
+          </a:ln>
+          <a:effectLst>
+            <a:reflection blurRad="12700" stA="28000" endPos="28000" dist="5000" dir="5400000" sy="-100000" algn="bl" rotWithShape="0"/>
+          </a:effectLst>
+          <a:scene3d>
+            <a:camera prst="orthographicFront"/>
+            <a:lightRig rig="threePt" dir="t">
+              <a:rot lat="0" lon="0" rev="2700000"/>
+            </a:lightRig>
+          </a:scene3d>
+          <a:sp3d>
+            <a:bevelT h="38100"/>
+            <a:contourClr>
+              <a:srgbClr val="C0C0C0"/>
+            </a:contourClr>
+          </a:sp3d>
+        </p:spPr>
+      </p:pic>
+      <p:sp>
+        <p:nvSpPr>
+          <p:cNvPr id="5" name="Rectangle 4"/>
+          <p:cNvSpPr/>
+          <p:nvPr/>
+        </p:nvSpPr>
+        <p:spPr>
+          <a:xfrm>
+            <a:off x="5340103" y="6488668"/>
+            <a:ext cx="1459054" cy="369332"/>
           </a:xfrm>
           <a:prstGeom prst="rect">
             <a:avLst/>
           </a:prstGeom>
-          <a:noFill/>
-        </p:spPr>
-      </p:pic>
-      <p:sp>
-        <p:nvSpPr>
-          <p:cNvPr id="5" name="Rectangle 4"/>
-          <p:cNvSpPr/>
-          <p:nvPr/>
-        </p:nvSpPr>
-        <p:spPr>
-          <a:xfrm>
-            <a:off x="5183593" y="6488668"/>
-            <a:ext cx="1459054" cy="369332"/>
-          </a:xfrm>
-          <a:prstGeom prst="rect">
-            <a:avLst/>
-          </a:prstGeom>
-        </p:spPr>
-        <p:txBody>
-          <a:bodyPr wrap="none">
+        </p:spPr>
+        <p:txBody>
+          <a:bodyPr wrap="square">
             <a:spAutoFit/>
           </a:bodyPr>
           <a:lstStyle/>
           <a:p>
             <a:r>
               <a:rPr lang="en-IN" b="1" dirty="0" smtClean="0"/>
-              <a:t>Level </a:t>
-            </a:r>
-            <a:r>
-              <a:rPr lang="en-IN" b="1" dirty="0" smtClean="0"/>
-              <a:t>2 </a:t>
-            </a:r>
-            <a:r>
-              <a:rPr lang="en-IN" b="1" dirty="0" smtClean="0"/>
-              <a:t>DFD</a:t>
+              <a:t>Level 2 DFD</a:t>
             </a:r>
             <a:endParaRPr lang="en-US" b="1" dirty="0"/>
           </a:p>
@@ -12030,7 +12141,7 @@
     </p:spTree>
     <p:extLst>
       <p:ext uri="{BB962C8B-B14F-4D97-AF65-F5344CB8AC3E}">
-        <p14:creationId xmlns:p14="http://schemas.microsoft.com/office/powerpoint/2010/main" xmlns="" val="3059376019"/>
+        <p14:creationId xmlns:p14="http://schemas.microsoft.com/office/powerpoint/2010/main" val="3059376019"/>
       </p:ext>
     </p:extLst>
   </p:cSld>
@@ -12213,7 +12324,7 @@
     </p:spTree>
     <p:extLst>
       <p:ext uri="{BB962C8B-B14F-4D97-AF65-F5344CB8AC3E}">
-        <p14:creationId xmlns:p14="http://schemas.microsoft.com/office/powerpoint/2010/main" xmlns="" val="3968908613"/>
+        <p14:creationId xmlns:p14="http://schemas.microsoft.com/office/powerpoint/2010/main" val="3968908613"/>
       </p:ext>
     </p:extLst>
   </p:cSld>
@@ -12450,7 +12561,7 @@
     </p:spTree>
     <p:extLst>
       <p:ext uri="{BB962C8B-B14F-4D97-AF65-F5344CB8AC3E}">
-        <p14:creationId xmlns:p14="http://schemas.microsoft.com/office/powerpoint/2010/main" xmlns="" val="1379778435"/>
+        <p14:creationId xmlns:p14="http://schemas.microsoft.com/office/powerpoint/2010/main" val="1379778435"/>
       </p:ext>
     </p:extLst>
   </p:cSld>
@@ -12555,7 +12666,7 @@
     </p:spTree>
     <p:extLst>
       <p:ext uri="{BB962C8B-B14F-4D97-AF65-F5344CB8AC3E}">
-        <p14:creationId xmlns:p14="http://schemas.microsoft.com/office/powerpoint/2010/main" xmlns="" val="3097096989"/>
+        <p14:creationId xmlns:p14="http://schemas.microsoft.com/office/powerpoint/2010/main" val="3097096989"/>
       </p:ext>
     </p:extLst>
   </p:cSld>
@@ -12658,7 +12769,7 @@
     </p:spTree>
     <p:extLst>
       <p:ext uri="{BB962C8B-B14F-4D97-AF65-F5344CB8AC3E}">
-        <p14:creationId xmlns:p14="http://schemas.microsoft.com/office/powerpoint/2010/main" xmlns="" val="3184472628"/>
+        <p14:creationId xmlns:p14="http://schemas.microsoft.com/office/powerpoint/2010/main" val="3184472628"/>
       </p:ext>
     </p:extLst>
   </p:cSld>
@@ -12883,7 +12994,7 @@
     </p:spTree>
     <p:extLst>
       <p:ext uri="{BB962C8B-B14F-4D97-AF65-F5344CB8AC3E}">
-        <p14:creationId xmlns:p14="http://schemas.microsoft.com/office/powerpoint/2010/main" xmlns="" val="1027228061"/>
+        <p14:creationId xmlns:p14="http://schemas.microsoft.com/office/powerpoint/2010/main" val="1027228061"/>
       </p:ext>
     </p:extLst>
   </p:cSld>
@@ -13038,7 +13149,7 @@
     </p:spTree>
     <p:extLst>
       <p:ext uri="{BB962C8B-B14F-4D97-AF65-F5344CB8AC3E}">
-        <p14:creationId xmlns:p14="http://schemas.microsoft.com/office/powerpoint/2010/main" xmlns="" val="2020973106"/>
+        <p14:creationId xmlns:p14="http://schemas.microsoft.com/office/powerpoint/2010/main" val="2020973106"/>
       </p:ext>
     </p:extLst>
   </p:cSld>
@@ -13119,7 +13230,7 @@
           <a:blip r:embed="rId2" cstate="print">
             <a:extLst>
               <a:ext uri="{28A0092B-C50C-407E-A947-70E740481C1C}">
-                <a14:useLocalDpi xmlns:a14="http://schemas.microsoft.com/office/drawing/2010/main" xmlns="" val="0"/>
+                <a14:useLocalDpi xmlns:a14="http://schemas.microsoft.com/office/drawing/2010/main" val="0"/>
               </a:ext>
             </a:extLst>
           </a:blip>
@@ -13166,7 +13277,7 @@
     </p:spTree>
     <p:extLst>
       <p:ext uri="{BB962C8B-B14F-4D97-AF65-F5344CB8AC3E}">
-        <p14:creationId xmlns:p14="http://schemas.microsoft.com/office/powerpoint/2010/main" xmlns="" val="551090893"/>
+        <p14:creationId xmlns:p14="http://schemas.microsoft.com/office/powerpoint/2010/main" val="551090893"/>
       </p:ext>
     </p:extLst>
   </p:cSld>
@@ -13618,6 +13729,13 @@
   <p:clrMapOvr>
     <a:masterClrMapping/>
   </p:clrMapOvr>
+  <p:timing>
+    <p:tnLst>
+      <p:par>
+        <p:cTn id="1" dur="indefinite" restart="never" nodeType="tmRoot"/>
+      </p:par>
+    </p:tnLst>
+  </p:timing>
 </p:sld>
 </file>
 
@@ -14160,7 +14278,7 @@
     </p:spTree>
     <p:extLst>
       <p:ext uri="{BB962C8B-B14F-4D97-AF65-F5344CB8AC3E}">
-        <p14:creationId xmlns:p14="http://schemas.microsoft.com/office/powerpoint/2010/main" xmlns="" val="1361238431"/>
+        <p14:creationId xmlns:p14="http://schemas.microsoft.com/office/powerpoint/2010/main" val="1361238431"/>
       </p:ext>
     </p:extLst>
   </p:cSld>
@@ -15262,7 +15380,7 @@
     </p:spTree>
     <p:extLst>
       <p:ext uri="{BB962C8B-B14F-4D97-AF65-F5344CB8AC3E}">
-        <p14:creationId xmlns:p14="http://schemas.microsoft.com/office/powerpoint/2010/main" xmlns="" val="2347577460"/>
+        <p14:creationId xmlns:p14="http://schemas.microsoft.com/office/powerpoint/2010/main" val="2347577460"/>
       </p:ext>
     </p:extLst>
   </p:cSld>
@@ -15345,7 +15463,7 @@
     </p:spTree>
     <p:extLst>
       <p:ext uri="{BB962C8B-B14F-4D97-AF65-F5344CB8AC3E}">
-        <p14:creationId xmlns:p14="http://schemas.microsoft.com/office/powerpoint/2010/main" xmlns="" val="1912276581"/>
+        <p14:creationId xmlns:p14="http://schemas.microsoft.com/office/powerpoint/2010/main" val="1912276581"/>
       </p:ext>
     </p:extLst>
   </p:cSld>
@@ -15561,7 +15679,7 @@
     </p:spTree>
     <p:extLst>
       <p:ext uri="{BB962C8B-B14F-4D97-AF65-F5344CB8AC3E}">
-        <p14:creationId xmlns:p14="http://schemas.microsoft.com/office/powerpoint/2010/main" xmlns="" val="2625934534"/>
+        <p14:creationId xmlns:p14="http://schemas.microsoft.com/office/powerpoint/2010/main" val="2625934534"/>
       </p:ext>
     </p:extLst>
   </p:cSld>
@@ -15724,7 +15842,7 @@
     </p:spTree>
     <p:extLst>
       <p:ext uri="{BB962C8B-B14F-4D97-AF65-F5344CB8AC3E}">
-        <p14:creationId xmlns:p14="http://schemas.microsoft.com/office/powerpoint/2010/main" xmlns="" val="1400058215"/>
+        <p14:creationId xmlns:p14="http://schemas.microsoft.com/office/powerpoint/2010/main" val="1400058215"/>
       </p:ext>
     </p:extLst>
   </p:cSld>
@@ -15950,7 +16068,7 @@
     </p:spTree>
     <p:extLst>
       <p:ext uri="{BB962C8B-B14F-4D97-AF65-F5344CB8AC3E}">
-        <p14:creationId xmlns:p14="http://schemas.microsoft.com/office/powerpoint/2010/main" xmlns="" val="1165276255"/>
+        <p14:creationId xmlns:p14="http://schemas.microsoft.com/office/powerpoint/2010/main" val="1165276255"/>
       </p:ext>
     </p:extLst>
   </p:cSld>
@@ -16099,7 +16217,7 @@
     </p:spTree>
     <p:extLst>
       <p:ext uri="{BB962C8B-B14F-4D97-AF65-F5344CB8AC3E}">
-        <p14:creationId xmlns:p14="http://schemas.microsoft.com/office/powerpoint/2010/main" xmlns="" val="2972335740"/>
+        <p14:creationId xmlns:p14="http://schemas.microsoft.com/office/powerpoint/2010/main" val="2972335740"/>
       </p:ext>
     </p:extLst>
   </p:cSld>
@@ -16311,7 +16429,7 @@
           <a:blip r:embed="rId2" cstate="print">
             <a:extLst>
               <a:ext uri="{28A0092B-C50C-407E-A947-70E740481C1C}">
-                <a14:useLocalDpi xmlns:a14="http://schemas.microsoft.com/office/drawing/2010/main" xmlns="" val="0"/>
+                <a14:useLocalDpi xmlns:a14="http://schemas.microsoft.com/office/drawing/2010/main" val="0"/>
               </a:ext>
             </a:extLst>
           </a:blip>
@@ -16367,7 +16485,7 @@
           <a:blip r:embed="rId3" cstate="print">
             <a:extLst>
               <a:ext uri="{28A0092B-C50C-407E-A947-70E740481C1C}">
-                <a14:useLocalDpi xmlns:a14="http://schemas.microsoft.com/office/drawing/2010/main" xmlns="" val="0"/>
+                <a14:useLocalDpi xmlns:a14="http://schemas.microsoft.com/office/drawing/2010/main" val="0"/>
               </a:ext>
             </a:extLst>
           </a:blip>
@@ -16552,7 +16670,7 @@
           <a:blip r:embed="rId2" cstate="print">
             <a:extLst>
               <a:ext uri="{28A0092B-C50C-407E-A947-70E740481C1C}">
-                <a14:useLocalDpi xmlns:a14="http://schemas.microsoft.com/office/drawing/2010/main" xmlns="" val="0"/>
+                <a14:useLocalDpi xmlns:a14="http://schemas.microsoft.com/office/drawing/2010/main" val="0"/>
               </a:ext>
             </a:extLst>
           </a:blip>
@@ -16599,7 +16717,7 @@
     </p:spTree>
     <p:extLst>
       <p:ext uri="{BB962C8B-B14F-4D97-AF65-F5344CB8AC3E}">
-        <p14:creationId xmlns:p14="http://schemas.microsoft.com/office/powerpoint/2010/main" xmlns="" val="2841187319"/>
+        <p14:creationId xmlns:p14="http://schemas.microsoft.com/office/powerpoint/2010/main" val="2841187319"/>
       </p:ext>
     </p:extLst>
   </p:cSld>
@@ -16853,7 +16971,7 @@
   <a:extraClrSchemeLst/>
   <a:extLst>
     <a:ext uri="{05A4C25C-085E-4340-85A3-A5531E510DB2}">
-      <thm15:themeFamily xmlns:thm15="http://schemas.microsoft.com/office/thememl/2012/main" xmlns="" name="Wisp" id="{7CB32D59-10C0-40DD-B7BD-2E94284A981C}" vid="{F20B7C8E-B819-43F3-AAF9-EE50B1A83630}"/>
+      <thm15:themeFamily xmlns:thm15="http://schemas.microsoft.com/office/thememl/2012/main" name="Wisp" id="{7CB32D59-10C0-40DD-B7BD-2E94284A981C}" vid="{F20B7C8E-B819-43F3-AAF9-EE50B1A83630}"/>
     </a:ext>
   </a:extLst>
 </a:theme>
@@ -17114,7 +17232,7 @@
   <a:extraClrSchemeLst/>
   <a:extLst>
     <a:ext uri="{05A4C25C-085E-4340-85A3-A5531E510DB2}">
-      <thm15:themeFamily xmlns:thm15="http://schemas.microsoft.com/office/thememl/2012/main" xmlns="" name="Office Theme" id="{62F939B6-93AF-4DB8-9C6B-D6C7DFDC589F}" vid="{4A3C46E8-61CC-4603-A589-7422A47A8E4A}"/>
+      <thm15:themeFamily xmlns:thm15="http://schemas.microsoft.com/office/thememl/2012/main" name="Office Theme" id="{62F939B6-93AF-4DB8-9C6B-D6C7DFDC589F}" vid="{4A3C46E8-61CC-4603-A589-7422A47A8E4A}"/>
     </a:ext>
   </a:extLst>
 </a:theme>

--- a/Project letrature/IMAGE_STEGNOGRAPHY_USING_PYTHON.pptx
+++ b/Project letrature/IMAGE_STEGNOGRAPHY_USING_PYTHON.pptx
@@ -141,7 +141,7 @@
   </p:defaultTextStyle>
   <p:extLst>
     <p:ext uri="{521415D9-36F7-43E2-AB2F-B90AF26B5E84}">
-      <p14:sectionLst xmlns:p14="http://schemas.microsoft.com/office/powerpoint/2010/main">
+      <p14:sectionLst xmlns:p14="http://schemas.microsoft.com/office/powerpoint/2010/main" xmlns="">
         <p14:section name="Default Section" id="{1709AB17-A0DF-4151-9302-FDFCA00A6D75}">
           <p14:sldIdLst>
             <p14:sldId id="256"/>
@@ -165,8 +165,6 @@
             <p14:sldId id="264"/>
             <p14:sldId id="265"/>
             <p14:sldId id="288"/>
-            <p14:sldId id="289"/>
-            <p14:sldId id="290"/>
             <p14:sldId id="266"/>
             <p14:sldId id="267"/>
             <p14:sldId id="270"/>
@@ -182,7 +180,7 @@
       </p14:sectionLst>
     </p:ext>
     <p:ext uri="{EFAFB233-063F-42B5-8137-9DF3F51BA10A}">
-      <p15:sldGuideLst xmlns:p15="http://schemas.microsoft.com/office/powerpoint/2012/main">
+      <p15:sldGuideLst xmlns:p15="http://schemas.microsoft.com/office/powerpoint/2012/main" xmlns="">
         <p15:guide id="1" orient="horz" pos="2160">
           <p15:clr>
             <a:srgbClr val="A4A3A4"/>
@@ -204,7 +202,7 @@
   <p:cmAuthor id="1" name="Tarun Verma" initials="TV" lastIdx="2" clrIdx="0">
     <p:extLst>
       <p:ext uri="{19B8F6BF-5375-455C-9EA6-DF929625EA0E}">
-        <p15:presenceInfo xmlns:p15="http://schemas.microsoft.com/office/powerpoint/2012/main" userId="12328a8a1cac093b" providerId="Windows Live"/>
+        <p15:presenceInfo xmlns:p15="http://schemas.microsoft.com/office/powerpoint/2012/main" xmlns="" userId="12328a8a1cac093b" providerId="Windows Live"/>
       </p:ext>
     </p:extLst>
   </p:cmAuthor>
@@ -218,7 +216,7 @@
     <p:text/>
     <p:extLst>
       <p:ext uri="{C676402C-5697-4E1C-873F-D02D1690AC5C}">
-        <p15:threadingInfo xmlns:p15="http://schemas.microsoft.com/office/powerpoint/2012/main" timeZoneBias="-330"/>
+        <p15:threadingInfo xmlns:p15="http://schemas.microsoft.com/office/powerpoint/2012/main" xmlns="" timeZoneBias="-330"/>
       </p:ext>
     </p:extLst>
   </p:cm>
@@ -232,7 +230,7 @@
     <p:text/>
     <p:extLst>
       <p:ext uri="{C676402C-5697-4E1C-873F-D02D1690AC5C}">
-        <p15:threadingInfo xmlns:p15="http://schemas.microsoft.com/office/powerpoint/2012/main" timeZoneBias="-330"/>
+        <p15:threadingInfo xmlns:p15="http://schemas.microsoft.com/office/powerpoint/2012/main" xmlns="" timeZoneBias="-330"/>
       </p:ext>
     </p:extLst>
   </p:cm>
@@ -491,7 +489,7 @@
     </p:spTree>
     <p:extLst>
       <p:ext uri="{BB962C8B-B14F-4D97-AF65-F5344CB8AC3E}">
-        <p14:creationId xmlns:p14="http://schemas.microsoft.com/office/powerpoint/2010/main" val="2598052617"/>
+        <p14:creationId xmlns:p14="http://schemas.microsoft.com/office/powerpoint/2010/main" xmlns="" val="2598052617"/>
       </p:ext>
     </p:extLst>
   </p:cSld>
@@ -919,7 +917,7 @@
     </p:spTree>
     <p:extLst>
       <p:ext uri="{BB962C8B-B14F-4D97-AF65-F5344CB8AC3E}">
-        <p14:creationId xmlns:p14="http://schemas.microsoft.com/office/powerpoint/2010/main" val="2832675995"/>
+        <p14:creationId xmlns:p14="http://schemas.microsoft.com/office/powerpoint/2010/main" xmlns="" val="2832675995"/>
       </p:ext>
     </p:extLst>
   </p:cSld>
@@ -1259,7 +1257,7 @@
     </p:spTree>
     <p:extLst>
       <p:ext uri="{BB962C8B-B14F-4D97-AF65-F5344CB8AC3E}">
-        <p14:creationId xmlns:p14="http://schemas.microsoft.com/office/powerpoint/2010/main" val="1136343294"/>
+        <p14:creationId xmlns:p14="http://schemas.microsoft.com/office/powerpoint/2010/main" xmlns="" val="1136343294"/>
       </p:ext>
     </p:extLst>
   </p:cSld>
@@ -1738,7 +1736,7 @@
     </p:spTree>
     <p:extLst>
       <p:ext uri="{BB962C8B-B14F-4D97-AF65-F5344CB8AC3E}">
-        <p14:creationId xmlns:p14="http://schemas.microsoft.com/office/powerpoint/2010/main" val="1584917057"/>
+        <p14:creationId xmlns:p14="http://schemas.microsoft.com/office/powerpoint/2010/main" xmlns="" val="1584917057"/>
       </p:ext>
     </p:extLst>
   </p:cSld>
@@ -2000,7 +1998,7 @@
     </p:spTree>
     <p:extLst>
       <p:ext uri="{BB962C8B-B14F-4D97-AF65-F5344CB8AC3E}">
-        <p14:creationId xmlns:p14="http://schemas.microsoft.com/office/powerpoint/2010/main" val="1255812982"/>
+        <p14:creationId xmlns:p14="http://schemas.microsoft.com/office/powerpoint/2010/main" xmlns="" val="1255812982"/>
       </p:ext>
     </p:extLst>
   </p:cSld>
@@ -2398,7 +2396,7 @@
     </p:spTree>
     <p:extLst>
       <p:ext uri="{BB962C8B-B14F-4D97-AF65-F5344CB8AC3E}">
-        <p14:creationId xmlns:p14="http://schemas.microsoft.com/office/powerpoint/2010/main" val="3619512775"/>
+        <p14:creationId xmlns:p14="http://schemas.microsoft.com/office/powerpoint/2010/main" xmlns="" val="3619512775"/>
       </p:ext>
     </p:extLst>
   </p:cSld>
@@ -2720,7 +2718,7 @@
     </p:spTree>
     <p:extLst>
       <p:ext uri="{BB962C8B-B14F-4D97-AF65-F5344CB8AC3E}">
-        <p14:creationId xmlns:p14="http://schemas.microsoft.com/office/powerpoint/2010/main" val="3559520111"/>
+        <p14:creationId xmlns:p14="http://schemas.microsoft.com/office/powerpoint/2010/main" xmlns="" val="3559520111"/>
       </p:ext>
     </p:extLst>
   </p:cSld>
@@ -2974,7 +2972,7 @@
     </p:spTree>
     <p:extLst>
       <p:ext uri="{BB962C8B-B14F-4D97-AF65-F5344CB8AC3E}">
-        <p14:creationId xmlns:p14="http://schemas.microsoft.com/office/powerpoint/2010/main" val="1506902780"/>
+        <p14:creationId xmlns:p14="http://schemas.microsoft.com/office/powerpoint/2010/main" xmlns="" val="1506902780"/>
       </p:ext>
     </p:extLst>
   </p:cSld>
@@ -3238,7 +3236,7 @@
     </p:spTree>
     <p:extLst>
       <p:ext uri="{BB962C8B-B14F-4D97-AF65-F5344CB8AC3E}">
-        <p14:creationId xmlns:p14="http://schemas.microsoft.com/office/powerpoint/2010/main" val="369909214"/>
+        <p14:creationId xmlns:p14="http://schemas.microsoft.com/office/powerpoint/2010/main" xmlns="" val="369909214"/>
       </p:ext>
     </p:extLst>
   </p:cSld>
@@ -3502,7 +3500,7 @@
     </p:spTree>
     <p:extLst>
       <p:ext uri="{BB962C8B-B14F-4D97-AF65-F5344CB8AC3E}">
-        <p14:creationId xmlns:p14="http://schemas.microsoft.com/office/powerpoint/2010/main" val="3017200259"/>
+        <p14:creationId xmlns:p14="http://schemas.microsoft.com/office/powerpoint/2010/main" xmlns="" val="3017200259"/>
       </p:ext>
     </p:extLst>
   </p:cSld>
@@ -3838,7 +3836,7 @@
     </p:spTree>
     <p:extLst>
       <p:ext uri="{BB962C8B-B14F-4D97-AF65-F5344CB8AC3E}">
-        <p14:creationId xmlns:p14="http://schemas.microsoft.com/office/powerpoint/2010/main" val="2732314535"/>
+        <p14:creationId xmlns:p14="http://schemas.microsoft.com/office/powerpoint/2010/main" xmlns="" val="2732314535"/>
       </p:ext>
     </p:extLst>
   </p:cSld>
@@ -4163,7 +4161,7 @@
     </p:spTree>
     <p:extLst>
       <p:ext uri="{BB962C8B-B14F-4D97-AF65-F5344CB8AC3E}">
-        <p14:creationId xmlns:p14="http://schemas.microsoft.com/office/powerpoint/2010/main" val="2944525080"/>
+        <p14:creationId xmlns:p14="http://schemas.microsoft.com/office/powerpoint/2010/main" xmlns="" val="2944525080"/>
       </p:ext>
     </p:extLst>
   </p:cSld>
@@ -4622,7 +4620,7 @@
     </p:spTree>
     <p:extLst>
       <p:ext uri="{BB962C8B-B14F-4D97-AF65-F5344CB8AC3E}">
-        <p14:creationId xmlns:p14="http://schemas.microsoft.com/office/powerpoint/2010/main" val="2552920587"/>
+        <p14:creationId xmlns:p14="http://schemas.microsoft.com/office/powerpoint/2010/main" xmlns="" val="2552920587"/>
       </p:ext>
     </p:extLst>
   </p:cSld>
@@ -4824,7 +4822,7 @@
     </p:spTree>
     <p:extLst>
       <p:ext uri="{BB962C8B-B14F-4D97-AF65-F5344CB8AC3E}">
-        <p14:creationId xmlns:p14="http://schemas.microsoft.com/office/powerpoint/2010/main" val="746962661"/>
+        <p14:creationId xmlns:p14="http://schemas.microsoft.com/office/powerpoint/2010/main" xmlns="" val="746962661"/>
       </p:ext>
     </p:extLst>
   </p:cSld>
@@ -5003,7 +5001,7 @@
     </p:spTree>
     <p:extLst>
       <p:ext uri="{BB962C8B-B14F-4D97-AF65-F5344CB8AC3E}">
-        <p14:creationId xmlns:p14="http://schemas.microsoft.com/office/powerpoint/2010/main" val="1124397907"/>
+        <p14:creationId xmlns:p14="http://schemas.microsoft.com/office/powerpoint/2010/main" xmlns="" val="1124397907"/>
       </p:ext>
     </p:extLst>
   </p:cSld>
@@ -5338,7 +5336,7 @@
     </p:spTree>
     <p:extLst>
       <p:ext uri="{BB962C8B-B14F-4D97-AF65-F5344CB8AC3E}">
-        <p14:creationId xmlns:p14="http://schemas.microsoft.com/office/powerpoint/2010/main" val="767815197"/>
+        <p14:creationId xmlns:p14="http://schemas.microsoft.com/office/powerpoint/2010/main" xmlns="" val="767815197"/>
       </p:ext>
     </p:extLst>
   </p:cSld>
@@ -5690,7 +5688,7 @@
     </p:spTree>
     <p:extLst>
       <p:ext uri="{BB962C8B-B14F-4D97-AF65-F5344CB8AC3E}">
-        <p14:creationId xmlns:p14="http://schemas.microsoft.com/office/powerpoint/2010/main" val="2825805858"/>
+        <p14:creationId xmlns:p14="http://schemas.microsoft.com/office/powerpoint/2010/main" xmlns="" val="2825805858"/>
       </p:ext>
     </p:extLst>
   </p:cSld>
@@ -7693,7 +7691,7 @@
     </p:spTree>
     <p:extLst>
       <p:ext uri="{BB962C8B-B14F-4D97-AF65-F5344CB8AC3E}">
-        <p14:creationId xmlns:p14="http://schemas.microsoft.com/office/powerpoint/2010/main" val="3788863745"/>
+        <p14:creationId xmlns:p14="http://schemas.microsoft.com/office/powerpoint/2010/main" xmlns="" val="3788863745"/>
       </p:ext>
     </p:extLst>
   </p:cSld>
@@ -8268,7 +8266,7 @@
     </p:spTree>
     <p:extLst>
       <p:ext uri="{BB962C8B-B14F-4D97-AF65-F5344CB8AC3E}">
-        <p14:creationId xmlns:p14="http://schemas.microsoft.com/office/powerpoint/2010/main" val="2724423283"/>
+        <p14:creationId xmlns:p14="http://schemas.microsoft.com/office/powerpoint/2010/main" xmlns="" val="2724423283"/>
       </p:ext>
     </p:extLst>
   </p:cSld>
@@ -8352,7 +8350,7 @@
           <a:blip r:embed="rId2" cstate="print">
             <a:extLst>
               <a:ext uri="{28A0092B-C50C-407E-A947-70E740481C1C}">
-                <a14:useLocalDpi xmlns:a14="http://schemas.microsoft.com/office/drawing/2010/main" val="0"/>
+                <a14:useLocalDpi xmlns:a14="http://schemas.microsoft.com/office/drawing/2010/main" xmlns="" val="0"/>
               </a:ext>
             </a:extLst>
           </a:blip>
@@ -8399,7 +8397,7 @@
     </p:spTree>
     <p:extLst>
       <p:ext uri="{BB962C8B-B14F-4D97-AF65-F5344CB8AC3E}">
-        <p14:creationId xmlns:p14="http://schemas.microsoft.com/office/powerpoint/2010/main" val="110383111"/>
+        <p14:creationId xmlns:p14="http://schemas.microsoft.com/office/powerpoint/2010/main" xmlns="" val="110383111"/>
       </p:ext>
     </p:extLst>
   </p:cSld>
@@ -11111,8 +11109,102 @@
         </p:blipFill>
         <p:spPr bwMode="auto">
           <a:xfrm>
-            <a:off x="2198958" y="989814"/>
-            <a:ext cx="9405437" cy="5622251"/>
+            <a:off x="2255520" y="987367"/>
+            <a:ext cx="8554720" cy="5728393"/>
+          </a:xfrm>
+          <a:prstGeom prst="rect">
+            <a:avLst/>
+          </a:prstGeom>
+          <a:noFill/>
+        </p:spPr>
+      </p:pic>
+    </p:spTree>
+    <p:extLst>
+      <p:ext uri="{BB962C8B-B14F-4D97-AF65-F5344CB8AC3E}">
+        <p14:creationId xmlns:p14="http://schemas.microsoft.com/office/powerpoint/2010/main" xmlns="" val="1974539145"/>
+      </p:ext>
+    </p:extLst>
+  </p:cSld>
+  <p:clrMapOvr>
+    <a:masterClrMapping/>
+  </p:clrMapOvr>
+</p:sld>
+</file>
+
+<file path=ppt/slides/slide19.xml><?xml version="1.0" encoding="utf-8"?>
+<p:sld xmlns:a="http://schemas.openxmlformats.org/drawingml/2006/main" xmlns:r="http://schemas.openxmlformats.org/officeDocument/2006/relationships" xmlns:p="http://schemas.openxmlformats.org/presentationml/2006/main">
+  <p:cSld>
+    <p:spTree>
+      <p:nvGrpSpPr>
+        <p:cNvPr id="1" name=""/>
+        <p:cNvGrpSpPr/>
+        <p:nvPr/>
+      </p:nvGrpSpPr>
+      <p:grpSpPr>
+        <a:xfrm>
+          <a:off x="0" y="0"/>
+          <a:ext cx="0" cy="0"/>
+          <a:chOff x="0" y="0"/>
+          <a:chExt cx="0" cy="0"/>
+        </a:xfrm>
+      </p:grpSpPr>
+      <p:sp>
+        <p:nvSpPr>
+          <p:cNvPr id="2" name="Title 1"/>
+          <p:cNvSpPr>
+            <a:spLocks noGrp="1"/>
+          </p:cNvSpPr>
+          <p:nvPr>
+            <p:ph type="title"/>
+          </p:nvPr>
+        </p:nvSpPr>
+        <p:spPr>
+          <a:xfrm>
+            <a:off x="2592925" y="624110"/>
+            <a:ext cx="8911687" cy="780484"/>
+          </a:xfrm>
+        </p:spPr>
+        <p:txBody>
+          <a:bodyPr/>
+          <a:lstStyle/>
+          <a:p>
+            <a:pPr algn="ctr"/>
+            <a:r>
+              <a:rPr lang="en-US" dirty="0" smtClean="0"/>
+              <a:t>ER </a:t>
+            </a:r>
+            <a:r>
+              <a:rPr lang="en-US" dirty="0" smtClean="0">
+                <a:latin typeface="Algerian" panose="04020705040A02060702" pitchFamily="82" charset="0"/>
+              </a:rPr>
+              <a:t>DIAGRAM</a:t>
+            </a:r>
+            <a:endParaRPr lang="en-IN" dirty="0">
+              <a:latin typeface="Algerian" panose="04020705040A02060702" pitchFamily="82" charset="0"/>
+            </a:endParaRPr>
+          </a:p>
+        </p:txBody>
+      </p:sp>
+      <p:pic>
+        <p:nvPicPr>
+          <p:cNvPr id="4" name="Content Placeholder 3"/>
+          <p:cNvPicPr>
+            <a:picLocks noGrp="1" noChangeAspect="1"/>
+          </p:cNvPicPr>
+          <p:nvPr>
+            <p:ph idx="1"/>
+          </p:nvPr>
+        </p:nvPicPr>
+        <p:blipFill>
+          <a:blip r:embed="rId2" cstate="print"/>
+          <a:stretch>
+            <a:fillRect/>
+          </a:stretch>
+        </p:blipFill>
+        <p:spPr>
+          <a:xfrm>
+            <a:off x="2451698" y="1404594"/>
+            <a:ext cx="9124417" cy="4685720"/>
           </a:xfrm>
           <a:prstGeom prst="roundRect">
             <a:avLst>
@@ -11145,132 +11237,6 @@
           </a:sp3d>
         </p:spPr>
       </p:pic>
-    </p:spTree>
-    <p:extLst>
-      <p:ext uri="{BB962C8B-B14F-4D97-AF65-F5344CB8AC3E}">
-        <p14:creationId xmlns:p14="http://schemas.microsoft.com/office/powerpoint/2010/main" val="1974539145"/>
-      </p:ext>
-    </p:extLst>
-  </p:cSld>
-  <p:clrMapOvr>
-    <a:masterClrMapping/>
-  </p:clrMapOvr>
-  <p:timing>
-    <p:tnLst>
-      <p:par>
-        <p:cTn id="1" dur="indefinite" restart="never" nodeType="tmRoot"/>
-      </p:par>
-    </p:tnLst>
-  </p:timing>
-</p:sld>
-</file>
-
-<file path=ppt/slides/slide19.xml><?xml version="1.0" encoding="utf-8"?>
-<p:sld xmlns:a="http://schemas.openxmlformats.org/drawingml/2006/main" xmlns:r="http://schemas.openxmlformats.org/officeDocument/2006/relationships" xmlns:p="http://schemas.openxmlformats.org/presentationml/2006/main">
-  <p:cSld>
-    <p:spTree>
-      <p:nvGrpSpPr>
-        <p:cNvPr id="1" name=""/>
-        <p:cNvGrpSpPr/>
-        <p:nvPr/>
-      </p:nvGrpSpPr>
-      <p:grpSpPr>
-        <a:xfrm>
-          <a:off x="0" y="0"/>
-          <a:ext cx="0" cy="0"/>
-          <a:chOff x="0" y="0"/>
-          <a:chExt cx="0" cy="0"/>
-        </a:xfrm>
-      </p:grpSpPr>
-      <p:sp>
-        <p:nvSpPr>
-          <p:cNvPr id="2" name="Title 1"/>
-          <p:cNvSpPr>
-            <a:spLocks noGrp="1"/>
-          </p:cNvSpPr>
-          <p:nvPr>
-            <p:ph type="title"/>
-          </p:nvPr>
-        </p:nvSpPr>
-        <p:spPr>
-          <a:xfrm>
-            <a:off x="2592925" y="624110"/>
-            <a:ext cx="8911687" cy="780484"/>
-          </a:xfrm>
-        </p:spPr>
-        <p:txBody>
-          <a:bodyPr/>
-          <a:lstStyle/>
-          <a:p>
-            <a:pPr algn="ctr"/>
-            <a:r>
-              <a:rPr lang="en-US" dirty="0" smtClean="0"/>
-              <a:t>ER </a:t>
-            </a:r>
-            <a:r>
-              <a:rPr lang="en-US" dirty="0" smtClean="0">
-                <a:latin typeface="Algerian" panose="04020705040A02060702" pitchFamily="82" charset="0"/>
-              </a:rPr>
-              <a:t>DIAGRAM</a:t>
-            </a:r>
-            <a:endParaRPr lang="en-IN" dirty="0">
-              <a:latin typeface="Algerian" panose="04020705040A02060702" pitchFamily="82" charset="0"/>
-            </a:endParaRPr>
-          </a:p>
-        </p:txBody>
-      </p:sp>
-      <p:pic>
-        <p:nvPicPr>
-          <p:cNvPr id="4" name="Content Placeholder 3"/>
-          <p:cNvPicPr>
-            <a:picLocks noGrp="1" noChangeAspect="1"/>
-          </p:cNvPicPr>
-          <p:nvPr>
-            <p:ph idx="1"/>
-          </p:nvPr>
-        </p:nvPicPr>
-        <p:blipFill>
-          <a:blip r:embed="rId2" cstate="print"/>
-          <a:stretch>
-            <a:fillRect/>
-          </a:stretch>
-        </p:blipFill>
-        <p:spPr>
-          <a:xfrm>
-            <a:off x="2451698" y="1404594"/>
-            <a:ext cx="9124417" cy="4685720"/>
-          </a:xfrm>
-          <a:prstGeom prst="roundRect">
-            <a:avLst>
-              <a:gd name="adj" fmla="val 4167"/>
-            </a:avLst>
-          </a:prstGeom>
-          <a:solidFill>
-            <a:srgbClr val="FFFFFF"/>
-          </a:solidFill>
-          <a:ln w="76200" cap="sq">
-            <a:solidFill>
-              <a:srgbClr val="292929"/>
-            </a:solidFill>
-            <a:miter lim="800000"/>
-          </a:ln>
-          <a:effectLst>
-            <a:reflection blurRad="12700" stA="28000" endPos="28000" dist="5000" dir="5400000" sy="-100000" algn="bl" rotWithShape="0"/>
-          </a:effectLst>
-          <a:scene3d>
-            <a:camera prst="orthographicFront"/>
-            <a:lightRig rig="threePt" dir="t">
-              <a:rot lat="0" lon="0" rev="2700000"/>
-            </a:lightRig>
-          </a:scene3d>
-          <a:sp3d>
-            <a:bevelT h="38100"/>
-            <a:contourClr>
-              <a:srgbClr val="C0C0C0"/>
-            </a:contourClr>
-          </a:sp3d>
-        </p:spPr>
-      </p:pic>
       <p:sp>
         <p:nvSpPr>
           <p:cNvPr id="5" name="TextBox 4"/>
@@ -11309,7 +11275,7 @@
     </p:spTree>
     <p:extLst>
       <p:ext uri="{BB962C8B-B14F-4D97-AF65-F5344CB8AC3E}">
-        <p14:creationId xmlns:p14="http://schemas.microsoft.com/office/powerpoint/2010/main" val="1717095262"/>
+        <p14:creationId xmlns:p14="http://schemas.microsoft.com/office/powerpoint/2010/main" xmlns="" val="1717095262"/>
       </p:ext>
     </p:extLst>
   </p:cSld>
@@ -11529,7 +11495,7 @@
     </p:spTree>
     <p:extLst>
       <p:ext uri="{BB962C8B-B14F-4D97-AF65-F5344CB8AC3E}">
-        <p14:creationId xmlns:p14="http://schemas.microsoft.com/office/powerpoint/2010/main" val="2052618121"/>
+        <p14:creationId xmlns:p14="http://schemas.microsoft.com/office/powerpoint/2010/main" xmlns="" val="2052618121"/>
       </p:ext>
     </p:extLst>
   </p:cSld>
@@ -11608,7 +11574,7 @@
         </p:nvSpPr>
         <p:spPr>
           <a:xfrm>
-            <a:off x="3525624" y="6366120"/>
+            <a:off x="3978111" y="6384973"/>
             <a:ext cx="6344240" cy="369332"/>
           </a:xfrm>
           <a:prstGeom prst="rect">
@@ -11650,44 +11616,40 @@
         </p:blipFill>
         <p:spPr bwMode="auto">
           <a:xfrm>
-            <a:off x="2007909" y="1381351"/>
-            <a:ext cx="9605914" cy="4731479"/>
-          </a:xfrm>
-          <a:prstGeom prst="roundRect">
-            <a:avLst>
-              <a:gd name="adj" fmla="val 4167"/>
-            </a:avLst>
+            <a:off x="2761488" y="1381351"/>
+            <a:ext cx="7936992" cy="4731479"/>
+          </a:xfrm>
+          <a:prstGeom prst="rect">
+            <a:avLst/>
           </a:prstGeom>
-          <a:solidFill>
-            <a:srgbClr val="FFFFFF"/>
-          </a:solidFill>
-          <a:ln w="76200" cap="sq">
-            <a:solidFill>
-              <a:srgbClr val="292929"/>
-            </a:solidFill>
-            <a:miter lim="800000"/>
+          <a:noFill/>
+          <a:ln>
+            <a:noFill/>
           </a:ln>
           <a:effectLst>
-            <a:reflection blurRad="12700" stA="28000" endPos="28000" dist="5000" dir="5400000" sy="-100000" algn="bl" rotWithShape="0"/>
+            <a:outerShdw blurRad="44450" dist="27940" dir="5400000" algn="ctr">
+              <a:srgbClr val="000000">
+                <a:alpha val="32000"/>
+              </a:srgbClr>
+            </a:outerShdw>
           </a:effectLst>
           <a:scene3d>
-            <a:camera prst="orthographicFront"/>
-            <a:lightRig rig="threePt" dir="t">
-              <a:rot lat="0" lon="0" rev="2700000"/>
+            <a:camera prst="orthographicFront">
+              <a:rot lat="0" lon="0" rev="0"/>
+            </a:camera>
+            <a:lightRig rig="balanced" dir="t">
+              <a:rot lat="0" lon="0" rev="8700000"/>
             </a:lightRig>
           </a:scene3d>
           <a:sp3d>
-            <a:bevelT h="38100"/>
-            <a:contourClr>
-              <a:srgbClr val="C0C0C0"/>
-            </a:contourClr>
+            <a:bevelT w="190500" h="38100"/>
           </a:sp3d>
         </p:spPr>
       </p:pic>
     </p:spTree>
     <p:extLst>
       <p:ext uri="{BB962C8B-B14F-4D97-AF65-F5344CB8AC3E}">
-        <p14:creationId xmlns:p14="http://schemas.microsoft.com/office/powerpoint/2010/main" val="2992944003"/>
+        <p14:creationId xmlns:p14="http://schemas.microsoft.com/office/powerpoint/2010/main" xmlns="" val="2992944003"/>
       </p:ext>
     </p:extLst>
   </p:cSld>
@@ -11775,35 +11737,10 @@
             <a:off x="1632903" y="1446848"/>
             <a:ext cx="9407274" cy="4588192"/>
           </a:xfrm>
-          <a:prstGeom prst="roundRect">
-            <a:avLst>
-              <a:gd name="adj" fmla="val 4167"/>
-            </a:avLst>
+          <a:prstGeom prst="rect">
+            <a:avLst/>
           </a:prstGeom>
-          <a:solidFill>
-            <a:srgbClr val="FFFFFF"/>
-          </a:solidFill>
-          <a:ln w="76200" cap="sq">
-            <a:solidFill>
-              <a:srgbClr val="292929"/>
-            </a:solidFill>
-            <a:miter lim="800000"/>
-          </a:ln>
-          <a:effectLst>
-            <a:reflection blurRad="12700" stA="28000" endPos="28000" dist="5000" dir="5400000" sy="-100000" algn="bl" rotWithShape="0"/>
-          </a:effectLst>
-          <a:scene3d>
-            <a:camera prst="orthographicFront"/>
-            <a:lightRig rig="threePt" dir="t">
-              <a:rot lat="0" lon="0" rev="2700000"/>
-            </a:lightRig>
-          </a:scene3d>
-          <a:sp3d>
-            <a:bevelT h="38100"/>
-            <a:contourClr>
-              <a:srgbClr val="C0C0C0"/>
-            </a:contourClr>
-          </a:sp3d>
+          <a:noFill/>
         </p:spPr>
       </p:pic>
       <p:sp>
@@ -11839,20 +11776,13 @@
     </p:spTree>
     <p:extLst>
       <p:ext uri="{BB962C8B-B14F-4D97-AF65-F5344CB8AC3E}">
-        <p14:creationId xmlns:p14="http://schemas.microsoft.com/office/powerpoint/2010/main" val="3059376019"/>
+        <p14:creationId xmlns:p14="http://schemas.microsoft.com/office/powerpoint/2010/main" xmlns="" val="3059376019"/>
       </p:ext>
     </p:extLst>
   </p:cSld>
   <p:clrMapOvr>
     <a:masterClrMapping/>
   </p:clrMapOvr>
-  <p:timing>
-    <p:tnLst>
-      <p:par>
-        <p:cTn id="1" dur="indefinite" restart="never" nodeType="tmRoot"/>
-      </p:par>
-    </p:tnLst>
-  </p:timing>
 </p:sld>
 </file>
 
@@ -11927,35 +11857,10 @@
             <a:off x="2156778" y="1306514"/>
             <a:ext cx="8399462" cy="5069466"/>
           </a:xfrm>
-          <a:prstGeom prst="roundRect">
-            <a:avLst>
-              <a:gd name="adj" fmla="val 4167"/>
-            </a:avLst>
+          <a:prstGeom prst="rect">
+            <a:avLst/>
           </a:prstGeom>
-          <a:solidFill>
-            <a:srgbClr val="FFFFFF"/>
-          </a:solidFill>
-          <a:ln w="76200" cap="sq">
-            <a:solidFill>
-              <a:srgbClr val="292929"/>
-            </a:solidFill>
-            <a:miter lim="800000"/>
-          </a:ln>
-          <a:effectLst>
-            <a:reflection blurRad="12700" stA="28000" endPos="28000" dist="5000" dir="5400000" sy="-100000" algn="bl" rotWithShape="0"/>
-          </a:effectLst>
-          <a:scene3d>
-            <a:camera prst="orthographicFront"/>
-            <a:lightRig rig="threePt" dir="t">
-              <a:rot lat="0" lon="0" rev="2700000"/>
-            </a:lightRig>
-          </a:scene3d>
-          <a:sp3d>
-            <a:bevelT h="38100"/>
-            <a:contourClr>
-              <a:srgbClr val="C0C0C0"/>
-            </a:contourClr>
-          </a:sp3d>
+          <a:noFill/>
         </p:spPr>
       </p:pic>
       <p:sp>
@@ -11981,7 +11886,15 @@
           <a:p>
             <a:r>
               <a:rPr lang="en-IN" b="1" dirty="0" smtClean="0"/>
-              <a:t>Level 1 DFD</a:t>
+              <a:t>Level </a:t>
+            </a:r>
+            <a:r>
+              <a:rPr lang="en-IN" b="1" dirty="0" smtClean="0"/>
+              <a:t>1 </a:t>
+            </a:r>
+            <a:r>
+              <a:rPr lang="en-IN" b="1" dirty="0" smtClean="0"/>
+              <a:t>DFD</a:t>
             </a:r>
             <a:endParaRPr lang="en-US" b="1" dirty="0"/>
           </a:p>
@@ -11990,20 +11903,13 @@
     </p:spTree>
     <p:extLst>
       <p:ext uri="{BB962C8B-B14F-4D97-AF65-F5344CB8AC3E}">
-        <p14:creationId xmlns:p14="http://schemas.microsoft.com/office/powerpoint/2010/main" val="3059376019"/>
+        <p14:creationId xmlns:p14="http://schemas.microsoft.com/office/powerpoint/2010/main" xmlns="" val="3059376019"/>
       </p:ext>
     </p:extLst>
   </p:cSld>
   <p:clrMapOvr>
     <a:masterClrMapping/>
   </p:clrMapOvr>
-  <p:timing>
-    <p:tnLst>
-      <p:par>
-        <p:cTn id="1" dur="indefinite" restart="never" nodeType="tmRoot"/>
-      </p:par>
-    </p:tnLst>
-  </p:timing>
 </p:sld>
 </file>
 
@@ -12075,38 +11981,13 @@
         </p:blipFill>
         <p:spPr bwMode="auto">
           <a:xfrm>
-            <a:off x="1946120" y="1301952"/>
-            <a:ext cx="9083240" cy="5085860"/>
-          </a:xfrm>
-          <a:prstGeom prst="roundRect">
-            <a:avLst>
-              <a:gd name="adj" fmla="val 4167"/>
-            </a:avLst>
+            <a:off x="2464595" y="1301952"/>
+            <a:ext cx="7238205" cy="5085860"/>
+          </a:xfrm>
+          <a:prstGeom prst="rect">
+            <a:avLst/>
           </a:prstGeom>
-          <a:solidFill>
-            <a:srgbClr val="FFFFFF"/>
-          </a:solidFill>
-          <a:ln w="76200" cap="sq">
-            <a:solidFill>
-              <a:srgbClr val="292929"/>
-            </a:solidFill>
-            <a:miter lim="800000"/>
-          </a:ln>
-          <a:effectLst>
-            <a:reflection blurRad="12700" stA="28000" endPos="28000" dist="5000" dir="5400000" sy="-100000" algn="bl" rotWithShape="0"/>
-          </a:effectLst>
-          <a:scene3d>
-            <a:camera prst="orthographicFront"/>
-            <a:lightRig rig="threePt" dir="t">
-              <a:rot lat="0" lon="0" rev="2700000"/>
-            </a:lightRig>
-          </a:scene3d>
-          <a:sp3d>
-            <a:bevelT h="38100"/>
-            <a:contourClr>
-              <a:srgbClr val="C0C0C0"/>
-            </a:contourClr>
-          </a:sp3d>
+          <a:noFill/>
         </p:spPr>
       </p:pic>
       <p:sp>
@@ -12117,7 +11998,7 @@
         </p:nvSpPr>
         <p:spPr>
           <a:xfrm>
-            <a:off x="5340103" y="6488668"/>
+            <a:off x="5183593" y="6488668"/>
             <a:ext cx="1459054" cy="369332"/>
           </a:xfrm>
           <a:prstGeom prst="rect">
@@ -12125,14 +12006,22 @@
           </a:prstGeom>
         </p:spPr>
         <p:txBody>
-          <a:bodyPr wrap="square">
+          <a:bodyPr wrap="none">
             <a:spAutoFit/>
           </a:bodyPr>
           <a:lstStyle/>
           <a:p>
             <a:r>
               <a:rPr lang="en-IN" b="1" dirty="0" smtClean="0"/>
-              <a:t>Level 2 DFD</a:t>
+              <a:t>Level </a:t>
+            </a:r>
+            <a:r>
+              <a:rPr lang="en-IN" b="1" dirty="0" smtClean="0"/>
+              <a:t>2 </a:t>
+            </a:r>
+            <a:r>
+              <a:rPr lang="en-IN" b="1" dirty="0" smtClean="0"/>
+              <a:t>DFD</a:t>
             </a:r>
             <a:endParaRPr lang="en-US" b="1" dirty="0"/>
           </a:p>
@@ -12141,7 +12030,7 @@
     </p:spTree>
     <p:extLst>
       <p:ext uri="{BB962C8B-B14F-4D97-AF65-F5344CB8AC3E}">
-        <p14:creationId xmlns:p14="http://schemas.microsoft.com/office/powerpoint/2010/main" val="3059376019"/>
+        <p14:creationId xmlns:p14="http://schemas.microsoft.com/office/powerpoint/2010/main" xmlns="" val="3059376019"/>
       </p:ext>
     </p:extLst>
   </p:cSld>
@@ -12324,7 +12213,7 @@
     </p:spTree>
     <p:extLst>
       <p:ext uri="{BB962C8B-B14F-4D97-AF65-F5344CB8AC3E}">
-        <p14:creationId xmlns:p14="http://schemas.microsoft.com/office/powerpoint/2010/main" val="3968908613"/>
+        <p14:creationId xmlns:p14="http://schemas.microsoft.com/office/powerpoint/2010/main" xmlns="" val="3968908613"/>
       </p:ext>
     </p:extLst>
   </p:cSld>
@@ -12561,7 +12450,7 @@
     </p:spTree>
     <p:extLst>
       <p:ext uri="{BB962C8B-B14F-4D97-AF65-F5344CB8AC3E}">
-        <p14:creationId xmlns:p14="http://schemas.microsoft.com/office/powerpoint/2010/main" val="1379778435"/>
+        <p14:creationId xmlns:p14="http://schemas.microsoft.com/office/powerpoint/2010/main" xmlns="" val="1379778435"/>
       </p:ext>
     </p:extLst>
   </p:cSld>
@@ -12666,7 +12555,7 @@
     </p:spTree>
     <p:extLst>
       <p:ext uri="{BB962C8B-B14F-4D97-AF65-F5344CB8AC3E}">
-        <p14:creationId xmlns:p14="http://schemas.microsoft.com/office/powerpoint/2010/main" val="3097096989"/>
+        <p14:creationId xmlns:p14="http://schemas.microsoft.com/office/powerpoint/2010/main" xmlns="" val="3097096989"/>
       </p:ext>
     </p:extLst>
   </p:cSld>
@@ -12769,7 +12658,7 @@
     </p:spTree>
     <p:extLst>
       <p:ext uri="{BB962C8B-B14F-4D97-AF65-F5344CB8AC3E}">
-        <p14:creationId xmlns:p14="http://schemas.microsoft.com/office/powerpoint/2010/main" val="3184472628"/>
+        <p14:creationId xmlns:p14="http://schemas.microsoft.com/office/powerpoint/2010/main" xmlns="" val="3184472628"/>
       </p:ext>
     </p:extLst>
   </p:cSld>
@@ -12994,7 +12883,7 @@
     </p:spTree>
     <p:extLst>
       <p:ext uri="{BB962C8B-B14F-4D97-AF65-F5344CB8AC3E}">
-        <p14:creationId xmlns:p14="http://schemas.microsoft.com/office/powerpoint/2010/main" val="1027228061"/>
+        <p14:creationId xmlns:p14="http://schemas.microsoft.com/office/powerpoint/2010/main" xmlns="" val="1027228061"/>
       </p:ext>
     </p:extLst>
   </p:cSld>
@@ -13149,7 +13038,7 @@
     </p:spTree>
     <p:extLst>
       <p:ext uri="{BB962C8B-B14F-4D97-AF65-F5344CB8AC3E}">
-        <p14:creationId xmlns:p14="http://schemas.microsoft.com/office/powerpoint/2010/main" val="2020973106"/>
+        <p14:creationId xmlns:p14="http://schemas.microsoft.com/office/powerpoint/2010/main" xmlns="" val="2020973106"/>
       </p:ext>
     </p:extLst>
   </p:cSld>
@@ -13230,7 +13119,7 @@
           <a:blip r:embed="rId2" cstate="print">
             <a:extLst>
               <a:ext uri="{28A0092B-C50C-407E-A947-70E740481C1C}">
-                <a14:useLocalDpi xmlns:a14="http://schemas.microsoft.com/office/drawing/2010/main" val="0"/>
+                <a14:useLocalDpi xmlns:a14="http://schemas.microsoft.com/office/drawing/2010/main" xmlns="" val="0"/>
               </a:ext>
             </a:extLst>
           </a:blip>
@@ -13277,7 +13166,7 @@
     </p:spTree>
     <p:extLst>
       <p:ext uri="{BB962C8B-B14F-4D97-AF65-F5344CB8AC3E}">
-        <p14:creationId xmlns:p14="http://schemas.microsoft.com/office/powerpoint/2010/main" val="551090893"/>
+        <p14:creationId xmlns:p14="http://schemas.microsoft.com/office/powerpoint/2010/main" xmlns="" val="551090893"/>
       </p:ext>
     </p:extLst>
   </p:cSld>
@@ -13729,13 +13618,6 @@
   <p:clrMapOvr>
     <a:masterClrMapping/>
   </p:clrMapOvr>
-  <p:timing>
-    <p:tnLst>
-      <p:par>
-        <p:cTn id="1" dur="indefinite" restart="never" nodeType="tmRoot"/>
-      </p:par>
-    </p:tnLst>
-  </p:timing>
 </p:sld>
 </file>
 
@@ -14278,7 +14160,7 @@
     </p:spTree>
     <p:extLst>
       <p:ext uri="{BB962C8B-B14F-4D97-AF65-F5344CB8AC3E}">
-        <p14:creationId xmlns:p14="http://schemas.microsoft.com/office/powerpoint/2010/main" val="1361238431"/>
+        <p14:creationId xmlns:p14="http://schemas.microsoft.com/office/powerpoint/2010/main" xmlns="" val="1361238431"/>
       </p:ext>
     </p:extLst>
   </p:cSld>
@@ -15380,7 +15262,7 @@
     </p:spTree>
     <p:extLst>
       <p:ext uri="{BB962C8B-B14F-4D97-AF65-F5344CB8AC3E}">
-        <p14:creationId xmlns:p14="http://schemas.microsoft.com/office/powerpoint/2010/main" val="2347577460"/>
+        <p14:creationId xmlns:p14="http://schemas.microsoft.com/office/powerpoint/2010/main" xmlns="" val="2347577460"/>
       </p:ext>
     </p:extLst>
   </p:cSld>
@@ -15463,7 +15345,7 @@
     </p:spTree>
     <p:extLst>
       <p:ext uri="{BB962C8B-B14F-4D97-AF65-F5344CB8AC3E}">
-        <p14:creationId xmlns:p14="http://schemas.microsoft.com/office/powerpoint/2010/main" val="1912276581"/>
+        <p14:creationId xmlns:p14="http://schemas.microsoft.com/office/powerpoint/2010/main" xmlns="" val="1912276581"/>
       </p:ext>
     </p:extLst>
   </p:cSld>
@@ -15679,7 +15561,7 @@
     </p:spTree>
     <p:extLst>
       <p:ext uri="{BB962C8B-B14F-4D97-AF65-F5344CB8AC3E}">
-        <p14:creationId xmlns:p14="http://schemas.microsoft.com/office/powerpoint/2010/main" val="2625934534"/>
+        <p14:creationId xmlns:p14="http://schemas.microsoft.com/office/powerpoint/2010/main" xmlns="" val="2625934534"/>
       </p:ext>
     </p:extLst>
   </p:cSld>
@@ -15842,7 +15724,7 @@
     </p:spTree>
     <p:extLst>
       <p:ext uri="{BB962C8B-B14F-4D97-AF65-F5344CB8AC3E}">
-        <p14:creationId xmlns:p14="http://schemas.microsoft.com/office/powerpoint/2010/main" val="1400058215"/>
+        <p14:creationId xmlns:p14="http://schemas.microsoft.com/office/powerpoint/2010/main" xmlns="" val="1400058215"/>
       </p:ext>
     </p:extLst>
   </p:cSld>
@@ -16068,7 +15950,7 @@
     </p:spTree>
     <p:extLst>
       <p:ext uri="{BB962C8B-B14F-4D97-AF65-F5344CB8AC3E}">
-        <p14:creationId xmlns:p14="http://schemas.microsoft.com/office/powerpoint/2010/main" val="1165276255"/>
+        <p14:creationId xmlns:p14="http://schemas.microsoft.com/office/powerpoint/2010/main" xmlns="" val="1165276255"/>
       </p:ext>
     </p:extLst>
   </p:cSld>
@@ -16217,7 +16099,7 @@
     </p:spTree>
     <p:extLst>
       <p:ext uri="{BB962C8B-B14F-4D97-AF65-F5344CB8AC3E}">
-        <p14:creationId xmlns:p14="http://schemas.microsoft.com/office/powerpoint/2010/main" val="2972335740"/>
+        <p14:creationId xmlns:p14="http://schemas.microsoft.com/office/powerpoint/2010/main" xmlns="" val="2972335740"/>
       </p:ext>
     </p:extLst>
   </p:cSld>
@@ -16429,7 +16311,7 @@
           <a:blip r:embed="rId2" cstate="print">
             <a:extLst>
               <a:ext uri="{28A0092B-C50C-407E-A947-70E740481C1C}">
-                <a14:useLocalDpi xmlns:a14="http://schemas.microsoft.com/office/drawing/2010/main" val="0"/>
+                <a14:useLocalDpi xmlns:a14="http://schemas.microsoft.com/office/drawing/2010/main" xmlns="" val="0"/>
               </a:ext>
             </a:extLst>
           </a:blip>
@@ -16485,7 +16367,7 @@
           <a:blip r:embed="rId3" cstate="print">
             <a:extLst>
               <a:ext uri="{28A0092B-C50C-407E-A947-70E740481C1C}">
-                <a14:useLocalDpi xmlns:a14="http://schemas.microsoft.com/office/drawing/2010/main" val="0"/>
+                <a14:useLocalDpi xmlns:a14="http://schemas.microsoft.com/office/drawing/2010/main" xmlns="" val="0"/>
               </a:ext>
             </a:extLst>
           </a:blip>
@@ -16670,7 +16552,7 @@
           <a:blip r:embed="rId2" cstate="print">
             <a:extLst>
               <a:ext uri="{28A0092B-C50C-407E-A947-70E740481C1C}">
-                <a14:useLocalDpi xmlns:a14="http://schemas.microsoft.com/office/drawing/2010/main" val="0"/>
+                <a14:useLocalDpi xmlns:a14="http://schemas.microsoft.com/office/drawing/2010/main" xmlns="" val="0"/>
               </a:ext>
             </a:extLst>
           </a:blip>
@@ -16717,7 +16599,7 @@
     </p:spTree>
     <p:extLst>
       <p:ext uri="{BB962C8B-B14F-4D97-AF65-F5344CB8AC3E}">
-        <p14:creationId xmlns:p14="http://schemas.microsoft.com/office/powerpoint/2010/main" val="2841187319"/>
+        <p14:creationId xmlns:p14="http://schemas.microsoft.com/office/powerpoint/2010/main" xmlns="" val="2841187319"/>
       </p:ext>
     </p:extLst>
   </p:cSld>
@@ -16971,7 +16853,7 @@
   <a:extraClrSchemeLst/>
   <a:extLst>
     <a:ext uri="{05A4C25C-085E-4340-85A3-A5531E510DB2}">
-      <thm15:themeFamily xmlns:thm15="http://schemas.microsoft.com/office/thememl/2012/main" name="Wisp" id="{7CB32D59-10C0-40DD-B7BD-2E94284A981C}" vid="{F20B7C8E-B819-43F3-AAF9-EE50B1A83630}"/>
+      <thm15:themeFamily xmlns:thm15="http://schemas.microsoft.com/office/thememl/2012/main" xmlns="" name="Wisp" id="{7CB32D59-10C0-40DD-B7BD-2E94284A981C}" vid="{F20B7C8E-B819-43F3-AAF9-EE50B1A83630}"/>
     </a:ext>
   </a:extLst>
 </a:theme>
@@ -17232,7 +17114,7 @@
   <a:extraClrSchemeLst/>
   <a:extLst>
     <a:ext uri="{05A4C25C-085E-4340-85A3-A5531E510DB2}">
-      <thm15:themeFamily xmlns:thm15="http://schemas.microsoft.com/office/thememl/2012/main" name="Office Theme" id="{62F939B6-93AF-4DB8-9C6B-D6C7DFDC589F}" vid="{4A3C46E8-61CC-4603-A589-7422A47A8E4A}"/>
+      <thm15:themeFamily xmlns:thm15="http://schemas.microsoft.com/office/thememl/2012/main" xmlns="" name="Office Theme" id="{62F939B6-93AF-4DB8-9C6B-D6C7DFDC589F}" vid="{4A3C46E8-61CC-4603-A589-7422A47A8E4A}"/>
     </a:ext>
   </a:extLst>
 </a:theme>
